--- a/Data Analytics template - Task 3_final.pptx
+++ b/Data Analytics template - Task 3_final.pptx
@@ -168,6 +168,7288 @@
     </p:ext>
   </p:extLst>
 </p:presentation>
+</file>
+
+<file path=ppt/charts/chart1.xml><?xml version="1.0" encoding="utf-8"?>
+<c:chartSpace xmlns:c="http://schemas.openxmlformats.org/drawingml/2006/chart" xmlns:a="http://schemas.openxmlformats.org/drawingml/2006/main" xmlns:r="http://schemas.openxmlformats.org/officeDocument/2006/relationships" xmlns:c16r2="http://schemas.microsoft.com/office/drawing/2015/06/chart">
+  <c:date1904 val="0"/>
+  <c:lang val="en-US"/>
+  <c:roundedCorners val="0"/>
+  <mc:AlternateContent xmlns:mc="http://schemas.openxmlformats.org/markup-compatibility/2006">
+    <mc:Choice xmlns:c14="http://schemas.microsoft.com/office/drawing/2007/8/2/chart" Requires="c14">
+      <c14:style val="103"/>
+    </mc:Choice>
+    <mc:Fallback>
+      <c:style val="3"/>
+    </mc:Fallback>
+  </mc:AlternateContent>
+  <c:pivotSource>
+    <c:name>[Reactions.xlsx]Sheet1!PivotTable1</c:name>
+    <c:fmtId val="19"/>
+  </c:pivotSource>
+  <c:chart>
+    <c:autoTitleDeleted val="0"/>
+    <c:pivotFmts>
+      <c:pivotFmt>
+        <c:idx val="0"/>
+        <c:spPr>
+          <a:gradFill rotWithShape="1">
+            <a:gsLst>
+              <a:gs pos="0">
+                <a:schemeClr val="accent1">
+                  <a:satMod val="103000"/>
+                  <a:lumMod val="102000"/>
+                  <a:tint val="94000"/>
+                </a:schemeClr>
+              </a:gs>
+              <a:gs pos="50000">
+                <a:schemeClr val="accent1">
+                  <a:satMod val="110000"/>
+                  <a:lumMod val="100000"/>
+                  <a:shade val="100000"/>
+                </a:schemeClr>
+              </a:gs>
+              <a:gs pos="100000">
+                <a:schemeClr val="accent1">
+                  <a:lumMod val="99000"/>
+                  <a:satMod val="120000"/>
+                  <a:shade val="78000"/>
+                </a:schemeClr>
+              </a:gs>
+            </a:gsLst>
+            <a:lin ang="5400000" scaled="0"/>
+          </a:gradFill>
+          <a:ln>
+            <a:noFill/>
+          </a:ln>
+          <a:effectLst>
+            <a:outerShdw blurRad="57150" dist="19050" dir="5400000" algn="ctr" rotWithShape="0">
+              <a:srgbClr val="000000">
+                <a:alpha val="63000"/>
+              </a:srgbClr>
+            </a:outerShdw>
+          </a:effectLst>
+          <a:scene3d>
+            <a:camera prst="orthographicFront">
+              <a:rot lat="0" lon="0" rev="0"/>
+            </a:camera>
+            <a:lightRig rig="threePt" dir="t">
+              <a:rot lat="0" lon="0" rev="1200000"/>
+            </a:lightRig>
+          </a:scene3d>
+          <a:sp3d>
+            <a:bevelT w="63500" h="25400"/>
+          </a:sp3d>
+        </c:spPr>
+        <c:marker>
+          <c:symbol val="circle"/>
+          <c:size val="6"/>
+          <c:spPr>
+            <a:gradFill rotWithShape="1">
+              <a:gsLst>
+                <a:gs pos="0">
+                  <a:schemeClr val="accent1">
+                    <a:shade val="65000"/>
+                    <a:satMod val="103000"/>
+                    <a:lumMod val="102000"/>
+                    <a:tint val="94000"/>
+                  </a:schemeClr>
+                </a:gs>
+                <a:gs pos="50000">
+                  <a:schemeClr val="accent1">
+                    <a:shade val="65000"/>
+                    <a:satMod val="110000"/>
+                    <a:lumMod val="100000"/>
+                    <a:shade val="100000"/>
+                  </a:schemeClr>
+                </a:gs>
+                <a:gs pos="100000">
+                  <a:schemeClr val="accent1">
+                    <a:shade val="65000"/>
+                    <a:lumMod val="99000"/>
+                    <a:satMod val="120000"/>
+                    <a:shade val="78000"/>
+                  </a:schemeClr>
+                </a:gs>
+              </a:gsLst>
+              <a:lin ang="5400000" scaled="0"/>
+            </a:gradFill>
+            <a:ln w="9525">
+              <a:solidFill>
+                <a:schemeClr val="accent1">
+                  <a:shade val="65000"/>
+                </a:schemeClr>
+              </a:solidFill>
+              <a:round/>
+            </a:ln>
+            <a:effectLst>
+              <a:outerShdw blurRad="57150" dist="19050" dir="5400000" algn="ctr" rotWithShape="0">
+                <a:srgbClr val="000000">
+                  <a:alpha val="63000"/>
+                </a:srgbClr>
+              </a:outerShdw>
+            </a:effectLst>
+            <a:scene3d>
+              <a:camera prst="orthographicFront">
+                <a:rot lat="0" lon="0" rev="0"/>
+              </a:camera>
+              <a:lightRig rig="threePt" dir="t">
+                <a:rot lat="0" lon="0" rev="1200000"/>
+              </a:lightRig>
+            </a:scene3d>
+            <a:sp3d>
+              <a:bevelT w="63500" h="25400"/>
+            </a:sp3d>
+          </c:spPr>
+        </c:marker>
+        <c:dLbl>
+          <c:idx val="0"/>
+          <c:spPr>
+            <a:noFill/>
+            <a:ln>
+              <a:noFill/>
+            </a:ln>
+            <a:effectLst/>
+          </c:spPr>
+          <c:txPr>
+            <a:bodyPr rot="0" spcFirstLastPara="1" vertOverflow="ellipsis" vert="horz" wrap="square" lIns="38100" tIns="19050" rIns="38100" bIns="19050" anchor="ctr" anchorCtr="1">
+              <a:spAutoFit/>
+            </a:bodyPr>
+            <a:lstStyle/>
+            <a:p>
+              <a:pPr>
+                <a:defRPr sz="900" b="0" i="0" u="none" strike="noStrike" kern="1200" baseline="0">
+                  <a:solidFill>
+                    <a:schemeClr val="lt1">
+                      <a:lumMod val="85000"/>
+                    </a:schemeClr>
+                  </a:solidFill>
+                  <a:latin typeface="+mn-lt"/>
+                  <a:ea typeface="+mn-ea"/>
+                  <a:cs typeface="+mn-cs"/>
+                </a:defRPr>
+              </a:pPr>
+              <a:endParaRPr lang="de-DE"/>
+            </a:p>
+          </c:txPr>
+          <c:showLegendKey val="0"/>
+          <c:showVal val="0"/>
+          <c:showCatName val="0"/>
+          <c:showSerName val="0"/>
+          <c:showPercent val="0"/>
+          <c:showBubbleSize val="0"/>
+          <c:extLst>
+            <c:ext xmlns:c15="http://schemas.microsoft.com/office/drawing/2012/chart" uri="{CE6537A1-D6FC-4f65-9D91-7224C49458BB}"/>
+          </c:extLst>
+        </c:dLbl>
+      </c:pivotFmt>
+      <c:pivotFmt>
+        <c:idx val="1"/>
+        <c:spPr>
+          <a:gradFill rotWithShape="1">
+            <a:gsLst>
+              <a:gs pos="0">
+                <a:schemeClr val="accent1">
+                  <a:satMod val="103000"/>
+                  <a:lumMod val="102000"/>
+                  <a:tint val="94000"/>
+                </a:schemeClr>
+              </a:gs>
+              <a:gs pos="50000">
+                <a:schemeClr val="accent1">
+                  <a:satMod val="110000"/>
+                  <a:lumMod val="100000"/>
+                  <a:shade val="100000"/>
+                </a:schemeClr>
+              </a:gs>
+              <a:gs pos="100000">
+                <a:schemeClr val="accent1">
+                  <a:lumMod val="99000"/>
+                  <a:satMod val="120000"/>
+                  <a:shade val="78000"/>
+                </a:schemeClr>
+              </a:gs>
+            </a:gsLst>
+            <a:lin ang="5400000" scaled="0"/>
+          </a:gradFill>
+          <a:ln>
+            <a:noFill/>
+          </a:ln>
+          <a:effectLst>
+            <a:outerShdw blurRad="57150" dist="19050" dir="5400000" algn="ctr" rotWithShape="0">
+              <a:srgbClr val="000000">
+                <a:alpha val="63000"/>
+              </a:srgbClr>
+            </a:outerShdw>
+          </a:effectLst>
+          <a:scene3d>
+            <a:camera prst="orthographicFront">
+              <a:rot lat="0" lon="0" rev="0"/>
+            </a:camera>
+            <a:lightRig rig="threePt" dir="t">
+              <a:rot lat="0" lon="0" rev="1200000"/>
+            </a:lightRig>
+          </a:scene3d>
+          <a:sp3d>
+            <a:bevelT w="63500" h="25400"/>
+          </a:sp3d>
+        </c:spPr>
+        <c:marker>
+          <c:symbol val="circle"/>
+          <c:size val="6"/>
+          <c:spPr>
+            <a:gradFill rotWithShape="1">
+              <a:gsLst>
+                <a:gs pos="0">
+                  <a:schemeClr val="accent1">
+                    <a:satMod val="103000"/>
+                    <a:lumMod val="102000"/>
+                    <a:tint val="94000"/>
+                  </a:schemeClr>
+                </a:gs>
+                <a:gs pos="50000">
+                  <a:schemeClr val="accent1">
+                    <a:satMod val="110000"/>
+                    <a:lumMod val="100000"/>
+                    <a:shade val="100000"/>
+                  </a:schemeClr>
+                </a:gs>
+                <a:gs pos="100000">
+                  <a:schemeClr val="accent1">
+                    <a:lumMod val="99000"/>
+                    <a:satMod val="120000"/>
+                    <a:shade val="78000"/>
+                  </a:schemeClr>
+                </a:gs>
+              </a:gsLst>
+              <a:lin ang="5400000" scaled="0"/>
+            </a:gradFill>
+            <a:ln w="9525">
+              <a:solidFill>
+                <a:schemeClr val="accent1"/>
+              </a:solidFill>
+              <a:round/>
+            </a:ln>
+            <a:effectLst>
+              <a:outerShdw blurRad="57150" dist="19050" dir="5400000" algn="ctr" rotWithShape="0">
+                <a:srgbClr val="000000">
+                  <a:alpha val="63000"/>
+                </a:srgbClr>
+              </a:outerShdw>
+            </a:effectLst>
+            <a:scene3d>
+              <a:camera prst="orthographicFront">
+                <a:rot lat="0" lon="0" rev="0"/>
+              </a:camera>
+              <a:lightRig rig="threePt" dir="t">
+                <a:rot lat="0" lon="0" rev="1200000"/>
+              </a:lightRig>
+            </a:scene3d>
+            <a:sp3d>
+              <a:bevelT w="63500" h="25400"/>
+            </a:sp3d>
+          </c:spPr>
+        </c:marker>
+        <c:dLbl>
+          <c:idx val="0"/>
+          <c:spPr>
+            <a:noFill/>
+            <a:ln>
+              <a:noFill/>
+            </a:ln>
+            <a:effectLst/>
+          </c:spPr>
+          <c:txPr>
+            <a:bodyPr rot="0" spcFirstLastPara="1" vertOverflow="ellipsis" vert="horz" wrap="square" lIns="38100" tIns="19050" rIns="38100" bIns="19050" anchor="ctr" anchorCtr="1">
+              <a:spAutoFit/>
+            </a:bodyPr>
+            <a:lstStyle/>
+            <a:p>
+              <a:pPr>
+                <a:defRPr sz="900" b="0" i="0" u="none" strike="noStrike" kern="1200" baseline="0">
+                  <a:solidFill>
+                    <a:schemeClr val="lt1">
+                      <a:lumMod val="85000"/>
+                    </a:schemeClr>
+                  </a:solidFill>
+                  <a:latin typeface="+mn-lt"/>
+                  <a:ea typeface="+mn-ea"/>
+                  <a:cs typeface="+mn-cs"/>
+                </a:defRPr>
+              </a:pPr>
+              <a:endParaRPr lang="de-DE"/>
+            </a:p>
+          </c:txPr>
+          <c:showLegendKey val="0"/>
+          <c:showVal val="0"/>
+          <c:showCatName val="0"/>
+          <c:showSerName val="0"/>
+          <c:showPercent val="0"/>
+          <c:showBubbleSize val="0"/>
+          <c:extLst>
+            <c:ext xmlns:c15="http://schemas.microsoft.com/office/drawing/2012/chart" uri="{CE6537A1-D6FC-4f65-9D91-7224C49458BB}"/>
+          </c:extLst>
+        </c:dLbl>
+      </c:pivotFmt>
+      <c:pivotFmt>
+        <c:idx val="2"/>
+        <c:spPr>
+          <a:gradFill rotWithShape="1">
+            <a:gsLst>
+              <a:gs pos="0">
+                <a:schemeClr val="accent1">
+                  <a:satMod val="103000"/>
+                  <a:lumMod val="102000"/>
+                  <a:tint val="94000"/>
+                </a:schemeClr>
+              </a:gs>
+              <a:gs pos="50000">
+                <a:schemeClr val="accent1">
+                  <a:satMod val="110000"/>
+                  <a:lumMod val="100000"/>
+                  <a:shade val="100000"/>
+                </a:schemeClr>
+              </a:gs>
+              <a:gs pos="100000">
+                <a:schemeClr val="accent1">
+                  <a:lumMod val="99000"/>
+                  <a:satMod val="120000"/>
+                  <a:shade val="78000"/>
+                </a:schemeClr>
+              </a:gs>
+            </a:gsLst>
+            <a:lin ang="5400000" scaled="0"/>
+          </a:gradFill>
+          <a:ln w="34925" cap="rnd">
+            <a:solidFill>
+              <a:schemeClr val="accent1"/>
+            </a:solidFill>
+            <a:round/>
+          </a:ln>
+          <a:effectLst>
+            <a:outerShdw blurRad="57150" dist="19050" dir="5400000" algn="ctr" rotWithShape="0">
+              <a:srgbClr val="000000">
+                <a:alpha val="63000"/>
+              </a:srgbClr>
+            </a:outerShdw>
+          </a:effectLst>
+          <a:scene3d>
+            <a:camera prst="orthographicFront">
+              <a:rot lat="0" lon="0" rev="0"/>
+            </a:camera>
+            <a:lightRig rig="threePt" dir="t">
+              <a:rot lat="0" lon="0" rev="1200000"/>
+            </a:lightRig>
+          </a:scene3d>
+          <a:sp3d>
+            <a:bevelT w="63500" h="25400"/>
+          </a:sp3d>
+        </c:spPr>
+        <c:marker>
+          <c:symbol val="circle"/>
+          <c:size val="6"/>
+          <c:spPr>
+            <a:gradFill rotWithShape="1">
+              <a:gsLst>
+                <a:gs pos="0">
+                  <a:schemeClr val="accent1">
+                    <a:tint val="65000"/>
+                    <a:satMod val="103000"/>
+                    <a:lumMod val="102000"/>
+                    <a:tint val="94000"/>
+                  </a:schemeClr>
+                </a:gs>
+                <a:gs pos="50000">
+                  <a:schemeClr val="accent1">
+                    <a:tint val="65000"/>
+                    <a:satMod val="110000"/>
+                    <a:lumMod val="100000"/>
+                    <a:shade val="100000"/>
+                  </a:schemeClr>
+                </a:gs>
+                <a:gs pos="100000">
+                  <a:schemeClr val="accent1">
+                    <a:tint val="65000"/>
+                    <a:lumMod val="99000"/>
+                    <a:satMod val="120000"/>
+                    <a:shade val="78000"/>
+                  </a:schemeClr>
+                </a:gs>
+              </a:gsLst>
+              <a:lin ang="5400000" scaled="0"/>
+            </a:gradFill>
+            <a:ln w="9525">
+              <a:solidFill>
+                <a:schemeClr val="accent1">
+                  <a:tint val="65000"/>
+                </a:schemeClr>
+              </a:solidFill>
+              <a:round/>
+            </a:ln>
+            <a:effectLst>
+              <a:outerShdw blurRad="57150" dist="19050" dir="5400000" algn="ctr" rotWithShape="0">
+                <a:srgbClr val="000000">
+                  <a:alpha val="63000"/>
+                </a:srgbClr>
+              </a:outerShdw>
+            </a:effectLst>
+            <a:scene3d>
+              <a:camera prst="orthographicFront">
+                <a:rot lat="0" lon="0" rev="0"/>
+              </a:camera>
+              <a:lightRig rig="threePt" dir="t">
+                <a:rot lat="0" lon="0" rev="1200000"/>
+              </a:lightRig>
+            </a:scene3d>
+            <a:sp3d>
+              <a:bevelT w="63500" h="25400"/>
+            </a:sp3d>
+          </c:spPr>
+        </c:marker>
+        <c:dLbl>
+          <c:idx val="0"/>
+          <c:spPr>
+            <a:noFill/>
+            <a:ln>
+              <a:noFill/>
+            </a:ln>
+            <a:effectLst/>
+          </c:spPr>
+          <c:txPr>
+            <a:bodyPr rot="0" spcFirstLastPara="1" vertOverflow="ellipsis" vert="horz" wrap="square" lIns="38100" tIns="19050" rIns="38100" bIns="19050" anchor="ctr" anchorCtr="1">
+              <a:spAutoFit/>
+            </a:bodyPr>
+            <a:lstStyle/>
+            <a:p>
+              <a:pPr>
+                <a:defRPr sz="900" b="0" i="0" u="none" strike="noStrike" kern="1200" baseline="0">
+                  <a:solidFill>
+                    <a:schemeClr val="lt1">
+                      <a:lumMod val="85000"/>
+                    </a:schemeClr>
+                  </a:solidFill>
+                  <a:latin typeface="+mn-lt"/>
+                  <a:ea typeface="+mn-ea"/>
+                  <a:cs typeface="+mn-cs"/>
+                </a:defRPr>
+              </a:pPr>
+              <a:endParaRPr lang="de-DE"/>
+            </a:p>
+          </c:txPr>
+          <c:showLegendKey val="0"/>
+          <c:showVal val="0"/>
+          <c:showCatName val="0"/>
+          <c:showSerName val="0"/>
+          <c:showPercent val="0"/>
+          <c:showBubbleSize val="0"/>
+          <c:extLst>
+            <c:ext xmlns:c15="http://schemas.microsoft.com/office/drawing/2012/chart" uri="{CE6537A1-D6FC-4f65-9D91-7224C49458BB}"/>
+          </c:extLst>
+        </c:dLbl>
+      </c:pivotFmt>
+      <c:pivotFmt>
+        <c:idx val="3"/>
+        <c:spPr>
+          <a:gradFill rotWithShape="1">
+            <a:gsLst>
+              <a:gs pos="0">
+                <a:schemeClr val="accent1">
+                  <a:satMod val="103000"/>
+                  <a:lumMod val="102000"/>
+                  <a:tint val="94000"/>
+                </a:schemeClr>
+              </a:gs>
+              <a:gs pos="50000">
+                <a:schemeClr val="accent1">
+                  <a:satMod val="110000"/>
+                  <a:lumMod val="100000"/>
+                  <a:shade val="100000"/>
+                </a:schemeClr>
+              </a:gs>
+              <a:gs pos="100000">
+                <a:schemeClr val="accent1">
+                  <a:lumMod val="99000"/>
+                  <a:satMod val="120000"/>
+                  <a:shade val="78000"/>
+                </a:schemeClr>
+              </a:gs>
+            </a:gsLst>
+            <a:lin ang="5400000" scaled="0"/>
+          </a:gradFill>
+          <a:ln>
+            <a:noFill/>
+          </a:ln>
+          <a:effectLst>
+            <a:outerShdw blurRad="57150" dist="19050" dir="5400000" algn="ctr" rotWithShape="0">
+              <a:srgbClr val="000000">
+                <a:alpha val="63000"/>
+              </a:srgbClr>
+            </a:outerShdw>
+          </a:effectLst>
+          <a:scene3d>
+            <a:camera prst="orthographicFront">
+              <a:rot lat="0" lon="0" rev="0"/>
+            </a:camera>
+            <a:lightRig rig="threePt" dir="t">
+              <a:rot lat="0" lon="0" rev="1200000"/>
+            </a:lightRig>
+          </a:scene3d>
+          <a:sp3d>
+            <a:bevelT w="63500" h="25400"/>
+          </a:sp3d>
+        </c:spPr>
+        <c:marker>
+          <c:symbol val="none"/>
+        </c:marker>
+        <c:dLbl>
+          <c:idx val="0"/>
+          <c:spPr>
+            <a:noFill/>
+            <a:ln>
+              <a:noFill/>
+            </a:ln>
+            <a:effectLst/>
+          </c:spPr>
+          <c:txPr>
+            <a:bodyPr rot="0" spcFirstLastPara="1" vertOverflow="ellipsis" vert="horz" wrap="square" lIns="38100" tIns="19050" rIns="38100" bIns="19050" anchor="ctr" anchorCtr="1">
+              <a:spAutoFit/>
+            </a:bodyPr>
+            <a:lstStyle/>
+            <a:p>
+              <a:pPr>
+                <a:defRPr sz="900" b="0" i="0" u="none" strike="noStrike" kern="1200" baseline="0">
+                  <a:solidFill>
+                    <a:schemeClr val="lt1">
+                      <a:lumMod val="85000"/>
+                    </a:schemeClr>
+                  </a:solidFill>
+                  <a:latin typeface="+mn-lt"/>
+                  <a:ea typeface="+mn-ea"/>
+                  <a:cs typeface="+mn-cs"/>
+                </a:defRPr>
+              </a:pPr>
+              <a:endParaRPr lang="de-DE"/>
+            </a:p>
+          </c:txPr>
+          <c:showLegendKey val="0"/>
+          <c:showVal val="0"/>
+          <c:showCatName val="0"/>
+          <c:showSerName val="0"/>
+          <c:showPercent val="0"/>
+          <c:showBubbleSize val="0"/>
+          <c:extLst>
+            <c:ext xmlns:c15="http://schemas.microsoft.com/office/drawing/2012/chart" uri="{CE6537A1-D6FC-4f65-9D91-7224C49458BB}"/>
+          </c:extLst>
+        </c:dLbl>
+      </c:pivotFmt>
+      <c:pivotFmt>
+        <c:idx val="4"/>
+        <c:spPr>
+          <a:gradFill rotWithShape="1">
+            <a:gsLst>
+              <a:gs pos="0">
+                <a:schemeClr val="accent1">
+                  <a:satMod val="103000"/>
+                  <a:lumMod val="102000"/>
+                  <a:tint val="94000"/>
+                </a:schemeClr>
+              </a:gs>
+              <a:gs pos="50000">
+                <a:schemeClr val="accent1">
+                  <a:satMod val="110000"/>
+                  <a:lumMod val="100000"/>
+                  <a:shade val="100000"/>
+                </a:schemeClr>
+              </a:gs>
+              <a:gs pos="100000">
+                <a:schemeClr val="accent1">
+                  <a:lumMod val="99000"/>
+                  <a:satMod val="120000"/>
+                  <a:shade val="78000"/>
+                </a:schemeClr>
+              </a:gs>
+            </a:gsLst>
+            <a:lin ang="5400000" scaled="0"/>
+          </a:gradFill>
+          <a:ln>
+            <a:noFill/>
+          </a:ln>
+          <a:effectLst>
+            <a:outerShdw blurRad="57150" dist="19050" dir="5400000" algn="ctr" rotWithShape="0">
+              <a:srgbClr val="000000">
+                <a:alpha val="63000"/>
+              </a:srgbClr>
+            </a:outerShdw>
+          </a:effectLst>
+          <a:scene3d>
+            <a:camera prst="orthographicFront">
+              <a:rot lat="0" lon="0" rev="0"/>
+            </a:camera>
+            <a:lightRig rig="threePt" dir="t">
+              <a:rot lat="0" lon="0" rev="1200000"/>
+            </a:lightRig>
+          </a:scene3d>
+          <a:sp3d>
+            <a:bevelT w="63500" h="25400"/>
+          </a:sp3d>
+        </c:spPr>
+        <c:marker>
+          <c:symbol val="none"/>
+        </c:marker>
+        <c:dLbl>
+          <c:idx val="0"/>
+          <c:spPr>
+            <a:noFill/>
+            <a:ln>
+              <a:noFill/>
+            </a:ln>
+            <a:effectLst/>
+          </c:spPr>
+          <c:txPr>
+            <a:bodyPr rot="0" spcFirstLastPara="1" vertOverflow="ellipsis" vert="horz" wrap="square" lIns="38100" tIns="19050" rIns="38100" bIns="19050" anchor="ctr" anchorCtr="1">
+              <a:spAutoFit/>
+            </a:bodyPr>
+            <a:lstStyle/>
+            <a:p>
+              <a:pPr>
+                <a:defRPr sz="900" b="0" i="0" u="none" strike="noStrike" kern="1200" baseline="0">
+                  <a:solidFill>
+                    <a:schemeClr val="lt1">
+                      <a:lumMod val="85000"/>
+                    </a:schemeClr>
+                  </a:solidFill>
+                  <a:latin typeface="+mn-lt"/>
+                  <a:ea typeface="+mn-ea"/>
+                  <a:cs typeface="+mn-cs"/>
+                </a:defRPr>
+              </a:pPr>
+              <a:endParaRPr lang="de-DE"/>
+            </a:p>
+          </c:txPr>
+          <c:showLegendKey val="0"/>
+          <c:showVal val="0"/>
+          <c:showCatName val="0"/>
+          <c:showSerName val="0"/>
+          <c:showPercent val="0"/>
+          <c:showBubbleSize val="0"/>
+          <c:extLst>
+            <c:ext xmlns:c15="http://schemas.microsoft.com/office/drawing/2012/chart" uri="{CE6537A1-D6FC-4f65-9D91-7224C49458BB}"/>
+          </c:extLst>
+        </c:dLbl>
+      </c:pivotFmt>
+      <c:pivotFmt>
+        <c:idx val="5"/>
+        <c:spPr>
+          <a:gradFill rotWithShape="1">
+            <a:gsLst>
+              <a:gs pos="0">
+                <a:schemeClr val="accent1">
+                  <a:satMod val="103000"/>
+                  <a:lumMod val="102000"/>
+                  <a:tint val="94000"/>
+                </a:schemeClr>
+              </a:gs>
+              <a:gs pos="50000">
+                <a:schemeClr val="accent1">
+                  <a:satMod val="110000"/>
+                  <a:lumMod val="100000"/>
+                  <a:shade val="100000"/>
+                </a:schemeClr>
+              </a:gs>
+              <a:gs pos="100000">
+                <a:schemeClr val="accent1">
+                  <a:lumMod val="99000"/>
+                  <a:satMod val="120000"/>
+                  <a:shade val="78000"/>
+                </a:schemeClr>
+              </a:gs>
+            </a:gsLst>
+            <a:lin ang="5400000" scaled="0"/>
+          </a:gradFill>
+          <a:ln w="34925" cap="rnd">
+            <a:solidFill>
+              <a:schemeClr val="accent1"/>
+            </a:solidFill>
+            <a:round/>
+          </a:ln>
+          <a:effectLst>
+            <a:outerShdw blurRad="57150" dist="19050" dir="5400000" algn="ctr" rotWithShape="0">
+              <a:srgbClr val="000000">
+                <a:alpha val="63000"/>
+              </a:srgbClr>
+            </a:outerShdw>
+          </a:effectLst>
+          <a:scene3d>
+            <a:camera prst="orthographicFront">
+              <a:rot lat="0" lon="0" rev="0"/>
+            </a:camera>
+            <a:lightRig rig="threePt" dir="t">
+              <a:rot lat="0" lon="0" rev="1200000"/>
+            </a:lightRig>
+          </a:scene3d>
+          <a:sp3d>
+            <a:bevelT w="63500" h="25400"/>
+          </a:sp3d>
+        </c:spPr>
+        <c:marker>
+          <c:symbol val="circle"/>
+          <c:size val="6"/>
+          <c:spPr>
+            <a:gradFill rotWithShape="1">
+              <a:gsLst>
+                <a:gs pos="0">
+                  <a:schemeClr val="accent1">
+                    <a:tint val="65000"/>
+                    <a:satMod val="103000"/>
+                    <a:lumMod val="102000"/>
+                    <a:tint val="94000"/>
+                  </a:schemeClr>
+                </a:gs>
+                <a:gs pos="50000">
+                  <a:schemeClr val="accent1">
+                    <a:tint val="65000"/>
+                    <a:satMod val="110000"/>
+                    <a:lumMod val="100000"/>
+                    <a:shade val="100000"/>
+                  </a:schemeClr>
+                </a:gs>
+                <a:gs pos="100000">
+                  <a:schemeClr val="accent1">
+                    <a:tint val="65000"/>
+                    <a:lumMod val="99000"/>
+                    <a:satMod val="120000"/>
+                    <a:shade val="78000"/>
+                  </a:schemeClr>
+                </a:gs>
+              </a:gsLst>
+              <a:lin ang="5400000" scaled="0"/>
+            </a:gradFill>
+            <a:ln w="9525">
+              <a:solidFill>
+                <a:schemeClr val="accent1">
+                  <a:tint val="65000"/>
+                </a:schemeClr>
+              </a:solidFill>
+              <a:round/>
+            </a:ln>
+            <a:effectLst>
+              <a:outerShdw blurRad="57150" dist="19050" dir="5400000" algn="ctr" rotWithShape="0">
+                <a:srgbClr val="000000">
+                  <a:alpha val="63000"/>
+                </a:srgbClr>
+              </a:outerShdw>
+            </a:effectLst>
+            <a:scene3d>
+              <a:camera prst="orthographicFront">
+                <a:rot lat="0" lon="0" rev="0"/>
+              </a:camera>
+              <a:lightRig rig="threePt" dir="t">
+                <a:rot lat="0" lon="0" rev="1200000"/>
+              </a:lightRig>
+            </a:scene3d>
+            <a:sp3d>
+              <a:bevelT w="63500" h="25400"/>
+            </a:sp3d>
+          </c:spPr>
+        </c:marker>
+        <c:dLbl>
+          <c:idx val="0"/>
+          <c:spPr>
+            <a:noFill/>
+            <a:ln>
+              <a:noFill/>
+            </a:ln>
+            <a:effectLst/>
+          </c:spPr>
+          <c:txPr>
+            <a:bodyPr rot="0" spcFirstLastPara="1" vertOverflow="ellipsis" vert="horz" wrap="square" lIns="38100" tIns="19050" rIns="38100" bIns="19050" anchor="ctr" anchorCtr="1">
+              <a:spAutoFit/>
+            </a:bodyPr>
+            <a:lstStyle/>
+            <a:p>
+              <a:pPr>
+                <a:defRPr sz="900" b="0" i="0" u="none" strike="noStrike" kern="1200" baseline="0">
+                  <a:solidFill>
+                    <a:schemeClr val="lt1">
+                      <a:lumMod val="85000"/>
+                    </a:schemeClr>
+                  </a:solidFill>
+                  <a:latin typeface="+mn-lt"/>
+                  <a:ea typeface="+mn-ea"/>
+                  <a:cs typeface="+mn-cs"/>
+                </a:defRPr>
+              </a:pPr>
+              <a:endParaRPr lang="de-DE"/>
+            </a:p>
+          </c:txPr>
+          <c:showLegendKey val="0"/>
+          <c:showVal val="0"/>
+          <c:showCatName val="0"/>
+          <c:showSerName val="0"/>
+          <c:showPercent val="0"/>
+          <c:showBubbleSize val="0"/>
+          <c:extLst>
+            <c:ext xmlns:c15="http://schemas.microsoft.com/office/drawing/2012/chart" uri="{CE6537A1-D6FC-4f65-9D91-7224C49458BB}"/>
+          </c:extLst>
+        </c:dLbl>
+      </c:pivotFmt>
+      <c:pivotFmt>
+        <c:idx val="6"/>
+        <c:spPr>
+          <a:gradFill rotWithShape="1">
+            <a:gsLst>
+              <a:gs pos="0">
+                <a:schemeClr val="accent1">
+                  <a:satMod val="103000"/>
+                  <a:lumMod val="102000"/>
+                  <a:tint val="94000"/>
+                </a:schemeClr>
+              </a:gs>
+              <a:gs pos="50000">
+                <a:schemeClr val="accent1">
+                  <a:satMod val="110000"/>
+                  <a:lumMod val="100000"/>
+                  <a:shade val="100000"/>
+                </a:schemeClr>
+              </a:gs>
+              <a:gs pos="100000">
+                <a:schemeClr val="accent1">
+                  <a:lumMod val="99000"/>
+                  <a:satMod val="120000"/>
+                  <a:shade val="78000"/>
+                </a:schemeClr>
+              </a:gs>
+            </a:gsLst>
+            <a:lin ang="5400000" scaled="0"/>
+          </a:gradFill>
+          <a:ln>
+            <a:noFill/>
+          </a:ln>
+          <a:effectLst>
+            <a:outerShdw blurRad="57150" dist="19050" dir="5400000" algn="ctr" rotWithShape="0">
+              <a:srgbClr val="000000">
+                <a:alpha val="63000"/>
+              </a:srgbClr>
+            </a:outerShdw>
+          </a:effectLst>
+          <a:scene3d>
+            <a:camera prst="orthographicFront">
+              <a:rot lat="0" lon="0" rev="0"/>
+            </a:camera>
+            <a:lightRig rig="threePt" dir="t">
+              <a:rot lat="0" lon="0" rev="1200000"/>
+            </a:lightRig>
+          </a:scene3d>
+          <a:sp3d>
+            <a:bevelT w="63500" h="25400"/>
+          </a:sp3d>
+        </c:spPr>
+        <c:marker>
+          <c:symbol val="none"/>
+        </c:marker>
+        <c:dLbl>
+          <c:idx val="0"/>
+          <c:spPr>
+            <a:noFill/>
+            <a:ln>
+              <a:noFill/>
+            </a:ln>
+            <a:effectLst/>
+          </c:spPr>
+          <c:txPr>
+            <a:bodyPr rot="0" spcFirstLastPara="1" vertOverflow="ellipsis" vert="horz" wrap="square" lIns="38100" tIns="19050" rIns="38100" bIns="19050" anchor="ctr" anchorCtr="1">
+              <a:spAutoFit/>
+            </a:bodyPr>
+            <a:lstStyle/>
+            <a:p>
+              <a:pPr>
+                <a:defRPr sz="900" b="0" i="0" u="none" strike="noStrike" kern="1200" baseline="0">
+                  <a:solidFill>
+                    <a:schemeClr val="lt1">
+                      <a:lumMod val="85000"/>
+                    </a:schemeClr>
+                  </a:solidFill>
+                  <a:latin typeface="+mn-lt"/>
+                  <a:ea typeface="+mn-ea"/>
+                  <a:cs typeface="+mn-cs"/>
+                </a:defRPr>
+              </a:pPr>
+              <a:endParaRPr lang="de-DE"/>
+            </a:p>
+          </c:txPr>
+          <c:showLegendKey val="0"/>
+          <c:showVal val="0"/>
+          <c:showCatName val="0"/>
+          <c:showSerName val="0"/>
+          <c:showPercent val="0"/>
+          <c:showBubbleSize val="0"/>
+          <c:extLst>
+            <c:ext xmlns:c15="http://schemas.microsoft.com/office/drawing/2012/chart" uri="{CE6537A1-D6FC-4f65-9D91-7224C49458BB}"/>
+          </c:extLst>
+        </c:dLbl>
+      </c:pivotFmt>
+      <c:pivotFmt>
+        <c:idx val="7"/>
+        <c:spPr>
+          <a:gradFill rotWithShape="1">
+            <a:gsLst>
+              <a:gs pos="0">
+                <a:schemeClr val="accent1">
+                  <a:satMod val="103000"/>
+                  <a:lumMod val="102000"/>
+                  <a:tint val="94000"/>
+                </a:schemeClr>
+              </a:gs>
+              <a:gs pos="50000">
+                <a:schemeClr val="accent1">
+                  <a:satMod val="110000"/>
+                  <a:lumMod val="100000"/>
+                  <a:shade val="100000"/>
+                </a:schemeClr>
+              </a:gs>
+              <a:gs pos="100000">
+                <a:schemeClr val="accent1">
+                  <a:lumMod val="99000"/>
+                  <a:satMod val="120000"/>
+                  <a:shade val="78000"/>
+                </a:schemeClr>
+              </a:gs>
+            </a:gsLst>
+            <a:lin ang="5400000" scaled="0"/>
+          </a:gradFill>
+          <a:ln>
+            <a:noFill/>
+          </a:ln>
+          <a:effectLst>
+            <a:outerShdw blurRad="57150" dist="19050" dir="5400000" algn="ctr" rotWithShape="0">
+              <a:srgbClr val="000000">
+                <a:alpha val="63000"/>
+              </a:srgbClr>
+            </a:outerShdw>
+          </a:effectLst>
+          <a:scene3d>
+            <a:camera prst="orthographicFront">
+              <a:rot lat="0" lon="0" rev="0"/>
+            </a:camera>
+            <a:lightRig rig="threePt" dir="t">
+              <a:rot lat="0" lon="0" rev="1200000"/>
+            </a:lightRig>
+          </a:scene3d>
+          <a:sp3d>
+            <a:bevelT w="63500" h="25400"/>
+          </a:sp3d>
+        </c:spPr>
+        <c:marker>
+          <c:symbol val="none"/>
+        </c:marker>
+        <c:dLbl>
+          <c:idx val="0"/>
+          <c:spPr>
+            <a:noFill/>
+            <a:ln>
+              <a:noFill/>
+            </a:ln>
+            <a:effectLst/>
+          </c:spPr>
+          <c:txPr>
+            <a:bodyPr rot="0" spcFirstLastPara="1" vertOverflow="ellipsis" vert="horz" wrap="square" lIns="38100" tIns="19050" rIns="38100" bIns="19050" anchor="ctr" anchorCtr="1">
+              <a:spAutoFit/>
+            </a:bodyPr>
+            <a:lstStyle/>
+            <a:p>
+              <a:pPr>
+                <a:defRPr sz="900" b="0" i="0" u="none" strike="noStrike" kern="1200" baseline="0">
+                  <a:solidFill>
+                    <a:schemeClr val="lt1">
+                      <a:lumMod val="85000"/>
+                    </a:schemeClr>
+                  </a:solidFill>
+                  <a:latin typeface="+mn-lt"/>
+                  <a:ea typeface="+mn-ea"/>
+                  <a:cs typeface="+mn-cs"/>
+                </a:defRPr>
+              </a:pPr>
+              <a:endParaRPr lang="de-DE"/>
+            </a:p>
+          </c:txPr>
+          <c:showLegendKey val="0"/>
+          <c:showVal val="0"/>
+          <c:showCatName val="0"/>
+          <c:showSerName val="0"/>
+          <c:showPercent val="0"/>
+          <c:showBubbleSize val="0"/>
+          <c:extLst>
+            <c:ext xmlns:c15="http://schemas.microsoft.com/office/drawing/2012/chart" uri="{CE6537A1-D6FC-4f65-9D91-7224C49458BB}"/>
+          </c:extLst>
+        </c:dLbl>
+      </c:pivotFmt>
+      <c:pivotFmt>
+        <c:idx val="8"/>
+        <c:spPr>
+          <a:gradFill rotWithShape="1">
+            <a:gsLst>
+              <a:gs pos="0">
+                <a:schemeClr val="accent1">
+                  <a:shade val="51000"/>
+                  <a:satMod val="130000"/>
+                </a:schemeClr>
+              </a:gs>
+              <a:gs pos="80000">
+                <a:schemeClr val="accent1">
+                  <a:shade val="93000"/>
+                  <a:satMod val="130000"/>
+                </a:schemeClr>
+              </a:gs>
+              <a:gs pos="100000">
+                <a:schemeClr val="accent1">
+                  <a:shade val="94000"/>
+                  <a:satMod val="135000"/>
+                </a:schemeClr>
+              </a:gs>
+            </a:gsLst>
+            <a:lin ang="16200000" scaled="0"/>
+          </a:gradFill>
+          <a:ln w="34925" cap="rnd">
+            <a:solidFill>
+              <a:schemeClr val="accent1"/>
+            </a:solidFill>
+            <a:round/>
+          </a:ln>
+          <a:effectLst>
+            <a:outerShdw blurRad="57150" dist="19050" dir="5400000" algn="ctr" rotWithShape="0">
+              <a:srgbClr val="000000">
+                <a:alpha val="63000"/>
+              </a:srgbClr>
+            </a:outerShdw>
+          </a:effectLst>
+          <a:scene3d>
+            <a:camera prst="orthographicFront">
+              <a:rot lat="0" lon="0" rev="0"/>
+            </a:camera>
+            <a:lightRig rig="threePt" dir="t">
+              <a:rot lat="0" lon="0" rev="1200000"/>
+            </a:lightRig>
+          </a:scene3d>
+          <a:sp3d>
+            <a:bevelT w="63500" h="25400"/>
+          </a:sp3d>
+        </c:spPr>
+        <c:marker>
+          <c:symbol val="circle"/>
+          <c:size val="6"/>
+          <c:spPr>
+            <a:gradFill rotWithShape="1">
+              <a:gsLst>
+                <a:gs pos="0">
+                  <a:schemeClr val="accent1">
+                    <a:tint val="65000"/>
+                    <a:satMod val="103000"/>
+                    <a:lumMod val="102000"/>
+                    <a:tint val="94000"/>
+                  </a:schemeClr>
+                </a:gs>
+                <a:gs pos="50000">
+                  <a:schemeClr val="accent1">
+                    <a:tint val="65000"/>
+                    <a:satMod val="110000"/>
+                    <a:lumMod val="100000"/>
+                    <a:shade val="100000"/>
+                  </a:schemeClr>
+                </a:gs>
+                <a:gs pos="100000">
+                  <a:schemeClr val="accent1">
+                    <a:tint val="65000"/>
+                    <a:lumMod val="99000"/>
+                    <a:satMod val="120000"/>
+                    <a:shade val="78000"/>
+                  </a:schemeClr>
+                </a:gs>
+              </a:gsLst>
+              <a:lin ang="5400000" scaled="0"/>
+            </a:gradFill>
+            <a:ln w="9525">
+              <a:solidFill>
+                <a:schemeClr val="accent1">
+                  <a:tint val="65000"/>
+                </a:schemeClr>
+              </a:solidFill>
+              <a:round/>
+            </a:ln>
+            <a:effectLst>
+              <a:outerShdw blurRad="57150" dist="19050" dir="5400000" algn="ctr" rotWithShape="0">
+                <a:srgbClr val="000000">
+                  <a:alpha val="63000"/>
+                </a:srgbClr>
+              </a:outerShdw>
+            </a:effectLst>
+            <a:scene3d>
+              <a:camera prst="orthographicFront">
+                <a:rot lat="0" lon="0" rev="0"/>
+              </a:camera>
+              <a:lightRig rig="threePt" dir="t">
+                <a:rot lat="0" lon="0" rev="1200000"/>
+              </a:lightRig>
+            </a:scene3d>
+            <a:sp3d>
+              <a:bevelT w="63500" h="25400"/>
+            </a:sp3d>
+          </c:spPr>
+        </c:marker>
+        <c:dLbl>
+          <c:idx val="0"/>
+          <c:spPr>
+            <a:noFill/>
+            <a:ln>
+              <a:noFill/>
+            </a:ln>
+            <a:effectLst/>
+          </c:spPr>
+          <c:txPr>
+            <a:bodyPr rot="0" spcFirstLastPara="1" vertOverflow="ellipsis" vert="horz" wrap="square" lIns="38100" tIns="19050" rIns="38100" bIns="19050" anchor="ctr" anchorCtr="1">
+              <a:spAutoFit/>
+            </a:bodyPr>
+            <a:lstStyle/>
+            <a:p>
+              <a:pPr>
+                <a:defRPr sz="900" b="0" i="0" u="none" strike="noStrike" kern="1200" baseline="0">
+                  <a:solidFill>
+                    <a:schemeClr val="lt1">
+                      <a:lumMod val="85000"/>
+                    </a:schemeClr>
+                  </a:solidFill>
+                  <a:latin typeface="+mn-lt"/>
+                  <a:ea typeface="+mn-ea"/>
+                  <a:cs typeface="+mn-cs"/>
+                </a:defRPr>
+              </a:pPr>
+              <a:endParaRPr lang="de-DE"/>
+            </a:p>
+          </c:txPr>
+          <c:showLegendKey val="0"/>
+          <c:showVal val="0"/>
+          <c:showCatName val="0"/>
+          <c:showSerName val="0"/>
+          <c:showPercent val="0"/>
+          <c:showBubbleSize val="0"/>
+          <c:extLst>
+            <c:ext xmlns:c15="http://schemas.microsoft.com/office/drawing/2012/chart" uri="{CE6537A1-D6FC-4f65-9D91-7224C49458BB}"/>
+          </c:extLst>
+        </c:dLbl>
+      </c:pivotFmt>
+    </c:pivotFmts>
+    <c:plotArea>
+      <c:layout/>
+      <c:barChart>
+        <c:barDir val="col"/>
+        <c:grouping val="clustered"/>
+        <c:varyColors val="0"/>
+        <c:ser>
+          <c:idx val="0"/>
+          <c:order val="0"/>
+          <c:tx>
+            <c:strRef>
+              <c:f>Sheet1!$B$3</c:f>
+              <c:strCache>
+                <c:ptCount val="1"/>
+                <c:pt idx="0">
+                  <c:v>Sum of Score</c:v>
+                </c:pt>
+              </c:strCache>
+            </c:strRef>
+          </c:tx>
+          <c:spPr>
+            <a:gradFill rotWithShape="1">
+              <a:gsLst>
+                <a:gs pos="0">
+                  <a:schemeClr val="accent1">
+                    <a:shade val="65000"/>
+                    <a:satMod val="103000"/>
+                    <a:lumMod val="102000"/>
+                    <a:tint val="94000"/>
+                  </a:schemeClr>
+                </a:gs>
+                <a:gs pos="50000">
+                  <a:schemeClr val="accent1">
+                    <a:shade val="65000"/>
+                    <a:satMod val="110000"/>
+                    <a:lumMod val="100000"/>
+                    <a:shade val="100000"/>
+                  </a:schemeClr>
+                </a:gs>
+                <a:gs pos="100000">
+                  <a:schemeClr val="accent1">
+                    <a:shade val="65000"/>
+                    <a:lumMod val="99000"/>
+                    <a:satMod val="120000"/>
+                    <a:shade val="78000"/>
+                  </a:schemeClr>
+                </a:gs>
+              </a:gsLst>
+              <a:lin ang="5400000" scaled="0"/>
+            </a:gradFill>
+            <a:ln>
+              <a:noFill/>
+            </a:ln>
+            <a:effectLst>
+              <a:outerShdw blurRad="57150" dist="19050" dir="5400000" algn="ctr" rotWithShape="0">
+                <a:srgbClr val="000000">
+                  <a:alpha val="63000"/>
+                </a:srgbClr>
+              </a:outerShdw>
+            </a:effectLst>
+            <a:scene3d>
+              <a:camera prst="orthographicFront">
+                <a:rot lat="0" lon="0" rev="0"/>
+              </a:camera>
+              <a:lightRig rig="threePt" dir="t">
+                <a:rot lat="0" lon="0" rev="1200000"/>
+              </a:lightRig>
+            </a:scene3d>
+            <a:sp3d>
+              <a:bevelT w="63500" h="25400"/>
+            </a:sp3d>
+          </c:spPr>
+          <c:invertIfNegative val="0"/>
+          <c:cat>
+            <c:strRef>
+              <c:f>Sheet1!$A$4:$A$20</c:f>
+              <c:strCache>
+                <c:ptCount val="16"/>
+                <c:pt idx="0">
+                  <c:v>veganism</c:v>
+                </c:pt>
+                <c:pt idx="1">
+                  <c:v>food</c:v>
+                </c:pt>
+                <c:pt idx="2">
+                  <c:v>cooking</c:v>
+                </c:pt>
+                <c:pt idx="3">
+                  <c:v>healthy eating</c:v>
+                </c:pt>
+                <c:pt idx="4">
+                  <c:v>fitness</c:v>
+                </c:pt>
+                <c:pt idx="5">
+                  <c:v>tennis</c:v>
+                </c:pt>
+                <c:pt idx="6">
+                  <c:v>soccer</c:v>
+                </c:pt>
+                <c:pt idx="7">
+                  <c:v>culture</c:v>
+                </c:pt>
+                <c:pt idx="8">
+                  <c:v>travel</c:v>
+                </c:pt>
+                <c:pt idx="9">
+                  <c:v>animals</c:v>
+                </c:pt>
+                <c:pt idx="10">
+                  <c:v>dogs</c:v>
+                </c:pt>
+                <c:pt idx="11">
+                  <c:v>public speaking</c:v>
+                </c:pt>
+                <c:pt idx="12">
+                  <c:v>science</c:v>
+                </c:pt>
+                <c:pt idx="13">
+                  <c:v>education</c:v>
+                </c:pt>
+                <c:pt idx="14">
+                  <c:v>Studying</c:v>
+                </c:pt>
+                <c:pt idx="15">
+                  <c:v>technology</c:v>
+                </c:pt>
+              </c:strCache>
+            </c:strRef>
+          </c:cat>
+          <c:val>
+            <c:numRef>
+              <c:f>Sheet1!$B$4:$B$20</c:f>
+              <c:numCache>
+                <c:formatCode>_(* #,##0_);_(* \(#,##0\);_(* "-"??_);_(@_)</c:formatCode>
+                <c:ptCount val="16"/>
+                <c:pt idx="0">
+                  <c:v>41725</c:v>
+                </c:pt>
+                <c:pt idx="1">
+                  <c:v>51444</c:v>
+                </c:pt>
+                <c:pt idx="2">
+                  <c:v>54534</c:v>
+                </c:pt>
+                <c:pt idx="3">
+                  <c:v>58059</c:v>
+                </c:pt>
+                <c:pt idx="4">
+                  <c:v>45536</c:v>
+                </c:pt>
+                <c:pt idx="5">
+                  <c:v>47619</c:v>
+                </c:pt>
+                <c:pt idx="6">
+                  <c:v>45776</c:v>
+                </c:pt>
+                <c:pt idx="7">
+                  <c:v>52410</c:v>
+                </c:pt>
+                <c:pt idx="8">
+                  <c:v>58946</c:v>
+                </c:pt>
+                <c:pt idx="9">
+                  <c:v>57418</c:v>
+                </c:pt>
+                <c:pt idx="10">
+                  <c:v>45400</c:v>
+                </c:pt>
+                <c:pt idx="11">
+                  <c:v>40492</c:v>
+                </c:pt>
+                <c:pt idx="12">
+                  <c:v>58566</c:v>
+                </c:pt>
+                <c:pt idx="13">
+                  <c:v>49138</c:v>
+                </c:pt>
+                <c:pt idx="14">
+                  <c:v>39433</c:v>
+                </c:pt>
+                <c:pt idx="15">
+                  <c:v>50971</c:v>
+                </c:pt>
+              </c:numCache>
+            </c:numRef>
+          </c:val>
+          <c:extLst>
+            <c:ext xmlns:c16="http://schemas.microsoft.com/office/drawing/2014/chart" uri="{C3380CC4-5D6E-409C-BE32-E72D297353CC}">
+              <c16:uniqueId val="{00000000-FBF1-40A6-BA9B-FD6D57B035A9}"/>
+            </c:ext>
+          </c:extLst>
+        </c:ser>
+        <c:ser>
+          <c:idx val="1"/>
+          <c:order val="1"/>
+          <c:tx>
+            <c:strRef>
+              <c:f>Sheet1!$C$3</c:f>
+              <c:strCache>
+                <c:ptCount val="1"/>
+                <c:pt idx="0">
+                  <c:v>Count of Score</c:v>
+                </c:pt>
+              </c:strCache>
+            </c:strRef>
+          </c:tx>
+          <c:spPr>
+            <a:gradFill rotWithShape="1">
+              <a:gsLst>
+                <a:gs pos="0">
+                  <a:schemeClr val="accent1">
+                    <a:satMod val="103000"/>
+                    <a:lumMod val="102000"/>
+                    <a:tint val="94000"/>
+                  </a:schemeClr>
+                </a:gs>
+                <a:gs pos="50000">
+                  <a:schemeClr val="accent1">
+                    <a:satMod val="110000"/>
+                    <a:lumMod val="100000"/>
+                    <a:shade val="100000"/>
+                  </a:schemeClr>
+                </a:gs>
+                <a:gs pos="100000">
+                  <a:schemeClr val="accent1">
+                    <a:lumMod val="99000"/>
+                    <a:satMod val="120000"/>
+                    <a:shade val="78000"/>
+                  </a:schemeClr>
+                </a:gs>
+              </a:gsLst>
+              <a:lin ang="5400000" scaled="0"/>
+            </a:gradFill>
+            <a:ln>
+              <a:noFill/>
+            </a:ln>
+            <a:effectLst>
+              <a:outerShdw blurRad="57150" dist="19050" dir="5400000" algn="ctr" rotWithShape="0">
+                <a:srgbClr val="000000">
+                  <a:alpha val="63000"/>
+                </a:srgbClr>
+              </a:outerShdw>
+            </a:effectLst>
+            <a:scene3d>
+              <a:camera prst="orthographicFront">
+                <a:rot lat="0" lon="0" rev="0"/>
+              </a:camera>
+              <a:lightRig rig="threePt" dir="t">
+                <a:rot lat="0" lon="0" rev="1200000"/>
+              </a:lightRig>
+            </a:scene3d>
+            <a:sp3d>
+              <a:bevelT w="63500" h="25400"/>
+            </a:sp3d>
+          </c:spPr>
+          <c:invertIfNegative val="0"/>
+          <c:cat>
+            <c:strRef>
+              <c:f>Sheet1!$A$4:$A$20</c:f>
+              <c:strCache>
+                <c:ptCount val="16"/>
+                <c:pt idx="0">
+                  <c:v>veganism</c:v>
+                </c:pt>
+                <c:pt idx="1">
+                  <c:v>food</c:v>
+                </c:pt>
+                <c:pt idx="2">
+                  <c:v>cooking</c:v>
+                </c:pt>
+                <c:pt idx="3">
+                  <c:v>healthy eating</c:v>
+                </c:pt>
+                <c:pt idx="4">
+                  <c:v>fitness</c:v>
+                </c:pt>
+                <c:pt idx="5">
+                  <c:v>tennis</c:v>
+                </c:pt>
+                <c:pt idx="6">
+                  <c:v>soccer</c:v>
+                </c:pt>
+                <c:pt idx="7">
+                  <c:v>culture</c:v>
+                </c:pt>
+                <c:pt idx="8">
+                  <c:v>travel</c:v>
+                </c:pt>
+                <c:pt idx="9">
+                  <c:v>animals</c:v>
+                </c:pt>
+                <c:pt idx="10">
+                  <c:v>dogs</c:v>
+                </c:pt>
+                <c:pt idx="11">
+                  <c:v>public speaking</c:v>
+                </c:pt>
+                <c:pt idx="12">
+                  <c:v>science</c:v>
+                </c:pt>
+                <c:pt idx="13">
+                  <c:v>education</c:v>
+                </c:pt>
+                <c:pt idx="14">
+                  <c:v>Studying</c:v>
+                </c:pt>
+                <c:pt idx="15">
+                  <c:v>technology</c:v>
+                </c:pt>
+              </c:strCache>
+            </c:strRef>
+          </c:cat>
+          <c:val>
+            <c:numRef>
+              <c:f>Sheet1!$C$4:$C$20</c:f>
+              <c:numCache>
+                <c:formatCode>_(* #,##0_);_(* \(#,##0\);_(* "-"??_);_(@_)</c:formatCode>
+                <c:ptCount val="16"/>
+                <c:pt idx="0">
+                  <c:v>1032</c:v>
+                </c:pt>
+                <c:pt idx="1">
+                  <c:v>1293</c:v>
+                </c:pt>
+                <c:pt idx="2">
+                  <c:v>1394</c:v>
+                </c:pt>
+                <c:pt idx="3">
+                  <c:v>1422</c:v>
+                </c:pt>
+                <c:pt idx="4">
+                  <c:v>1141</c:v>
+                </c:pt>
+                <c:pt idx="5">
+                  <c:v>1258</c:v>
+                </c:pt>
+                <c:pt idx="6">
+                  <c:v>1161</c:v>
+                </c:pt>
+                <c:pt idx="7">
+                  <c:v>1326</c:v>
+                </c:pt>
+                <c:pt idx="8">
+                  <c:v>1494</c:v>
+                </c:pt>
+                <c:pt idx="9">
+                  <c:v>1443</c:v>
+                </c:pt>
+                <c:pt idx="10">
+                  <c:v>1142</c:v>
+                </c:pt>
+                <c:pt idx="11">
+                  <c:v>994</c:v>
+                </c:pt>
+                <c:pt idx="12">
+                  <c:v>1475</c:v>
+                </c:pt>
+                <c:pt idx="13">
+                  <c:v>1232</c:v>
+                </c:pt>
+                <c:pt idx="14">
+                  <c:v>993</c:v>
+                </c:pt>
+                <c:pt idx="15">
+                  <c:v>1256</c:v>
+                </c:pt>
+              </c:numCache>
+            </c:numRef>
+          </c:val>
+          <c:extLst>
+            <c:ext xmlns:c16="http://schemas.microsoft.com/office/drawing/2014/chart" uri="{C3380CC4-5D6E-409C-BE32-E72D297353CC}">
+              <c16:uniqueId val="{00000001-FBF1-40A6-BA9B-FD6D57B035A9}"/>
+            </c:ext>
+          </c:extLst>
+        </c:ser>
+        <c:dLbls>
+          <c:showLegendKey val="0"/>
+          <c:showVal val="0"/>
+          <c:showCatName val="0"/>
+          <c:showSerName val="0"/>
+          <c:showPercent val="0"/>
+          <c:showBubbleSize val="0"/>
+        </c:dLbls>
+        <c:gapWidth val="219"/>
+        <c:overlap val="-27"/>
+        <c:axId val="155743232"/>
+        <c:axId val="155749888"/>
+      </c:barChart>
+      <c:lineChart>
+        <c:grouping val="standard"/>
+        <c:varyColors val="0"/>
+        <c:ser>
+          <c:idx val="2"/>
+          <c:order val="2"/>
+          <c:tx>
+            <c:strRef>
+              <c:f>Sheet1!$D$3</c:f>
+              <c:strCache>
+                <c:ptCount val="1"/>
+                <c:pt idx="0">
+                  <c:v>Average of Score</c:v>
+                </c:pt>
+              </c:strCache>
+            </c:strRef>
+          </c:tx>
+          <c:spPr>
+            <a:ln w="34925" cap="rnd">
+              <a:solidFill>
+                <a:schemeClr val="accent1">
+                  <a:tint val="65000"/>
+                </a:schemeClr>
+              </a:solidFill>
+              <a:round/>
+            </a:ln>
+            <a:effectLst>
+              <a:outerShdw blurRad="57150" dist="19050" dir="5400000" algn="ctr" rotWithShape="0">
+                <a:srgbClr val="000000">
+                  <a:alpha val="63000"/>
+                </a:srgbClr>
+              </a:outerShdw>
+            </a:effectLst>
+          </c:spPr>
+          <c:marker>
+            <c:symbol val="circle"/>
+            <c:size val="6"/>
+            <c:spPr>
+              <a:gradFill rotWithShape="1">
+                <a:gsLst>
+                  <a:gs pos="0">
+                    <a:schemeClr val="accent1">
+                      <a:tint val="65000"/>
+                      <a:satMod val="103000"/>
+                      <a:lumMod val="102000"/>
+                      <a:tint val="94000"/>
+                    </a:schemeClr>
+                  </a:gs>
+                  <a:gs pos="50000">
+                    <a:schemeClr val="accent1">
+                      <a:tint val="65000"/>
+                      <a:satMod val="110000"/>
+                      <a:lumMod val="100000"/>
+                      <a:shade val="100000"/>
+                    </a:schemeClr>
+                  </a:gs>
+                  <a:gs pos="100000">
+                    <a:schemeClr val="accent1">
+                      <a:tint val="65000"/>
+                      <a:lumMod val="99000"/>
+                      <a:satMod val="120000"/>
+                      <a:shade val="78000"/>
+                    </a:schemeClr>
+                  </a:gs>
+                </a:gsLst>
+                <a:lin ang="5400000" scaled="0"/>
+              </a:gradFill>
+              <a:ln w="9525">
+                <a:solidFill>
+                  <a:schemeClr val="accent1">
+                    <a:tint val="65000"/>
+                  </a:schemeClr>
+                </a:solidFill>
+                <a:round/>
+              </a:ln>
+              <a:effectLst>
+                <a:outerShdw blurRad="57150" dist="19050" dir="5400000" algn="ctr" rotWithShape="0">
+                  <a:srgbClr val="000000">
+                    <a:alpha val="63000"/>
+                  </a:srgbClr>
+                </a:outerShdw>
+              </a:effectLst>
+              <a:scene3d>
+                <a:camera prst="orthographicFront">
+                  <a:rot lat="0" lon="0" rev="0"/>
+                </a:camera>
+                <a:lightRig rig="threePt" dir="t">
+                  <a:rot lat="0" lon="0" rev="1200000"/>
+                </a:lightRig>
+              </a:scene3d>
+              <a:sp3d>
+                <a:bevelT w="63500" h="25400"/>
+              </a:sp3d>
+            </c:spPr>
+          </c:marker>
+          <c:cat>
+            <c:strRef>
+              <c:f>Sheet1!$A$4:$A$20</c:f>
+              <c:strCache>
+                <c:ptCount val="16"/>
+                <c:pt idx="0">
+                  <c:v>veganism</c:v>
+                </c:pt>
+                <c:pt idx="1">
+                  <c:v>food</c:v>
+                </c:pt>
+                <c:pt idx="2">
+                  <c:v>cooking</c:v>
+                </c:pt>
+                <c:pt idx="3">
+                  <c:v>healthy eating</c:v>
+                </c:pt>
+                <c:pt idx="4">
+                  <c:v>fitness</c:v>
+                </c:pt>
+                <c:pt idx="5">
+                  <c:v>tennis</c:v>
+                </c:pt>
+                <c:pt idx="6">
+                  <c:v>soccer</c:v>
+                </c:pt>
+                <c:pt idx="7">
+                  <c:v>culture</c:v>
+                </c:pt>
+                <c:pt idx="8">
+                  <c:v>travel</c:v>
+                </c:pt>
+                <c:pt idx="9">
+                  <c:v>animals</c:v>
+                </c:pt>
+                <c:pt idx="10">
+                  <c:v>dogs</c:v>
+                </c:pt>
+                <c:pt idx="11">
+                  <c:v>public speaking</c:v>
+                </c:pt>
+                <c:pt idx="12">
+                  <c:v>science</c:v>
+                </c:pt>
+                <c:pt idx="13">
+                  <c:v>education</c:v>
+                </c:pt>
+                <c:pt idx="14">
+                  <c:v>Studying</c:v>
+                </c:pt>
+                <c:pt idx="15">
+                  <c:v>technology</c:v>
+                </c:pt>
+              </c:strCache>
+            </c:strRef>
+          </c:cat>
+          <c:val>
+            <c:numRef>
+              <c:f>Sheet1!$D$4:$D$20</c:f>
+              <c:numCache>
+                <c:formatCode>_(* #,##0.0_);_(* \(#,##0.0\);_(* "-"??_);_(@_)</c:formatCode>
+                <c:ptCount val="16"/>
+                <c:pt idx="0">
+                  <c:v>40.431201550387598</c:v>
+                </c:pt>
+                <c:pt idx="1">
+                  <c:v>39.786542923433878</c:v>
+                </c:pt>
+                <c:pt idx="2">
+                  <c:v>39.120516499282637</c:v>
+                </c:pt>
+                <c:pt idx="3">
+                  <c:v>40.829113924050631</c:v>
+                </c:pt>
+                <c:pt idx="4">
+                  <c:v>39.908851884312007</c:v>
+                </c:pt>
+                <c:pt idx="5">
+                  <c:v>37.852941176470587</c:v>
+                </c:pt>
+                <c:pt idx="6">
+                  <c:v>39.42807924203273</c:v>
+                </c:pt>
+                <c:pt idx="7">
+                  <c:v>39.524886877828052</c:v>
+                </c:pt>
+                <c:pt idx="8">
+                  <c:v>39.455153949129851</c:v>
+                </c:pt>
+                <c:pt idx="9">
+                  <c:v>39.790713790713788</c:v>
+                </c:pt>
+                <c:pt idx="10">
+                  <c:v>39.754816112084065</c:v>
+                </c:pt>
+                <c:pt idx="11">
+                  <c:v>40.736418511066397</c:v>
+                </c:pt>
+                <c:pt idx="12">
+                  <c:v>39.705762711864409</c:v>
+                </c:pt>
+                <c:pt idx="13">
+                  <c:v>39.884740259740262</c:v>
+                </c:pt>
+                <c:pt idx="14">
+                  <c:v>39.710976837865054</c:v>
+                </c:pt>
+                <c:pt idx="15">
+                  <c:v>40.58200636942675</c:v>
+                </c:pt>
+              </c:numCache>
+            </c:numRef>
+          </c:val>
+          <c:smooth val="0"/>
+          <c:extLst>
+            <c:ext xmlns:c16="http://schemas.microsoft.com/office/drawing/2014/chart" uri="{C3380CC4-5D6E-409C-BE32-E72D297353CC}">
+              <c16:uniqueId val="{00000002-FBF1-40A6-BA9B-FD6D57B035A9}"/>
+            </c:ext>
+          </c:extLst>
+        </c:ser>
+        <c:dLbls>
+          <c:showLegendKey val="0"/>
+          <c:showVal val="0"/>
+          <c:showCatName val="0"/>
+          <c:showSerName val="0"/>
+          <c:showPercent val="0"/>
+          <c:showBubbleSize val="0"/>
+        </c:dLbls>
+        <c:marker val="1"/>
+        <c:smooth val="0"/>
+        <c:axId val="155734496"/>
+        <c:axId val="155729088"/>
+      </c:lineChart>
+      <c:catAx>
+        <c:axId val="155743232"/>
+        <c:scaling>
+          <c:orientation val="minMax"/>
+        </c:scaling>
+        <c:delete val="0"/>
+        <c:axPos val="b"/>
+        <c:title>
+          <c:tx>
+            <c:rich>
+              <a:bodyPr rot="0" spcFirstLastPara="1" vertOverflow="ellipsis" vert="horz" wrap="square" anchor="ctr" anchorCtr="1"/>
+              <a:lstStyle/>
+              <a:p>
+                <a:pPr>
+                  <a:defRPr sz="900" b="1" i="0" u="none" strike="noStrike" kern="1200" cap="all" baseline="0">
+                    <a:solidFill>
+                      <a:schemeClr val="lt1">
+                        <a:lumMod val="85000"/>
+                      </a:schemeClr>
+                    </a:solidFill>
+                    <a:latin typeface="+mn-lt"/>
+                    <a:ea typeface="+mn-ea"/>
+                    <a:cs typeface="+mn-cs"/>
+                  </a:defRPr>
+                </a:pPr>
+                <a:r>
+                  <a:rPr lang="de-DE"/>
+                  <a:t>Categories</a:t>
+                </a:r>
+              </a:p>
+            </c:rich>
+          </c:tx>
+          <c:overlay val="0"/>
+          <c:spPr>
+            <a:noFill/>
+            <a:ln>
+              <a:noFill/>
+            </a:ln>
+            <a:effectLst/>
+          </c:spPr>
+          <c:txPr>
+            <a:bodyPr rot="0" spcFirstLastPara="1" vertOverflow="ellipsis" vert="horz" wrap="square" anchor="ctr" anchorCtr="1"/>
+            <a:lstStyle/>
+            <a:p>
+              <a:pPr>
+                <a:defRPr sz="900" b="1" i="0" u="none" strike="noStrike" kern="1200" cap="all" baseline="0">
+                  <a:solidFill>
+                    <a:schemeClr val="lt1">
+                      <a:lumMod val="85000"/>
+                    </a:schemeClr>
+                  </a:solidFill>
+                  <a:latin typeface="+mn-lt"/>
+                  <a:ea typeface="+mn-ea"/>
+                  <a:cs typeface="+mn-cs"/>
+                </a:defRPr>
+              </a:pPr>
+              <a:endParaRPr lang="de-DE"/>
+            </a:p>
+          </c:txPr>
+        </c:title>
+        <c:numFmt formatCode="General" sourceLinked="1"/>
+        <c:majorTickMark val="none"/>
+        <c:minorTickMark val="none"/>
+        <c:tickLblPos val="nextTo"/>
+        <c:spPr>
+          <a:noFill/>
+          <a:ln w="12700" cap="flat" cmpd="sng" algn="ctr">
+            <a:solidFill>
+              <a:schemeClr val="lt1">
+                <a:lumMod val="95000"/>
+                <a:alpha val="54000"/>
+              </a:schemeClr>
+            </a:solidFill>
+            <a:round/>
+          </a:ln>
+          <a:effectLst/>
+        </c:spPr>
+        <c:txPr>
+          <a:bodyPr rot="-60000000" spcFirstLastPara="1" vertOverflow="ellipsis" vert="horz" wrap="square" anchor="ctr" anchorCtr="1"/>
+          <a:lstStyle/>
+          <a:p>
+            <a:pPr>
+              <a:defRPr sz="900" b="0" i="0" u="none" strike="noStrike" kern="1200" baseline="0">
+                <a:solidFill>
+                  <a:schemeClr val="lt1">
+                    <a:lumMod val="85000"/>
+                  </a:schemeClr>
+                </a:solidFill>
+                <a:latin typeface="+mn-lt"/>
+                <a:ea typeface="+mn-ea"/>
+                <a:cs typeface="+mn-cs"/>
+              </a:defRPr>
+            </a:pPr>
+            <a:endParaRPr lang="de-DE"/>
+          </a:p>
+        </c:txPr>
+        <c:crossAx val="155749888"/>
+        <c:crosses val="autoZero"/>
+        <c:auto val="1"/>
+        <c:lblAlgn val="ctr"/>
+        <c:lblOffset val="100"/>
+        <c:noMultiLvlLbl val="0"/>
+      </c:catAx>
+      <c:valAx>
+        <c:axId val="155749888"/>
+        <c:scaling>
+          <c:orientation val="minMax"/>
+          <c:min val="30000"/>
+        </c:scaling>
+        <c:delete val="0"/>
+        <c:axPos val="l"/>
+        <c:majorGridlines>
+          <c:spPr>
+            <a:ln w="9525" cap="flat" cmpd="sng" algn="ctr">
+              <a:solidFill>
+                <a:schemeClr val="lt1">
+                  <a:lumMod val="95000"/>
+                  <a:alpha val="10000"/>
+                </a:schemeClr>
+              </a:solidFill>
+              <a:round/>
+            </a:ln>
+            <a:effectLst/>
+          </c:spPr>
+        </c:majorGridlines>
+        <c:title>
+          <c:tx>
+            <c:rich>
+              <a:bodyPr rot="-5400000" spcFirstLastPara="1" vertOverflow="ellipsis" vert="horz" wrap="square" anchor="ctr" anchorCtr="1"/>
+              <a:lstStyle/>
+              <a:p>
+                <a:pPr>
+                  <a:defRPr sz="1200" b="1" i="0" u="none" strike="noStrike" kern="1200" cap="all" baseline="0">
+                    <a:solidFill>
+                      <a:schemeClr val="lt1">
+                        <a:lumMod val="85000"/>
+                      </a:schemeClr>
+                    </a:solidFill>
+                    <a:latin typeface="+mn-lt"/>
+                    <a:ea typeface="+mn-ea"/>
+                    <a:cs typeface="+mn-cs"/>
+                  </a:defRPr>
+                </a:pPr>
+                <a:r>
+                  <a:rPr lang="de-DE" sz="1200"/>
+                  <a:t>Total Scores</a:t>
+                </a:r>
+              </a:p>
+            </c:rich>
+          </c:tx>
+          <c:overlay val="0"/>
+          <c:spPr>
+            <a:noFill/>
+            <a:ln>
+              <a:noFill/>
+            </a:ln>
+            <a:effectLst/>
+          </c:spPr>
+          <c:txPr>
+            <a:bodyPr rot="-5400000" spcFirstLastPara="1" vertOverflow="ellipsis" vert="horz" wrap="square" anchor="ctr" anchorCtr="1"/>
+            <a:lstStyle/>
+            <a:p>
+              <a:pPr>
+                <a:defRPr sz="1200" b="1" i="0" u="none" strike="noStrike" kern="1200" cap="all" baseline="0">
+                  <a:solidFill>
+                    <a:schemeClr val="lt1">
+                      <a:lumMod val="85000"/>
+                    </a:schemeClr>
+                  </a:solidFill>
+                  <a:latin typeface="+mn-lt"/>
+                  <a:ea typeface="+mn-ea"/>
+                  <a:cs typeface="+mn-cs"/>
+                </a:defRPr>
+              </a:pPr>
+              <a:endParaRPr lang="de-DE"/>
+            </a:p>
+          </c:txPr>
+        </c:title>
+        <c:numFmt formatCode="_(* #,##0_);_(* \(#,##0\);_(* &quot;-&quot;??_);_(@_)" sourceLinked="1"/>
+        <c:majorTickMark val="none"/>
+        <c:minorTickMark val="none"/>
+        <c:tickLblPos val="nextTo"/>
+        <c:spPr>
+          <a:noFill/>
+          <a:ln>
+            <a:noFill/>
+          </a:ln>
+          <a:effectLst/>
+        </c:spPr>
+        <c:txPr>
+          <a:bodyPr rot="-60000000" spcFirstLastPara="1" vertOverflow="ellipsis" vert="horz" wrap="square" anchor="ctr" anchorCtr="1"/>
+          <a:lstStyle/>
+          <a:p>
+            <a:pPr>
+              <a:defRPr sz="900" b="0" i="0" u="none" strike="noStrike" kern="1200" baseline="0">
+                <a:solidFill>
+                  <a:schemeClr val="lt1">
+                    <a:lumMod val="85000"/>
+                  </a:schemeClr>
+                </a:solidFill>
+                <a:latin typeface="+mn-lt"/>
+                <a:ea typeface="+mn-ea"/>
+                <a:cs typeface="+mn-cs"/>
+              </a:defRPr>
+            </a:pPr>
+            <a:endParaRPr lang="de-DE"/>
+          </a:p>
+        </c:txPr>
+        <c:crossAx val="155743232"/>
+        <c:crosses val="autoZero"/>
+        <c:crossBetween val="between"/>
+      </c:valAx>
+      <c:valAx>
+        <c:axId val="155729088"/>
+        <c:scaling>
+          <c:orientation val="minMax"/>
+        </c:scaling>
+        <c:delete val="0"/>
+        <c:axPos val="r"/>
+        <c:title>
+          <c:tx>
+            <c:rich>
+              <a:bodyPr rot="-5400000" spcFirstLastPara="1" vertOverflow="ellipsis" vert="horz" wrap="square" anchor="ctr" anchorCtr="1"/>
+              <a:lstStyle/>
+              <a:p>
+                <a:pPr>
+                  <a:defRPr sz="1100" b="1" i="0" u="none" strike="noStrike" kern="1200" cap="all" baseline="0">
+                    <a:solidFill>
+                      <a:schemeClr val="lt1">
+                        <a:lumMod val="85000"/>
+                      </a:schemeClr>
+                    </a:solidFill>
+                    <a:latin typeface="+mn-lt"/>
+                    <a:ea typeface="+mn-ea"/>
+                    <a:cs typeface="+mn-cs"/>
+                  </a:defRPr>
+                </a:pPr>
+                <a:r>
+                  <a:rPr lang="de-DE" sz="1100"/>
+                  <a:t>Average Scores</a:t>
+                </a:r>
+              </a:p>
+            </c:rich>
+          </c:tx>
+          <c:overlay val="0"/>
+          <c:spPr>
+            <a:noFill/>
+            <a:ln>
+              <a:noFill/>
+            </a:ln>
+            <a:effectLst/>
+          </c:spPr>
+          <c:txPr>
+            <a:bodyPr rot="-5400000" spcFirstLastPara="1" vertOverflow="ellipsis" vert="horz" wrap="square" anchor="ctr" anchorCtr="1"/>
+            <a:lstStyle/>
+            <a:p>
+              <a:pPr>
+                <a:defRPr sz="1100" b="1" i="0" u="none" strike="noStrike" kern="1200" cap="all" baseline="0">
+                  <a:solidFill>
+                    <a:schemeClr val="lt1">
+                      <a:lumMod val="85000"/>
+                    </a:schemeClr>
+                  </a:solidFill>
+                  <a:latin typeface="+mn-lt"/>
+                  <a:ea typeface="+mn-ea"/>
+                  <a:cs typeface="+mn-cs"/>
+                </a:defRPr>
+              </a:pPr>
+              <a:endParaRPr lang="de-DE"/>
+            </a:p>
+          </c:txPr>
+        </c:title>
+        <c:numFmt formatCode="_(* #,##0.0_);_(* \(#,##0.0\);_(* &quot;-&quot;??_);_(@_)" sourceLinked="1"/>
+        <c:majorTickMark val="none"/>
+        <c:minorTickMark val="none"/>
+        <c:tickLblPos val="nextTo"/>
+        <c:spPr>
+          <a:noFill/>
+          <a:ln>
+            <a:noFill/>
+          </a:ln>
+          <a:effectLst/>
+        </c:spPr>
+        <c:txPr>
+          <a:bodyPr rot="-60000000" spcFirstLastPara="1" vertOverflow="ellipsis" vert="horz" wrap="square" anchor="ctr" anchorCtr="1"/>
+          <a:lstStyle/>
+          <a:p>
+            <a:pPr>
+              <a:defRPr sz="900" b="0" i="0" u="none" strike="noStrike" kern="1200" baseline="0">
+                <a:solidFill>
+                  <a:schemeClr val="lt1">
+                    <a:lumMod val="85000"/>
+                  </a:schemeClr>
+                </a:solidFill>
+                <a:latin typeface="+mn-lt"/>
+                <a:ea typeface="+mn-ea"/>
+                <a:cs typeface="+mn-cs"/>
+              </a:defRPr>
+            </a:pPr>
+            <a:endParaRPr lang="de-DE"/>
+          </a:p>
+        </c:txPr>
+        <c:crossAx val="155734496"/>
+        <c:crosses val="max"/>
+        <c:crossBetween val="between"/>
+      </c:valAx>
+      <c:catAx>
+        <c:axId val="155734496"/>
+        <c:scaling>
+          <c:orientation val="minMax"/>
+        </c:scaling>
+        <c:delete val="1"/>
+        <c:axPos val="b"/>
+        <c:numFmt formatCode="General" sourceLinked="1"/>
+        <c:majorTickMark val="none"/>
+        <c:minorTickMark val="none"/>
+        <c:tickLblPos val="nextTo"/>
+        <c:crossAx val="155729088"/>
+        <c:crosses val="autoZero"/>
+        <c:auto val="1"/>
+        <c:lblAlgn val="ctr"/>
+        <c:lblOffset val="100"/>
+        <c:noMultiLvlLbl val="0"/>
+      </c:catAx>
+      <c:spPr>
+        <a:noFill/>
+        <a:ln>
+          <a:noFill/>
+        </a:ln>
+        <a:effectLst/>
+      </c:spPr>
+    </c:plotArea>
+    <c:legend>
+      <c:legendPos val="r"/>
+      <c:legendEntry>
+        <c:idx val="1"/>
+        <c:delete val="1"/>
+      </c:legendEntry>
+      <c:overlay val="0"/>
+      <c:spPr>
+        <a:noFill/>
+        <a:ln>
+          <a:noFill/>
+        </a:ln>
+        <a:effectLst/>
+      </c:spPr>
+      <c:txPr>
+        <a:bodyPr rot="0" spcFirstLastPara="1" vertOverflow="ellipsis" vert="horz" wrap="square" anchor="ctr" anchorCtr="1"/>
+        <a:lstStyle/>
+        <a:p>
+          <a:pPr>
+            <a:defRPr sz="900" b="0" i="0" u="none" strike="noStrike" kern="1200" baseline="0">
+              <a:solidFill>
+                <a:schemeClr val="lt1">
+                  <a:lumMod val="85000"/>
+                </a:schemeClr>
+              </a:solidFill>
+              <a:latin typeface="+mn-lt"/>
+              <a:ea typeface="+mn-ea"/>
+              <a:cs typeface="+mn-cs"/>
+            </a:defRPr>
+          </a:pPr>
+          <a:endParaRPr lang="de-DE"/>
+        </a:p>
+      </c:txPr>
+    </c:legend>
+    <c:plotVisOnly val="1"/>
+    <c:dispBlanksAs val="gap"/>
+    <c:extLst>
+      <c:ext xmlns:c16r3="http://schemas.microsoft.com/office/drawing/2017/03/chart" uri="{56B9EC1D-385E-4148-901F-78D8002777C0}">
+        <c16r3:dataDisplayOptions16>
+          <c16r3:dispNaAsBlank val="1"/>
+        </c16r3:dataDisplayOptions16>
+      </c:ext>
+    </c:extLst>
+    <c:showDLblsOverMax val="0"/>
+  </c:chart>
+  <c:spPr>
+    <a:gradFill flip="none" rotWithShape="1">
+      <a:gsLst>
+        <a:gs pos="0">
+          <a:schemeClr val="dk1">
+            <a:lumMod val="65000"/>
+            <a:lumOff val="35000"/>
+          </a:schemeClr>
+        </a:gs>
+        <a:gs pos="100000">
+          <a:schemeClr val="dk1">
+            <a:lumMod val="85000"/>
+            <a:lumOff val="15000"/>
+          </a:schemeClr>
+        </a:gs>
+      </a:gsLst>
+      <a:path path="circle">
+        <a:fillToRect l="50000" t="50000" r="50000" b="50000"/>
+      </a:path>
+      <a:tileRect/>
+    </a:gradFill>
+    <a:ln>
+      <a:noFill/>
+    </a:ln>
+    <a:effectLst/>
+  </c:spPr>
+  <c:txPr>
+    <a:bodyPr/>
+    <a:lstStyle/>
+    <a:p>
+      <a:pPr>
+        <a:defRPr/>
+      </a:pPr>
+      <a:endParaRPr lang="de-DE"/>
+    </a:p>
+  </c:txPr>
+  <c:externalData r:id="rId3">
+    <c:autoUpdate val="0"/>
+  </c:externalData>
+  <c:extLst>
+    <c:ext xmlns:c14="http://schemas.microsoft.com/office/drawing/2007/8/2/chart" uri="{781A3756-C4B2-4CAC-9D66-4F8BD8637D16}">
+      <c14:pivotOptions>
+        <c14:dropZoneFilter val="1"/>
+        <c14:dropZoneCategories val="1"/>
+        <c14:dropZoneData val="1"/>
+        <c14:dropZoneSeries val="1"/>
+        <c14:dropZonesVisible val="1"/>
+      </c14:pivotOptions>
+    </c:ext>
+    <c:ext xmlns:c16="http://schemas.microsoft.com/office/drawing/2014/chart" uri="{E28EC0CA-F0BB-4C9C-879D-F8772B89E7AC}">
+      <c16:pivotOptions16>
+        <c16:showExpandCollapseFieldButtons val="1"/>
+      </c16:pivotOptions16>
+    </c:ext>
+  </c:extLst>
+</c:chartSpace>
+</file>
+
+<file path=ppt/charts/chart2.xml><?xml version="1.0" encoding="utf-8"?>
+<c:chartSpace xmlns:c="http://schemas.openxmlformats.org/drawingml/2006/chart" xmlns:a="http://schemas.openxmlformats.org/drawingml/2006/main" xmlns:r="http://schemas.openxmlformats.org/officeDocument/2006/relationships" xmlns:c16r2="http://schemas.microsoft.com/office/drawing/2015/06/chart">
+  <c:date1904 val="0"/>
+  <c:lang val="en-US"/>
+  <c:roundedCorners val="0"/>
+  <mc:AlternateContent xmlns:mc="http://schemas.openxmlformats.org/markup-compatibility/2006">
+    <mc:Choice xmlns:c14="http://schemas.microsoft.com/office/drawing/2007/8/2/chart" Requires="c14">
+      <c14:style val="102"/>
+    </mc:Choice>
+    <mc:Fallback>
+      <c:style val="2"/>
+    </mc:Fallback>
+  </mc:AlternateContent>
+  <c:pivotSource>
+    <c:name>[Reactions.xlsx]Sheet1!PivotTable1</c:name>
+    <c:fmtId val="25"/>
+  </c:pivotSource>
+  <c:chart>
+    <c:autoTitleDeleted val="0"/>
+    <c:pivotFmts>
+      <c:pivotFmt>
+        <c:idx val="0"/>
+        <c:spPr>
+          <a:solidFill>
+            <a:schemeClr val="accent1"/>
+          </a:solidFill>
+          <a:ln w="28575" cap="rnd">
+            <a:solidFill>
+              <a:schemeClr val="accent1"/>
+            </a:solidFill>
+            <a:round/>
+          </a:ln>
+          <a:effectLst/>
+        </c:spPr>
+        <c:marker>
+          <c:symbol val="circle"/>
+          <c:size val="5"/>
+          <c:spPr>
+            <a:solidFill>
+              <a:schemeClr val="accent1"/>
+            </a:solidFill>
+            <a:ln w="9525">
+              <a:solidFill>
+                <a:schemeClr val="accent1"/>
+              </a:solidFill>
+            </a:ln>
+            <a:effectLst/>
+          </c:spPr>
+        </c:marker>
+        <c:dLbl>
+          <c:idx val="0"/>
+          <c:spPr>
+            <a:noFill/>
+            <a:ln>
+              <a:noFill/>
+            </a:ln>
+            <a:effectLst/>
+          </c:spPr>
+          <c:txPr>
+            <a:bodyPr rot="0" spcFirstLastPara="1" vertOverflow="ellipsis" vert="horz" wrap="square" lIns="38100" tIns="19050" rIns="38100" bIns="19050" anchor="ctr" anchorCtr="1">
+              <a:spAutoFit/>
+            </a:bodyPr>
+            <a:lstStyle/>
+            <a:p>
+              <a:pPr>
+                <a:defRPr sz="900" b="0" i="0" u="none" strike="noStrike" kern="1200" baseline="0">
+                  <a:solidFill>
+                    <a:schemeClr val="tx1">
+                      <a:lumMod val="75000"/>
+                      <a:lumOff val="25000"/>
+                    </a:schemeClr>
+                  </a:solidFill>
+                  <a:latin typeface="+mn-lt"/>
+                  <a:ea typeface="+mn-ea"/>
+                  <a:cs typeface="+mn-cs"/>
+                </a:defRPr>
+              </a:pPr>
+              <a:endParaRPr lang="de-DE"/>
+            </a:p>
+          </c:txPr>
+          <c:showLegendKey val="0"/>
+          <c:showVal val="0"/>
+          <c:showCatName val="0"/>
+          <c:showSerName val="0"/>
+          <c:showPercent val="0"/>
+          <c:showBubbleSize val="0"/>
+          <c:extLst>
+            <c:ext xmlns:c15="http://schemas.microsoft.com/office/drawing/2012/chart" uri="{CE6537A1-D6FC-4f65-9D91-7224C49458BB}"/>
+          </c:extLst>
+        </c:dLbl>
+      </c:pivotFmt>
+      <c:pivotFmt>
+        <c:idx val="1"/>
+        <c:spPr>
+          <a:solidFill>
+            <a:schemeClr val="accent1"/>
+          </a:solidFill>
+          <a:ln w="28575" cap="rnd">
+            <a:solidFill>
+              <a:schemeClr val="accent1"/>
+            </a:solidFill>
+            <a:round/>
+          </a:ln>
+          <a:effectLst/>
+        </c:spPr>
+        <c:marker>
+          <c:symbol val="circle"/>
+          <c:size val="5"/>
+          <c:spPr>
+            <a:solidFill>
+              <a:schemeClr val="accent2"/>
+            </a:solidFill>
+            <a:ln w="9525">
+              <a:solidFill>
+                <a:schemeClr val="accent2"/>
+              </a:solidFill>
+            </a:ln>
+            <a:effectLst/>
+          </c:spPr>
+        </c:marker>
+        <c:dLbl>
+          <c:idx val="0"/>
+          <c:spPr>
+            <a:noFill/>
+            <a:ln>
+              <a:noFill/>
+            </a:ln>
+            <a:effectLst/>
+          </c:spPr>
+          <c:txPr>
+            <a:bodyPr rot="0" spcFirstLastPara="1" vertOverflow="ellipsis" vert="horz" wrap="square" lIns="38100" tIns="19050" rIns="38100" bIns="19050" anchor="ctr" anchorCtr="1">
+              <a:spAutoFit/>
+            </a:bodyPr>
+            <a:lstStyle/>
+            <a:p>
+              <a:pPr>
+                <a:defRPr sz="900" b="0" i="0" u="none" strike="noStrike" kern="1200" baseline="0">
+                  <a:solidFill>
+                    <a:schemeClr val="tx1">
+                      <a:lumMod val="75000"/>
+                      <a:lumOff val="25000"/>
+                    </a:schemeClr>
+                  </a:solidFill>
+                  <a:latin typeface="+mn-lt"/>
+                  <a:ea typeface="+mn-ea"/>
+                  <a:cs typeface="+mn-cs"/>
+                </a:defRPr>
+              </a:pPr>
+              <a:endParaRPr lang="de-DE"/>
+            </a:p>
+          </c:txPr>
+          <c:showLegendKey val="0"/>
+          <c:showVal val="0"/>
+          <c:showCatName val="0"/>
+          <c:showSerName val="0"/>
+          <c:showPercent val="0"/>
+          <c:showBubbleSize val="0"/>
+          <c:extLst>
+            <c:ext xmlns:c15="http://schemas.microsoft.com/office/drawing/2012/chart" uri="{CE6537A1-D6FC-4f65-9D91-7224C49458BB}"/>
+          </c:extLst>
+        </c:dLbl>
+      </c:pivotFmt>
+      <c:pivotFmt>
+        <c:idx val="2"/>
+        <c:spPr>
+          <a:solidFill>
+            <a:schemeClr val="accent1"/>
+          </a:solidFill>
+          <a:ln w="28575" cap="rnd">
+            <a:solidFill>
+              <a:schemeClr val="accent1"/>
+            </a:solidFill>
+            <a:round/>
+          </a:ln>
+          <a:effectLst/>
+        </c:spPr>
+        <c:marker>
+          <c:symbol val="circle"/>
+          <c:size val="5"/>
+          <c:spPr>
+            <a:solidFill>
+              <a:schemeClr val="accent3"/>
+            </a:solidFill>
+            <a:ln w="9525">
+              <a:solidFill>
+                <a:schemeClr val="accent3"/>
+              </a:solidFill>
+            </a:ln>
+            <a:effectLst/>
+          </c:spPr>
+        </c:marker>
+        <c:dLbl>
+          <c:idx val="0"/>
+          <c:spPr>
+            <a:noFill/>
+            <a:ln>
+              <a:noFill/>
+            </a:ln>
+            <a:effectLst/>
+          </c:spPr>
+          <c:txPr>
+            <a:bodyPr rot="0" spcFirstLastPara="1" vertOverflow="ellipsis" vert="horz" wrap="square" lIns="38100" tIns="19050" rIns="38100" bIns="19050" anchor="ctr" anchorCtr="1">
+              <a:spAutoFit/>
+            </a:bodyPr>
+            <a:lstStyle/>
+            <a:p>
+              <a:pPr>
+                <a:defRPr sz="900" b="0" i="0" u="none" strike="noStrike" kern="1200" baseline="0">
+                  <a:solidFill>
+                    <a:schemeClr val="tx1">
+                      <a:lumMod val="75000"/>
+                      <a:lumOff val="25000"/>
+                    </a:schemeClr>
+                  </a:solidFill>
+                  <a:latin typeface="+mn-lt"/>
+                  <a:ea typeface="+mn-ea"/>
+                  <a:cs typeface="+mn-cs"/>
+                </a:defRPr>
+              </a:pPr>
+              <a:endParaRPr lang="de-DE"/>
+            </a:p>
+          </c:txPr>
+          <c:showLegendKey val="0"/>
+          <c:showVal val="0"/>
+          <c:showCatName val="0"/>
+          <c:showSerName val="0"/>
+          <c:showPercent val="0"/>
+          <c:showBubbleSize val="0"/>
+          <c:extLst>
+            <c:ext xmlns:c15="http://schemas.microsoft.com/office/drawing/2012/chart" uri="{CE6537A1-D6FC-4f65-9D91-7224C49458BB}"/>
+          </c:extLst>
+        </c:dLbl>
+      </c:pivotFmt>
+      <c:pivotFmt>
+        <c:idx val="3"/>
+        <c:spPr>
+          <a:solidFill>
+            <a:schemeClr val="accent1"/>
+          </a:solidFill>
+          <a:ln w="28575" cap="rnd">
+            <a:solidFill>
+              <a:schemeClr val="accent1"/>
+            </a:solidFill>
+            <a:round/>
+          </a:ln>
+          <a:effectLst/>
+        </c:spPr>
+        <c:marker>
+          <c:symbol val="circle"/>
+          <c:size val="5"/>
+          <c:spPr>
+            <a:solidFill>
+              <a:schemeClr val="accent1"/>
+            </a:solidFill>
+            <a:ln w="9525">
+              <a:solidFill>
+                <a:schemeClr val="accent1"/>
+              </a:solidFill>
+            </a:ln>
+            <a:effectLst/>
+          </c:spPr>
+        </c:marker>
+        <c:dLbl>
+          <c:idx val="0"/>
+          <c:spPr>
+            <a:noFill/>
+            <a:ln>
+              <a:noFill/>
+            </a:ln>
+            <a:effectLst/>
+          </c:spPr>
+          <c:txPr>
+            <a:bodyPr rot="0" spcFirstLastPara="1" vertOverflow="ellipsis" vert="horz" wrap="square" lIns="38100" tIns="19050" rIns="38100" bIns="19050" anchor="ctr" anchorCtr="1">
+              <a:spAutoFit/>
+            </a:bodyPr>
+            <a:lstStyle/>
+            <a:p>
+              <a:pPr>
+                <a:defRPr sz="900" b="0" i="0" u="none" strike="noStrike" kern="1200" baseline="0">
+                  <a:solidFill>
+                    <a:schemeClr val="tx1">
+                      <a:lumMod val="75000"/>
+                      <a:lumOff val="25000"/>
+                    </a:schemeClr>
+                  </a:solidFill>
+                  <a:latin typeface="+mn-lt"/>
+                  <a:ea typeface="+mn-ea"/>
+                  <a:cs typeface="+mn-cs"/>
+                </a:defRPr>
+              </a:pPr>
+              <a:endParaRPr lang="de-DE"/>
+            </a:p>
+          </c:txPr>
+          <c:showLegendKey val="0"/>
+          <c:showVal val="0"/>
+          <c:showCatName val="0"/>
+          <c:showSerName val="0"/>
+          <c:showPercent val="0"/>
+          <c:showBubbleSize val="0"/>
+          <c:extLst>
+            <c:ext xmlns:c15="http://schemas.microsoft.com/office/drawing/2012/chart" uri="{CE6537A1-D6FC-4f65-9D91-7224C49458BB}"/>
+          </c:extLst>
+        </c:dLbl>
+      </c:pivotFmt>
+      <c:pivotFmt>
+        <c:idx val="4"/>
+        <c:spPr>
+          <a:solidFill>
+            <a:schemeClr val="accent1"/>
+          </a:solidFill>
+          <a:ln w="28575" cap="rnd">
+            <a:solidFill>
+              <a:schemeClr val="accent1"/>
+            </a:solidFill>
+            <a:round/>
+          </a:ln>
+          <a:effectLst/>
+        </c:spPr>
+        <c:marker>
+          <c:symbol val="circle"/>
+          <c:size val="5"/>
+          <c:spPr>
+            <a:solidFill>
+              <a:schemeClr val="accent2"/>
+            </a:solidFill>
+            <a:ln w="9525">
+              <a:solidFill>
+                <a:schemeClr val="accent2"/>
+              </a:solidFill>
+            </a:ln>
+            <a:effectLst/>
+          </c:spPr>
+        </c:marker>
+        <c:dLbl>
+          <c:idx val="0"/>
+          <c:spPr>
+            <a:noFill/>
+            <a:ln>
+              <a:noFill/>
+            </a:ln>
+            <a:effectLst/>
+          </c:spPr>
+          <c:txPr>
+            <a:bodyPr rot="0" spcFirstLastPara="1" vertOverflow="ellipsis" vert="horz" wrap="square" lIns="38100" tIns="19050" rIns="38100" bIns="19050" anchor="ctr" anchorCtr="1">
+              <a:spAutoFit/>
+            </a:bodyPr>
+            <a:lstStyle/>
+            <a:p>
+              <a:pPr>
+                <a:defRPr sz="900" b="0" i="0" u="none" strike="noStrike" kern="1200" baseline="0">
+                  <a:solidFill>
+                    <a:schemeClr val="tx1">
+                      <a:lumMod val="75000"/>
+                      <a:lumOff val="25000"/>
+                    </a:schemeClr>
+                  </a:solidFill>
+                  <a:latin typeface="+mn-lt"/>
+                  <a:ea typeface="+mn-ea"/>
+                  <a:cs typeface="+mn-cs"/>
+                </a:defRPr>
+              </a:pPr>
+              <a:endParaRPr lang="de-DE"/>
+            </a:p>
+          </c:txPr>
+          <c:showLegendKey val="0"/>
+          <c:showVal val="0"/>
+          <c:showCatName val="0"/>
+          <c:showSerName val="0"/>
+          <c:showPercent val="0"/>
+          <c:showBubbleSize val="0"/>
+          <c:extLst>
+            <c:ext xmlns:c15="http://schemas.microsoft.com/office/drawing/2012/chart" uri="{CE6537A1-D6FC-4f65-9D91-7224C49458BB}"/>
+          </c:extLst>
+        </c:dLbl>
+      </c:pivotFmt>
+      <c:pivotFmt>
+        <c:idx val="5"/>
+        <c:spPr>
+          <a:solidFill>
+            <a:schemeClr val="accent1"/>
+          </a:solidFill>
+          <a:ln w="28575" cap="rnd">
+            <a:solidFill>
+              <a:schemeClr val="accent1"/>
+            </a:solidFill>
+            <a:round/>
+          </a:ln>
+          <a:effectLst/>
+        </c:spPr>
+        <c:marker>
+          <c:symbol val="circle"/>
+          <c:size val="5"/>
+          <c:spPr>
+            <a:solidFill>
+              <a:schemeClr val="accent3"/>
+            </a:solidFill>
+            <a:ln w="9525">
+              <a:solidFill>
+                <a:schemeClr val="accent3"/>
+              </a:solidFill>
+            </a:ln>
+            <a:effectLst/>
+          </c:spPr>
+        </c:marker>
+        <c:dLbl>
+          <c:idx val="0"/>
+          <c:spPr>
+            <a:noFill/>
+            <a:ln>
+              <a:noFill/>
+            </a:ln>
+            <a:effectLst/>
+          </c:spPr>
+          <c:txPr>
+            <a:bodyPr rot="0" spcFirstLastPara="1" vertOverflow="ellipsis" vert="horz" wrap="square" lIns="38100" tIns="19050" rIns="38100" bIns="19050" anchor="ctr" anchorCtr="1">
+              <a:spAutoFit/>
+            </a:bodyPr>
+            <a:lstStyle/>
+            <a:p>
+              <a:pPr>
+                <a:defRPr sz="900" b="0" i="0" u="none" strike="noStrike" kern="1200" baseline="0">
+                  <a:solidFill>
+                    <a:schemeClr val="tx1">
+                      <a:lumMod val="75000"/>
+                      <a:lumOff val="25000"/>
+                    </a:schemeClr>
+                  </a:solidFill>
+                  <a:latin typeface="+mn-lt"/>
+                  <a:ea typeface="+mn-ea"/>
+                  <a:cs typeface="+mn-cs"/>
+                </a:defRPr>
+              </a:pPr>
+              <a:endParaRPr lang="de-DE"/>
+            </a:p>
+          </c:txPr>
+          <c:showLegendKey val="0"/>
+          <c:showVal val="0"/>
+          <c:showCatName val="0"/>
+          <c:showSerName val="0"/>
+          <c:showPercent val="0"/>
+          <c:showBubbleSize val="0"/>
+          <c:extLst>
+            <c:ext xmlns:c15="http://schemas.microsoft.com/office/drawing/2012/chart" uri="{CE6537A1-D6FC-4f65-9D91-7224C49458BB}"/>
+          </c:extLst>
+        </c:dLbl>
+      </c:pivotFmt>
+      <c:pivotFmt>
+        <c:idx val="6"/>
+        <c:spPr>
+          <a:solidFill>
+            <a:schemeClr val="accent1"/>
+          </a:solidFill>
+          <a:ln w="28575" cap="rnd">
+            <a:solidFill>
+              <a:schemeClr val="accent1"/>
+            </a:solidFill>
+            <a:round/>
+          </a:ln>
+          <a:effectLst/>
+        </c:spPr>
+        <c:marker>
+          <c:symbol val="circle"/>
+          <c:size val="5"/>
+          <c:spPr>
+            <a:solidFill>
+              <a:schemeClr val="accent1"/>
+            </a:solidFill>
+            <a:ln w="9525">
+              <a:solidFill>
+                <a:schemeClr val="accent1"/>
+              </a:solidFill>
+            </a:ln>
+            <a:effectLst/>
+          </c:spPr>
+        </c:marker>
+        <c:dLbl>
+          <c:idx val="0"/>
+          <c:spPr>
+            <a:noFill/>
+            <a:ln>
+              <a:noFill/>
+            </a:ln>
+            <a:effectLst/>
+          </c:spPr>
+          <c:txPr>
+            <a:bodyPr rot="0" spcFirstLastPara="1" vertOverflow="ellipsis" vert="horz" wrap="square" lIns="38100" tIns="19050" rIns="38100" bIns="19050" anchor="ctr" anchorCtr="1">
+              <a:spAutoFit/>
+            </a:bodyPr>
+            <a:lstStyle/>
+            <a:p>
+              <a:pPr>
+                <a:defRPr sz="900" b="0" i="0" u="none" strike="noStrike" kern="1200" baseline="0">
+                  <a:solidFill>
+                    <a:schemeClr val="tx1">
+                      <a:lumMod val="75000"/>
+                      <a:lumOff val="25000"/>
+                    </a:schemeClr>
+                  </a:solidFill>
+                  <a:latin typeface="+mn-lt"/>
+                  <a:ea typeface="+mn-ea"/>
+                  <a:cs typeface="+mn-cs"/>
+                </a:defRPr>
+              </a:pPr>
+              <a:endParaRPr lang="de-DE"/>
+            </a:p>
+          </c:txPr>
+          <c:showLegendKey val="0"/>
+          <c:showVal val="0"/>
+          <c:showCatName val="0"/>
+          <c:showSerName val="0"/>
+          <c:showPercent val="0"/>
+          <c:showBubbleSize val="0"/>
+          <c:extLst>
+            <c:ext xmlns:c15="http://schemas.microsoft.com/office/drawing/2012/chart" uri="{CE6537A1-D6FC-4f65-9D91-7224C49458BB}"/>
+          </c:extLst>
+        </c:dLbl>
+      </c:pivotFmt>
+      <c:pivotFmt>
+        <c:idx val="7"/>
+        <c:spPr>
+          <a:solidFill>
+            <a:schemeClr val="accent1"/>
+          </a:solidFill>
+          <a:ln w="28575" cap="rnd">
+            <a:solidFill>
+              <a:schemeClr val="accent1"/>
+            </a:solidFill>
+            <a:round/>
+          </a:ln>
+          <a:effectLst/>
+        </c:spPr>
+        <c:marker>
+          <c:symbol val="circle"/>
+          <c:size val="5"/>
+          <c:spPr>
+            <a:solidFill>
+              <a:schemeClr val="accent2"/>
+            </a:solidFill>
+            <a:ln w="9525">
+              <a:solidFill>
+                <a:schemeClr val="accent2"/>
+              </a:solidFill>
+            </a:ln>
+            <a:effectLst/>
+          </c:spPr>
+        </c:marker>
+        <c:dLbl>
+          <c:idx val="0"/>
+          <c:spPr>
+            <a:noFill/>
+            <a:ln>
+              <a:noFill/>
+            </a:ln>
+            <a:effectLst/>
+          </c:spPr>
+          <c:txPr>
+            <a:bodyPr rot="0" spcFirstLastPara="1" vertOverflow="ellipsis" vert="horz" wrap="square" lIns="38100" tIns="19050" rIns="38100" bIns="19050" anchor="ctr" anchorCtr="1">
+              <a:spAutoFit/>
+            </a:bodyPr>
+            <a:lstStyle/>
+            <a:p>
+              <a:pPr>
+                <a:defRPr sz="900" b="0" i="0" u="none" strike="noStrike" kern="1200" baseline="0">
+                  <a:solidFill>
+                    <a:schemeClr val="tx1">
+                      <a:lumMod val="75000"/>
+                      <a:lumOff val="25000"/>
+                    </a:schemeClr>
+                  </a:solidFill>
+                  <a:latin typeface="+mn-lt"/>
+                  <a:ea typeface="+mn-ea"/>
+                  <a:cs typeface="+mn-cs"/>
+                </a:defRPr>
+              </a:pPr>
+              <a:endParaRPr lang="de-DE"/>
+            </a:p>
+          </c:txPr>
+          <c:showLegendKey val="0"/>
+          <c:showVal val="0"/>
+          <c:showCatName val="0"/>
+          <c:showSerName val="0"/>
+          <c:showPercent val="0"/>
+          <c:showBubbleSize val="0"/>
+          <c:extLst>
+            <c:ext xmlns:c15="http://schemas.microsoft.com/office/drawing/2012/chart" uri="{CE6537A1-D6FC-4f65-9D91-7224C49458BB}"/>
+          </c:extLst>
+        </c:dLbl>
+      </c:pivotFmt>
+      <c:pivotFmt>
+        <c:idx val="8"/>
+        <c:spPr>
+          <a:solidFill>
+            <a:schemeClr val="accent1"/>
+          </a:solidFill>
+          <a:ln w="28575" cap="rnd">
+            <a:solidFill>
+              <a:schemeClr val="accent1"/>
+            </a:solidFill>
+            <a:round/>
+          </a:ln>
+          <a:effectLst/>
+        </c:spPr>
+        <c:marker>
+          <c:symbol val="circle"/>
+          <c:size val="5"/>
+          <c:spPr>
+            <a:solidFill>
+              <a:schemeClr val="accent3"/>
+            </a:solidFill>
+            <a:ln w="9525">
+              <a:solidFill>
+                <a:schemeClr val="accent3"/>
+              </a:solidFill>
+            </a:ln>
+            <a:effectLst/>
+          </c:spPr>
+        </c:marker>
+        <c:dLbl>
+          <c:idx val="0"/>
+          <c:spPr>
+            <a:noFill/>
+            <a:ln>
+              <a:noFill/>
+            </a:ln>
+            <a:effectLst/>
+          </c:spPr>
+          <c:txPr>
+            <a:bodyPr rot="0" spcFirstLastPara="1" vertOverflow="ellipsis" vert="horz" wrap="square" lIns="38100" tIns="19050" rIns="38100" bIns="19050" anchor="ctr" anchorCtr="1">
+              <a:spAutoFit/>
+            </a:bodyPr>
+            <a:lstStyle/>
+            <a:p>
+              <a:pPr>
+                <a:defRPr sz="900" b="0" i="0" u="none" strike="noStrike" kern="1200" baseline="0">
+                  <a:solidFill>
+                    <a:schemeClr val="tx1">
+                      <a:lumMod val="75000"/>
+                      <a:lumOff val="25000"/>
+                    </a:schemeClr>
+                  </a:solidFill>
+                  <a:latin typeface="+mn-lt"/>
+                  <a:ea typeface="+mn-ea"/>
+                  <a:cs typeface="+mn-cs"/>
+                </a:defRPr>
+              </a:pPr>
+              <a:endParaRPr lang="de-DE"/>
+            </a:p>
+          </c:txPr>
+          <c:showLegendKey val="0"/>
+          <c:showVal val="0"/>
+          <c:showCatName val="0"/>
+          <c:showSerName val="0"/>
+          <c:showPercent val="0"/>
+          <c:showBubbleSize val="0"/>
+          <c:extLst>
+            <c:ext xmlns:c15="http://schemas.microsoft.com/office/drawing/2012/chart" uri="{CE6537A1-D6FC-4f65-9D91-7224C49458BB}"/>
+          </c:extLst>
+        </c:dLbl>
+      </c:pivotFmt>
+    </c:pivotFmts>
+    <c:plotArea>
+      <c:layout>
+        <c:manualLayout>
+          <c:layoutTarget val="inner"/>
+          <c:xMode val="edge"/>
+          <c:yMode val="edge"/>
+          <c:x val="0.14973865686489404"/>
+          <c:y val="0.10091338582677166"/>
+          <c:w val="0.56439607254660618"/>
+          <c:h val="0.81099374116696954"/>
+        </c:manualLayout>
+      </c:layout>
+      <c:radarChart>
+        <c:radarStyle val="marker"/>
+        <c:varyColors val="0"/>
+        <c:ser>
+          <c:idx val="0"/>
+          <c:order val="0"/>
+          <c:tx>
+            <c:strRef>
+              <c:f>Sheet1!$B$3</c:f>
+              <c:strCache>
+                <c:ptCount val="1"/>
+                <c:pt idx="0">
+                  <c:v>Sum of Score</c:v>
+                </c:pt>
+              </c:strCache>
+            </c:strRef>
+          </c:tx>
+          <c:spPr>
+            <a:ln w="28575" cap="rnd">
+              <a:solidFill>
+                <a:schemeClr val="accent1"/>
+              </a:solidFill>
+              <a:round/>
+            </a:ln>
+            <a:effectLst/>
+          </c:spPr>
+          <c:marker>
+            <c:symbol val="circle"/>
+            <c:size val="5"/>
+            <c:spPr>
+              <a:solidFill>
+                <a:schemeClr val="accent1"/>
+              </a:solidFill>
+              <a:ln w="9525">
+                <a:solidFill>
+                  <a:schemeClr val="accent1"/>
+                </a:solidFill>
+              </a:ln>
+              <a:effectLst/>
+            </c:spPr>
+          </c:marker>
+          <c:cat>
+            <c:strRef>
+              <c:f>Sheet1!$A$4:$A$20</c:f>
+              <c:strCache>
+                <c:ptCount val="16"/>
+                <c:pt idx="0">
+                  <c:v>veganism</c:v>
+                </c:pt>
+                <c:pt idx="1">
+                  <c:v>food</c:v>
+                </c:pt>
+                <c:pt idx="2">
+                  <c:v>cooking</c:v>
+                </c:pt>
+                <c:pt idx="3">
+                  <c:v>healthy eating</c:v>
+                </c:pt>
+                <c:pt idx="4">
+                  <c:v>fitness</c:v>
+                </c:pt>
+                <c:pt idx="5">
+                  <c:v>tennis</c:v>
+                </c:pt>
+                <c:pt idx="6">
+                  <c:v>soccer</c:v>
+                </c:pt>
+                <c:pt idx="7">
+                  <c:v>culture</c:v>
+                </c:pt>
+                <c:pt idx="8">
+                  <c:v>travel</c:v>
+                </c:pt>
+                <c:pt idx="9">
+                  <c:v>animals</c:v>
+                </c:pt>
+                <c:pt idx="10">
+                  <c:v>dogs</c:v>
+                </c:pt>
+                <c:pt idx="11">
+                  <c:v>public speaking</c:v>
+                </c:pt>
+                <c:pt idx="12">
+                  <c:v>science</c:v>
+                </c:pt>
+                <c:pt idx="13">
+                  <c:v>education</c:v>
+                </c:pt>
+                <c:pt idx="14">
+                  <c:v>Studying</c:v>
+                </c:pt>
+                <c:pt idx="15">
+                  <c:v>technology</c:v>
+                </c:pt>
+              </c:strCache>
+            </c:strRef>
+          </c:cat>
+          <c:val>
+            <c:numRef>
+              <c:f>Sheet1!$B$4:$B$20</c:f>
+              <c:numCache>
+                <c:formatCode>_(* #,##0_);_(* \(#,##0\);_(* "-"??_);_(@_)</c:formatCode>
+                <c:ptCount val="16"/>
+                <c:pt idx="0">
+                  <c:v>41725</c:v>
+                </c:pt>
+                <c:pt idx="1">
+                  <c:v>51444</c:v>
+                </c:pt>
+                <c:pt idx="2">
+                  <c:v>54534</c:v>
+                </c:pt>
+                <c:pt idx="3">
+                  <c:v>58059</c:v>
+                </c:pt>
+                <c:pt idx="4">
+                  <c:v>45536</c:v>
+                </c:pt>
+                <c:pt idx="5">
+                  <c:v>47619</c:v>
+                </c:pt>
+                <c:pt idx="6">
+                  <c:v>45776</c:v>
+                </c:pt>
+                <c:pt idx="7">
+                  <c:v>52410</c:v>
+                </c:pt>
+                <c:pt idx="8">
+                  <c:v>58946</c:v>
+                </c:pt>
+                <c:pt idx="9">
+                  <c:v>57418</c:v>
+                </c:pt>
+                <c:pt idx="10">
+                  <c:v>45400</c:v>
+                </c:pt>
+                <c:pt idx="11">
+                  <c:v>40492</c:v>
+                </c:pt>
+                <c:pt idx="12">
+                  <c:v>58566</c:v>
+                </c:pt>
+                <c:pt idx="13">
+                  <c:v>49138</c:v>
+                </c:pt>
+                <c:pt idx="14">
+                  <c:v>39433</c:v>
+                </c:pt>
+                <c:pt idx="15">
+                  <c:v>50971</c:v>
+                </c:pt>
+              </c:numCache>
+            </c:numRef>
+          </c:val>
+          <c:extLst>
+            <c:ext xmlns:c16="http://schemas.microsoft.com/office/drawing/2014/chart" uri="{C3380CC4-5D6E-409C-BE32-E72D297353CC}">
+              <c16:uniqueId val="{00000000-FE1E-4A62-8118-707C83571F50}"/>
+            </c:ext>
+          </c:extLst>
+        </c:ser>
+        <c:ser>
+          <c:idx val="1"/>
+          <c:order val="1"/>
+          <c:tx>
+            <c:strRef>
+              <c:f>Sheet1!$C$3</c:f>
+              <c:strCache>
+                <c:ptCount val="1"/>
+                <c:pt idx="0">
+                  <c:v>Count of Score</c:v>
+                </c:pt>
+              </c:strCache>
+            </c:strRef>
+          </c:tx>
+          <c:spPr>
+            <a:ln w="28575" cap="rnd">
+              <a:solidFill>
+                <a:schemeClr val="accent2"/>
+              </a:solidFill>
+              <a:round/>
+            </a:ln>
+            <a:effectLst/>
+          </c:spPr>
+          <c:marker>
+            <c:symbol val="circle"/>
+            <c:size val="5"/>
+            <c:spPr>
+              <a:solidFill>
+                <a:schemeClr val="accent2"/>
+              </a:solidFill>
+              <a:ln w="9525">
+                <a:solidFill>
+                  <a:schemeClr val="accent2"/>
+                </a:solidFill>
+              </a:ln>
+              <a:effectLst/>
+            </c:spPr>
+          </c:marker>
+          <c:cat>
+            <c:strRef>
+              <c:f>Sheet1!$A$4:$A$20</c:f>
+              <c:strCache>
+                <c:ptCount val="16"/>
+                <c:pt idx="0">
+                  <c:v>veganism</c:v>
+                </c:pt>
+                <c:pt idx="1">
+                  <c:v>food</c:v>
+                </c:pt>
+                <c:pt idx="2">
+                  <c:v>cooking</c:v>
+                </c:pt>
+                <c:pt idx="3">
+                  <c:v>healthy eating</c:v>
+                </c:pt>
+                <c:pt idx="4">
+                  <c:v>fitness</c:v>
+                </c:pt>
+                <c:pt idx="5">
+                  <c:v>tennis</c:v>
+                </c:pt>
+                <c:pt idx="6">
+                  <c:v>soccer</c:v>
+                </c:pt>
+                <c:pt idx="7">
+                  <c:v>culture</c:v>
+                </c:pt>
+                <c:pt idx="8">
+                  <c:v>travel</c:v>
+                </c:pt>
+                <c:pt idx="9">
+                  <c:v>animals</c:v>
+                </c:pt>
+                <c:pt idx="10">
+                  <c:v>dogs</c:v>
+                </c:pt>
+                <c:pt idx="11">
+                  <c:v>public speaking</c:v>
+                </c:pt>
+                <c:pt idx="12">
+                  <c:v>science</c:v>
+                </c:pt>
+                <c:pt idx="13">
+                  <c:v>education</c:v>
+                </c:pt>
+                <c:pt idx="14">
+                  <c:v>Studying</c:v>
+                </c:pt>
+                <c:pt idx="15">
+                  <c:v>technology</c:v>
+                </c:pt>
+              </c:strCache>
+            </c:strRef>
+          </c:cat>
+          <c:val>
+            <c:numRef>
+              <c:f>Sheet1!$C$4:$C$20</c:f>
+              <c:numCache>
+                <c:formatCode>_(* #,##0_);_(* \(#,##0\);_(* "-"??_);_(@_)</c:formatCode>
+                <c:ptCount val="16"/>
+                <c:pt idx="0">
+                  <c:v>1032</c:v>
+                </c:pt>
+                <c:pt idx="1">
+                  <c:v>1293</c:v>
+                </c:pt>
+                <c:pt idx="2">
+                  <c:v>1394</c:v>
+                </c:pt>
+                <c:pt idx="3">
+                  <c:v>1422</c:v>
+                </c:pt>
+                <c:pt idx="4">
+                  <c:v>1141</c:v>
+                </c:pt>
+                <c:pt idx="5">
+                  <c:v>1258</c:v>
+                </c:pt>
+                <c:pt idx="6">
+                  <c:v>1161</c:v>
+                </c:pt>
+                <c:pt idx="7">
+                  <c:v>1326</c:v>
+                </c:pt>
+                <c:pt idx="8">
+                  <c:v>1494</c:v>
+                </c:pt>
+                <c:pt idx="9">
+                  <c:v>1443</c:v>
+                </c:pt>
+                <c:pt idx="10">
+                  <c:v>1142</c:v>
+                </c:pt>
+                <c:pt idx="11">
+                  <c:v>994</c:v>
+                </c:pt>
+                <c:pt idx="12">
+                  <c:v>1475</c:v>
+                </c:pt>
+                <c:pt idx="13">
+                  <c:v>1232</c:v>
+                </c:pt>
+                <c:pt idx="14">
+                  <c:v>993</c:v>
+                </c:pt>
+                <c:pt idx="15">
+                  <c:v>1256</c:v>
+                </c:pt>
+              </c:numCache>
+            </c:numRef>
+          </c:val>
+          <c:extLst>
+            <c:ext xmlns:c16="http://schemas.microsoft.com/office/drawing/2014/chart" uri="{C3380CC4-5D6E-409C-BE32-E72D297353CC}">
+              <c16:uniqueId val="{00000001-FE1E-4A62-8118-707C83571F50}"/>
+            </c:ext>
+          </c:extLst>
+        </c:ser>
+        <c:ser>
+          <c:idx val="2"/>
+          <c:order val="2"/>
+          <c:tx>
+            <c:strRef>
+              <c:f>Sheet1!$D$3</c:f>
+              <c:strCache>
+                <c:ptCount val="1"/>
+                <c:pt idx="0">
+                  <c:v>Average of Score</c:v>
+                </c:pt>
+              </c:strCache>
+            </c:strRef>
+          </c:tx>
+          <c:spPr>
+            <a:ln w="28575" cap="rnd">
+              <a:solidFill>
+                <a:schemeClr val="accent3"/>
+              </a:solidFill>
+              <a:round/>
+            </a:ln>
+            <a:effectLst/>
+          </c:spPr>
+          <c:marker>
+            <c:symbol val="circle"/>
+            <c:size val="5"/>
+            <c:spPr>
+              <a:solidFill>
+                <a:schemeClr val="accent3"/>
+              </a:solidFill>
+              <a:ln w="9525">
+                <a:solidFill>
+                  <a:schemeClr val="accent3"/>
+                </a:solidFill>
+              </a:ln>
+              <a:effectLst/>
+            </c:spPr>
+          </c:marker>
+          <c:cat>
+            <c:strRef>
+              <c:f>Sheet1!$A$4:$A$20</c:f>
+              <c:strCache>
+                <c:ptCount val="16"/>
+                <c:pt idx="0">
+                  <c:v>veganism</c:v>
+                </c:pt>
+                <c:pt idx="1">
+                  <c:v>food</c:v>
+                </c:pt>
+                <c:pt idx="2">
+                  <c:v>cooking</c:v>
+                </c:pt>
+                <c:pt idx="3">
+                  <c:v>healthy eating</c:v>
+                </c:pt>
+                <c:pt idx="4">
+                  <c:v>fitness</c:v>
+                </c:pt>
+                <c:pt idx="5">
+                  <c:v>tennis</c:v>
+                </c:pt>
+                <c:pt idx="6">
+                  <c:v>soccer</c:v>
+                </c:pt>
+                <c:pt idx="7">
+                  <c:v>culture</c:v>
+                </c:pt>
+                <c:pt idx="8">
+                  <c:v>travel</c:v>
+                </c:pt>
+                <c:pt idx="9">
+                  <c:v>animals</c:v>
+                </c:pt>
+                <c:pt idx="10">
+                  <c:v>dogs</c:v>
+                </c:pt>
+                <c:pt idx="11">
+                  <c:v>public speaking</c:v>
+                </c:pt>
+                <c:pt idx="12">
+                  <c:v>science</c:v>
+                </c:pt>
+                <c:pt idx="13">
+                  <c:v>education</c:v>
+                </c:pt>
+                <c:pt idx="14">
+                  <c:v>Studying</c:v>
+                </c:pt>
+                <c:pt idx="15">
+                  <c:v>technology</c:v>
+                </c:pt>
+              </c:strCache>
+            </c:strRef>
+          </c:cat>
+          <c:val>
+            <c:numRef>
+              <c:f>Sheet1!$D$4:$D$20</c:f>
+              <c:numCache>
+                <c:formatCode>_(* #,##0.0_);_(* \(#,##0.0\);_(* "-"??_);_(@_)</c:formatCode>
+                <c:ptCount val="16"/>
+                <c:pt idx="0">
+                  <c:v>40.431201550387598</c:v>
+                </c:pt>
+                <c:pt idx="1">
+                  <c:v>39.786542923433878</c:v>
+                </c:pt>
+                <c:pt idx="2">
+                  <c:v>39.120516499282637</c:v>
+                </c:pt>
+                <c:pt idx="3">
+                  <c:v>40.829113924050631</c:v>
+                </c:pt>
+                <c:pt idx="4">
+                  <c:v>39.908851884312007</c:v>
+                </c:pt>
+                <c:pt idx="5">
+                  <c:v>37.852941176470587</c:v>
+                </c:pt>
+                <c:pt idx="6">
+                  <c:v>39.42807924203273</c:v>
+                </c:pt>
+                <c:pt idx="7">
+                  <c:v>39.524886877828052</c:v>
+                </c:pt>
+                <c:pt idx="8">
+                  <c:v>39.455153949129851</c:v>
+                </c:pt>
+                <c:pt idx="9">
+                  <c:v>39.790713790713788</c:v>
+                </c:pt>
+                <c:pt idx="10">
+                  <c:v>39.754816112084065</c:v>
+                </c:pt>
+                <c:pt idx="11">
+                  <c:v>40.736418511066397</c:v>
+                </c:pt>
+                <c:pt idx="12">
+                  <c:v>39.705762711864409</c:v>
+                </c:pt>
+                <c:pt idx="13">
+                  <c:v>39.884740259740262</c:v>
+                </c:pt>
+                <c:pt idx="14">
+                  <c:v>39.710976837865054</c:v>
+                </c:pt>
+                <c:pt idx="15">
+                  <c:v>40.58200636942675</c:v>
+                </c:pt>
+              </c:numCache>
+            </c:numRef>
+          </c:val>
+          <c:extLst>
+            <c:ext xmlns:c16="http://schemas.microsoft.com/office/drawing/2014/chart" uri="{C3380CC4-5D6E-409C-BE32-E72D297353CC}">
+              <c16:uniqueId val="{00000002-FE1E-4A62-8118-707C83571F50}"/>
+            </c:ext>
+          </c:extLst>
+        </c:ser>
+        <c:dLbls>
+          <c:showLegendKey val="0"/>
+          <c:showVal val="0"/>
+          <c:showCatName val="0"/>
+          <c:showSerName val="0"/>
+          <c:showPercent val="0"/>
+          <c:showBubbleSize val="0"/>
+        </c:dLbls>
+        <c:axId val="244880736"/>
+        <c:axId val="244892800"/>
+      </c:radarChart>
+      <c:catAx>
+        <c:axId val="244880736"/>
+        <c:scaling>
+          <c:orientation val="minMax"/>
+        </c:scaling>
+        <c:delete val="0"/>
+        <c:axPos val="b"/>
+        <c:majorGridlines>
+          <c:spPr>
+            <a:ln w="9525" cap="flat" cmpd="sng" algn="ctr">
+              <a:solidFill>
+                <a:schemeClr val="tx1">
+                  <a:lumMod val="15000"/>
+                  <a:lumOff val="85000"/>
+                </a:schemeClr>
+              </a:solidFill>
+              <a:round/>
+            </a:ln>
+            <a:effectLst/>
+          </c:spPr>
+        </c:majorGridlines>
+        <c:numFmt formatCode="General" sourceLinked="1"/>
+        <c:majorTickMark val="none"/>
+        <c:minorTickMark val="none"/>
+        <c:tickLblPos val="nextTo"/>
+        <c:spPr>
+          <a:noFill/>
+          <a:ln w="9525" cap="flat" cmpd="sng" algn="ctr">
+            <a:solidFill>
+              <a:schemeClr val="tx1">
+                <a:lumMod val="15000"/>
+                <a:lumOff val="85000"/>
+              </a:schemeClr>
+            </a:solidFill>
+            <a:round/>
+          </a:ln>
+          <a:effectLst/>
+        </c:spPr>
+        <c:txPr>
+          <a:bodyPr rot="-60000000" spcFirstLastPara="1" vertOverflow="ellipsis" vert="horz" wrap="square" anchor="ctr" anchorCtr="1"/>
+          <a:lstStyle/>
+          <a:p>
+            <a:pPr>
+              <a:defRPr sz="1400" b="0" i="0" u="none" strike="noStrike" kern="1200" baseline="0">
+                <a:solidFill>
+                  <a:schemeClr val="tx1">
+                    <a:lumMod val="65000"/>
+                    <a:lumOff val="35000"/>
+                  </a:schemeClr>
+                </a:solidFill>
+                <a:latin typeface="+mn-lt"/>
+                <a:ea typeface="+mn-ea"/>
+                <a:cs typeface="+mn-cs"/>
+              </a:defRPr>
+            </a:pPr>
+            <a:endParaRPr lang="de-DE"/>
+          </a:p>
+        </c:txPr>
+        <c:crossAx val="244892800"/>
+        <c:crosses val="autoZero"/>
+        <c:auto val="1"/>
+        <c:lblAlgn val="ctr"/>
+        <c:lblOffset val="100"/>
+        <c:noMultiLvlLbl val="0"/>
+      </c:catAx>
+      <c:valAx>
+        <c:axId val="244892800"/>
+        <c:scaling>
+          <c:orientation val="minMax"/>
+          <c:min val="10000"/>
+        </c:scaling>
+        <c:delete val="0"/>
+        <c:axPos val="l"/>
+        <c:majorGridlines>
+          <c:spPr>
+            <a:ln w="9525" cap="flat" cmpd="sng" algn="ctr">
+              <a:solidFill>
+                <a:schemeClr val="tx1">
+                  <a:lumMod val="15000"/>
+                  <a:lumOff val="85000"/>
+                </a:schemeClr>
+              </a:solidFill>
+              <a:round/>
+            </a:ln>
+            <a:effectLst/>
+          </c:spPr>
+        </c:majorGridlines>
+        <c:numFmt formatCode="_(* #,##0_);_(* \(#,##0\);_(* &quot;-&quot;??_);_(@_)" sourceLinked="1"/>
+        <c:majorTickMark val="none"/>
+        <c:minorTickMark val="none"/>
+        <c:tickLblPos val="none"/>
+        <c:spPr>
+          <a:noFill/>
+          <a:ln>
+            <a:noFill/>
+          </a:ln>
+          <a:effectLst/>
+        </c:spPr>
+        <c:txPr>
+          <a:bodyPr rot="-60000000" spcFirstLastPara="1" vertOverflow="ellipsis" vert="horz" wrap="square" anchor="ctr" anchorCtr="1"/>
+          <a:lstStyle/>
+          <a:p>
+            <a:pPr>
+              <a:defRPr sz="900" b="0" i="0" u="none" strike="noStrike" kern="1200" baseline="0">
+                <a:solidFill>
+                  <a:schemeClr val="tx1">
+                    <a:lumMod val="65000"/>
+                    <a:lumOff val="35000"/>
+                  </a:schemeClr>
+                </a:solidFill>
+                <a:latin typeface="+mn-lt"/>
+                <a:ea typeface="+mn-ea"/>
+                <a:cs typeface="+mn-cs"/>
+              </a:defRPr>
+            </a:pPr>
+            <a:endParaRPr lang="de-DE"/>
+          </a:p>
+        </c:txPr>
+        <c:crossAx val="244880736"/>
+        <c:crosses val="autoZero"/>
+        <c:crossBetween val="between"/>
+      </c:valAx>
+      <c:spPr>
+        <a:noFill/>
+        <a:ln>
+          <a:noFill/>
+        </a:ln>
+        <a:effectLst/>
+      </c:spPr>
+    </c:plotArea>
+    <c:legend>
+      <c:legendPos val="r"/>
+      <c:overlay val="0"/>
+      <c:spPr>
+        <a:noFill/>
+        <a:ln>
+          <a:noFill/>
+        </a:ln>
+        <a:effectLst/>
+      </c:spPr>
+      <c:txPr>
+        <a:bodyPr rot="0" spcFirstLastPara="1" vertOverflow="ellipsis" vert="horz" wrap="square" anchor="ctr" anchorCtr="1"/>
+        <a:lstStyle/>
+        <a:p>
+          <a:pPr>
+            <a:defRPr sz="900" b="0" i="0" u="none" strike="noStrike" kern="1200" baseline="0">
+              <a:solidFill>
+                <a:schemeClr val="tx1">
+                  <a:lumMod val="65000"/>
+                  <a:lumOff val="35000"/>
+                </a:schemeClr>
+              </a:solidFill>
+              <a:latin typeface="+mn-lt"/>
+              <a:ea typeface="+mn-ea"/>
+              <a:cs typeface="+mn-cs"/>
+            </a:defRPr>
+          </a:pPr>
+          <a:endParaRPr lang="de-DE"/>
+        </a:p>
+      </c:txPr>
+    </c:legend>
+    <c:plotVisOnly val="1"/>
+    <c:dispBlanksAs val="gap"/>
+    <c:extLst>
+      <c:ext xmlns:c16r3="http://schemas.microsoft.com/office/drawing/2017/03/chart" uri="{56B9EC1D-385E-4148-901F-78D8002777C0}">
+        <c16r3:dataDisplayOptions16>
+          <c16r3:dispNaAsBlank val="1"/>
+        </c16r3:dataDisplayOptions16>
+      </c:ext>
+    </c:extLst>
+    <c:showDLblsOverMax val="0"/>
+  </c:chart>
+  <c:spPr>
+    <a:noFill/>
+    <a:ln>
+      <a:noFill/>
+    </a:ln>
+    <a:effectLst/>
+  </c:spPr>
+  <c:txPr>
+    <a:bodyPr/>
+    <a:lstStyle/>
+    <a:p>
+      <a:pPr>
+        <a:defRPr/>
+      </a:pPr>
+      <a:endParaRPr lang="de-DE"/>
+    </a:p>
+  </c:txPr>
+  <c:externalData r:id="rId3">
+    <c:autoUpdate val="0"/>
+  </c:externalData>
+  <c:extLst>
+    <c:ext xmlns:c14="http://schemas.microsoft.com/office/drawing/2007/8/2/chart" uri="{781A3756-C4B2-4CAC-9D66-4F8BD8637D16}">
+      <c14:pivotOptions>
+        <c14:dropZoneFilter val="1"/>
+        <c14:dropZoneCategories val="1"/>
+        <c14:dropZoneData val="1"/>
+        <c14:dropZoneSeries val="1"/>
+        <c14:dropZonesVisible val="1"/>
+      </c14:pivotOptions>
+    </c:ext>
+    <c:ext xmlns:c16="http://schemas.microsoft.com/office/drawing/2014/chart" uri="{E28EC0CA-F0BB-4C9C-879D-F8772B89E7AC}">
+      <c16:pivotOptions16>
+        <c16:showExpandCollapseFieldButtons val="1"/>
+      </c16:pivotOptions16>
+    </c:ext>
+  </c:extLst>
+</c:chartSpace>
+</file>
+
+<file path=ppt/charts/chart3.xml><?xml version="1.0" encoding="utf-8"?>
+<c:chartSpace xmlns:c="http://schemas.openxmlformats.org/drawingml/2006/chart" xmlns:a="http://schemas.openxmlformats.org/drawingml/2006/main" xmlns:r="http://schemas.openxmlformats.org/officeDocument/2006/relationships" xmlns:c16r2="http://schemas.microsoft.com/office/drawing/2015/06/chart">
+  <c:date1904 val="0"/>
+  <c:lang val="en-US"/>
+  <c:roundedCorners val="0"/>
+  <mc:AlternateContent xmlns:mc="http://schemas.openxmlformats.org/markup-compatibility/2006">
+    <mc:Choice xmlns:c14="http://schemas.microsoft.com/office/drawing/2007/8/2/chart" Requires="c14">
+      <c14:style val="102"/>
+    </mc:Choice>
+    <mc:Fallback>
+      <c:style val="2"/>
+    </mc:Fallback>
+  </mc:AlternateContent>
+  <c:pivotSource>
+    <c:name>[Reactions.xlsx]Sheet1!PivotTable2</c:name>
+    <c:fmtId val="5"/>
+  </c:pivotSource>
+  <c:chart>
+    <c:title>
+      <c:tx>
+        <c:rich>
+          <a:bodyPr rot="0" spcFirstLastPara="1" vertOverflow="ellipsis" vert="horz" wrap="square" anchor="ctr" anchorCtr="1"/>
+          <a:lstStyle/>
+          <a:p>
+            <a:pPr>
+              <a:defRPr b="0" i="0" u="none" strike="noStrike" kern="1200" baseline="0">
+                <a:solidFill>
+                  <a:schemeClr val="dk1">
+                    <a:lumMod val="65000"/>
+                    <a:lumOff val="35000"/>
+                  </a:schemeClr>
+                </a:solidFill>
+                <a:effectLst/>
+                <a:latin typeface="+mn-lt"/>
+                <a:ea typeface="+mn-ea"/>
+                <a:cs typeface="+mn-cs"/>
+              </a:defRPr>
+            </a:pPr>
+            <a:r>
+              <a:rPr lang="en-US" dirty="0"/>
+              <a:t>Total Top 5</a:t>
+            </a:r>
+          </a:p>
+        </c:rich>
+      </c:tx>
+      <c:overlay val="0"/>
+      <c:spPr>
+        <a:noFill/>
+        <a:ln>
+          <a:noFill/>
+        </a:ln>
+        <a:effectLst/>
+      </c:spPr>
+      <c:txPr>
+        <a:bodyPr rot="0" spcFirstLastPara="1" vertOverflow="ellipsis" vert="horz" wrap="square" anchor="ctr" anchorCtr="1"/>
+        <a:lstStyle/>
+        <a:p>
+          <a:pPr>
+            <a:defRPr b="0" i="0" u="none" strike="noStrike" kern="1200" baseline="0">
+              <a:solidFill>
+                <a:schemeClr val="dk1">
+                  <a:lumMod val="65000"/>
+                  <a:lumOff val="35000"/>
+                </a:schemeClr>
+              </a:solidFill>
+              <a:effectLst/>
+              <a:latin typeface="+mn-lt"/>
+              <a:ea typeface="+mn-ea"/>
+              <a:cs typeface="+mn-cs"/>
+            </a:defRPr>
+          </a:pPr>
+          <a:endParaRPr lang="de-DE"/>
+        </a:p>
+      </c:txPr>
+    </c:title>
+    <c:autoTitleDeleted val="0"/>
+    <c:pivotFmts>
+      <c:pivotFmt>
+        <c:idx val="0"/>
+        <c:spPr>
+          <a:gradFill>
+            <a:gsLst>
+              <a:gs pos="0">
+                <a:schemeClr val="accent1"/>
+              </a:gs>
+              <a:gs pos="100000">
+                <a:schemeClr val="accent1">
+                  <a:lumMod val="84000"/>
+                </a:schemeClr>
+              </a:gs>
+            </a:gsLst>
+            <a:lin ang="5400000" scaled="1"/>
+          </a:gradFill>
+          <a:ln>
+            <a:noFill/>
+          </a:ln>
+          <a:effectLst>
+            <a:outerShdw blurRad="76200" dir="18900000" sy="23000" kx="-1200000" algn="bl" rotWithShape="0">
+              <a:prstClr val="black">
+                <a:alpha val="20000"/>
+              </a:prstClr>
+            </a:outerShdw>
+          </a:effectLst>
+        </c:spPr>
+        <c:marker>
+          <c:symbol val="none"/>
+        </c:marker>
+        <c:dLbl>
+          <c:idx val="0"/>
+          <c:spPr>
+            <a:noFill/>
+            <a:ln>
+              <a:noFill/>
+            </a:ln>
+            <a:effectLst/>
+          </c:spPr>
+          <c:txPr>
+            <a:bodyPr rot="0" spcFirstLastPara="1" vertOverflow="ellipsis" vert="horz" wrap="square" lIns="38100" tIns="19050" rIns="38100" bIns="19050" anchor="ctr" anchorCtr="1">
+              <a:spAutoFit/>
+            </a:bodyPr>
+            <a:lstStyle/>
+            <a:p>
+              <a:pPr>
+                <a:defRPr sz="1000" b="1" i="0" u="none" strike="noStrike" kern="1200" baseline="0">
+                  <a:solidFill>
+                    <a:schemeClr val="lt1"/>
+                  </a:solidFill>
+                  <a:latin typeface="+mn-lt"/>
+                  <a:ea typeface="+mn-ea"/>
+                  <a:cs typeface="+mn-cs"/>
+                </a:defRPr>
+              </a:pPr>
+              <a:endParaRPr lang="de-DE"/>
+            </a:p>
+          </c:txPr>
+          <c:dLblPos val="inEnd"/>
+          <c:showLegendKey val="0"/>
+          <c:showVal val="1"/>
+          <c:showCatName val="0"/>
+          <c:showSerName val="0"/>
+          <c:showPercent val="0"/>
+          <c:showBubbleSize val="0"/>
+          <c:extLst>
+            <c:ext xmlns:c15="http://schemas.microsoft.com/office/drawing/2012/chart" uri="{CE6537A1-D6FC-4f65-9D91-7224C49458BB}"/>
+          </c:extLst>
+        </c:dLbl>
+      </c:pivotFmt>
+      <c:pivotFmt>
+        <c:idx val="1"/>
+        <c:spPr>
+          <a:gradFill>
+            <a:gsLst>
+              <a:gs pos="0">
+                <a:schemeClr val="accent1"/>
+              </a:gs>
+              <a:gs pos="100000">
+                <a:schemeClr val="accent1">
+                  <a:lumMod val="84000"/>
+                </a:schemeClr>
+              </a:gs>
+            </a:gsLst>
+            <a:lin ang="5400000" scaled="1"/>
+          </a:gradFill>
+          <a:ln>
+            <a:noFill/>
+          </a:ln>
+          <a:effectLst>
+            <a:outerShdw blurRad="76200" dir="18900000" sy="23000" kx="-1200000" algn="bl" rotWithShape="0">
+              <a:prstClr val="black">
+                <a:alpha val="20000"/>
+              </a:prstClr>
+            </a:outerShdw>
+          </a:effectLst>
+        </c:spPr>
+        <c:marker>
+          <c:symbol val="none"/>
+        </c:marker>
+        <c:dLbl>
+          <c:idx val="0"/>
+          <c:spPr>
+            <a:noFill/>
+            <a:ln>
+              <a:noFill/>
+            </a:ln>
+            <a:effectLst/>
+          </c:spPr>
+          <c:txPr>
+            <a:bodyPr rot="0" spcFirstLastPara="1" vertOverflow="ellipsis" vert="horz" wrap="square" lIns="38100" tIns="19050" rIns="38100" bIns="19050" anchor="ctr" anchorCtr="1">
+              <a:spAutoFit/>
+            </a:bodyPr>
+            <a:lstStyle/>
+            <a:p>
+              <a:pPr>
+                <a:defRPr sz="1000" b="1" i="0" u="none" strike="noStrike" kern="1200" baseline="0">
+                  <a:solidFill>
+                    <a:schemeClr val="lt1"/>
+                  </a:solidFill>
+                  <a:latin typeface="+mn-lt"/>
+                  <a:ea typeface="+mn-ea"/>
+                  <a:cs typeface="+mn-cs"/>
+                </a:defRPr>
+              </a:pPr>
+              <a:endParaRPr lang="de-DE"/>
+            </a:p>
+          </c:txPr>
+          <c:dLblPos val="inEnd"/>
+          <c:showLegendKey val="0"/>
+          <c:showVal val="1"/>
+          <c:showCatName val="0"/>
+          <c:showSerName val="0"/>
+          <c:showPercent val="0"/>
+          <c:showBubbleSize val="0"/>
+          <c:extLst>
+            <c:ext xmlns:c15="http://schemas.microsoft.com/office/drawing/2012/chart" uri="{CE6537A1-D6FC-4f65-9D91-7224C49458BB}"/>
+          </c:extLst>
+        </c:dLbl>
+      </c:pivotFmt>
+      <c:pivotFmt>
+        <c:idx val="2"/>
+        <c:spPr>
+          <a:gradFill>
+            <a:gsLst>
+              <a:gs pos="0">
+                <a:schemeClr val="accent1"/>
+              </a:gs>
+              <a:gs pos="100000">
+                <a:schemeClr val="accent1">
+                  <a:lumMod val="84000"/>
+                </a:schemeClr>
+              </a:gs>
+            </a:gsLst>
+            <a:lin ang="5400000" scaled="1"/>
+          </a:gradFill>
+          <a:ln>
+            <a:noFill/>
+          </a:ln>
+          <a:effectLst>
+            <a:outerShdw blurRad="76200" dir="18900000" sy="23000" kx="-1200000" algn="bl" rotWithShape="0">
+              <a:prstClr val="black">
+                <a:alpha val="20000"/>
+              </a:prstClr>
+            </a:outerShdw>
+          </a:effectLst>
+        </c:spPr>
+        <c:marker>
+          <c:symbol val="none"/>
+        </c:marker>
+        <c:dLbl>
+          <c:idx val="0"/>
+          <c:spPr>
+            <a:noFill/>
+            <a:ln>
+              <a:noFill/>
+            </a:ln>
+            <a:effectLst/>
+          </c:spPr>
+          <c:txPr>
+            <a:bodyPr rot="0" spcFirstLastPara="1" vertOverflow="ellipsis" vert="horz" wrap="square" lIns="38100" tIns="19050" rIns="38100" bIns="19050" anchor="ctr" anchorCtr="1">
+              <a:spAutoFit/>
+            </a:bodyPr>
+            <a:lstStyle/>
+            <a:p>
+              <a:pPr>
+                <a:defRPr sz="1000" b="1" i="0" u="none" strike="noStrike" kern="1200" baseline="0">
+                  <a:solidFill>
+                    <a:schemeClr val="lt1"/>
+                  </a:solidFill>
+                  <a:latin typeface="+mn-lt"/>
+                  <a:ea typeface="+mn-ea"/>
+                  <a:cs typeface="+mn-cs"/>
+                </a:defRPr>
+              </a:pPr>
+              <a:endParaRPr lang="de-DE"/>
+            </a:p>
+          </c:txPr>
+          <c:dLblPos val="inEnd"/>
+          <c:showLegendKey val="0"/>
+          <c:showVal val="1"/>
+          <c:showCatName val="0"/>
+          <c:showSerName val="0"/>
+          <c:showPercent val="0"/>
+          <c:showBubbleSize val="0"/>
+          <c:extLst>
+            <c:ext xmlns:c15="http://schemas.microsoft.com/office/drawing/2012/chart" uri="{CE6537A1-D6FC-4f65-9D91-7224C49458BB}"/>
+          </c:extLst>
+        </c:dLbl>
+      </c:pivotFmt>
+    </c:pivotFmts>
+    <c:plotArea>
+      <c:layout/>
+      <c:barChart>
+        <c:barDir val="col"/>
+        <c:grouping val="clustered"/>
+        <c:varyColors val="0"/>
+        <c:ser>
+          <c:idx val="0"/>
+          <c:order val="0"/>
+          <c:tx>
+            <c:strRef>
+              <c:f>Sheet1!$G$3</c:f>
+              <c:strCache>
+                <c:ptCount val="1"/>
+                <c:pt idx="0">
+                  <c:v>Total</c:v>
+                </c:pt>
+              </c:strCache>
+            </c:strRef>
+          </c:tx>
+          <c:spPr>
+            <a:gradFill>
+              <a:gsLst>
+                <a:gs pos="0">
+                  <a:schemeClr val="accent1"/>
+                </a:gs>
+                <a:gs pos="100000">
+                  <a:schemeClr val="accent1">
+                    <a:lumMod val="84000"/>
+                  </a:schemeClr>
+                </a:gs>
+              </a:gsLst>
+              <a:lin ang="5400000" scaled="1"/>
+            </a:gradFill>
+            <a:ln>
+              <a:noFill/>
+            </a:ln>
+            <a:effectLst>
+              <a:outerShdw blurRad="76200" dir="18900000" sy="23000" kx="-1200000" algn="bl" rotWithShape="0">
+                <a:prstClr val="black">
+                  <a:alpha val="20000"/>
+                </a:prstClr>
+              </a:outerShdw>
+            </a:effectLst>
+          </c:spPr>
+          <c:invertIfNegative val="0"/>
+          <c:dLbls>
+            <c:spPr>
+              <a:noFill/>
+              <a:ln>
+                <a:noFill/>
+              </a:ln>
+              <a:effectLst/>
+            </c:spPr>
+            <c:txPr>
+              <a:bodyPr rot="0" spcFirstLastPara="1" vertOverflow="ellipsis" vert="horz" wrap="square" lIns="38100" tIns="19050" rIns="38100" bIns="19050" anchor="ctr" anchorCtr="1">
+                <a:spAutoFit/>
+              </a:bodyPr>
+              <a:lstStyle/>
+              <a:p>
+                <a:pPr>
+                  <a:defRPr sz="1000" b="1" i="0" u="none" strike="noStrike" kern="1200" baseline="0">
+                    <a:solidFill>
+                      <a:schemeClr val="lt1"/>
+                    </a:solidFill>
+                    <a:latin typeface="+mn-lt"/>
+                    <a:ea typeface="+mn-ea"/>
+                    <a:cs typeface="+mn-cs"/>
+                  </a:defRPr>
+                </a:pPr>
+                <a:endParaRPr lang="de-DE"/>
+              </a:p>
+            </c:txPr>
+            <c:dLblPos val="inEnd"/>
+            <c:showLegendKey val="0"/>
+            <c:showVal val="1"/>
+            <c:showCatName val="0"/>
+            <c:showSerName val="0"/>
+            <c:showPercent val="0"/>
+            <c:showBubbleSize val="0"/>
+            <c:showLeaderLines val="0"/>
+            <c:extLst>
+              <c:ext xmlns:c15="http://schemas.microsoft.com/office/drawing/2012/chart" uri="{CE6537A1-D6FC-4f65-9D91-7224C49458BB}">
+                <c15:showLeaderLines val="1"/>
+                <c15:leaderLines>
+                  <c:spPr>
+                    <a:ln w="9525">
+                      <a:solidFill>
+                        <a:schemeClr val="dk1">
+                          <a:lumMod val="50000"/>
+                          <a:lumOff val="50000"/>
+                        </a:schemeClr>
+                      </a:solidFill>
+                    </a:ln>
+                    <a:effectLst/>
+                  </c:spPr>
+                </c15:leaderLines>
+              </c:ext>
+            </c:extLst>
+          </c:dLbls>
+          <c:cat>
+            <c:strRef>
+              <c:f>Sheet1!$F$4:$F$9</c:f>
+              <c:strCache>
+                <c:ptCount val="5"/>
+                <c:pt idx="0">
+                  <c:v>animals</c:v>
+                </c:pt>
+                <c:pt idx="1">
+                  <c:v>cooking</c:v>
+                </c:pt>
+                <c:pt idx="2">
+                  <c:v>healthy eating</c:v>
+                </c:pt>
+                <c:pt idx="3">
+                  <c:v>science</c:v>
+                </c:pt>
+                <c:pt idx="4">
+                  <c:v>travel</c:v>
+                </c:pt>
+              </c:strCache>
+            </c:strRef>
+          </c:cat>
+          <c:val>
+            <c:numRef>
+              <c:f>Sheet1!$G$4:$G$9</c:f>
+              <c:numCache>
+                <c:formatCode>General</c:formatCode>
+                <c:ptCount val="5"/>
+                <c:pt idx="0">
+                  <c:v>57418</c:v>
+                </c:pt>
+                <c:pt idx="1">
+                  <c:v>54534</c:v>
+                </c:pt>
+                <c:pt idx="2">
+                  <c:v>58059</c:v>
+                </c:pt>
+                <c:pt idx="3">
+                  <c:v>58566</c:v>
+                </c:pt>
+                <c:pt idx="4">
+                  <c:v>58946</c:v>
+                </c:pt>
+              </c:numCache>
+            </c:numRef>
+          </c:val>
+          <c:extLst>
+            <c:ext xmlns:c16="http://schemas.microsoft.com/office/drawing/2014/chart" uri="{C3380CC4-5D6E-409C-BE32-E72D297353CC}">
+              <c16:uniqueId val="{00000000-7351-4A85-A86A-B64BC635F236}"/>
+            </c:ext>
+          </c:extLst>
+        </c:ser>
+        <c:dLbls>
+          <c:dLblPos val="inEnd"/>
+          <c:showLegendKey val="0"/>
+          <c:showVal val="1"/>
+          <c:showCatName val="0"/>
+          <c:showSerName val="0"/>
+          <c:showPercent val="0"/>
+          <c:showBubbleSize val="0"/>
+        </c:dLbls>
+        <c:gapWidth val="41"/>
+        <c:overlap val="-1"/>
+        <c:axId val="1819132368"/>
+        <c:axId val="1819129040"/>
+      </c:barChart>
+      <c:catAx>
+        <c:axId val="1819132368"/>
+        <c:scaling>
+          <c:orientation val="minMax"/>
+        </c:scaling>
+        <c:delete val="0"/>
+        <c:axPos val="b"/>
+        <c:numFmt formatCode="General" sourceLinked="1"/>
+        <c:majorTickMark val="none"/>
+        <c:minorTickMark val="none"/>
+        <c:tickLblPos val="nextTo"/>
+        <c:spPr>
+          <a:noFill/>
+          <a:ln>
+            <a:noFill/>
+          </a:ln>
+          <a:effectLst/>
+        </c:spPr>
+        <c:txPr>
+          <a:bodyPr rot="-60000000" spcFirstLastPara="1" vertOverflow="ellipsis" vert="horz" wrap="square" anchor="ctr" anchorCtr="1"/>
+          <a:lstStyle/>
+          <a:p>
+            <a:pPr>
+              <a:defRPr sz="1200" b="0" i="0" u="none" strike="noStrike" kern="1200" baseline="0">
+                <a:solidFill>
+                  <a:schemeClr val="dk1">
+                    <a:lumMod val="65000"/>
+                    <a:lumOff val="35000"/>
+                  </a:schemeClr>
+                </a:solidFill>
+                <a:effectLst/>
+                <a:latin typeface="+mn-lt"/>
+                <a:ea typeface="+mn-ea"/>
+                <a:cs typeface="+mn-cs"/>
+              </a:defRPr>
+            </a:pPr>
+            <a:endParaRPr lang="de-DE"/>
+          </a:p>
+        </c:txPr>
+        <c:crossAx val="1819129040"/>
+        <c:crosses val="autoZero"/>
+        <c:auto val="1"/>
+        <c:lblAlgn val="ctr"/>
+        <c:lblOffset val="100"/>
+        <c:noMultiLvlLbl val="0"/>
+      </c:catAx>
+      <c:valAx>
+        <c:axId val="1819129040"/>
+        <c:scaling>
+          <c:orientation val="minMax"/>
+        </c:scaling>
+        <c:delete val="1"/>
+        <c:axPos val="l"/>
+        <c:numFmt formatCode="General" sourceLinked="1"/>
+        <c:majorTickMark val="none"/>
+        <c:minorTickMark val="none"/>
+        <c:tickLblPos val="nextTo"/>
+        <c:crossAx val="1819132368"/>
+        <c:crosses val="autoZero"/>
+        <c:crossBetween val="between"/>
+      </c:valAx>
+      <c:spPr>
+        <a:noFill/>
+        <a:ln>
+          <a:noFill/>
+        </a:ln>
+        <a:effectLst/>
+      </c:spPr>
+    </c:plotArea>
+    <c:legend>
+      <c:legendPos val="r"/>
+      <c:overlay val="0"/>
+      <c:spPr>
+        <a:noFill/>
+        <a:ln>
+          <a:noFill/>
+        </a:ln>
+        <a:effectLst/>
+      </c:spPr>
+      <c:txPr>
+        <a:bodyPr rot="0" spcFirstLastPara="1" vertOverflow="ellipsis" vert="horz" wrap="square" anchor="ctr" anchorCtr="1"/>
+        <a:lstStyle/>
+        <a:p>
+          <a:pPr>
+            <a:defRPr sz="900" b="0" i="0" u="none" strike="noStrike" kern="1200" baseline="0">
+              <a:solidFill>
+                <a:schemeClr val="dk1">
+                  <a:lumMod val="65000"/>
+                  <a:lumOff val="35000"/>
+                </a:schemeClr>
+              </a:solidFill>
+              <a:latin typeface="+mn-lt"/>
+              <a:ea typeface="+mn-ea"/>
+              <a:cs typeface="+mn-cs"/>
+            </a:defRPr>
+          </a:pPr>
+          <a:endParaRPr lang="de-DE"/>
+        </a:p>
+      </c:txPr>
+    </c:legend>
+    <c:plotVisOnly val="1"/>
+    <c:dispBlanksAs val="gap"/>
+    <c:extLst>
+      <c:ext xmlns:c16r3="http://schemas.microsoft.com/office/drawing/2017/03/chart" uri="{56B9EC1D-385E-4148-901F-78D8002777C0}">
+        <c16r3:dataDisplayOptions16>
+          <c16r3:dispNaAsBlank val="1"/>
+        </c16r3:dataDisplayOptions16>
+      </c:ext>
+    </c:extLst>
+    <c:showDLblsOverMax val="0"/>
+  </c:chart>
+  <c:spPr>
+    <a:gradFill flip="none" rotWithShape="1">
+      <a:gsLst>
+        <a:gs pos="0">
+          <a:schemeClr val="lt1"/>
+        </a:gs>
+        <a:gs pos="68000">
+          <a:schemeClr val="lt1">
+            <a:lumMod val="85000"/>
+          </a:schemeClr>
+        </a:gs>
+        <a:gs pos="100000">
+          <a:schemeClr val="lt1"/>
+        </a:gs>
+      </a:gsLst>
+      <a:lin ang="5400000" scaled="1"/>
+      <a:tileRect/>
+    </a:gradFill>
+    <a:ln w="9525" cap="flat" cmpd="sng" algn="ctr">
+      <a:solidFill>
+        <a:schemeClr val="dk1">
+          <a:lumMod val="15000"/>
+          <a:lumOff val="85000"/>
+        </a:schemeClr>
+      </a:solidFill>
+      <a:round/>
+    </a:ln>
+    <a:effectLst/>
+  </c:spPr>
+  <c:txPr>
+    <a:bodyPr/>
+    <a:lstStyle/>
+    <a:p>
+      <a:pPr>
+        <a:defRPr/>
+      </a:pPr>
+      <a:endParaRPr lang="de-DE"/>
+    </a:p>
+  </c:txPr>
+  <c:externalData r:id="rId3">
+    <c:autoUpdate val="0"/>
+  </c:externalData>
+  <c:extLst>
+    <c:ext xmlns:c14="http://schemas.microsoft.com/office/drawing/2007/8/2/chart" uri="{781A3756-C4B2-4CAC-9D66-4F8BD8637D16}">
+      <c14:pivotOptions>
+        <c14:dropZoneFilter val="1"/>
+        <c14:dropZoneCategories val="1"/>
+        <c14:dropZoneData val="1"/>
+        <c14:dropZoneSeries val="1"/>
+        <c14:dropZonesVisible val="1"/>
+      </c14:pivotOptions>
+    </c:ext>
+    <c:ext xmlns:c16="http://schemas.microsoft.com/office/drawing/2014/chart" uri="{E28EC0CA-F0BB-4C9C-879D-F8772B89E7AC}">
+      <c16:pivotOptions16>
+        <c16:showExpandCollapseFieldButtons val="1"/>
+      </c16:pivotOptions16>
+    </c:ext>
+  </c:extLst>
+</c:chartSpace>
+</file>
+
+<file path=ppt/charts/chart4.xml><?xml version="1.0" encoding="utf-8"?>
+<c:chartSpace xmlns:c="http://schemas.openxmlformats.org/drawingml/2006/chart" xmlns:a="http://schemas.openxmlformats.org/drawingml/2006/main" xmlns:r="http://schemas.openxmlformats.org/officeDocument/2006/relationships" xmlns:c16r2="http://schemas.microsoft.com/office/drawing/2015/06/chart">
+  <c:date1904 val="0"/>
+  <c:lang val="en-US"/>
+  <c:roundedCorners val="0"/>
+  <mc:AlternateContent xmlns:mc="http://schemas.openxmlformats.org/markup-compatibility/2006">
+    <mc:Choice xmlns:c14="http://schemas.microsoft.com/office/drawing/2007/8/2/chart" Requires="c14">
+      <c14:style val="102"/>
+    </mc:Choice>
+    <mc:Fallback>
+      <c:style val="2"/>
+    </mc:Fallback>
+  </mc:AlternateContent>
+  <c:pivotSource>
+    <c:name>[Reactions.xlsx]Sheet1!PivotTable3</c:name>
+    <c:fmtId val="7"/>
+  </c:pivotSource>
+  <c:chart>
+    <c:autoTitleDeleted val="1"/>
+    <c:pivotFmts>
+      <c:pivotFmt>
+        <c:idx val="0"/>
+        <c:spPr>
+          <a:pattFill prst="ltUpDiag">
+            <a:fgClr>
+              <a:schemeClr val="accent1"/>
+            </a:fgClr>
+            <a:bgClr>
+              <a:schemeClr val="lt1"/>
+            </a:bgClr>
+          </a:pattFill>
+          <a:ln w="34925" cap="rnd">
+            <a:solidFill>
+              <a:schemeClr val="lt1"/>
+            </a:solidFill>
+            <a:round/>
+          </a:ln>
+          <a:effectLst>
+            <a:outerShdw dist="25400" dir="2700000" algn="tl" rotWithShape="0">
+              <a:schemeClr val="accent1"/>
+            </a:outerShdw>
+          </a:effectLst>
+        </c:spPr>
+        <c:marker>
+          <c:symbol val="circle"/>
+          <c:size val="5"/>
+          <c:spPr>
+            <a:solidFill>
+              <a:schemeClr val="accent1"/>
+            </a:solidFill>
+            <a:ln w="22225">
+              <a:solidFill>
+                <a:schemeClr val="lt1"/>
+              </a:solidFill>
+              <a:round/>
+            </a:ln>
+            <a:effectLst/>
+          </c:spPr>
+        </c:marker>
+        <c:dLbl>
+          <c:idx val="0"/>
+          <c:spPr>
+            <a:noFill/>
+            <a:ln>
+              <a:noFill/>
+            </a:ln>
+            <a:effectLst/>
+          </c:spPr>
+          <c:txPr>
+            <a:bodyPr rot="0" spcFirstLastPara="1" vertOverflow="ellipsis" vert="horz" wrap="square" lIns="38100" tIns="19050" rIns="38100" bIns="19050" anchor="ctr" anchorCtr="1">
+              <a:spAutoFit/>
+            </a:bodyPr>
+            <a:lstStyle/>
+            <a:p>
+              <a:pPr>
+                <a:defRPr sz="900" b="1" i="0" u="none" strike="noStrike" kern="1200" baseline="0">
+                  <a:solidFill>
+                    <a:schemeClr val="lt1"/>
+                  </a:solidFill>
+                  <a:latin typeface="+mn-lt"/>
+                  <a:ea typeface="+mn-ea"/>
+                  <a:cs typeface="+mn-cs"/>
+                </a:defRPr>
+              </a:pPr>
+              <a:endParaRPr lang="de-DE"/>
+            </a:p>
+          </c:txPr>
+          <c:showLegendKey val="0"/>
+          <c:showVal val="0"/>
+          <c:showCatName val="0"/>
+          <c:showSerName val="0"/>
+          <c:showPercent val="0"/>
+          <c:showBubbleSize val="0"/>
+          <c:extLst>
+            <c:ext xmlns:c15="http://schemas.microsoft.com/office/drawing/2012/chart" uri="{CE6537A1-D6FC-4f65-9D91-7224C49458BB}"/>
+          </c:extLst>
+        </c:dLbl>
+      </c:pivotFmt>
+      <c:pivotFmt>
+        <c:idx val="1"/>
+        <c:spPr>
+          <a:pattFill prst="ltUpDiag">
+            <a:fgClr>
+              <a:schemeClr val="accent1"/>
+            </a:fgClr>
+            <a:bgClr>
+              <a:schemeClr val="lt1"/>
+            </a:bgClr>
+          </a:pattFill>
+          <a:ln w="34925" cap="rnd">
+            <a:solidFill>
+              <a:schemeClr val="lt1"/>
+            </a:solidFill>
+            <a:round/>
+          </a:ln>
+          <a:effectLst>
+            <a:outerShdw dist="25400" dir="2700000" algn="tl" rotWithShape="0">
+              <a:schemeClr val="accent1"/>
+            </a:outerShdw>
+          </a:effectLst>
+        </c:spPr>
+        <c:marker>
+          <c:symbol val="circle"/>
+          <c:size val="5"/>
+          <c:spPr>
+            <a:solidFill>
+              <a:schemeClr val="accent1"/>
+            </a:solidFill>
+            <a:ln w="22225">
+              <a:solidFill>
+                <a:schemeClr val="lt1"/>
+              </a:solidFill>
+              <a:round/>
+            </a:ln>
+            <a:effectLst/>
+          </c:spPr>
+        </c:marker>
+        <c:dLbl>
+          <c:idx val="0"/>
+          <c:spPr>
+            <a:noFill/>
+            <a:ln>
+              <a:noFill/>
+            </a:ln>
+            <a:effectLst/>
+          </c:spPr>
+          <c:txPr>
+            <a:bodyPr rot="0" spcFirstLastPara="1" vertOverflow="ellipsis" vert="horz" wrap="square" lIns="38100" tIns="19050" rIns="38100" bIns="19050" anchor="ctr" anchorCtr="1">
+              <a:spAutoFit/>
+            </a:bodyPr>
+            <a:lstStyle/>
+            <a:p>
+              <a:pPr>
+                <a:defRPr sz="900" b="1" i="0" u="none" strike="noStrike" kern="1200" baseline="0">
+                  <a:solidFill>
+                    <a:schemeClr val="lt1"/>
+                  </a:solidFill>
+                  <a:latin typeface="+mn-lt"/>
+                  <a:ea typeface="+mn-ea"/>
+                  <a:cs typeface="+mn-cs"/>
+                </a:defRPr>
+              </a:pPr>
+              <a:endParaRPr lang="de-DE"/>
+            </a:p>
+          </c:txPr>
+          <c:showLegendKey val="0"/>
+          <c:showVal val="0"/>
+          <c:showCatName val="0"/>
+          <c:showSerName val="0"/>
+          <c:showPercent val="0"/>
+          <c:showBubbleSize val="0"/>
+          <c:extLst>
+            <c:ext xmlns:c15="http://schemas.microsoft.com/office/drawing/2012/chart" uri="{CE6537A1-D6FC-4f65-9D91-7224C49458BB}"/>
+          </c:extLst>
+        </c:dLbl>
+      </c:pivotFmt>
+      <c:pivotFmt>
+        <c:idx val="2"/>
+        <c:spPr>
+          <a:pattFill prst="ltUpDiag">
+            <a:fgClr>
+              <a:schemeClr val="accent1"/>
+            </a:fgClr>
+            <a:bgClr>
+              <a:schemeClr val="lt1"/>
+            </a:bgClr>
+          </a:pattFill>
+          <a:ln w="34925" cap="rnd">
+            <a:solidFill>
+              <a:schemeClr val="lt1"/>
+            </a:solidFill>
+            <a:round/>
+          </a:ln>
+          <a:effectLst>
+            <a:outerShdw dist="25400" dir="2700000" algn="tl" rotWithShape="0">
+              <a:schemeClr val="accent1"/>
+            </a:outerShdw>
+          </a:effectLst>
+        </c:spPr>
+        <c:marker>
+          <c:symbol val="circle"/>
+          <c:size val="5"/>
+          <c:spPr>
+            <a:solidFill>
+              <a:schemeClr val="accent1"/>
+            </a:solidFill>
+            <a:ln w="22225">
+              <a:solidFill>
+                <a:schemeClr val="lt1"/>
+              </a:solidFill>
+              <a:round/>
+            </a:ln>
+            <a:effectLst/>
+          </c:spPr>
+        </c:marker>
+        <c:dLbl>
+          <c:idx val="0"/>
+          <c:spPr>
+            <a:noFill/>
+            <a:ln>
+              <a:noFill/>
+            </a:ln>
+            <a:effectLst/>
+          </c:spPr>
+          <c:txPr>
+            <a:bodyPr rot="0" spcFirstLastPara="1" vertOverflow="ellipsis" vert="horz" wrap="square" lIns="38100" tIns="19050" rIns="38100" bIns="19050" anchor="ctr" anchorCtr="1">
+              <a:spAutoFit/>
+            </a:bodyPr>
+            <a:lstStyle/>
+            <a:p>
+              <a:pPr>
+                <a:defRPr sz="900" b="1" i="0" u="none" strike="noStrike" kern="1200" baseline="0">
+                  <a:solidFill>
+                    <a:schemeClr val="lt1"/>
+                  </a:solidFill>
+                  <a:latin typeface="+mn-lt"/>
+                  <a:ea typeface="+mn-ea"/>
+                  <a:cs typeface="+mn-cs"/>
+                </a:defRPr>
+              </a:pPr>
+              <a:endParaRPr lang="de-DE"/>
+            </a:p>
+          </c:txPr>
+          <c:showLegendKey val="0"/>
+          <c:showVal val="0"/>
+          <c:showCatName val="0"/>
+          <c:showSerName val="0"/>
+          <c:showPercent val="0"/>
+          <c:showBubbleSize val="0"/>
+          <c:extLst>
+            <c:ext xmlns:c15="http://schemas.microsoft.com/office/drawing/2012/chart" uri="{CE6537A1-D6FC-4f65-9D91-7224C49458BB}"/>
+          </c:extLst>
+        </c:dLbl>
+      </c:pivotFmt>
+      <c:pivotFmt>
+        <c:idx val="3"/>
+        <c:spPr>
+          <a:pattFill prst="ltUpDiag">
+            <a:fgClr>
+              <a:schemeClr val="accent1"/>
+            </a:fgClr>
+            <a:bgClr>
+              <a:schemeClr val="lt1"/>
+            </a:bgClr>
+          </a:pattFill>
+          <a:ln w="34925" cap="rnd">
+            <a:solidFill>
+              <a:schemeClr val="lt1"/>
+            </a:solidFill>
+            <a:round/>
+          </a:ln>
+          <a:effectLst>
+            <a:outerShdw dist="25400" dir="2700000" algn="tl" rotWithShape="0">
+              <a:schemeClr val="accent1"/>
+            </a:outerShdw>
+          </a:effectLst>
+        </c:spPr>
+        <c:marker>
+          <c:symbol val="circle"/>
+          <c:size val="5"/>
+          <c:spPr>
+            <a:solidFill>
+              <a:schemeClr val="accent1"/>
+            </a:solidFill>
+            <a:ln w="22225">
+              <a:solidFill>
+                <a:schemeClr val="lt1"/>
+              </a:solidFill>
+              <a:round/>
+            </a:ln>
+            <a:effectLst/>
+          </c:spPr>
+        </c:marker>
+        <c:dLbl>
+          <c:idx val="0"/>
+          <c:spPr>
+            <a:noFill/>
+            <a:ln>
+              <a:noFill/>
+            </a:ln>
+            <a:effectLst/>
+          </c:spPr>
+          <c:txPr>
+            <a:bodyPr rot="0" spcFirstLastPara="1" vertOverflow="ellipsis" vert="horz" wrap="square" lIns="38100" tIns="19050" rIns="38100" bIns="19050" anchor="ctr" anchorCtr="1">
+              <a:spAutoFit/>
+            </a:bodyPr>
+            <a:lstStyle/>
+            <a:p>
+              <a:pPr>
+                <a:defRPr sz="900" b="1" i="0" u="none" strike="noStrike" kern="1200" baseline="0">
+                  <a:solidFill>
+                    <a:schemeClr val="lt1"/>
+                  </a:solidFill>
+                  <a:latin typeface="+mn-lt"/>
+                  <a:ea typeface="+mn-ea"/>
+                  <a:cs typeface="+mn-cs"/>
+                </a:defRPr>
+              </a:pPr>
+              <a:endParaRPr lang="de-DE"/>
+            </a:p>
+          </c:txPr>
+          <c:showLegendKey val="0"/>
+          <c:showVal val="0"/>
+          <c:showCatName val="0"/>
+          <c:showSerName val="0"/>
+          <c:showPercent val="0"/>
+          <c:showBubbleSize val="0"/>
+          <c:extLst>
+            <c:ext xmlns:c15="http://schemas.microsoft.com/office/drawing/2012/chart" uri="{CE6537A1-D6FC-4f65-9D91-7224C49458BB}"/>
+          </c:extLst>
+        </c:dLbl>
+      </c:pivotFmt>
+    </c:pivotFmts>
+    <c:plotArea>
+      <c:layout/>
+      <c:lineChart>
+        <c:grouping val="standard"/>
+        <c:varyColors val="0"/>
+        <c:ser>
+          <c:idx val="0"/>
+          <c:order val="0"/>
+          <c:tx>
+            <c:strRef>
+              <c:f>Sheet1!$G$12</c:f>
+              <c:strCache>
+                <c:ptCount val="1"/>
+                <c:pt idx="0">
+                  <c:v>Total</c:v>
+                </c:pt>
+              </c:strCache>
+            </c:strRef>
+          </c:tx>
+          <c:spPr>
+            <a:ln w="34925" cap="rnd">
+              <a:solidFill>
+                <a:schemeClr val="lt1"/>
+              </a:solidFill>
+              <a:round/>
+            </a:ln>
+            <a:effectLst>
+              <a:outerShdw dist="25400" dir="2700000" algn="tl" rotWithShape="0">
+                <a:schemeClr val="accent1"/>
+              </a:outerShdw>
+            </a:effectLst>
+          </c:spPr>
+          <c:marker>
+            <c:symbol val="circle"/>
+            <c:size val="5"/>
+            <c:spPr>
+              <a:solidFill>
+                <a:schemeClr val="accent1"/>
+              </a:solidFill>
+              <a:ln w="22225">
+                <a:solidFill>
+                  <a:schemeClr val="lt1"/>
+                </a:solidFill>
+                <a:round/>
+              </a:ln>
+              <a:effectLst/>
+            </c:spPr>
+          </c:marker>
+          <c:cat>
+            <c:multiLvlStrRef>
+              <c:f>Sheet1!$F$13:$F$32</c:f>
+              <c:multiLvlStrCache>
+                <c:ptCount val="12"/>
+                <c:lvl>
+                  <c:pt idx="0">
+                    <c:v>Jun</c:v>
+                  </c:pt>
+                  <c:pt idx="1">
+                    <c:v>Jul</c:v>
+                  </c:pt>
+                  <c:pt idx="2">
+                    <c:v>Aug</c:v>
+                  </c:pt>
+                  <c:pt idx="3">
+                    <c:v>Sep</c:v>
+                  </c:pt>
+                  <c:pt idx="4">
+                    <c:v>Oct</c:v>
+                  </c:pt>
+                  <c:pt idx="5">
+                    <c:v>Nov</c:v>
+                  </c:pt>
+                  <c:pt idx="6">
+                    <c:v>Dec</c:v>
+                  </c:pt>
+                  <c:pt idx="7">
+                    <c:v>Jan</c:v>
+                  </c:pt>
+                  <c:pt idx="8">
+                    <c:v>Feb</c:v>
+                  </c:pt>
+                  <c:pt idx="9">
+                    <c:v>Mar</c:v>
+                  </c:pt>
+                  <c:pt idx="10">
+                    <c:v>Apr</c:v>
+                  </c:pt>
+                  <c:pt idx="11">
+                    <c:v>May</c:v>
+                  </c:pt>
+                </c:lvl>
+                <c:lvl>
+                  <c:pt idx="0">
+                    <c:v>Qtr2</c:v>
+                  </c:pt>
+                  <c:pt idx="1">
+                    <c:v>Qtr3</c:v>
+                  </c:pt>
+                  <c:pt idx="4">
+                    <c:v>Qtr4</c:v>
+                  </c:pt>
+                  <c:pt idx="7">
+                    <c:v>Qtr1</c:v>
+                  </c:pt>
+                  <c:pt idx="10">
+                    <c:v>Qtr2</c:v>
+                  </c:pt>
+                </c:lvl>
+                <c:lvl>
+                  <c:pt idx="0">
+                    <c:v>2020</c:v>
+                  </c:pt>
+                  <c:pt idx="7">
+                    <c:v>2021</c:v>
+                  </c:pt>
+                </c:lvl>
+              </c:multiLvlStrCache>
+            </c:multiLvlStrRef>
+          </c:cat>
+          <c:val>
+            <c:numRef>
+              <c:f>Sheet1!$G$13:$G$32</c:f>
+              <c:numCache>
+                <c:formatCode>_(* #,##0_);_(* \(#,##0\);_(* "-"??_);_(@_)</c:formatCode>
+                <c:ptCount val="12"/>
+                <c:pt idx="0">
+                  <c:v>722</c:v>
+                </c:pt>
+                <c:pt idx="1">
+                  <c:v>1692</c:v>
+                </c:pt>
+                <c:pt idx="2">
+                  <c:v>1759</c:v>
+                </c:pt>
+                <c:pt idx="3">
+                  <c:v>1633</c:v>
+                </c:pt>
+                <c:pt idx="4">
+                  <c:v>1684</c:v>
+                </c:pt>
+                <c:pt idx="5">
+                  <c:v>1655</c:v>
+                </c:pt>
+                <c:pt idx="6">
+                  <c:v>1711</c:v>
+                </c:pt>
+                <c:pt idx="7">
+                  <c:v>1718</c:v>
+                </c:pt>
+                <c:pt idx="8">
+                  <c:v>1560</c:v>
+                </c:pt>
+                <c:pt idx="9">
+                  <c:v>1626</c:v>
+                </c:pt>
+                <c:pt idx="10">
+                  <c:v>1642</c:v>
+                </c:pt>
+                <c:pt idx="11">
+                  <c:v>1756</c:v>
+                </c:pt>
+              </c:numCache>
+            </c:numRef>
+          </c:val>
+          <c:smooth val="0"/>
+          <c:extLst>
+            <c:ext xmlns:c16="http://schemas.microsoft.com/office/drawing/2014/chart" uri="{C3380CC4-5D6E-409C-BE32-E72D297353CC}">
+              <c16:uniqueId val="{00000000-F5B7-4D9E-B203-7A0291C3D68E}"/>
+            </c:ext>
+          </c:extLst>
+        </c:ser>
+        <c:dLbls>
+          <c:showLegendKey val="0"/>
+          <c:showVal val="0"/>
+          <c:showCatName val="0"/>
+          <c:showSerName val="0"/>
+          <c:showPercent val="0"/>
+          <c:showBubbleSize val="0"/>
+        </c:dLbls>
+        <c:dropLines>
+          <c:spPr>
+            <a:ln w="9525" cap="flat" cmpd="sng" algn="ctr">
+              <a:gradFill>
+                <a:gsLst>
+                  <a:gs pos="0">
+                    <a:schemeClr val="lt1"/>
+                  </a:gs>
+                  <a:gs pos="100000">
+                    <a:schemeClr val="lt1">
+                      <a:alpha val="0"/>
+                    </a:schemeClr>
+                  </a:gs>
+                </a:gsLst>
+                <a:lin ang="5400000" scaled="0"/>
+              </a:gradFill>
+              <a:round/>
+            </a:ln>
+            <a:effectLst/>
+          </c:spPr>
+        </c:dropLines>
+        <c:marker val="1"/>
+        <c:smooth val="0"/>
+        <c:axId val="2094212752"/>
+        <c:axId val="2094211088"/>
+      </c:lineChart>
+      <c:catAx>
+        <c:axId val="2094212752"/>
+        <c:scaling>
+          <c:orientation val="minMax"/>
+        </c:scaling>
+        <c:delete val="0"/>
+        <c:axPos val="b"/>
+        <c:title>
+          <c:tx>
+            <c:rich>
+              <a:bodyPr rot="0" spcFirstLastPara="1" vertOverflow="ellipsis" vert="horz" wrap="square" anchor="ctr" anchorCtr="1"/>
+              <a:lstStyle/>
+              <a:p>
+                <a:pPr>
+                  <a:defRPr sz="900" b="1" i="0" u="none" strike="noStrike" kern="1200" baseline="0">
+                    <a:solidFill>
+                      <a:schemeClr val="lt1"/>
+                    </a:solidFill>
+                    <a:latin typeface="+mn-lt"/>
+                    <a:ea typeface="+mn-ea"/>
+                    <a:cs typeface="+mn-cs"/>
+                  </a:defRPr>
+                </a:pPr>
+                <a:r>
+                  <a:rPr lang="de-DE"/>
+                  <a:t>Timeline</a:t>
+                </a:r>
+              </a:p>
+            </c:rich>
+          </c:tx>
+          <c:overlay val="0"/>
+          <c:spPr>
+            <a:noFill/>
+            <a:ln>
+              <a:noFill/>
+            </a:ln>
+            <a:effectLst/>
+          </c:spPr>
+          <c:txPr>
+            <a:bodyPr rot="0" spcFirstLastPara="1" vertOverflow="ellipsis" vert="horz" wrap="square" anchor="ctr" anchorCtr="1"/>
+            <a:lstStyle/>
+            <a:p>
+              <a:pPr>
+                <a:defRPr sz="900" b="1" i="0" u="none" strike="noStrike" kern="1200" baseline="0">
+                  <a:solidFill>
+                    <a:schemeClr val="lt1"/>
+                  </a:solidFill>
+                  <a:latin typeface="+mn-lt"/>
+                  <a:ea typeface="+mn-ea"/>
+                  <a:cs typeface="+mn-cs"/>
+                </a:defRPr>
+              </a:pPr>
+              <a:endParaRPr lang="de-DE"/>
+            </a:p>
+          </c:txPr>
+        </c:title>
+        <c:numFmt formatCode="General" sourceLinked="1"/>
+        <c:majorTickMark val="none"/>
+        <c:minorTickMark val="none"/>
+        <c:tickLblPos val="nextTo"/>
+        <c:spPr>
+          <a:noFill/>
+          <a:ln w="12700" cap="flat" cmpd="sng" algn="ctr">
+            <a:solidFill>
+              <a:schemeClr val="lt1"/>
+            </a:solidFill>
+            <a:round/>
+          </a:ln>
+          <a:effectLst/>
+        </c:spPr>
+        <c:txPr>
+          <a:bodyPr rot="-60000000" spcFirstLastPara="1" vertOverflow="ellipsis" vert="horz" wrap="square" anchor="ctr" anchorCtr="1"/>
+          <a:lstStyle/>
+          <a:p>
+            <a:pPr>
+              <a:defRPr sz="1600" b="0" i="0" u="none" strike="noStrike" kern="1200" spc="100" baseline="0">
+                <a:solidFill>
+                  <a:schemeClr val="lt1"/>
+                </a:solidFill>
+                <a:latin typeface="+mn-lt"/>
+                <a:ea typeface="+mn-ea"/>
+                <a:cs typeface="+mn-cs"/>
+              </a:defRPr>
+            </a:pPr>
+            <a:endParaRPr lang="de-DE"/>
+          </a:p>
+        </c:txPr>
+        <c:crossAx val="2094211088"/>
+        <c:crosses val="autoZero"/>
+        <c:auto val="1"/>
+        <c:lblAlgn val="ctr"/>
+        <c:lblOffset val="100"/>
+        <c:noMultiLvlLbl val="0"/>
+      </c:catAx>
+      <c:valAx>
+        <c:axId val="2094211088"/>
+        <c:scaling>
+          <c:orientation val="minMax"/>
+        </c:scaling>
+        <c:delete val="0"/>
+        <c:axPos val="l"/>
+        <c:majorGridlines>
+          <c:spPr>
+            <a:ln w="9525" cap="flat" cmpd="sng" algn="ctr">
+              <a:solidFill>
+                <a:schemeClr val="lt1">
+                  <a:alpha val="25000"/>
+                </a:schemeClr>
+              </a:solidFill>
+              <a:round/>
+            </a:ln>
+            <a:effectLst/>
+          </c:spPr>
+        </c:majorGridlines>
+        <c:title>
+          <c:tx>
+            <c:rich>
+              <a:bodyPr rot="-5400000" spcFirstLastPara="1" vertOverflow="ellipsis" vert="horz" wrap="square" anchor="ctr" anchorCtr="1"/>
+              <a:lstStyle/>
+              <a:p>
+                <a:pPr>
+                  <a:defRPr sz="1200" b="1" i="0" u="none" strike="noStrike" kern="1200" baseline="0">
+                    <a:solidFill>
+                      <a:schemeClr val="lt1"/>
+                    </a:solidFill>
+                    <a:latin typeface="+mn-lt"/>
+                    <a:ea typeface="+mn-ea"/>
+                    <a:cs typeface="+mn-cs"/>
+                  </a:defRPr>
+                </a:pPr>
+                <a:r>
+                  <a:rPr lang="de-DE" sz="1200"/>
+                  <a:t>Number</a:t>
+                </a:r>
+                <a:r>
+                  <a:rPr lang="de-DE" sz="1200" baseline="0"/>
+                  <a:t> of Posts</a:t>
+                </a:r>
+                <a:endParaRPr lang="de-DE" sz="1200"/>
+              </a:p>
+            </c:rich>
+          </c:tx>
+          <c:overlay val="0"/>
+          <c:spPr>
+            <a:noFill/>
+            <a:ln>
+              <a:noFill/>
+            </a:ln>
+            <a:effectLst/>
+          </c:spPr>
+          <c:txPr>
+            <a:bodyPr rot="-5400000" spcFirstLastPara="1" vertOverflow="ellipsis" vert="horz" wrap="square" anchor="ctr" anchorCtr="1"/>
+            <a:lstStyle/>
+            <a:p>
+              <a:pPr>
+                <a:defRPr sz="1200" b="1" i="0" u="none" strike="noStrike" kern="1200" baseline="0">
+                  <a:solidFill>
+                    <a:schemeClr val="lt1"/>
+                  </a:solidFill>
+                  <a:latin typeface="+mn-lt"/>
+                  <a:ea typeface="+mn-ea"/>
+                  <a:cs typeface="+mn-cs"/>
+                </a:defRPr>
+              </a:pPr>
+              <a:endParaRPr lang="de-DE"/>
+            </a:p>
+          </c:txPr>
+        </c:title>
+        <c:numFmt formatCode="_(* #,##0_);_(* \(#,##0\);_(* &quot;-&quot;??_);_(@_)" sourceLinked="1"/>
+        <c:majorTickMark val="out"/>
+        <c:minorTickMark val="none"/>
+        <c:tickLblPos val="nextTo"/>
+        <c:spPr>
+          <a:noFill/>
+          <a:ln>
+            <a:noFill/>
+          </a:ln>
+          <a:effectLst/>
+        </c:spPr>
+        <c:txPr>
+          <a:bodyPr rot="-60000000" spcFirstLastPara="1" vertOverflow="ellipsis" vert="horz" wrap="square" anchor="ctr" anchorCtr="1"/>
+          <a:lstStyle/>
+          <a:p>
+            <a:pPr>
+              <a:defRPr sz="900" b="0" i="0" u="none" strike="noStrike" kern="1200" baseline="0">
+                <a:solidFill>
+                  <a:schemeClr val="lt1"/>
+                </a:solidFill>
+                <a:latin typeface="+mn-lt"/>
+                <a:ea typeface="+mn-ea"/>
+                <a:cs typeface="+mn-cs"/>
+              </a:defRPr>
+            </a:pPr>
+            <a:endParaRPr lang="de-DE"/>
+          </a:p>
+        </c:txPr>
+        <c:crossAx val="2094212752"/>
+        <c:crosses val="autoZero"/>
+        <c:crossBetween val="between"/>
+      </c:valAx>
+      <c:spPr>
+        <a:noFill/>
+        <a:ln>
+          <a:noFill/>
+        </a:ln>
+        <a:effectLst/>
+      </c:spPr>
+    </c:plotArea>
+    <c:legend>
+      <c:legendPos val="r"/>
+      <c:overlay val="0"/>
+      <c:spPr>
+        <a:noFill/>
+        <a:ln>
+          <a:noFill/>
+        </a:ln>
+        <a:effectLst/>
+      </c:spPr>
+      <c:txPr>
+        <a:bodyPr rot="0" spcFirstLastPara="1" vertOverflow="ellipsis" vert="horz" wrap="square" anchor="ctr" anchorCtr="1"/>
+        <a:lstStyle/>
+        <a:p>
+          <a:pPr>
+            <a:defRPr sz="1050" b="0" i="0" u="none" strike="noStrike" kern="1200" baseline="0">
+              <a:solidFill>
+                <a:schemeClr val="lt1"/>
+              </a:solidFill>
+              <a:latin typeface="+mn-lt"/>
+              <a:ea typeface="+mn-ea"/>
+              <a:cs typeface="+mn-cs"/>
+            </a:defRPr>
+          </a:pPr>
+          <a:endParaRPr lang="de-DE"/>
+        </a:p>
+      </c:txPr>
+    </c:legend>
+    <c:plotVisOnly val="1"/>
+    <c:dispBlanksAs val="gap"/>
+    <c:extLst>
+      <c:ext xmlns:c16r3="http://schemas.microsoft.com/office/drawing/2017/03/chart" uri="{56B9EC1D-385E-4148-901F-78D8002777C0}">
+        <c16r3:dataDisplayOptions16>
+          <c16r3:dispNaAsBlank val="1"/>
+        </c16r3:dataDisplayOptions16>
+      </c:ext>
+    </c:extLst>
+    <c:showDLblsOverMax val="0"/>
+  </c:chart>
+  <c:spPr>
+    <a:solidFill>
+      <a:schemeClr val="accent1"/>
+    </a:solidFill>
+    <a:ln w="9525" cap="flat" cmpd="sng" algn="ctr">
+      <a:solidFill>
+        <a:schemeClr val="accent1"/>
+      </a:solidFill>
+      <a:round/>
+    </a:ln>
+    <a:effectLst/>
+  </c:spPr>
+  <c:txPr>
+    <a:bodyPr/>
+    <a:lstStyle/>
+    <a:p>
+      <a:pPr>
+        <a:defRPr/>
+      </a:pPr>
+      <a:endParaRPr lang="de-DE"/>
+    </a:p>
+  </c:txPr>
+  <c:externalData r:id="rId3">
+    <c:autoUpdate val="0"/>
+  </c:externalData>
+  <c:extLst>
+    <c:ext xmlns:c14="http://schemas.microsoft.com/office/drawing/2007/8/2/chart" uri="{781A3756-C4B2-4CAC-9D66-4F8BD8637D16}">
+      <c14:pivotOptions>
+        <c14:dropZoneFilter val="1"/>
+        <c14:dropZoneCategories val="1"/>
+        <c14:dropZoneData val="1"/>
+        <c14:dropZoneSeries val="1"/>
+        <c14:dropZonesVisible val="1"/>
+      </c14:pivotOptions>
+    </c:ext>
+    <c:ext xmlns:c16="http://schemas.microsoft.com/office/drawing/2014/chart" uri="{E28EC0CA-F0BB-4C9C-879D-F8772B89E7AC}">
+      <c16:pivotOptions16>
+        <c16:showExpandCollapseFieldButtons val="1"/>
+      </c16:pivotOptions16>
+    </c:ext>
+  </c:extLst>
+</c:chartSpace>
+</file>
+
+<file path=ppt/charts/colors1.xml><?xml version="1.0" encoding="utf-8"?>
+<cs:colorStyle xmlns:cs="http://schemas.microsoft.com/office/drawing/2012/chartStyle" xmlns:a="http://schemas.openxmlformats.org/drawingml/2006/main" meth="withinLinear" id="14">
+  <a:schemeClr val="accent1"/>
+</cs:colorStyle>
+</file>
+
+<file path=ppt/charts/colors2.xml><?xml version="1.0" encoding="utf-8"?>
+<cs:colorStyle xmlns:cs="http://schemas.microsoft.com/office/drawing/2012/chartStyle" xmlns:a="http://schemas.openxmlformats.org/drawingml/2006/main" meth="cycle" id="10">
+  <a:schemeClr val="accent1"/>
+  <a:schemeClr val="accent2"/>
+  <a:schemeClr val="accent3"/>
+  <a:schemeClr val="accent4"/>
+  <a:schemeClr val="accent5"/>
+  <a:schemeClr val="accent6"/>
+  <cs:variation/>
+  <cs:variation>
+    <a:lumMod val="60000"/>
+  </cs:variation>
+  <cs:variation>
+    <a:lumMod val="80000"/>
+    <a:lumOff val="20000"/>
+  </cs:variation>
+  <cs:variation>
+    <a:lumMod val="80000"/>
+  </cs:variation>
+  <cs:variation>
+    <a:lumMod val="60000"/>
+    <a:lumOff val="40000"/>
+  </cs:variation>
+  <cs:variation>
+    <a:lumMod val="50000"/>
+  </cs:variation>
+  <cs:variation>
+    <a:lumMod val="70000"/>
+    <a:lumOff val="30000"/>
+  </cs:variation>
+  <cs:variation>
+    <a:lumMod val="70000"/>
+  </cs:variation>
+  <cs:variation>
+    <a:lumMod val="50000"/>
+    <a:lumOff val="50000"/>
+  </cs:variation>
+</cs:colorStyle>
+</file>
+
+<file path=ppt/charts/colors3.xml><?xml version="1.0" encoding="utf-8"?>
+<cs:colorStyle xmlns:cs="http://schemas.microsoft.com/office/drawing/2012/chartStyle" xmlns:a="http://schemas.openxmlformats.org/drawingml/2006/main" meth="cycle" id="10">
+  <a:schemeClr val="accent1"/>
+  <a:schemeClr val="accent2"/>
+  <a:schemeClr val="accent3"/>
+  <a:schemeClr val="accent4"/>
+  <a:schemeClr val="accent5"/>
+  <a:schemeClr val="accent6"/>
+  <cs:variation/>
+  <cs:variation>
+    <a:lumMod val="60000"/>
+  </cs:variation>
+  <cs:variation>
+    <a:lumMod val="80000"/>
+    <a:lumOff val="20000"/>
+  </cs:variation>
+  <cs:variation>
+    <a:lumMod val="80000"/>
+  </cs:variation>
+  <cs:variation>
+    <a:lumMod val="60000"/>
+    <a:lumOff val="40000"/>
+  </cs:variation>
+  <cs:variation>
+    <a:lumMod val="50000"/>
+  </cs:variation>
+  <cs:variation>
+    <a:lumMod val="70000"/>
+    <a:lumOff val="30000"/>
+  </cs:variation>
+  <cs:variation>
+    <a:lumMod val="70000"/>
+  </cs:variation>
+  <cs:variation>
+    <a:lumMod val="50000"/>
+    <a:lumOff val="50000"/>
+  </cs:variation>
+</cs:colorStyle>
+</file>
+
+<file path=ppt/charts/colors4.xml><?xml version="1.0" encoding="utf-8"?>
+<cs:colorStyle xmlns:cs="http://schemas.microsoft.com/office/drawing/2012/chartStyle" xmlns:a="http://schemas.openxmlformats.org/drawingml/2006/main" meth="cycle" id="10">
+  <a:schemeClr val="accent1"/>
+  <a:schemeClr val="accent2"/>
+  <a:schemeClr val="accent3"/>
+  <a:schemeClr val="accent4"/>
+  <a:schemeClr val="accent5"/>
+  <a:schemeClr val="accent6"/>
+  <cs:variation/>
+  <cs:variation>
+    <a:lumMod val="60000"/>
+  </cs:variation>
+  <cs:variation>
+    <a:lumMod val="80000"/>
+    <a:lumOff val="20000"/>
+  </cs:variation>
+  <cs:variation>
+    <a:lumMod val="80000"/>
+  </cs:variation>
+  <cs:variation>
+    <a:lumMod val="60000"/>
+    <a:lumOff val="40000"/>
+  </cs:variation>
+  <cs:variation>
+    <a:lumMod val="50000"/>
+  </cs:variation>
+  <cs:variation>
+    <a:lumMod val="70000"/>
+    <a:lumOff val="30000"/>
+  </cs:variation>
+  <cs:variation>
+    <a:lumMod val="70000"/>
+  </cs:variation>
+  <cs:variation>
+    <a:lumMod val="50000"/>
+    <a:lumOff val="50000"/>
+  </cs:variation>
+</cs:colorStyle>
+</file>
+
+<file path=ppt/charts/style1.xml><?xml version="1.0" encoding="utf-8"?>
+<cs:chartStyle xmlns:cs="http://schemas.microsoft.com/office/drawing/2012/chartStyle" xmlns:a="http://schemas.openxmlformats.org/drawingml/2006/main" id="328">
+  <cs:axisTitle>
+    <cs:lnRef idx="0"/>
+    <cs:fillRef idx="0"/>
+    <cs:effectRef idx="0"/>
+    <cs:fontRef idx="minor">
+      <a:schemeClr val="lt1">
+        <a:lumMod val="85000"/>
+      </a:schemeClr>
+    </cs:fontRef>
+    <cs:defRPr sz="900" b="1" kern="1200" cap="all"/>
+  </cs:axisTitle>
+  <cs:categoryAxis>
+    <cs:lnRef idx="0"/>
+    <cs:fillRef idx="0"/>
+    <cs:effectRef idx="0"/>
+    <cs:fontRef idx="minor">
+      <a:schemeClr val="lt1">
+        <a:lumMod val="85000"/>
+      </a:schemeClr>
+    </cs:fontRef>
+    <cs:spPr>
+      <a:ln w="12700" cap="flat" cmpd="sng" algn="ctr">
+        <a:solidFill>
+          <a:schemeClr val="lt1">
+            <a:lumMod val="95000"/>
+            <a:alpha val="54000"/>
+          </a:schemeClr>
+        </a:solidFill>
+        <a:round/>
+      </a:ln>
+    </cs:spPr>
+    <cs:defRPr sz="900" kern="1200"/>
+  </cs:categoryAxis>
+  <cs:chartArea>
+    <cs:lnRef idx="0"/>
+    <cs:fillRef idx="0"/>
+    <cs:effectRef idx="0"/>
+    <cs:fontRef idx="minor">
+      <a:schemeClr val="dk1"/>
+    </cs:fontRef>
+    <cs:spPr>
+      <a:gradFill flip="none" rotWithShape="1">
+        <a:gsLst>
+          <a:gs pos="0">
+            <a:schemeClr val="dk1">
+              <a:lumMod val="65000"/>
+              <a:lumOff val="35000"/>
+            </a:schemeClr>
+          </a:gs>
+          <a:gs pos="100000">
+            <a:schemeClr val="dk1">
+              <a:lumMod val="85000"/>
+              <a:lumOff val="15000"/>
+            </a:schemeClr>
+          </a:gs>
+        </a:gsLst>
+        <a:path path="circle">
+          <a:fillToRect l="50000" t="50000" r="50000" b="50000"/>
+        </a:path>
+        <a:tileRect/>
+      </a:gradFill>
+    </cs:spPr>
+    <cs:defRPr sz="1000" kern="1200"/>
+  </cs:chartArea>
+  <cs:dataLabel>
+    <cs:lnRef idx="0"/>
+    <cs:fillRef idx="0"/>
+    <cs:effectRef idx="0"/>
+    <cs:fontRef idx="minor">
+      <a:schemeClr val="lt1">
+        <a:lumMod val="85000"/>
+      </a:schemeClr>
+    </cs:fontRef>
+    <cs:defRPr sz="900" kern="1200"/>
+  </cs:dataLabel>
+  <cs:dataLabelCallout>
+    <cs:lnRef idx="0"/>
+    <cs:fillRef idx="0"/>
+    <cs:effectRef idx="0"/>
+    <cs:fontRef idx="minor">
+      <a:schemeClr val="dk1">
+        <a:lumMod val="65000"/>
+        <a:lumOff val="35000"/>
+      </a:schemeClr>
+    </cs:fontRef>
+    <cs:spPr>
+      <a:solidFill>
+        <a:schemeClr val="lt1"/>
+      </a:solidFill>
+    </cs:spPr>
+    <cs:defRPr sz="900" kern="1200"/>
+    <cs:bodyPr rot="0" spcFirstLastPara="1" vertOverflow="clip" horzOverflow="clip" vert="horz" wrap="square" lIns="36576" tIns="18288" rIns="36576" bIns="18288" anchor="ctr" anchorCtr="1">
+      <a:spAutoFit/>
+    </cs:bodyPr>
+  </cs:dataLabelCallout>
+  <cs:dataPoint>
+    <cs:lnRef idx="0"/>
+    <cs:fillRef idx="3">
+      <cs:styleClr val="auto"/>
+    </cs:fillRef>
+    <cs:effectRef idx="3"/>
+    <cs:fontRef idx="minor">
+      <a:schemeClr val="tx1"/>
+    </cs:fontRef>
+  </cs:dataPoint>
+  <cs:dataPoint3D>
+    <cs:lnRef idx="0"/>
+    <cs:fillRef idx="3">
+      <cs:styleClr val="auto"/>
+    </cs:fillRef>
+    <cs:effectRef idx="3"/>
+    <cs:fontRef idx="minor">
+      <a:schemeClr val="tx1"/>
+    </cs:fontRef>
+  </cs:dataPoint3D>
+  <cs:dataPointLine>
+    <cs:lnRef idx="0">
+      <cs:styleClr val="auto"/>
+    </cs:lnRef>
+    <cs:fillRef idx="3"/>
+    <cs:effectRef idx="3"/>
+    <cs:fontRef idx="minor">
+      <a:schemeClr val="tx1"/>
+    </cs:fontRef>
+    <cs:spPr>
+      <a:ln w="34925" cap="rnd">
+        <a:solidFill>
+          <a:schemeClr val="phClr"/>
+        </a:solidFill>
+        <a:round/>
+      </a:ln>
+    </cs:spPr>
+  </cs:dataPointLine>
+  <cs:dataPointMarker>
+    <cs:lnRef idx="0">
+      <cs:styleClr val="auto"/>
+    </cs:lnRef>
+    <cs:fillRef idx="3">
+      <cs:styleClr val="auto"/>
+    </cs:fillRef>
+    <cs:effectRef idx="3"/>
+    <cs:fontRef idx="minor">
+      <a:schemeClr val="tx1"/>
+    </cs:fontRef>
+    <cs:spPr>
+      <a:ln w="9525">
+        <a:solidFill>
+          <a:schemeClr val="phClr"/>
+        </a:solidFill>
+        <a:round/>
+      </a:ln>
+    </cs:spPr>
+  </cs:dataPointMarker>
+  <cs:dataPointMarkerLayout symbol="circle" size="6"/>
+  <cs:dataPointWireframe>
+    <cs:lnRef idx="0">
+      <cs:styleClr val="auto"/>
+    </cs:lnRef>
+    <cs:fillRef idx="3"/>
+    <cs:effectRef idx="3"/>
+    <cs:fontRef idx="minor">
+      <a:schemeClr val="tx1"/>
+    </cs:fontRef>
+    <cs:spPr>
+      <a:ln w="9525" cap="rnd">
+        <a:solidFill>
+          <a:schemeClr val="phClr"/>
+        </a:solidFill>
+        <a:round/>
+      </a:ln>
+    </cs:spPr>
+  </cs:dataPointWireframe>
+  <cs:dataTable>
+    <cs:lnRef idx="0"/>
+    <cs:fillRef idx="0"/>
+    <cs:effectRef idx="0"/>
+    <cs:fontRef idx="minor">
+      <a:schemeClr val="lt1">
+        <a:lumMod val="85000"/>
+      </a:schemeClr>
+    </cs:fontRef>
+    <cs:spPr>
+      <a:ln w="9525">
+        <a:solidFill>
+          <a:schemeClr val="lt1">
+            <a:lumMod val="95000"/>
+            <a:alpha val="54000"/>
+          </a:schemeClr>
+        </a:solidFill>
+      </a:ln>
+    </cs:spPr>
+    <cs:defRPr sz="900" kern="1200"/>
+  </cs:dataTable>
+  <cs:downBar>
+    <cs:lnRef idx="0"/>
+    <cs:fillRef idx="0"/>
+    <cs:effectRef idx="0"/>
+    <cs:fontRef idx="minor">
+      <a:schemeClr val="tx1"/>
+    </cs:fontRef>
+    <cs:spPr>
+      <a:gradFill>
+        <a:gsLst>
+          <a:gs pos="100000">
+            <a:schemeClr val="dk1">
+              <a:lumMod val="95000"/>
+              <a:lumOff val="5000"/>
+            </a:schemeClr>
+          </a:gs>
+          <a:gs pos="0">
+            <a:schemeClr val="dk1">
+              <a:lumMod val="75000"/>
+              <a:lumOff val="25000"/>
+            </a:schemeClr>
+          </a:gs>
+        </a:gsLst>
+        <a:path path="circle">
+          <a:fillToRect l="50000" t="50000" r="50000" b="50000"/>
+        </a:path>
+      </a:gradFill>
+      <a:ln w="9525">
+        <a:solidFill>
+          <a:schemeClr val="dk1">
+            <a:lumMod val="75000"/>
+            <a:lumOff val="25000"/>
+          </a:schemeClr>
+        </a:solidFill>
+      </a:ln>
+    </cs:spPr>
+  </cs:downBar>
+  <cs:dropLine>
+    <cs:lnRef idx="0"/>
+    <cs:fillRef idx="0"/>
+    <cs:effectRef idx="0"/>
+    <cs:fontRef idx="minor">
+      <a:schemeClr val="tx1"/>
+    </cs:fontRef>
+    <cs:spPr>
+      <a:ln w="9525" cap="flat" cmpd="sng" algn="ctr">
+        <a:solidFill>
+          <a:schemeClr val="lt1"/>
+        </a:solidFill>
+        <a:round/>
+      </a:ln>
+    </cs:spPr>
+  </cs:dropLine>
+  <cs:errorBar>
+    <cs:lnRef idx="0"/>
+    <cs:fillRef idx="0"/>
+    <cs:effectRef idx="0"/>
+    <cs:fontRef idx="minor">
+      <a:schemeClr val="tx1"/>
+    </cs:fontRef>
+    <cs:spPr>
+      <a:ln w="9525" cap="flat" cmpd="sng" algn="ctr">
+        <a:solidFill>
+          <a:schemeClr val="lt1">
+            <a:lumMod val="95000"/>
+          </a:schemeClr>
+        </a:solidFill>
+        <a:round/>
+      </a:ln>
+    </cs:spPr>
+  </cs:errorBar>
+  <cs:floor>
+    <cs:lnRef idx="0"/>
+    <cs:fillRef idx="0"/>
+    <cs:effectRef idx="0"/>
+    <cs:fontRef idx="minor">
+      <a:schemeClr val="tx1"/>
+    </cs:fontRef>
+  </cs:floor>
+  <cs:gridlineMajor>
+    <cs:lnRef idx="0"/>
+    <cs:fillRef idx="0"/>
+    <cs:effectRef idx="0"/>
+    <cs:fontRef idx="minor">
+      <a:schemeClr val="tx1"/>
+    </cs:fontRef>
+    <cs:spPr>
+      <a:ln w="9525" cap="flat" cmpd="sng" algn="ctr">
+        <a:solidFill>
+          <a:schemeClr val="lt1">
+            <a:lumMod val="95000"/>
+            <a:alpha val="10000"/>
+          </a:schemeClr>
+        </a:solidFill>
+        <a:round/>
+      </a:ln>
+    </cs:spPr>
+  </cs:gridlineMajor>
+  <cs:gridlineMinor>
+    <cs:lnRef idx="0"/>
+    <cs:fillRef idx="0"/>
+    <cs:effectRef idx="0"/>
+    <cs:fontRef idx="minor">
+      <a:schemeClr val="tx1"/>
+    </cs:fontRef>
+    <cs:spPr>
+      <a:ln>
+        <a:solidFill>
+          <a:schemeClr val="lt1">
+            <a:lumMod val="95000"/>
+            <a:alpha val="5000"/>
+          </a:schemeClr>
+        </a:solidFill>
+      </a:ln>
+    </cs:spPr>
+  </cs:gridlineMinor>
+  <cs:hiLoLine>
+    <cs:lnRef idx="0"/>
+    <cs:fillRef idx="0"/>
+    <cs:effectRef idx="0"/>
+    <cs:fontRef idx="minor">
+      <a:schemeClr val="tx1"/>
+    </cs:fontRef>
+    <cs:spPr>
+      <a:ln w="9525" cap="flat" cmpd="sng" algn="ctr">
+        <a:solidFill>
+          <a:schemeClr val="lt1"/>
+        </a:solidFill>
+        <a:round/>
+      </a:ln>
+    </cs:spPr>
+  </cs:hiLoLine>
+  <cs:leaderLine>
+    <cs:lnRef idx="0"/>
+    <cs:fillRef idx="0"/>
+    <cs:effectRef idx="0"/>
+    <cs:fontRef idx="minor">
+      <a:schemeClr val="tx1"/>
+    </cs:fontRef>
+    <cs:spPr>
+      <a:ln w="9525">
+        <a:solidFill>
+          <a:schemeClr val="lt1">
+            <a:lumMod val="95000"/>
+            <a:alpha val="54000"/>
+          </a:schemeClr>
+        </a:solidFill>
+      </a:ln>
+    </cs:spPr>
+  </cs:leaderLine>
+  <cs:legend>
+    <cs:lnRef idx="0"/>
+    <cs:fillRef idx="0"/>
+    <cs:effectRef idx="0"/>
+    <cs:fontRef idx="minor">
+      <a:schemeClr val="lt1">
+        <a:lumMod val="85000"/>
+      </a:schemeClr>
+    </cs:fontRef>
+    <cs:defRPr sz="900" kern="1200"/>
+  </cs:legend>
+  <cs:plotArea>
+    <cs:lnRef idx="0"/>
+    <cs:fillRef idx="0"/>
+    <cs:effectRef idx="0"/>
+    <cs:fontRef idx="minor">
+      <a:schemeClr val="tx1"/>
+    </cs:fontRef>
+  </cs:plotArea>
+  <cs:plotArea3D>
+    <cs:lnRef idx="0"/>
+    <cs:fillRef idx="0"/>
+    <cs:effectRef idx="0"/>
+    <cs:fontRef idx="minor">
+      <a:schemeClr val="tx1"/>
+    </cs:fontRef>
+  </cs:plotArea3D>
+  <cs:seriesAxis>
+    <cs:lnRef idx="0"/>
+    <cs:fillRef idx="0"/>
+    <cs:effectRef idx="0"/>
+    <cs:fontRef idx="minor">
+      <a:schemeClr val="lt1">
+        <a:lumMod val="85000"/>
+      </a:schemeClr>
+    </cs:fontRef>
+    <cs:spPr>
+      <a:ln w="12700" cap="flat" cmpd="sng" algn="ctr">
+        <a:solidFill>
+          <a:schemeClr val="lt1">
+            <a:lumMod val="95000"/>
+            <a:alpha val="54000"/>
+          </a:schemeClr>
+        </a:solidFill>
+        <a:round/>
+      </a:ln>
+    </cs:spPr>
+    <cs:defRPr sz="900" kern="1200"/>
+  </cs:seriesAxis>
+  <cs:seriesLine>
+    <cs:lnRef idx="0"/>
+    <cs:fillRef idx="0"/>
+    <cs:effectRef idx="0"/>
+    <cs:fontRef idx="minor">
+      <a:schemeClr val="lt1"/>
+    </cs:fontRef>
+    <cs:spPr>
+      <a:ln w="9525" cap="flat" cmpd="sng" algn="ctr">
+        <a:solidFill>
+          <a:schemeClr val="lt1">
+            <a:lumMod val="95000"/>
+            <a:alpha val="54000"/>
+          </a:schemeClr>
+        </a:solidFill>
+        <a:round/>
+      </a:ln>
+    </cs:spPr>
+  </cs:seriesLine>
+  <cs:title>
+    <cs:lnRef idx="0"/>
+    <cs:fillRef idx="0"/>
+    <cs:effectRef idx="0"/>
+    <cs:fontRef idx="minor">
+      <a:schemeClr val="lt1">
+        <a:lumMod val="95000"/>
+      </a:schemeClr>
+    </cs:fontRef>
+    <cs:defRPr sz="1600" b="1" kern="1200" spc="100" baseline="0">
+      <a:effectLst>
+        <a:outerShdw blurRad="50800" dist="38100" dir="5400000" algn="t" rotWithShape="0">
+          <a:prstClr val="black">
+            <a:alpha val="40000"/>
+          </a:prstClr>
+        </a:outerShdw>
+      </a:effectLst>
+    </cs:defRPr>
+  </cs:title>
+  <cs:trendline>
+    <cs:lnRef idx="0">
+      <cs:styleClr val="auto"/>
+    </cs:lnRef>
+    <cs:fillRef idx="0"/>
+    <cs:effectRef idx="0"/>
+    <cs:fontRef idx="minor">
+      <a:schemeClr val="tx1"/>
+    </cs:fontRef>
+    <cs:spPr>
+      <a:ln w="19050" cap="rnd">
+        <a:solidFill>
+          <a:schemeClr val="phClr"/>
+        </a:solidFill>
+      </a:ln>
+    </cs:spPr>
+  </cs:trendline>
+  <cs:trendlineLabel>
+    <cs:lnRef idx="0"/>
+    <cs:fillRef idx="0"/>
+    <cs:effectRef idx="0"/>
+    <cs:fontRef idx="minor">
+      <a:schemeClr val="lt1">
+        <a:lumMod val="85000"/>
+      </a:schemeClr>
+    </cs:fontRef>
+    <cs:defRPr sz="900" kern="1200"/>
+  </cs:trendlineLabel>
+  <cs:upBar>
+    <cs:lnRef idx="0"/>
+    <cs:fillRef idx="0"/>
+    <cs:effectRef idx="0"/>
+    <cs:fontRef idx="minor">
+      <a:schemeClr val="tx1"/>
+    </cs:fontRef>
+    <cs:spPr>
+      <a:gradFill>
+        <a:gsLst>
+          <a:gs pos="100000">
+            <a:schemeClr val="lt1">
+              <a:lumMod val="85000"/>
+            </a:schemeClr>
+          </a:gs>
+          <a:gs pos="0">
+            <a:schemeClr val="lt1"/>
+          </a:gs>
+        </a:gsLst>
+        <a:path path="circle">
+          <a:fillToRect l="50000" t="50000" r="50000" b="50000"/>
+        </a:path>
+      </a:gradFill>
+      <a:ln w="9525" cap="flat" cmpd="sng" algn="ctr">
+        <a:solidFill>
+          <a:schemeClr val="lt1"/>
+        </a:solidFill>
+        <a:round/>
+      </a:ln>
+    </cs:spPr>
+  </cs:upBar>
+  <cs:valueAxis>
+    <cs:lnRef idx="0"/>
+    <cs:fillRef idx="0"/>
+    <cs:effectRef idx="0"/>
+    <cs:fontRef idx="minor">
+      <a:schemeClr val="lt1">
+        <a:lumMod val="85000"/>
+      </a:schemeClr>
+    </cs:fontRef>
+    <cs:defRPr sz="900" kern="1200"/>
+  </cs:valueAxis>
+  <cs:wall>
+    <cs:lnRef idx="0"/>
+    <cs:fillRef idx="0"/>
+    <cs:effectRef idx="0"/>
+    <cs:fontRef idx="minor">
+      <a:schemeClr val="tx1"/>
+    </cs:fontRef>
+  </cs:wall>
+</cs:chartStyle>
+</file>
+
+<file path=ppt/charts/style2.xml><?xml version="1.0" encoding="utf-8"?>
+<cs:chartStyle xmlns:cs="http://schemas.microsoft.com/office/drawing/2012/chartStyle" xmlns:a="http://schemas.openxmlformats.org/drawingml/2006/main" id="317">
+  <cs:axisTitle>
+    <cs:lnRef idx="0"/>
+    <cs:fillRef idx="0"/>
+    <cs:effectRef idx="0"/>
+    <cs:fontRef idx="minor">
+      <a:schemeClr val="tx1">
+        <a:lumMod val="65000"/>
+        <a:lumOff val="35000"/>
+      </a:schemeClr>
+    </cs:fontRef>
+    <cs:defRPr sz="1000" kern="1200"/>
+  </cs:axisTitle>
+  <cs:categoryAxis>
+    <cs:lnRef idx="0"/>
+    <cs:fillRef idx="0"/>
+    <cs:effectRef idx="0"/>
+    <cs:fontRef idx="minor">
+      <a:schemeClr val="tx1">
+        <a:lumMod val="65000"/>
+        <a:lumOff val="35000"/>
+      </a:schemeClr>
+    </cs:fontRef>
+    <cs:spPr>
+      <a:ln w="9525" cap="flat" cmpd="sng" algn="ctr">
+        <a:solidFill>
+          <a:schemeClr val="tx1">
+            <a:lumMod val="15000"/>
+            <a:lumOff val="85000"/>
+          </a:schemeClr>
+        </a:solidFill>
+        <a:round/>
+      </a:ln>
+    </cs:spPr>
+    <cs:defRPr sz="900" kern="1200"/>
+  </cs:categoryAxis>
+  <cs:chartArea mods="allowNoFillOverride allowNoLineOverride">
+    <cs:lnRef idx="0"/>
+    <cs:fillRef idx="0"/>
+    <cs:effectRef idx="0"/>
+    <cs:fontRef idx="minor">
+      <a:schemeClr val="tx1"/>
+    </cs:fontRef>
+    <cs:spPr>
+      <a:solidFill>
+        <a:schemeClr val="bg1"/>
+      </a:solidFill>
+      <a:ln w="9525" cap="flat" cmpd="sng" algn="ctr">
+        <a:solidFill>
+          <a:schemeClr val="tx1">
+            <a:lumMod val="15000"/>
+            <a:lumOff val="85000"/>
+          </a:schemeClr>
+        </a:solidFill>
+        <a:round/>
+      </a:ln>
+    </cs:spPr>
+    <cs:defRPr sz="1000" kern="1200"/>
+  </cs:chartArea>
+  <cs:dataLabel>
+    <cs:lnRef idx="0"/>
+    <cs:fillRef idx="0"/>
+    <cs:effectRef idx="0"/>
+    <cs:fontRef idx="minor">
+      <a:schemeClr val="tx1">
+        <a:lumMod val="75000"/>
+        <a:lumOff val="25000"/>
+      </a:schemeClr>
+    </cs:fontRef>
+    <cs:defRPr sz="900" kern="1200"/>
+  </cs:dataLabel>
+  <cs:dataLabelCallout>
+    <cs:lnRef idx="0"/>
+    <cs:fillRef idx="0"/>
+    <cs:effectRef idx="0"/>
+    <cs:fontRef idx="minor">
+      <a:schemeClr val="dk1">
+        <a:lumMod val="65000"/>
+        <a:lumOff val="35000"/>
+      </a:schemeClr>
+    </cs:fontRef>
+    <cs:spPr>
+      <a:solidFill>
+        <a:schemeClr val="lt1"/>
+      </a:solidFill>
+      <a:ln>
+        <a:solidFill>
+          <a:schemeClr val="dk1">
+            <a:lumMod val="25000"/>
+            <a:lumOff val="75000"/>
+          </a:schemeClr>
+        </a:solidFill>
+      </a:ln>
+    </cs:spPr>
+    <cs:defRPr sz="900" kern="1200"/>
+    <cs:bodyPr rot="0" spcFirstLastPara="1" vertOverflow="clip" horzOverflow="clip" vert="horz" wrap="square" lIns="36576" tIns="18288" rIns="36576" bIns="18288" anchor="ctr" anchorCtr="1">
+      <a:spAutoFit/>
+    </cs:bodyPr>
+  </cs:dataLabelCallout>
+  <cs:dataPoint>
+    <cs:lnRef idx="0"/>
+    <cs:fillRef idx="1">
+      <cs:styleClr val="auto"/>
+    </cs:fillRef>
+    <cs:effectRef idx="0"/>
+    <cs:fontRef idx="minor">
+      <a:schemeClr val="tx1"/>
+    </cs:fontRef>
+  </cs:dataPoint>
+  <cs:dataPoint3D>
+    <cs:lnRef idx="0"/>
+    <cs:fillRef idx="1">
+      <cs:styleClr val="auto"/>
+    </cs:fillRef>
+    <cs:effectRef idx="0"/>
+    <cs:fontRef idx="minor">
+      <a:schemeClr val="tx1"/>
+    </cs:fontRef>
+  </cs:dataPoint3D>
+  <cs:dataPointLine>
+    <cs:lnRef idx="0">
+      <cs:styleClr val="auto"/>
+    </cs:lnRef>
+    <cs:fillRef idx="1"/>
+    <cs:effectRef idx="0"/>
+    <cs:fontRef idx="minor">
+      <a:schemeClr val="tx1"/>
+    </cs:fontRef>
+    <cs:spPr>
+      <a:ln w="28575" cap="rnd">
+        <a:solidFill>
+          <a:schemeClr val="phClr"/>
+        </a:solidFill>
+        <a:round/>
+      </a:ln>
+    </cs:spPr>
+  </cs:dataPointLine>
+  <cs:dataPointMarker>
+    <cs:lnRef idx="0">
+      <cs:styleClr val="auto"/>
+    </cs:lnRef>
+    <cs:fillRef idx="1">
+      <cs:styleClr val="auto"/>
+    </cs:fillRef>
+    <cs:effectRef idx="0"/>
+    <cs:fontRef idx="minor">
+      <a:schemeClr val="tx1"/>
+    </cs:fontRef>
+    <cs:spPr>
+      <a:ln w="9525">
+        <a:solidFill>
+          <a:schemeClr val="phClr"/>
+        </a:solidFill>
+      </a:ln>
+    </cs:spPr>
+  </cs:dataPointMarker>
+  <cs:dataPointMarkerLayout symbol="circle" size="5"/>
+  <cs:dataPointWireframe>
+    <cs:lnRef idx="0">
+      <cs:styleClr val="auto"/>
+    </cs:lnRef>
+    <cs:fillRef idx="1"/>
+    <cs:effectRef idx="0"/>
+    <cs:fontRef idx="minor">
+      <a:schemeClr val="tx1"/>
+    </cs:fontRef>
+    <cs:spPr>
+      <a:ln w="9525" cap="rnd">
+        <a:solidFill>
+          <a:schemeClr val="phClr"/>
+        </a:solidFill>
+        <a:round/>
+      </a:ln>
+    </cs:spPr>
+  </cs:dataPointWireframe>
+  <cs:dataTable>
+    <cs:lnRef idx="0"/>
+    <cs:fillRef idx="0"/>
+    <cs:effectRef idx="0"/>
+    <cs:fontRef idx="minor">
+      <a:schemeClr val="tx1">
+        <a:lumMod val="65000"/>
+        <a:lumOff val="35000"/>
+      </a:schemeClr>
+    </cs:fontRef>
+    <cs:spPr>
+      <a:noFill/>
+      <a:ln w="9525" cap="flat" cmpd="sng" algn="ctr">
+        <a:solidFill>
+          <a:schemeClr val="tx1">
+            <a:lumMod val="15000"/>
+            <a:lumOff val="85000"/>
+          </a:schemeClr>
+        </a:solidFill>
+        <a:round/>
+      </a:ln>
+    </cs:spPr>
+    <cs:defRPr sz="900" kern="1200"/>
+  </cs:dataTable>
+  <cs:downBar>
+    <cs:lnRef idx="0"/>
+    <cs:fillRef idx="0"/>
+    <cs:effectRef idx="0"/>
+    <cs:fontRef idx="minor">
+      <a:schemeClr val="tx1"/>
+    </cs:fontRef>
+    <cs:spPr>
+      <a:solidFill>
+        <a:schemeClr val="dk1">
+          <a:lumMod val="75000"/>
+          <a:lumOff val="25000"/>
+        </a:schemeClr>
+      </a:solidFill>
+      <a:ln w="9525" cap="flat" cmpd="sng" algn="ctr">
+        <a:solidFill>
+          <a:schemeClr val="tx1">
+            <a:lumMod val="65000"/>
+            <a:lumOff val="35000"/>
+          </a:schemeClr>
+        </a:solidFill>
+        <a:round/>
+      </a:ln>
+    </cs:spPr>
+  </cs:downBar>
+  <cs:dropLine>
+    <cs:lnRef idx="0"/>
+    <cs:fillRef idx="0"/>
+    <cs:effectRef idx="0"/>
+    <cs:fontRef idx="minor">
+      <a:schemeClr val="tx1"/>
+    </cs:fontRef>
+    <cs:spPr>
+      <a:ln w="9525" cap="flat" cmpd="sng" algn="ctr">
+        <a:solidFill>
+          <a:schemeClr val="tx1">
+            <a:lumMod val="35000"/>
+            <a:lumOff val="65000"/>
+          </a:schemeClr>
+        </a:solidFill>
+        <a:round/>
+      </a:ln>
+    </cs:spPr>
+  </cs:dropLine>
+  <cs:errorBar>
+    <cs:lnRef idx="0"/>
+    <cs:fillRef idx="0"/>
+    <cs:effectRef idx="0"/>
+    <cs:fontRef idx="minor">
+      <a:schemeClr val="tx1"/>
+    </cs:fontRef>
+    <cs:spPr>
+      <a:ln w="9525" cap="flat" cmpd="sng" algn="ctr">
+        <a:solidFill>
+          <a:schemeClr val="tx1">
+            <a:lumMod val="65000"/>
+            <a:lumOff val="35000"/>
+          </a:schemeClr>
+        </a:solidFill>
+        <a:round/>
+      </a:ln>
+    </cs:spPr>
+  </cs:errorBar>
+  <cs:floor>
+    <cs:lnRef idx="0"/>
+    <cs:fillRef idx="0"/>
+    <cs:effectRef idx="0"/>
+    <cs:fontRef idx="minor">
+      <a:schemeClr val="tx1"/>
+    </cs:fontRef>
+    <cs:spPr>
+      <a:noFill/>
+      <a:ln>
+        <a:noFill/>
+      </a:ln>
+    </cs:spPr>
+  </cs:floor>
+  <cs:gridlineMajor>
+    <cs:lnRef idx="0"/>
+    <cs:fillRef idx="0"/>
+    <cs:effectRef idx="0"/>
+    <cs:fontRef idx="minor">
+      <a:schemeClr val="tx1"/>
+    </cs:fontRef>
+    <cs:spPr>
+      <a:ln w="9525" cap="flat" cmpd="sng" algn="ctr">
+        <a:solidFill>
+          <a:schemeClr val="tx1">
+            <a:lumMod val="15000"/>
+            <a:lumOff val="85000"/>
+          </a:schemeClr>
+        </a:solidFill>
+        <a:round/>
+      </a:ln>
+    </cs:spPr>
+  </cs:gridlineMajor>
+  <cs:gridlineMinor>
+    <cs:lnRef idx="0"/>
+    <cs:fillRef idx="0"/>
+    <cs:effectRef idx="0"/>
+    <cs:fontRef idx="minor">
+      <a:schemeClr val="tx1"/>
+    </cs:fontRef>
+    <cs:spPr>
+      <a:ln w="9525" cap="flat" cmpd="sng" algn="ctr">
+        <a:solidFill>
+          <a:schemeClr val="tx1">
+            <a:lumMod val="5000"/>
+            <a:lumOff val="95000"/>
+          </a:schemeClr>
+        </a:solidFill>
+        <a:round/>
+      </a:ln>
+    </cs:spPr>
+  </cs:gridlineMinor>
+  <cs:hiLoLine>
+    <cs:lnRef idx="0"/>
+    <cs:fillRef idx="0"/>
+    <cs:effectRef idx="0"/>
+    <cs:fontRef idx="minor">
+      <a:schemeClr val="tx1"/>
+    </cs:fontRef>
+    <cs:spPr>
+      <a:ln w="9525" cap="flat" cmpd="sng" algn="ctr">
+        <a:solidFill>
+          <a:schemeClr val="tx1">
+            <a:lumMod val="50000"/>
+            <a:lumOff val="50000"/>
+          </a:schemeClr>
+        </a:solidFill>
+        <a:round/>
+      </a:ln>
+    </cs:spPr>
+  </cs:hiLoLine>
+  <cs:leaderLine>
+    <cs:lnRef idx="0"/>
+    <cs:fillRef idx="0"/>
+    <cs:effectRef idx="0"/>
+    <cs:fontRef idx="minor">
+      <a:schemeClr val="tx1"/>
+    </cs:fontRef>
+    <cs:spPr>
+      <a:ln w="9525" cap="flat" cmpd="sng" algn="ctr">
+        <a:solidFill>
+          <a:schemeClr val="tx1">
+            <a:lumMod val="35000"/>
+            <a:lumOff val="65000"/>
+          </a:schemeClr>
+        </a:solidFill>
+        <a:round/>
+      </a:ln>
+    </cs:spPr>
+  </cs:leaderLine>
+  <cs:legend>
+    <cs:lnRef idx="0"/>
+    <cs:fillRef idx="0"/>
+    <cs:effectRef idx="0"/>
+    <cs:fontRef idx="minor">
+      <a:schemeClr val="tx1">
+        <a:lumMod val="65000"/>
+        <a:lumOff val="35000"/>
+      </a:schemeClr>
+    </cs:fontRef>
+    <cs:defRPr sz="900" kern="1200"/>
+  </cs:legend>
+  <cs:plotArea mods="allowNoFillOverride allowNoLineOverride">
+    <cs:lnRef idx="0"/>
+    <cs:fillRef idx="0"/>
+    <cs:effectRef idx="0"/>
+    <cs:fontRef idx="minor">
+      <a:schemeClr val="tx1"/>
+    </cs:fontRef>
+  </cs:plotArea>
+  <cs:plotArea3D mods="allowNoFillOverride allowNoLineOverride">
+    <cs:lnRef idx="0"/>
+    <cs:fillRef idx="0"/>
+    <cs:effectRef idx="0"/>
+    <cs:fontRef idx="minor">
+      <a:schemeClr val="tx1"/>
+    </cs:fontRef>
+  </cs:plotArea3D>
+  <cs:seriesAxis>
+    <cs:lnRef idx="0"/>
+    <cs:fillRef idx="0"/>
+    <cs:effectRef idx="0"/>
+    <cs:fontRef idx="minor">
+      <a:schemeClr val="tx1">
+        <a:lumMod val="65000"/>
+        <a:lumOff val="35000"/>
+      </a:schemeClr>
+    </cs:fontRef>
+    <cs:defRPr sz="900" kern="1200"/>
+  </cs:seriesAxis>
+  <cs:seriesLine>
+    <cs:lnRef idx="0"/>
+    <cs:fillRef idx="0"/>
+    <cs:effectRef idx="0"/>
+    <cs:fontRef idx="minor">
+      <a:schemeClr val="tx1"/>
+    </cs:fontRef>
+    <cs:spPr>
+      <a:ln w="9525" cap="flat" cmpd="sng" algn="ctr">
+        <a:solidFill>
+          <a:schemeClr val="tx1">
+            <a:lumMod val="35000"/>
+            <a:lumOff val="65000"/>
+          </a:schemeClr>
+        </a:solidFill>
+        <a:round/>
+      </a:ln>
+    </cs:spPr>
+  </cs:seriesLine>
+  <cs:title>
+    <cs:lnRef idx="0"/>
+    <cs:fillRef idx="0"/>
+    <cs:effectRef idx="0"/>
+    <cs:fontRef idx="minor">
+      <a:schemeClr val="tx1">
+        <a:lumMod val="65000"/>
+        <a:lumOff val="35000"/>
+      </a:schemeClr>
+    </cs:fontRef>
+    <cs:defRPr sz="1400" b="0" kern="1200" spc="0" baseline="0"/>
+  </cs:title>
+  <cs:trendline>
+    <cs:lnRef idx="0">
+      <cs:styleClr val="auto"/>
+    </cs:lnRef>
+    <cs:fillRef idx="0"/>
+    <cs:effectRef idx="0"/>
+    <cs:fontRef idx="minor">
+      <a:schemeClr val="tx1"/>
+    </cs:fontRef>
+    <cs:spPr>
+      <a:ln w="19050" cap="rnd">
+        <a:solidFill>
+          <a:schemeClr val="phClr"/>
+        </a:solidFill>
+        <a:prstDash val="sysDot"/>
+      </a:ln>
+    </cs:spPr>
+  </cs:trendline>
+  <cs:trendlineLabel>
+    <cs:lnRef idx="0"/>
+    <cs:fillRef idx="0"/>
+    <cs:effectRef idx="0"/>
+    <cs:fontRef idx="minor">
+      <a:schemeClr val="tx1">
+        <a:lumMod val="65000"/>
+        <a:lumOff val="35000"/>
+      </a:schemeClr>
+    </cs:fontRef>
+    <cs:defRPr sz="900" kern="1200"/>
+  </cs:trendlineLabel>
+  <cs:upBar>
+    <cs:lnRef idx="0"/>
+    <cs:fillRef idx="0"/>
+    <cs:effectRef idx="0"/>
+    <cs:fontRef idx="minor">
+      <a:schemeClr val="tx1"/>
+    </cs:fontRef>
+    <cs:spPr>
+      <a:solidFill>
+        <a:schemeClr val="lt1"/>
+      </a:solidFill>
+      <a:ln w="9525" cap="flat" cmpd="sng" algn="ctr">
+        <a:solidFill>
+          <a:schemeClr val="tx1">
+            <a:lumMod val="65000"/>
+            <a:lumOff val="35000"/>
+          </a:schemeClr>
+        </a:solidFill>
+        <a:round/>
+      </a:ln>
+    </cs:spPr>
+  </cs:upBar>
+  <cs:valueAxis>
+    <cs:lnRef idx="0"/>
+    <cs:fillRef idx="0"/>
+    <cs:effectRef idx="0"/>
+    <cs:fontRef idx="minor">
+      <a:schemeClr val="tx1">
+        <a:lumMod val="65000"/>
+        <a:lumOff val="35000"/>
+      </a:schemeClr>
+    </cs:fontRef>
+    <cs:defRPr sz="900" kern="1200"/>
+  </cs:valueAxis>
+  <cs:wall>
+    <cs:lnRef idx="0"/>
+    <cs:fillRef idx="0"/>
+    <cs:effectRef idx="0"/>
+    <cs:fontRef idx="minor">
+      <a:schemeClr val="tx1"/>
+    </cs:fontRef>
+    <cs:spPr>
+      <a:noFill/>
+      <a:ln>
+        <a:noFill/>
+      </a:ln>
+    </cs:spPr>
+  </cs:wall>
+</cs:chartStyle>
+</file>
+
+<file path=ppt/charts/style3.xml><?xml version="1.0" encoding="utf-8"?>
+<cs:chartStyle xmlns:cs="http://schemas.microsoft.com/office/drawing/2012/chartStyle" xmlns:a="http://schemas.openxmlformats.org/drawingml/2006/main" id="204">
+  <cs:axisTitle>
+    <cs:lnRef idx="0"/>
+    <cs:fillRef idx="0"/>
+    <cs:effectRef idx="0"/>
+    <cs:fontRef idx="minor">
+      <a:schemeClr val="dk1">
+        <a:lumMod val="65000"/>
+        <a:lumOff val="35000"/>
+      </a:schemeClr>
+    </cs:fontRef>
+    <cs:defRPr sz="900" b="1" kern="1200"/>
+  </cs:axisTitle>
+  <cs:categoryAxis>
+    <cs:lnRef idx="0"/>
+    <cs:fillRef idx="0"/>
+    <cs:effectRef idx="0"/>
+    <cs:fontRef idx="minor">
+      <a:schemeClr val="dk1">
+        <a:lumMod val="65000"/>
+        <a:lumOff val="35000"/>
+      </a:schemeClr>
+    </cs:fontRef>
+    <cs:defRPr sz="900" kern="1200">
+      <a:effectLst/>
+    </cs:defRPr>
+  </cs:categoryAxis>
+  <cs:chartArea>
+    <cs:lnRef idx="0"/>
+    <cs:fillRef idx="0"/>
+    <cs:effectRef idx="0"/>
+    <cs:fontRef idx="minor">
+      <a:schemeClr val="dk1"/>
+    </cs:fontRef>
+    <cs:spPr>
+      <a:gradFill flip="none" rotWithShape="1">
+        <a:gsLst>
+          <a:gs pos="0">
+            <a:schemeClr val="lt1"/>
+          </a:gs>
+          <a:gs pos="68000">
+            <a:schemeClr val="lt1">
+              <a:lumMod val="85000"/>
+            </a:schemeClr>
+          </a:gs>
+          <a:gs pos="100000">
+            <a:schemeClr val="lt1"/>
+          </a:gs>
+        </a:gsLst>
+        <a:lin ang="5400000" scaled="1"/>
+        <a:tileRect/>
+      </a:gradFill>
+      <a:ln w="9525" cap="flat" cmpd="sng" algn="ctr">
+        <a:solidFill>
+          <a:schemeClr val="dk1">
+            <a:lumMod val="15000"/>
+            <a:lumOff val="85000"/>
+          </a:schemeClr>
+        </a:solidFill>
+        <a:round/>
+      </a:ln>
+    </cs:spPr>
+    <cs:defRPr sz="1000" kern="1200"/>
+  </cs:chartArea>
+  <cs:dataLabel>
+    <cs:lnRef idx="0"/>
+    <cs:fillRef idx="0"/>
+    <cs:effectRef idx="0"/>
+    <cs:fontRef idx="minor">
+      <a:schemeClr val="lt1"/>
+    </cs:fontRef>
+    <cs:spPr/>
+    <cs:defRPr sz="1000" b="1" i="0" u="none" strike="noStrike" kern="1200" baseline="0"/>
+  </cs:dataLabel>
+  <cs:dataLabelCallout>
+    <cs:lnRef idx="0"/>
+    <cs:fillRef idx="0"/>
+    <cs:effectRef idx="0"/>
+    <cs:fontRef idx="minor">
+      <a:schemeClr val="lt1"/>
+    </cs:fontRef>
+    <cs:spPr>
+      <a:solidFill>
+        <a:schemeClr val="dk1">
+          <a:lumMod val="65000"/>
+          <a:lumOff val="35000"/>
+          <a:alpha val="75000"/>
+        </a:schemeClr>
+      </a:solidFill>
+    </cs:spPr>
+    <cs:defRPr sz="1000" b="1" kern="1200"/>
+    <cs:bodyPr rot="0" spcFirstLastPara="1" vertOverflow="clip" horzOverflow="clip" vert="horz" wrap="square" lIns="36576" tIns="18288" rIns="36576" bIns="18288" anchor="ctr" anchorCtr="1">
+      <a:spAutoFit/>
+    </cs:bodyPr>
+  </cs:dataLabelCallout>
+  <cs:dataPoint>
+    <cs:lnRef idx="0">
+      <cs:styleClr val="auto"/>
+    </cs:lnRef>
+    <cs:fillRef idx="0">
+      <cs:styleClr val="auto"/>
+    </cs:fillRef>
+    <cs:effectRef idx="0"/>
+    <cs:fontRef idx="minor">
+      <a:schemeClr val="dk1"/>
+    </cs:fontRef>
+    <cs:spPr>
+      <a:gradFill>
+        <a:gsLst>
+          <a:gs pos="0">
+            <a:schemeClr val="phClr"/>
+          </a:gs>
+          <a:gs pos="100000">
+            <a:schemeClr val="phClr">
+              <a:lumMod val="84000"/>
+            </a:schemeClr>
+          </a:gs>
+        </a:gsLst>
+        <a:lin ang="5400000" scaled="1"/>
+      </a:gradFill>
+      <a:effectLst>
+        <a:outerShdw blurRad="76200" dir="18900000" sy="23000" kx="-1200000" algn="bl" rotWithShape="0">
+          <a:prstClr val="black">
+            <a:alpha val="20000"/>
+          </a:prstClr>
+        </a:outerShdw>
+      </a:effectLst>
+    </cs:spPr>
+  </cs:dataPoint>
+  <cs:dataPoint3D>
+    <cs:lnRef idx="0"/>
+    <cs:fillRef idx="0">
+      <cs:styleClr val="auto"/>
+    </cs:fillRef>
+    <cs:effectRef idx="0"/>
+    <cs:fontRef idx="minor">
+      <a:schemeClr val="dk1"/>
+    </cs:fontRef>
+    <cs:spPr>
+      <a:gradFill>
+        <a:gsLst>
+          <a:gs pos="0">
+            <a:schemeClr val="phClr"/>
+          </a:gs>
+          <a:gs pos="100000">
+            <a:schemeClr val="phClr">
+              <a:lumMod val="84000"/>
+            </a:schemeClr>
+          </a:gs>
+        </a:gsLst>
+        <a:lin ang="5400000" scaled="1"/>
+      </a:gradFill>
+      <a:effectLst>
+        <a:outerShdw blurRad="76200" dir="18900000" sy="23000" kx="-1200000" algn="bl" rotWithShape="0">
+          <a:prstClr val="black">
+            <a:alpha val="20000"/>
+          </a:prstClr>
+        </a:outerShdw>
+      </a:effectLst>
+    </cs:spPr>
+  </cs:dataPoint3D>
+  <cs:dataPointLine>
+    <cs:lnRef idx="0">
+      <cs:styleClr val="auto"/>
+    </cs:lnRef>
+    <cs:fillRef idx="0"/>
+    <cs:effectRef idx="0"/>
+    <cs:fontRef idx="minor">
+      <a:schemeClr val="dk1"/>
+    </cs:fontRef>
+    <cs:spPr>
+      <a:ln w="28575" cap="rnd">
+        <a:gradFill>
+          <a:gsLst>
+            <a:gs pos="0">
+              <a:schemeClr val="phClr"/>
+            </a:gs>
+            <a:gs pos="100000">
+              <a:schemeClr val="phClr">
+                <a:lumMod val="84000"/>
+              </a:schemeClr>
+            </a:gs>
+          </a:gsLst>
+          <a:lin ang="5400000" scaled="1"/>
+        </a:gradFill>
+        <a:round/>
+      </a:ln>
+    </cs:spPr>
+  </cs:dataPointLine>
+  <cs:dataPointMarker>
+    <cs:lnRef idx="0"/>
+    <cs:fillRef idx="0">
+      <cs:styleClr val="auto"/>
+    </cs:fillRef>
+    <cs:effectRef idx="0"/>
+    <cs:fontRef idx="minor">
+      <a:schemeClr val="dk1"/>
+    </cs:fontRef>
+    <cs:spPr>
+      <a:gradFill>
+        <a:gsLst>
+          <a:gs pos="0">
+            <a:schemeClr val="phClr"/>
+          </a:gs>
+          <a:gs pos="100000">
+            <a:schemeClr val="phClr">
+              <a:lumMod val="84000"/>
+            </a:schemeClr>
+          </a:gs>
+        </a:gsLst>
+        <a:lin ang="5400000" scaled="1"/>
+      </a:gradFill>
+      <a:effectLst>
+        <a:outerShdw blurRad="76200" dir="18900000" sy="23000" kx="-1200000" algn="bl" rotWithShape="0">
+          <a:prstClr val="black">
+            <a:alpha val="20000"/>
+          </a:prstClr>
+        </a:outerShdw>
+      </a:effectLst>
+    </cs:spPr>
+  </cs:dataPointMarker>
+  <cs:dataPointMarkerLayout symbol="circle" size="6"/>
+  <cs:dataPointWireframe>
+    <cs:lnRef idx="0">
+      <cs:styleClr val="auto"/>
+    </cs:lnRef>
+    <cs:fillRef idx="0"/>
+    <cs:effectRef idx="0"/>
+    <cs:fontRef idx="minor">
+      <a:schemeClr val="dk1"/>
+    </cs:fontRef>
+    <cs:spPr>
+      <a:ln w="9525" cap="rnd">
+        <a:solidFill>
+          <a:schemeClr val="phClr"/>
+        </a:solidFill>
+        <a:round/>
+      </a:ln>
+    </cs:spPr>
+  </cs:dataPointWireframe>
+  <cs:dataTable>
+    <cs:lnRef idx="0"/>
+    <cs:fillRef idx="0"/>
+    <cs:effectRef idx="0"/>
+    <cs:fontRef idx="minor">
+      <a:schemeClr val="dk1">
+        <a:lumMod val="65000"/>
+        <a:lumOff val="35000"/>
+      </a:schemeClr>
+    </cs:fontRef>
+    <cs:spPr>
+      <a:ln w="9525">
+        <a:solidFill>
+          <a:schemeClr val="dk1">
+            <a:lumMod val="15000"/>
+            <a:lumOff val="85000"/>
+          </a:schemeClr>
+        </a:solidFill>
+      </a:ln>
+    </cs:spPr>
+    <cs:defRPr sz="900" kern="1200"/>
+  </cs:dataTable>
+  <cs:downBar>
+    <cs:lnRef idx="0"/>
+    <cs:fillRef idx="0"/>
+    <cs:effectRef idx="0"/>
+    <cs:fontRef idx="minor">
+      <a:schemeClr val="dk1"/>
+    </cs:fontRef>
+    <cs:spPr>
+      <a:solidFill>
+        <a:schemeClr val="dk1">
+          <a:lumMod val="35000"/>
+          <a:lumOff val="65000"/>
+        </a:schemeClr>
+      </a:solidFill>
+      <a:ln w="9525">
+        <a:solidFill>
+          <a:schemeClr val="dk1">
+            <a:lumMod val="50000"/>
+            <a:lumOff val="50000"/>
+          </a:schemeClr>
+        </a:solidFill>
+      </a:ln>
+    </cs:spPr>
+  </cs:downBar>
+  <cs:dropLine>
+    <cs:lnRef idx="0"/>
+    <cs:fillRef idx="0"/>
+    <cs:effectRef idx="0"/>
+    <cs:fontRef idx="minor">
+      <a:schemeClr val="dk1"/>
+    </cs:fontRef>
+    <cs:spPr>
+      <a:ln w="9525">
+        <a:solidFill>
+          <a:schemeClr val="dk1">
+            <a:lumMod val="50000"/>
+            <a:lumOff val="50000"/>
+          </a:schemeClr>
+        </a:solidFill>
+        <a:round/>
+      </a:ln>
+    </cs:spPr>
+  </cs:dropLine>
+  <cs:errorBar>
+    <cs:lnRef idx="0"/>
+    <cs:fillRef idx="0"/>
+    <cs:effectRef idx="0"/>
+    <cs:fontRef idx="minor">
+      <a:schemeClr val="dk1"/>
+    </cs:fontRef>
+    <cs:spPr>
+      <a:ln w="9525">
+        <a:solidFill>
+          <a:schemeClr val="dk1">
+            <a:lumMod val="50000"/>
+            <a:lumOff val="50000"/>
+          </a:schemeClr>
+        </a:solidFill>
+        <a:round/>
+      </a:ln>
+    </cs:spPr>
+  </cs:errorBar>
+  <cs:floor>
+    <cs:lnRef idx="0"/>
+    <cs:fillRef idx="0"/>
+    <cs:effectRef idx="0"/>
+    <cs:fontRef idx="minor">
+      <a:schemeClr val="dk1"/>
+    </cs:fontRef>
+  </cs:floor>
+  <cs:gridlineMajor>
+    <cs:lnRef idx="0"/>
+    <cs:fillRef idx="0"/>
+    <cs:effectRef idx="0"/>
+    <cs:fontRef idx="minor">
+      <a:schemeClr val="dk1"/>
+    </cs:fontRef>
+    <cs:spPr>
+      <a:ln w="9525" cap="flat" cmpd="sng" algn="ctr">
+        <a:solidFill>
+          <a:schemeClr val="dk1">
+            <a:lumMod val="15000"/>
+            <a:lumOff val="85000"/>
+          </a:schemeClr>
+        </a:solidFill>
+        <a:round/>
+      </a:ln>
+    </cs:spPr>
+  </cs:gridlineMajor>
+  <cs:gridlineMinor>
+    <cs:lnRef idx="0"/>
+    <cs:fillRef idx="0"/>
+    <cs:effectRef idx="0"/>
+    <cs:fontRef idx="minor">
+      <a:schemeClr val="dk1"/>
+    </cs:fontRef>
+    <cs:spPr>
+      <a:ln>
+        <a:solidFill>
+          <a:schemeClr val="dk1">
+            <a:lumMod val="5000"/>
+            <a:lumOff val="95000"/>
+          </a:schemeClr>
+        </a:solidFill>
+      </a:ln>
+    </cs:spPr>
+  </cs:gridlineMinor>
+  <cs:hiLoLine>
+    <cs:lnRef idx="0"/>
+    <cs:fillRef idx="0"/>
+    <cs:effectRef idx="0"/>
+    <cs:fontRef idx="minor">
+      <a:schemeClr val="dk1"/>
+    </cs:fontRef>
+    <cs:spPr>
+      <a:ln w="9525">
+        <a:solidFill>
+          <a:schemeClr val="dk1">
+            <a:lumMod val="50000"/>
+            <a:lumOff val="50000"/>
+          </a:schemeClr>
+        </a:solidFill>
+        <a:round/>
+      </a:ln>
+    </cs:spPr>
+  </cs:hiLoLine>
+  <cs:leaderLine>
+    <cs:lnRef idx="0"/>
+    <cs:fillRef idx="0"/>
+    <cs:effectRef idx="0"/>
+    <cs:fontRef idx="minor">
+      <a:schemeClr val="dk1"/>
+    </cs:fontRef>
+    <cs:spPr>
+      <a:ln w="9525">
+        <a:solidFill>
+          <a:schemeClr val="dk1">
+            <a:lumMod val="50000"/>
+            <a:lumOff val="50000"/>
+          </a:schemeClr>
+        </a:solidFill>
+      </a:ln>
+    </cs:spPr>
+  </cs:leaderLine>
+  <cs:legend>
+    <cs:lnRef idx="0"/>
+    <cs:fillRef idx="0"/>
+    <cs:effectRef idx="0"/>
+    <cs:fontRef idx="minor">
+      <a:schemeClr val="dk1">
+        <a:lumMod val="65000"/>
+        <a:lumOff val="35000"/>
+      </a:schemeClr>
+    </cs:fontRef>
+    <cs:defRPr sz="900" kern="1200"/>
+  </cs:legend>
+  <cs:plotArea>
+    <cs:lnRef idx="0"/>
+    <cs:fillRef idx="0"/>
+    <cs:effectRef idx="0"/>
+    <cs:fontRef idx="minor">
+      <a:schemeClr val="dk1"/>
+    </cs:fontRef>
+  </cs:plotArea>
+  <cs:plotArea3D>
+    <cs:lnRef idx="0"/>
+    <cs:fillRef idx="0"/>
+    <cs:effectRef idx="0"/>
+    <cs:fontRef idx="minor">
+      <a:schemeClr val="dk1"/>
+    </cs:fontRef>
+  </cs:plotArea3D>
+  <cs:seriesAxis>
+    <cs:lnRef idx="0"/>
+    <cs:fillRef idx="0"/>
+    <cs:effectRef idx="0"/>
+    <cs:fontRef idx="minor">
+      <a:schemeClr val="dk1">
+        <a:lumMod val="65000"/>
+        <a:lumOff val="35000"/>
+      </a:schemeClr>
+    </cs:fontRef>
+    <cs:spPr>
+      <a:ln w="9525" cap="flat" cmpd="sng" algn="ctr">
+        <a:solidFill>
+          <a:schemeClr val="dk1">
+            <a:lumMod val="15000"/>
+            <a:lumOff val="85000"/>
+          </a:schemeClr>
+        </a:solidFill>
+        <a:round/>
+      </a:ln>
+    </cs:spPr>
+    <cs:defRPr sz="900" kern="1200"/>
+  </cs:seriesAxis>
+  <cs:seriesLine>
+    <cs:lnRef idx="0"/>
+    <cs:fillRef idx="0"/>
+    <cs:effectRef idx="0"/>
+    <cs:fontRef idx="minor">
+      <a:schemeClr val="dk1"/>
+    </cs:fontRef>
+    <cs:spPr>
+      <a:ln w="9525">
+        <a:solidFill>
+          <a:schemeClr val="dk1">
+            <a:lumMod val="50000"/>
+            <a:lumOff val="50000"/>
+          </a:schemeClr>
+        </a:solidFill>
+        <a:round/>
+      </a:ln>
+    </cs:spPr>
+  </cs:seriesLine>
+  <cs:title>
+    <cs:lnRef idx="0"/>
+    <cs:fillRef idx="0"/>
+    <cs:effectRef idx="0"/>
+    <cs:fontRef idx="minor">
+      <a:schemeClr val="dk1">
+        <a:lumMod val="65000"/>
+        <a:lumOff val="35000"/>
+      </a:schemeClr>
+    </cs:fontRef>
+    <cs:defRPr kern="1200">
+      <a:effectLst/>
+    </cs:defRPr>
+  </cs:title>
+  <cs:trendline>
+    <cs:lnRef idx="0">
+      <cs:styleClr val="auto"/>
+    </cs:lnRef>
+    <cs:fillRef idx="0"/>
+    <cs:effectRef idx="0"/>
+    <cs:fontRef idx="minor">
+      <a:schemeClr val="dk1"/>
+    </cs:fontRef>
+    <cs:spPr>
+      <a:ln w="19050" cap="rnd">
+        <a:solidFill>
+          <a:schemeClr val="phClr"/>
+        </a:solidFill>
+        <a:prstDash val="sysDash"/>
+      </a:ln>
+    </cs:spPr>
+  </cs:trendline>
+  <cs:trendlineLabel>
+    <cs:lnRef idx="0"/>
+    <cs:fillRef idx="0"/>
+    <cs:effectRef idx="0"/>
+    <cs:fontRef idx="minor">
+      <a:schemeClr val="dk1">
+        <a:lumMod val="65000"/>
+        <a:lumOff val="35000"/>
+      </a:schemeClr>
+    </cs:fontRef>
+    <cs:defRPr sz="900" kern="1200"/>
+  </cs:trendlineLabel>
+  <cs:upBar>
+    <cs:lnRef idx="0"/>
+    <cs:fillRef idx="0"/>
+    <cs:effectRef idx="0"/>
+    <cs:fontRef idx="minor">
+      <a:schemeClr val="dk1"/>
+    </cs:fontRef>
+    <cs:spPr>
+      <a:solidFill>
+        <a:schemeClr val="lt1">
+          <a:lumMod val="95000"/>
+        </a:schemeClr>
+      </a:solidFill>
+      <a:ln w="9525">
+        <a:solidFill>
+          <a:schemeClr val="dk1">
+            <a:lumMod val="15000"/>
+            <a:lumOff val="85000"/>
+          </a:schemeClr>
+        </a:solidFill>
+      </a:ln>
+    </cs:spPr>
+  </cs:upBar>
+  <cs:valueAxis>
+    <cs:lnRef idx="0"/>
+    <cs:fillRef idx="0"/>
+    <cs:effectRef idx="0"/>
+    <cs:fontRef idx="minor">
+      <a:schemeClr val="dk1">
+        <a:lumMod val="65000"/>
+        <a:lumOff val="35000"/>
+      </a:schemeClr>
+    </cs:fontRef>
+    <cs:defRPr sz="900" kern="1200"/>
+  </cs:valueAxis>
+  <cs:wall>
+    <cs:lnRef idx="0"/>
+    <cs:fillRef idx="0"/>
+    <cs:effectRef idx="0"/>
+    <cs:fontRef idx="minor">
+      <a:schemeClr val="dk1"/>
+    </cs:fontRef>
+  </cs:wall>
+</cs:chartStyle>
+</file>
+
+<file path=ppt/charts/style4.xml><?xml version="1.0" encoding="utf-8"?>
+<cs:chartStyle xmlns:cs="http://schemas.microsoft.com/office/drawing/2012/chartStyle" xmlns:a="http://schemas.openxmlformats.org/drawingml/2006/main" id="229">
+  <cs:axisTitle>
+    <cs:lnRef idx="0"/>
+    <cs:fillRef idx="0"/>
+    <cs:effectRef idx="0"/>
+    <cs:fontRef idx="minor">
+      <a:schemeClr val="lt1"/>
+    </cs:fontRef>
+    <cs:defRPr sz="900" b="1" kern="1200"/>
+  </cs:axisTitle>
+  <cs:categoryAxis>
+    <cs:lnRef idx="0">
+      <cs:styleClr val="0"/>
+    </cs:lnRef>
+    <cs:fillRef idx="0"/>
+    <cs:effectRef idx="0"/>
+    <cs:fontRef idx="minor">
+      <a:schemeClr val="lt1"/>
+    </cs:fontRef>
+    <cs:spPr>
+      <a:ln w="12700" cap="flat" cmpd="sng" algn="ctr">
+        <a:solidFill>
+          <a:schemeClr val="lt1"/>
+        </a:solidFill>
+        <a:round/>
+      </a:ln>
+    </cs:spPr>
+    <cs:defRPr sz="900" kern="1200" spc="100" baseline="0"/>
+  </cs:categoryAxis>
+  <cs:chartArea>
+    <cs:lnRef idx="0">
+      <cs:styleClr val="0"/>
+    </cs:lnRef>
+    <cs:fillRef idx="0">
+      <cs:styleClr val="0"/>
+    </cs:fillRef>
+    <cs:effectRef idx="0"/>
+    <cs:fontRef idx="minor">
+      <a:schemeClr val="dk1"/>
+    </cs:fontRef>
+    <cs:spPr>
+      <a:solidFill>
+        <a:schemeClr val="phClr"/>
+      </a:solidFill>
+      <a:ln w="9525" cap="flat" cmpd="sng" algn="ctr">
+        <a:solidFill>
+          <a:schemeClr val="phClr"/>
+        </a:solidFill>
+        <a:round/>
+      </a:ln>
+    </cs:spPr>
+    <cs:defRPr sz="1000" kern="1200"/>
+  </cs:chartArea>
+  <cs:dataLabel>
+    <cs:lnRef idx="0"/>
+    <cs:fillRef idx="0"/>
+    <cs:effectRef idx="0"/>
+    <cs:fontRef idx="minor">
+      <a:schemeClr val="lt1"/>
+    </cs:fontRef>
+    <cs:defRPr sz="900" b="1" kern="1200"/>
+  </cs:dataLabel>
+  <cs:dataLabelCallout>
+    <cs:lnRef idx="0">
+      <cs:styleClr val="auto"/>
+    </cs:lnRef>
+    <cs:fillRef idx="0"/>
+    <cs:effectRef idx="0"/>
+    <cs:fontRef idx="minor">
+      <cs:styleClr val="auto"/>
+    </cs:fontRef>
+    <cs:spPr>
+      <a:solidFill>
+        <a:schemeClr val="lt1"/>
+      </a:solidFill>
+      <a:ln>
+        <a:solidFill>
+          <a:schemeClr val="phClr"/>
+        </a:solidFill>
+      </a:ln>
+    </cs:spPr>
+    <cs:defRPr sz="900" kern="1200"/>
+    <cs:bodyPr rot="0" spcFirstLastPara="1" vertOverflow="clip" horzOverflow="clip" vert="horz" wrap="square" lIns="36576" tIns="18288" rIns="36576" bIns="18288" anchor="ctr" anchorCtr="1">
+      <a:spAutoFit/>
+    </cs:bodyPr>
+  </cs:dataLabelCallout>
+  <cs:dataPoint>
+    <cs:lnRef idx="0"/>
+    <cs:fillRef idx="0">
+      <cs:styleClr val="auto"/>
+    </cs:fillRef>
+    <cs:effectRef idx="0"/>
+    <cs:fontRef idx="minor">
+      <a:schemeClr val="dk1"/>
+    </cs:fontRef>
+    <cs:spPr>
+      <a:pattFill prst="ltUpDiag">
+        <a:fgClr>
+          <a:schemeClr val="phClr"/>
+        </a:fgClr>
+        <a:bgClr>
+          <a:schemeClr val="lt1"/>
+        </a:bgClr>
+      </a:pattFill>
+    </cs:spPr>
+  </cs:dataPoint>
+  <cs:dataPoint3D>
+    <cs:lnRef idx="0"/>
+    <cs:fillRef idx="0">
+      <cs:styleClr val="auto"/>
+    </cs:fillRef>
+    <cs:effectRef idx="0"/>
+    <cs:fontRef idx="minor">
+      <a:schemeClr val="dk1"/>
+    </cs:fontRef>
+    <cs:spPr>
+      <a:pattFill prst="ltUpDiag">
+        <a:fgClr>
+          <a:schemeClr val="phClr"/>
+        </a:fgClr>
+        <a:bgClr>
+          <a:schemeClr val="lt1"/>
+        </a:bgClr>
+      </a:pattFill>
+    </cs:spPr>
+  </cs:dataPoint3D>
+  <cs:dataPointLine>
+    <cs:lnRef idx="0">
+      <cs:styleClr val="auto"/>
+    </cs:lnRef>
+    <cs:fillRef idx="0"/>
+    <cs:effectRef idx="0">
+      <cs:styleClr val="auto"/>
+    </cs:effectRef>
+    <cs:fontRef idx="minor">
+      <a:schemeClr val="dk1"/>
+    </cs:fontRef>
+    <cs:spPr>
+      <a:ln w="34925" cap="rnd">
+        <a:solidFill>
+          <a:schemeClr val="lt1"/>
+        </a:solidFill>
+        <a:round/>
+      </a:ln>
+      <a:effectLst>
+        <a:outerShdw dist="25400" dir="2700000" algn="tl" rotWithShape="0">
+          <a:schemeClr val="phClr"/>
+        </a:outerShdw>
+      </a:effectLst>
+    </cs:spPr>
+  </cs:dataPointLine>
+  <cs:dataPointMarker>
+    <cs:lnRef idx="0"/>
+    <cs:fillRef idx="0">
+      <cs:styleClr val="auto"/>
+    </cs:fillRef>
+    <cs:effectRef idx="0"/>
+    <cs:fontRef idx="minor">
+      <a:schemeClr val="dk1"/>
+    </cs:fontRef>
+    <cs:spPr>
+      <a:solidFill>
+        <a:schemeClr val="phClr"/>
+      </a:solidFill>
+      <a:ln w="22225">
+        <a:solidFill>
+          <a:schemeClr val="lt1"/>
+        </a:solidFill>
+        <a:round/>
+      </a:ln>
+    </cs:spPr>
+  </cs:dataPointMarker>
+  <cs:dataPointMarkerLayout symbol="circle" size="5"/>
+  <cs:dataPointWireframe>
+    <cs:lnRef idx="0">
+      <cs:styleClr val="auto"/>
+    </cs:lnRef>
+    <cs:fillRef idx="0"/>
+    <cs:effectRef idx="0"/>
+    <cs:fontRef idx="minor">
+      <a:schemeClr val="dk1"/>
+    </cs:fontRef>
+    <cs:spPr>
+      <a:ln w="9525" cap="rnd">
+        <a:solidFill>
+          <a:schemeClr val="phClr"/>
+        </a:solidFill>
+        <a:round/>
+      </a:ln>
+    </cs:spPr>
+  </cs:dataPointWireframe>
+  <cs:dataTable>
+    <cs:lnRef idx="0">
+      <cs:styleClr val="0"/>
+    </cs:lnRef>
+    <cs:fillRef idx="0"/>
+    <cs:effectRef idx="0"/>
+    <cs:fontRef idx="minor">
+      <a:schemeClr val="lt1"/>
+    </cs:fontRef>
+    <cs:spPr>
+      <a:ln w="9525">
+        <a:solidFill>
+          <a:schemeClr val="phClr">
+            <a:lumMod val="60000"/>
+            <a:lumOff val="40000"/>
+          </a:schemeClr>
+        </a:solidFill>
+      </a:ln>
+    </cs:spPr>
+    <cs:defRPr sz="900" kern="1200"/>
+  </cs:dataTable>
+  <cs:downBar>
+    <cs:lnRef idx="0">
+      <cs:styleClr val="0"/>
+    </cs:lnRef>
+    <cs:fillRef idx="0"/>
+    <cs:effectRef idx="0"/>
+    <cs:fontRef idx="minor">
+      <a:schemeClr val="dk1"/>
+    </cs:fontRef>
+    <cs:spPr>
+      <a:solidFill>
+        <a:schemeClr val="dk1">
+          <a:lumMod val="35000"/>
+          <a:lumOff val="65000"/>
+        </a:schemeClr>
+      </a:solidFill>
+      <a:ln w="9525">
+        <a:solidFill>
+          <a:schemeClr val="phClr">
+            <a:lumMod val="60000"/>
+            <a:lumOff val="40000"/>
+          </a:schemeClr>
+        </a:solidFill>
+      </a:ln>
+    </cs:spPr>
+  </cs:downBar>
+  <cs:dropLine>
+    <cs:lnRef idx="0"/>
+    <cs:fillRef idx="0"/>
+    <cs:effectRef idx="0"/>
+    <cs:fontRef idx="minor">
+      <a:schemeClr val="dk1"/>
+    </cs:fontRef>
+    <cs:spPr>
+      <a:ln w="9525" cap="flat" cmpd="sng" algn="ctr">
+        <a:gradFill>
+          <a:gsLst>
+            <a:gs pos="0">
+              <a:schemeClr val="lt1"/>
+            </a:gs>
+            <a:gs pos="100000">
+              <a:schemeClr val="lt1">
+                <a:alpha val="0"/>
+              </a:schemeClr>
+            </a:gs>
+          </a:gsLst>
+          <a:lin ang="5400000" scaled="0"/>
+        </a:gradFill>
+        <a:round/>
+      </a:ln>
+    </cs:spPr>
+  </cs:dropLine>
+  <cs:errorBar>
+    <cs:lnRef idx="0">
+      <cs:styleClr val="0"/>
+    </cs:lnRef>
+    <cs:fillRef idx="0"/>
+    <cs:effectRef idx="0"/>
+    <cs:fontRef idx="minor">
+      <a:schemeClr val="dk1"/>
+    </cs:fontRef>
+    <cs:spPr>
+      <a:ln w="9525">
+        <a:solidFill>
+          <a:schemeClr val="phClr">
+            <a:lumMod val="60000"/>
+            <a:lumOff val="40000"/>
+          </a:schemeClr>
+        </a:solidFill>
+        <a:round/>
+      </a:ln>
+      <a:effectLst>
+        <a:glow rad="25400">
+          <a:schemeClr val="lt1"/>
+        </a:glow>
+      </a:effectLst>
+    </cs:spPr>
+  </cs:errorBar>
+  <cs:floor>
+    <cs:lnRef idx="0"/>
+    <cs:fillRef idx="0"/>
+    <cs:effectRef idx="0"/>
+    <cs:fontRef idx="minor">
+      <a:schemeClr val="dk1"/>
+    </cs:fontRef>
+  </cs:floor>
+  <cs:gridlineMajor>
+    <cs:lnRef idx="0">
+      <cs:styleClr val="0"/>
+    </cs:lnRef>
+    <cs:fillRef idx="0"/>
+    <cs:effectRef idx="0"/>
+    <cs:fontRef idx="minor">
+      <a:schemeClr val="dk1"/>
+    </cs:fontRef>
+    <cs:spPr>
+      <a:ln w="9525" cap="flat" cmpd="sng" algn="ctr">
+        <a:solidFill>
+          <a:schemeClr val="lt1">
+            <a:alpha val="25000"/>
+          </a:schemeClr>
+        </a:solidFill>
+        <a:round/>
+      </a:ln>
+    </cs:spPr>
+  </cs:gridlineMajor>
+  <cs:gridlineMinor>
+    <cs:lnRef idx="0">
+      <cs:styleClr val="0"/>
+    </cs:lnRef>
+    <cs:fillRef idx="0"/>
+    <cs:effectRef idx="0"/>
+    <cs:fontRef idx="minor">
+      <a:schemeClr val="dk1"/>
+    </cs:fontRef>
+    <cs:spPr>
+      <a:ln>
+        <a:solidFill>
+          <a:schemeClr val="lt1">
+            <a:alpha val="10000"/>
+          </a:schemeClr>
+        </a:solidFill>
+      </a:ln>
+    </cs:spPr>
+  </cs:gridlineMinor>
+  <cs:hiLoLine>
+    <cs:lnRef idx="0">
+      <cs:styleClr val="0"/>
+    </cs:lnRef>
+    <cs:fillRef idx="0"/>
+    <cs:effectRef idx="0"/>
+    <cs:fontRef idx="minor">
+      <a:schemeClr val="dk1"/>
+    </cs:fontRef>
+    <cs:spPr>
+      <a:ln w="9525">
+        <a:solidFill>
+          <a:schemeClr val="phClr">
+            <a:lumMod val="60000"/>
+            <a:lumOff val="40000"/>
+          </a:schemeClr>
+        </a:solidFill>
+        <a:prstDash val="dash"/>
+      </a:ln>
+    </cs:spPr>
+  </cs:hiLoLine>
+  <cs:leaderLine>
+    <cs:lnRef idx="0">
+      <cs:styleClr val="0"/>
+    </cs:lnRef>
+    <cs:fillRef idx="0"/>
+    <cs:effectRef idx="0"/>
+    <cs:fontRef idx="minor">
+      <a:schemeClr val="dk1"/>
+    </cs:fontRef>
+    <cs:spPr>
+      <a:ln w="9525">
+        <a:solidFill>
+          <a:schemeClr val="phClr">
+            <a:lumMod val="60000"/>
+            <a:lumOff val="40000"/>
+          </a:schemeClr>
+        </a:solidFill>
+      </a:ln>
+    </cs:spPr>
+  </cs:leaderLine>
+  <cs:legend>
+    <cs:lnRef idx="0"/>
+    <cs:fillRef idx="0"/>
+    <cs:effectRef idx="0"/>
+    <cs:fontRef idx="minor">
+      <a:schemeClr val="lt1"/>
+    </cs:fontRef>
+    <cs:defRPr sz="900" kern="1200"/>
+  </cs:legend>
+  <cs:plotArea>
+    <cs:lnRef idx="0"/>
+    <cs:fillRef idx="0"/>
+    <cs:effectRef idx="0"/>
+    <cs:fontRef idx="minor">
+      <a:schemeClr val="dk1"/>
+    </cs:fontRef>
+  </cs:plotArea>
+  <cs:plotArea3D>
+    <cs:lnRef idx="0"/>
+    <cs:fillRef idx="0"/>
+    <cs:effectRef idx="0"/>
+    <cs:fontRef idx="minor">
+      <a:schemeClr val="dk1"/>
+    </cs:fontRef>
+  </cs:plotArea3D>
+  <cs:seriesAxis>
+    <cs:lnRef idx="0">
+      <cs:styleClr val="0"/>
+    </cs:lnRef>
+    <cs:fillRef idx="0"/>
+    <cs:effectRef idx="0"/>
+    <cs:fontRef idx="minor">
+      <a:schemeClr val="lt1"/>
+    </cs:fontRef>
+    <cs:spPr>
+      <a:ln w="3175" cap="flat" cmpd="sng" algn="ctr">
+        <a:solidFill>
+          <a:schemeClr val="phClr">
+            <a:lumMod val="60000"/>
+            <a:lumOff val="40000"/>
+          </a:schemeClr>
+        </a:solidFill>
+        <a:round/>
+      </a:ln>
+    </cs:spPr>
+    <cs:defRPr sz="900" kern="1200"/>
+  </cs:seriesAxis>
+  <cs:seriesLine>
+    <cs:lnRef idx="0">
+      <cs:styleClr val="0"/>
+    </cs:lnRef>
+    <cs:fillRef idx="0"/>
+    <cs:effectRef idx="0"/>
+    <cs:fontRef idx="minor">
+      <a:schemeClr val="dk1"/>
+    </cs:fontRef>
+    <cs:spPr>
+      <a:ln w="9525">
+        <a:solidFill>
+          <a:schemeClr val="phClr">
+            <a:lumMod val="60000"/>
+            <a:lumOff val="40000"/>
+            <a:tint val="50000"/>
+          </a:schemeClr>
+        </a:solidFill>
+        <a:prstDash val="dash"/>
+      </a:ln>
+    </cs:spPr>
+  </cs:seriesLine>
+  <cs:title>
+    <cs:lnRef idx="0"/>
+    <cs:fillRef idx="0"/>
+    <cs:effectRef idx="0"/>
+    <cs:fontRef idx="minor">
+      <a:schemeClr val="lt1"/>
+    </cs:fontRef>
+    <cs:defRPr sz="1500" b="1" kern="1200" cap="all" spc="100" normalizeH="0" baseline="0"/>
+  </cs:title>
+  <cs:trendline>
+    <cs:lnRef idx="0"/>
+    <cs:fillRef idx="0"/>
+    <cs:effectRef idx="0"/>
+    <cs:fontRef idx="minor">
+      <a:schemeClr val="dk1"/>
+    </cs:fontRef>
+    <cs:spPr>
+      <a:ln w="28575" cap="rnd">
+        <a:solidFill>
+          <a:schemeClr val="lt1">
+            <a:alpha val="50000"/>
+          </a:schemeClr>
+        </a:solidFill>
+        <a:round/>
+      </a:ln>
+    </cs:spPr>
+  </cs:trendline>
+  <cs:trendlineLabel>
+    <cs:lnRef idx="0"/>
+    <cs:fillRef idx="0"/>
+    <cs:effectRef idx="0"/>
+    <cs:fontRef idx="minor">
+      <a:schemeClr val="lt1"/>
+    </cs:fontRef>
+    <cs:defRPr sz="900" kern="1200"/>
+  </cs:trendlineLabel>
+  <cs:upBar>
+    <cs:lnRef idx="0">
+      <cs:styleClr val="0"/>
+    </cs:lnRef>
+    <cs:fillRef idx="0"/>
+    <cs:effectRef idx="0"/>
+    <cs:fontRef idx="minor">
+      <a:schemeClr val="dk1"/>
+    </cs:fontRef>
+    <cs:spPr>
+      <a:solidFill>
+        <a:schemeClr val="lt1">
+          <a:lumMod val="95000"/>
+        </a:schemeClr>
+      </a:solidFill>
+      <a:ln w="9525">
+        <a:solidFill>
+          <a:schemeClr val="phClr">
+            <a:lumMod val="60000"/>
+            <a:lumOff val="40000"/>
+          </a:schemeClr>
+        </a:solidFill>
+      </a:ln>
+    </cs:spPr>
+  </cs:upBar>
+  <cs:valueAxis>
+    <cs:lnRef idx="0"/>
+    <cs:fillRef idx="0"/>
+    <cs:effectRef idx="0"/>
+    <cs:fontRef idx="minor">
+      <a:schemeClr val="lt1"/>
+    </cs:fontRef>
+    <cs:defRPr sz="900" kern="1200"/>
+  </cs:valueAxis>
+  <cs:wall>
+    <cs:lnRef idx="0"/>
+    <cs:fillRef idx="0"/>
+    <cs:effectRef idx="0"/>
+    <cs:fontRef idx="minor">
+      <a:schemeClr val="dk1"/>
+    </cs:fontRef>
+  </cs:wall>
+</cs:chartStyle>
 </file>
 
 <file path=ppt/notesMasters/notesMaster1.xml><?xml version="1.0" encoding="utf-8"?>
@@ -7644,115 +14926,36 @@
           </p:spPr>
         </p:pic>
       </p:grpSp>
-      <p:pic>
-        <p:nvPicPr>
-          <p:cNvPr id="36" name="Picture 35">
+      <p:graphicFrame>
+        <p:nvGraphicFramePr>
+          <p:cNvPr id="30" name="Chart 29">
             <a:extLst>
               <a:ext uri="{FF2B5EF4-FFF2-40B4-BE49-F238E27FC236}">
-                <a16:creationId xmlns:a16="http://schemas.microsoft.com/office/drawing/2014/main" id="{92B8B016-E95C-4B59-9DF1-E9623ACC6697}"/>
+                <a16:creationId xmlns:a16="http://schemas.microsoft.com/office/drawing/2014/main" id="{3176BA90-F9C8-4EB0-AEF1-6BD9BE1C9DF8}"/>
               </a:ext>
             </a:extLst>
           </p:cNvPr>
-          <p:cNvPicPr>
-            <a:picLocks noChangeAspect="1"/>
-          </p:cNvPicPr>
-          <p:nvPr/>
-        </p:nvPicPr>
-        <p:blipFill>
-          <a:blip r:embed="rId7"/>
-          <a:stretch>
-            <a:fillRect/>
-          </a:stretch>
-        </p:blipFill>
-        <p:spPr>
-          <a:xfrm>
-            <a:off x="2704031" y="1663983"/>
-            <a:ext cx="4234308" cy="7312491"/>
-          </a:xfrm>
-          <a:prstGeom prst="rect">
-            <a:avLst/>
-          </a:prstGeom>
-        </p:spPr>
-      </p:pic>
-      <p:pic>
-        <p:nvPicPr>
-          <p:cNvPr id="38" name="Picture 37">
-            <a:extLst>
-              <a:ext uri="{FF2B5EF4-FFF2-40B4-BE49-F238E27FC236}">
-                <a16:creationId xmlns:a16="http://schemas.microsoft.com/office/drawing/2014/main" id="{0669FCC8-698E-4672-8A64-FA81C4C89D03}"/>
-              </a:ext>
-            </a:extLst>
-          </p:cNvPr>
-          <p:cNvPicPr>
-            <a:picLocks noChangeAspect="1"/>
-          </p:cNvPicPr>
-          <p:nvPr/>
-        </p:nvPicPr>
-        <p:blipFill>
-          <a:blip r:embed="rId8"/>
-          <a:stretch>
-            <a:fillRect/>
-          </a:stretch>
-        </p:blipFill>
-        <p:spPr>
-          <a:xfrm>
-            <a:off x="7031437" y="2937932"/>
-            <a:ext cx="11015036" cy="6042775"/>
-          </a:xfrm>
-          <a:prstGeom prst="rect">
-            <a:avLst/>
-          </a:prstGeom>
-        </p:spPr>
-      </p:pic>
-      <p:sp>
-        <p:nvSpPr>
-          <p:cNvPr id="29" name="TextBox 28">
-            <a:extLst>
-              <a:ext uri="{FF2B5EF4-FFF2-40B4-BE49-F238E27FC236}">
-                <a16:creationId xmlns:a16="http://schemas.microsoft.com/office/drawing/2014/main" id="{9C3836AF-BDC5-43FE-B99C-A050D9A60253}"/>
-              </a:ext>
-            </a:extLst>
-          </p:cNvPr>
-          <p:cNvSpPr txBox="1"/>
-          <p:nvPr/>
-        </p:nvSpPr>
-        <p:spPr>
-          <a:xfrm>
-            <a:off x="7031437" y="1622273"/>
-            <a:ext cx="8108611" cy="1077218"/>
-          </a:xfrm>
-          <a:prstGeom prst="rect">
-            <a:avLst/>
-          </a:prstGeom>
-        </p:spPr>
-        <p:style>
-          <a:lnRef idx="1">
-            <a:schemeClr val="accent6"/>
-          </a:lnRef>
-          <a:fillRef idx="3">
-            <a:schemeClr val="accent6"/>
-          </a:fillRef>
-          <a:effectRef idx="2">
-            <a:schemeClr val="accent6"/>
-          </a:effectRef>
-          <a:fontRef idx="minor">
-            <a:schemeClr val="lt1"/>
-          </a:fontRef>
-        </p:style>
-        <p:txBody>
-          <a:bodyPr wrap="square" rtlCol="0">
-            <a:spAutoFit/>
-          </a:bodyPr>
-          <a:lstStyle/>
-          <a:p>
-            <a:r>
-              <a:rPr lang="en-US" sz="3200" dirty="0"/>
-              <a:t>Top months based on number of posts uploaded</a:t>
-            </a:r>
-            <a:endParaRPr lang="de-DE" sz="3200" dirty="0"/>
-          </a:p>
-        </p:txBody>
-      </p:sp>
+          <p:cNvGraphicFramePr>
+            <a:graphicFrameLocks/>
+          </p:cNvGraphicFramePr>
+          <p:nvPr>
+            <p:extLst>
+              <p:ext uri="{D42A27DB-BD31-4B8C-83A1-F6EECF244321}">
+                <p14:modId xmlns:p14="http://schemas.microsoft.com/office/powerpoint/2010/main" val="3074051786"/>
+              </p:ext>
+            </p:extLst>
+          </p:nvPr>
+        </p:nvGraphicFramePr>
+        <p:xfrm>
+          <a:off x="3558103" y="2281755"/>
+          <a:ext cx="13815497" cy="6335176"/>
+        </p:xfrm>
+        <a:graphic>
+          <a:graphicData uri="http://schemas.openxmlformats.org/drawingml/2006/chart">
+            <c:chart xmlns:c="http://schemas.openxmlformats.org/drawingml/2006/chart" xmlns:r="http://schemas.openxmlformats.org/officeDocument/2006/relationships" r:id="rId7"/>
+          </a:graphicData>
+        </a:graphic>
+      </p:graphicFrame>
     </p:spTree>
     <p:extLst>
       <p:ext uri="{BB962C8B-B14F-4D97-AF65-F5344CB8AC3E}">
@@ -14954,7 +22157,7 @@
         </p:blipFill>
         <p:spPr>
           <a:xfrm>
-            <a:off x="4750554" y="3009900"/>
+            <a:off x="2400562" y="7060588"/>
             <a:ext cx="2972219" cy="881758"/>
           </a:xfrm>
           <a:prstGeom prst="rect">
@@ -14988,7 +22191,7 @@
         </p:blipFill>
         <p:spPr>
           <a:xfrm>
-            <a:off x="7924800" y="4702621"/>
+            <a:off x="7884418" y="7060588"/>
             <a:ext cx="2972219" cy="881758"/>
           </a:xfrm>
           <a:prstGeom prst="rect">
@@ -15022,7 +22225,7 @@
         </p:blipFill>
         <p:spPr>
           <a:xfrm>
-            <a:off x="11430000" y="6226928"/>
+            <a:off x="13392008" y="6928742"/>
             <a:ext cx="2972219" cy="881758"/>
           </a:xfrm>
           <a:prstGeom prst="rect">
@@ -15030,6 +22233,246 @@
           </a:prstGeom>
         </p:spPr>
       </p:pic>
+      <p:sp>
+        <p:nvSpPr>
+          <p:cNvPr id="14" name="TextBox 13">
+            <a:extLst>
+              <a:ext uri="{FF2B5EF4-FFF2-40B4-BE49-F238E27FC236}">
+                <a16:creationId xmlns:a16="http://schemas.microsoft.com/office/drawing/2014/main" id="{9F830744-62A1-4C27-ADED-928C9D58CE17}"/>
+              </a:ext>
+            </a:extLst>
+          </p:cNvPr>
+          <p:cNvSpPr txBox="1"/>
+          <p:nvPr/>
+        </p:nvSpPr>
+        <p:spPr>
+          <a:xfrm>
+            <a:off x="2346366" y="3004321"/>
+            <a:ext cx="3199037" cy="3477875"/>
+          </a:xfrm>
+          <a:prstGeom prst="rect">
+            <a:avLst/>
+          </a:prstGeom>
+          <a:noFill/>
+        </p:spPr>
+        <p:txBody>
+          <a:bodyPr wrap="square" rtlCol="0">
+            <a:spAutoFit/>
+          </a:bodyPr>
+          <a:lstStyle/>
+          <a:p>
+            <a:pPr algn="ctr"/>
+            <a:r>
+              <a:rPr lang="en-US" sz="4400" dirty="0">
+                <a:solidFill>
+                  <a:srgbClr val="7030A0"/>
+                </a:solidFill>
+              </a:rPr>
+              <a:t>16</a:t>
+            </a:r>
+            <a:br>
+              <a:rPr lang="en-US" sz="4400" dirty="0">
+                <a:solidFill>
+                  <a:srgbClr val="7030A0"/>
+                </a:solidFill>
+              </a:rPr>
+            </a:br>
+            <a:br>
+              <a:rPr lang="en-US" sz="4400" dirty="0">
+                <a:solidFill>
+                  <a:srgbClr val="7030A0"/>
+                </a:solidFill>
+              </a:rPr>
+            </a:br>
+            <a:br>
+              <a:rPr lang="en-US" sz="4400" dirty="0">
+                <a:solidFill>
+                  <a:srgbClr val="7030A0"/>
+                </a:solidFill>
+              </a:rPr>
+            </a:br>
+            <a:r>
+              <a:rPr lang="en-US" sz="4400" dirty="0">
+                <a:solidFill>
+                  <a:schemeClr val="tx1">
+                    <a:lumMod val="65000"/>
+                    <a:lumOff val="35000"/>
+                  </a:schemeClr>
+                </a:solidFill>
+              </a:rPr>
+              <a:t>UNIQUE CATEGORIS</a:t>
+            </a:r>
+            <a:endParaRPr lang="de-DE" sz="4400" dirty="0">
+              <a:solidFill>
+                <a:schemeClr val="tx1">
+                  <a:lumMod val="65000"/>
+                  <a:lumOff val="35000"/>
+                </a:schemeClr>
+              </a:solidFill>
+            </a:endParaRPr>
+          </a:p>
+        </p:txBody>
+      </p:sp>
+      <p:sp>
+        <p:nvSpPr>
+          <p:cNvPr id="15" name="TextBox 14">
+            <a:extLst>
+              <a:ext uri="{FF2B5EF4-FFF2-40B4-BE49-F238E27FC236}">
+                <a16:creationId xmlns:a16="http://schemas.microsoft.com/office/drawing/2014/main" id="{6C021BA5-951A-4F0F-BCBC-C334E9402DE4}"/>
+              </a:ext>
+            </a:extLst>
+          </p:cNvPr>
+          <p:cNvSpPr txBox="1"/>
+          <p:nvPr/>
+        </p:nvSpPr>
+        <p:spPr>
+          <a:xfrm>
+            <a:off x="7562663" y="3030698"/>
+            <a:ext cx="3615728" cy="3477875"/>
+          </a:xfrm>
+          <a:prstGeom prst="rect">
+            <a:avLst/>
+          </a:prstGeom>
+          <a:noFill/>
+        </p:spPr>
+        <p:txBody>
+          <a:bodyPr wrap="square" rtlCol="0">
+            <a:spAutoFit/>
+          </a:bodyPr>
+          <a:lstStyle/>
+          <a:p>
+            <a:pPr algn="ctr"/>
+            <a:r>
+              <a:rPr lang="en-US" sz="4400" dirty="0">
+                <a:solidFill>
+                  <a:srgbClr val="7030A0"/>
+                </a:solidFill>
+              </a:rPr>
+              <a:t>1494</a:t>
+            </a:r>
+            <a:br>
+              <a:rPr lang="en-US" sz="4400" dirty="0">
+                <a:solidFill>
+                  <a:srgbClr val="7030A0"/>
+                </a:solidFill>
+              </a:rPr>
+            </a:br>
+            <a:br>
+              <a:rPr lang="en-US" sz="4400" dirty="0">
+                <a:solidFill>
+                  <a:srgbClr val="7030A0"/>
+                </a:solidFill>
+              </a:rPr>
+            </a:br>
+            <a:br>
+              <a:rPr lang="en-US" sz="4400" dirty="0">
+                <a:solidFill>
+                  <a:srgbClr val="7030A0"/>
+                </a:solidFill>
+              </a:rPr>
+            </a:br>
+            <a:r>
+              <a:rPr lang="en-US" sz="4400" dirty="0">
+                <a:solidFill>
+                  <a:schemeClr val="tx1">
+                    <a:lumMod val="65000"/>
+                    <a:lumOff val="35000"/>
+                  </a:schemeClr>
+                </a:solidFill>
+              </a:rPr>
+              <a:t>REACTIONS TO “Travel” POSTS</a:t>
+            </a:r>
+            <a:endParaRPr lang="de-DE" sz="4400" dirty="0">
+              <a:solidFill>
+                <a:schemeClr val="tx1">
+                  <a:lumMod val="65000"/>
+                  <a:lumOff val="35000"/>
+                </a:schemeClr>
+              </a:solidFill>
+            </a:endParaRPr>
+          </a:p>
+        </p:txBody>
+      </p:sp>
+      <p:sp>
+        <p:nvSpPr>
+          <p:cNvPr id="16" name="TextBox 15">
+            <a:extLst>
+              <a:ext uri="{FF2B5EF4-FFF2-40B4-BE49-F238E27FC236}">
+                <a16:creationId xmlns:a16="http://schemas.microsoft.com/office/drawing/2014/main" id="{BEA55FD2-4CFD-4BC0-8EBB-ADFAFE46BBD5}"/>
+              </a:ext>
+            </a:extLst>
+          </p:cNvPr>
+          <p:cNvSpPr txBox="1"/>
+          <p:nvPr/>
+        </p:nvSpPr>
+        <p:spPr>
+          <a:xfrm>
+            <a:off x="13070254" y="3004321"/>
+            <a:ext cx="3615728" cy="2800767"/>
+          </a:xfrm>
+          <a:prstGeom prst="rect">
+            <a:avLst/>
+          </a:prstGeom>
+          <a:noFill/>
+        </p:spPr>
+        <p:txBody>
+          <a:bodyPr wrap="square" rtlCol="0">
+            <a:spAutoFit/>
+          </a:bodyPr>
+          <a:lstStyle/>
+          <a:p>
+            <a:pPr algn="ctr"/>
+            <a:r>
+              <a:rPr lang="en-US" sz="4400" dirty="0">
+                <a:solidFill>
+                  <a:srgbClr val="7030A0"/>
+                </a:solidFill>
+              </a:rPr>
+              <a:t>August</a:t>
+            </a:r>
+            <a:br>
+              <a:rPr lang="en-US" sz="4400" dirty="0">
+                <a:solidFill>
+                  <a:srgbClr val="7030A0"/>
+                </a:solidFill>
+              </a:rPr>
+            </a:br>
+            <a:br>
+              <a:rPr lang="en-US" sz="4400" dirty="0">
+                <a:solidFill>
+                  <a:srgbClr val="7030A0"/>
+                </a:solidFill>
+              </a:rPr>
+            </a:br>
+            <a:br>
+              <a:rPr lang="en-US" sz="4400" dirty="0">
+                <a:solidFill>
+                  <a:srgbClr val="7030A0"/>
+                </a:solidFill>
+              </a:rPr>
+            </a:br>
+            <a:r>
+              <a:rPr lang="en-US" sz="4400" dirty="0">
+                <a:solidFill>
+                  <a:schemeClr val="tx1">
+                    <a:lumMod val="65000"/>
+                    <a:lumOff val="35000"/>
+                  </a:schemeClr>
+                </a:solidFill>
+              </a:rPr>
+              <a:t>MOST POSTS</a:t>
+            </a:r>
+            <a:endParaRPr lang="de-DE" sz="4400" dirty="0">
+              <a:solidFill>
+                <a:schemeClr val="tx1">
+                  <a:lumMod val="65000"/>
+                  <a:lumOff val="35000"/>
+                </a:schemeClr>
+              </a:solidFill>
+            </a:endParaRPr>
+          </a:p>
+        </p:txBody>
+      </p:sp>
     </p:spTree>
   </p:cSld>
   <p:clrMapOvr>
@@ -15828,145 +23271,66 @@
           </p:spPr>
         </p:pic>
       </p:grpSp>
-      <p:pic>
-        <p:nvPicPr>
-          <p:cNvPr id="28" name="Picture 27">
+      <p:graphicFrame>
+        <p:nvGraphicFramePr>
+          <p:cNvPr id="33" name="Chart 32">
             <a:extLst>
               <a:ext uri="{FF2B5EF4-FFF2-40B4-BE49-F238E27FC236}">
-                <a16:creationId xmlns:a16="http://schemas.microsoft.com/office/drawing/2014/main" id="{81DF77E4-51BD-457A-8C8F-ED348086F0B6}"/>
+                <a16:creationId xmlns:a16="http://schemas.microsoft.com/office/drawing/2014/main" id="{2F639335-AC39-4CA5-BD09-0D7B795E275C}"/>
               </a:ext>
             </a:extLst>
           </p:cNvPr>
-          <p:cNvPicPr>
-            <a:picLocks noChangeAspect="1"/>
-          </p:cNvPicPr>
-          <p:nvPr/>
-        </p:nvPicPr>
-        <p:blipFill>
-          <a:blip r:embed="rId7"/>
-          <a:stretch>
-            <a:fillRect/>
-          </a:stretch>
-        </p:blipFill>
-        <p:spPr>
-          <a:xfrm>
-            <a:off x="2669076" y="968771"/>
-            <a:ext cx="4667250" cy="4124325"/>
-          </a:xfrm>
-          <a:prstGeom prst="rect">
-            <a:avLst/>
-          </a:prstGeom>
-        </p:spPr>
-      </p:pic>
-      <p:pic>
-        <p:nvPicPr>
-          <p:cNvPr id="34" name="Picture 33">
+          <p:cNvGraphicFramePr>
+            <a:graphicFrameLocks/>
+          </p:cNvGraphicFramePr>
+          <p:nvPr>
+            <p:extLst>
+              <p:ext uri="{D42A27DB-BD31-4B8C-83A1-F6EECF244321}">
+                <p14:modId xmlns:p14="http://schemas.microsoft.com/office/powerpoint/2010/main" val="3457711968"/>
+              </p:ext>
+            </p:extLst>
+          </p:nvPr>
+        </p:nvGraphicFramePr>
+        <p:xfrm>
+          <a:off x="2939406" y="2097782"/>
+          <a:ext cx="9072668" cy="5360459"/>
+        </p:xfrm>
+        <a:graphic>
+          <a:graphicData uri="http://schemas.openxmlformats.org/drawingml/2006/chart">
+            <c:chart xmlns:c="http://schemas.openxmlformats.org/drawingml/2006/chart" xmlns:r="http://schemas.openxmlformats.org/officeDocument/2006/relationships" r:id="rId7"/>
+          </a:graphicData>
+        </a:graphic>
+      </p:graphicFrame>
+      <p:graphicFrame>
+        <p:nvGraphicFramePr>
+          <p:cNvPr id="36" name="Chart 35">
             <a:extLst>
               <a:ext uri="{FF2B5EF4-FFF2-40B4-BE49-F238E27FC236}">
-                <a16:creationId xmlns:a16="http://schemas.microsoft.com/office/drawing/2014/main" id="{5DDDBB76-7287-4992-80C0-9619366A93C4}"/>
+                <a16:creationId xmlns:a16="http://schemas.microsoft.com/office/drawing/2014/main" id="{645ACE65-2D02-479F-BD2A-A727AF127AFF}"/>
               </a:ext>
             </a:extLst>
           </p:cNvPr>
-          <p:cNvPicPr>
-            <a:picLocks noChangeAspect="1"/>
-          </p:cNvPicPr>
-          <p:nvPr/>
-        </p:nvPicPr>
-        <p:blipFill>
-          <a:blip r:embed="rId8"/>
-          <a:stretch>
-            <a:fillRect/>
-          </a:stretch>
-        </p:blipFill>
-        <p:spPr>
-          <a:xfrm>
-            <a:off x="2542185" y="5328104"/>
-            <a:ext cx="5151177" cy="3778167"/>
-          </a:xfrm>
-          <a:prstGeom prst="rect">
-            <a:avLst/>
-          </a:prstGeom>
-        </p:spPr>
-      </p:pic>
-      <p:pic>
-        <p:nvPicPr>
-          <p:cNvPr id="30" name="Picture 29">
-            <a:extLst>
-              <a:ext uri="{FF2B5EF4-FFF2-40B4-BE49-F238E27FC236}">
-                <a16:creationId xmlns:a16="http://schemas.microsoft.com/office/drawing/2014/main" id="{AD1D07B0-DD93-4F8A-A96F-4D037918A854}"/>
-              </a:ext>
-            </a:extLst>
-          </p:cNvPr>
-          <p:cNvPicPr>
-            <a:picLocks noChangeAspect="1"/>
-          </p:cNvPicPr>
-          <p:nvPr/>
-        </p:nvPicPr>
-        <p:blipFill>
-          <a:blip r:embed="rId9"/>
-          <a:stretch>
-            <a:fillRect/>
-          </a:stretch>
-        </p:blipFill>
-        <p:spPr>
-          <a:xfrm>
-            <a:off x="7819930" y="2821373"/>
-            <a:ext cx="9796954" cy="6203829"/>
-          </a:xfrm>
-          <a:prstGeom prst="rect">
-            <a:avLst/>
-          </a:prstGeom>
-        </p:spPr>
-      </p:pic>
-      <p:sp>
-        <p:nvSpPr>
-          <p:cNvPr id="27" name="TextBox 26">
-            <a:extLst>
-              <a:ext uri="{FF2B5EF4-FFF2-40B4-BE49-F238E27FC236}">
-                <a16:creationId xmlns:a16="http://schemas.microsoft.com/office/drawing/2014/main" id="{BC27E3BB-3082-4ADB-B955-54B89B140B7F}"/>
-              </a:ext>
-            </a:extLst>
-          </p:cNvPr>
-          <p:cNvSpPr txBox="1"/>
-          <p:nvPr/>
-        </p:nvSpPr>
-        <p:spPr>
-          <a:xfrm>
-            <a:off x="7819380" y="1016705"/>
-            <a:ext cx="8108611" cy="1569660"/>
-          </a:xfrm>
-          <a:prstGeom prst="rect">
-            <a:avLst/>
-          </a:prstGeom>
-        </p:spPr>
-        <p:style>
-          <a:lnRef idx="1">
-            <a:schemeClr val="accent6"/>
-          </a:lnRef>
-          <a:fillRef idx="3">
-            <a:schemeClr val="accent6"/>
-          </a:fillRef>
-          <a:effectRef idx="2">
-            <a:schemeClr val="accent6"/>
-          </a:effectRef>
-          <a:fontRef idx="minor">
-            <a:schemeClr val="lt1"/>
-          </a:fontRef>
-        </p:style>
-        <p:txBody>
-          <a:bodyPr wrap="square" rtlCol="0">
-            <a:spAutoFit/>
-          </a:bodyPr>
-          <a:lstStyle/>
-          <a:p>
-            <a:r>
-              <a:rPr lang="en-US" sz="3200" dirty="0"/>
-              <a:t>Top categories based on the sum of their scores, average of their scores, and the number of feedbacks</a:t>
-            </a:r>
-            <a:endParaRPr lang="de-DE" sz="3200" dirty="0"/>
-          </a:p>
-        </p:txBody>
-      </p:sp>
+          <p:cNvGraphicFramePr>
+            <a:graphicFrameLocks/>
+          </p:cNvGraphicFramePr>
+          <p:nvPr>
+            <p:extLst>
+              <p:ext uri="{D42A27DB-BD31-4B8C-83A1-F6EECF244321}">
+                <p14:modId xmlns:p14="http://schemas.microsoft.com/office/powerpoint/2010/main" val="1175998417"/>
+              </p:ext>
+            </p:extLst>
+          </p:nvPr>
+        </p:nvGraphicFramePr>
+        <p:xfrm>
+          <a:off x="12297648" y="2476500"/>
+          <a:ext cx="5955939" cy="4981741"/>
+        </p:xfrm>
+        <a:graphic>
+          <a:graphicData uri="http://schemas.openxmlformats.org/drawingml/2006/chart">
+            <c:chart xmlns:c="http://schemas.openxmlformats.org/drawingml/2006/chart" xmlns:r="http://schemas.openxmlformats.org/officeDocument/2006/relationships" r:id="rId8"/>
+          </a:graphicData>
+        </a:graphic>
+      </p:graphicFrame>
     </p:spTree>
     <p:extLst>
       <p:ext uri="{BB962C8B-B14F-4D97-AF65-F5344CB8AC3E}">
@@ -16770,115 +24134,36 @@
           </p:spPr>
         </p:pic>
       </p:grpSp>
-      <p:pic>
-        <p:nvPicPr>
-          <p:cNvPr id="30" name="Picture 29">
+      <p:graphicFrame>
+        <p:nvGraphicFramePr>
+          <p:cNvPr id="31" name="Chart 30">
             <a:extLst>
               <a:ext uri="{FF2B5EF4-FFF2-40B4-BE49-F238E27FC236}">
-                <a16:creationId xmlns:a16="http://schemas.microsoft.com/office/drawing/2014/main" id="{BD91B2A8-B3E1-41BD-854A-546E08E02A84}"/>
+                <a16:creationId xmlns:a16="http://schemas.microsoft.com/office/drawing/2014/main" id="{BAAEF021-C82C-4A8C-841D-0691B405F7B9}"/>
               </a:ext>
             </a:extLst>
           </p:cNvPr>
-          <p:cNvPicPr>
-            <a:picLocks noChangeAspect="1"/>
-          </p:cNvPicPr>
-          <p:nvPr/>
-        </p:nvPicPr>
-        <p:blipFill>
-          <a:blip r:embed="rId7"/>
-          <a:stretch>
-            <a:fillRect/>
-          </a:stretch>
-        </p:blipFill>
-        <p:spPr>
-          <a:xfrm>
-            <a:off x="6946251" y="4280791"/>
-            <a:ext cx="10963275" cy="5023366"/>
-          </a:xfrm>
-          <a:prstGeom prst="rect">
-            <a:avLst/>
-          </a:prstGeom>
-        </p:spPr>
-      </p:pic>
-      <p:pic>
-        <p:nvPicPr>
-          <p:cNvPr id="32" name="Picture 31">
-            <a:extLst>
-              <a:ext uri="{FF2B5EF4-FFF2-40B4-BE49-F238E27FC236}">
-                <a16:creationId xmlns:a16="http://schemas.microsoft.com/office/drawing/2014/main" id="{C7001A41-1C45-43A3-8790-C90DAB115238}"/>
-              </a:ext>
-            </a:extLst>
-          </p:cNvPr>
-          <p:cNvPicPr>
-            <a:picLocks noChangeAspect="1"/>
-          </p:cNvPicPr>
-          <p:nvPr/>
-        </p:nvPicPr>
-        <p:blipFill>
-          <a:blip r:embed="rId8"/>
-          <a:stretch>
-            <a:fillRect/>
-          </a:stretch>
-        </p:blipFill>
-        <p:spPr>
-          <a:xfrm>
-            <a:off x="2853205" y="4280791"/>
-            <a:ext cx="4052887" cy="3020105"/>
-          </a:xfrm>
-          <a:prstGeom prst="rect">
-            <a:avLst/>
-          </a:prstGeom>
-        </p:spPr>
-      </p:pic>
-      <p:sp>
-        <p:nvSpPr>
-          <p:cNvPr id="29" name="TextBox 28">
-            <a:extLst>
-              <a:ext uri="{FF2B5EF4-FFF2-40B4-BE49-F238E27FC236}">
-                <a16:creationId xmlns:a16="http://schemas.microsoft.com/office/drawing/2014/main" id="{A937A702-0568-4D9E-9264-5E5BBC8362AC}"/>
-              </a:ext>
-            </a:extLst>
-          </p:cNvPr>
-          <p:cNvSpPr txBox="1"/>
-          <p:nvPr/>
-        </p:nvSpPr>
-        <p:spPr>
-          <a:xfrm>
-            <a:off x="6147175" y="1569920"/>
-            <a:ext cx="8108611" cy="1077218"/>
-          </a:xfrm>
-          <a:prstGeom prst="rect">
-            <a:avLst/>
-          </a:prstGeom>
-        </p:spPr>
-        <p:style>
-          <a:lnRef idx="1">
-            <a:schemeClr val="accent6"/>
-          </a:lnRef>
-          <a:fillRef idx="3">
-            <a:schemeClr val="accent6"/>
-          </a:fillRef>
-          <a:effectRef idx="2">
-            <a:schemeClr val="accent6"/>
-          </a:effectRef>
-          <a:fontRef idx="minor">
-            <a:schemeClr val="lt1"/>
-          </a:fontRef>
-        </p:style>
-        <p:txBody>
-          <a:bodyPr wrap="square" rtlCol="0">
-            <a:spAutoFit/>
-          </a:bodyPr>
-          <a:lstStyle/>
-          <a:p>
-            <a:r>
-              <a:rPr lang="en-US" sz="3200" dirty="0"/>
-              <a:t>Comparison among the 5 five categories based on their total scores</a:t>
-            </a:r>
-            <a:endParaRPr lang="de-DE" sz="3200" dirty="0"/>
-          </a:p>
-        </p:txBody>
-      </p:sp>
+          <p:cNvGraphicFramePr>
+            <a:graphicFrameLocks/>
+          </p:cNvGraphicFramePr>
+          <p:nvPr>
+            <p:extLst>
+              <p:ext uri="{D42A27DB-BD31-4B8C-83A1-F6EECF244321}">
+                <p14:modId xmlns:p14="http://schemas.microsoft.com/office/powerpoint/2010/main" val="2581686654"/>
+              </p:ext>
+            </p:extLst>
+          </p:nvPr>
+        </p:nvGraphicFramePr>
+        <p:xfrm>
+          <a:off x="5199194" y="2582372"/>
+          <a:ext cx="10105481" cy="5633082"/>
+        </p:xfrm>
+        <a:graphic>
+          <a:graphicData uri="http://schemas.openxmlformats.org/drawingml/2006/chart">
+            <c:chart xmlns:c="http://schemas.openxmlformats.org/drawingml/2006/chart" xmlns:r="http://schemas.openxmlformats.org/officeDocument/2006/relationships" r:id="rId7"/>
+          </a:graphicData>
+        </a:graphic>
+      </p:graphicFrame>
     </p:spTree>
   </p:cSld>
   <p:clrMapOvr>

--- a/Data Analytics template - Task 3_final.pptx
+++ b/Data Analytics template - Task 3_final.pptx
@@ -5,7 +5,7 @@
     <p:sldMasterId id="2147483648" r:id="rId1"/>
   </p:sldMasterIdLst>
   <p:notesMasterIdLst>
-    <p:notesMasterId r:id="rId14"/>
+    <p:notesMasterId r:id="rId15"/>
   </p:notesMasterIdLst>
   <p:sldIdLst>
     <p:sldId id="256" r:id="rId2"/>
@@ -16,20 +16,21 @@
     <p:sldId id="261" r:id="rId7"/>
     <p:sldId id="262" r:id="rId8"/>
     <p:sldId id="267" r:id="rId9"/>
-    <p:sldId id="263" r:id="rId10"/>
-    <p:sldId id="268" r:id="rId11"/>
-    <p:sldId id="265" r:id="rId12"/>
-    <p:sldId id="266" r:id="rId13"/>
+    <p:sldId id="269" r:id="rId10"/>
+    <p:sldId id="263" r:id="rId11"/>
+    <p:sldId id="268" r:id="rId12"/>
+    <p:sldId id="265" r:id="rId13"/>
+    <p:sldId id="266" r:id="rId14"/>
   </p:sldIdLst>
   <p:sldSz cx="18288000" cy="10287000"/>
   <p:notesSz cx="6858000" cy="9144000"/>
   <p:embeddedFontLst>
     <p:embeddedFont>
       <p:font typeface="Calibri" panose="020F0502020204030204" pitchFamily="34" charset="0"/>
-      <p:regular r:id="rId15"/>
-      <p:bold r:id="rId16"/>
-      <p:italic r:id="rId17"/>
-      <p:boldItalic r:id="rId18"/>
+      <p:regular r:id="rId16"/>
+      <p:bold r:id="rId17"/>
+      <p:italic r:id="rId18"/>
+      <p:boldItalic r:id="rId19"/>
     </p:embeddedFont>
   </p:embeddedFontLst>
   <p:defaultTextStyle>
@@ -140,6 +141,7 @@
             <p14:sldId id="261"/>
             <p14:sldId id="262"/>
             <p14:sldId id="267"/>
+            <p14:sldId id="269"/>
           </p14:sldIdLst>
         </p14:section>
         <p14:section name="Untitled Section" id="{A674751A-1441-4817-8469-85703359F060}">
@@ -2369,6 +2371,7 @@
   <c:externalData r:id="rId3">
     <c:autoUpdate val="0"/>
   </c:externalData>
+  <c:userShapes r:id="rId4"/>
   <c:extLst>
     <c:ext xmlns:c14="http://schemas.microsoft.com/office/drawing/2007/8/2/chart" uri="{781A3756-C4B2-4CAC-9D66-4F8BD8637D16}">
       <c14:pivotOptions>
@@ -2406,6 +2409,36 @@
     <c:fmtId val="25"/>
   </c:pivotSource>
   <c:chart>
+    <c:title>
+      <c:overlay val="0"/>
+      <c:spPr>
+        <a:noFill/>
+        <a:ln>
+          <a:noFill/>
+        </a:ln>
+        <a:effectLst/>
+      </c:spPr>
+      <c:txPr>
+        <a:bodyPr rot="0" spcFirstLastPara="1" vertOverflow="ellipsis" vert="horz" wrap="square" anchor="ctr" anchorCtr="1"/>
+        <a:lstStyle/>
+        <a:p>
+          <a:pPr>
+            <a:defRPr sz="1400" b="0" i="0" u="none" strike="noStrike" kern="1200" spc="0" baseline="0">
+              <a:solidFill>
+                <a:schemeClr val="tx1">
+                  <a:lumMod val="65000"/>
+                  <a:lumOff val="35000"/>
+                </a:schemeClr>
+              </a:solidFill>
+              <a:latin typeface="+mn-lt"/>
+              <a:ea typeface="+mn-ea"/>
+              <a:cs typeface="+mn-cs"/>
+            </a:defRPr>
+          </a:pPr>
+          <a:endParaRPr lang="de-DE"/>
+        </a:p>
+      </c:txPr>
+    </c:title>
     <c:autoTitleDeleted val="0"/>
     <c:pivotFmts>
       <c:pivotFmt>
@@ -3220,320 +3253,6 @@
             </c:ext>
           </c:extLst>
         </c:ser>
-        <c:ser>
-          <c:idx val="1"/>
-          <c:order val="1"/>
-          <c:tx>
-            <c:strRef>
-              <c:f>Sheet1!$C$3</c:f>
-              <c:strCache>
-                <c:ptCount val="1"/>
-                <c:pt idx="0">
-                  <c:v>Count of Score</c:v>
-                </c:pt>
-              </c:strCache>
-            </c:strRef>
-          </c:tx>
-          <c:spPr>
-            <a:ln w="28575" cap="rnd">
-              <a:solidFill>
-                <a:schemeClr val="accent2"/>
-              </a:solidFill>
-              <a:round/>
-            </a:ln>
-            <a:effectLst/>
-          </c:spPr>
-          <c:marker>
-            <c:symbol val="circle"/>
-            <c:size val="5"/>
-            <c:spPr>
-              <a:solidFill>
-                <a:schemeClr val="accent2"/>
-              </a:solidFill>
-              <a:ln w="9525">
-                <a:solidFill>
-                  <a:schemeClr val="accent2"/>
-                </a:solidFill>
-              </a:ln>
-              <a:effectLst/>
-            </c:spPr>
-          </c:marker>
-          <c:cat>
-            <c:strRef>
-              <c:f>Sheet1!$A$4:$A$20</c:f>
-              <c:strCache>
-                <c:ptCount val="16"/>
-                <c:pt idx="0">
-                  <c:v>veganism</c:v>
-                </c:pt>
-                <c:pt idx="1">
-                  <c:v>food</c:v>
-                </c:pt>
-                <c:pt idx="2">
-                  <c:v>cooking</c:v>
-                </c:pt>
-                <c:pt idx="3">
-                  <c:v>healthy eating</c:v>
-                </c:pt>
-                <c:pt idx="4">
-                  <c:v>fitness</c:v>
-                </c:pt>
-                <c:pt idx="5">
-                  <c:v>tennis</c:v>
-                </c:pt>
-                <c:pt idx="6">
-                  <c:v>soccer</c:v>
-                </c:pt>
-                <c:pt idx="7">
-                  <c:v>culture</c:v>
-                </c:pt>
-                <c:pt idx="8">
-                  <c:v>travel</c:v>
-                </c:pt>
-                <c:pt idx="9">
-                  <c:v>animals</c:v>
-                </c:pt>
-                <c:pt idx="10">
-                  <c:v>dogs</c:v>
-                </c:pt>
-                <c:pt idx="11">
-                  <c:v>public speaking</c:v>
-                </c:pt>
-                <c:pt idx="12">
-                  <c:v>science</c:v>
-                </c:pt>
-                <c:pt idx="13">
-                  <c:v>education</c:v>
-                </c:pt>
-                <c:pt idx="14">
-                  <c:v>Studying</c:v>
-                </c:pt>
-                <c:pt idx="15">
-                  <c:v>technology</c:v>
-                </c:pt>
-              </c:strCache>
-            </c:strRef>
-          </c:cat>
-          <c:val>
-            <c:numRef>
-              <c:f>Sheet1!$C$4:$C$20</c:f>
-              <c:numCache>
-                <c:formatCode>_(* #,##0_);_(* \(#,##0\);_(* "-"??_);_(@_)</c:formatCode>
-                <c:ptCount val="16"/>
-                <c:pt idx="0">
-                  <c:v>1032</c:v>
-                </c:pt>
-                <c:pt idx="1">
-                  <c:v>1293</c:v>
-                </c:pt>
-                <c:pt idx="2">
-                  <c:v>1394</c:v>
-                </c:pt>
-                <c:pt idx="3">
-                  <c:v>1422</c:v>
-                </c:pt>
-                <c:pt idx="4">
-                  <c:v>1141</c:v>
-                </c:pt>
-                <c:pt idx="5">
-                  <c:v>1258</c:v>
-                </c:pt>
-                <c:pt idx="6">
-                  <c:v>1161</c:v>
-                </c:pt>
-                <c:pt idx="7">
-                  <c:v>1326</c:v>
-                </c:pt>
-                <c:pt idx="8">
-                  <c:v>1494</c:v>
-                </c:pt>
-                <c:pt idx="9">
-                  <c:v>1443</c:v>
-                </c:pt>
-                <c:pt idx="10">
-                  <c:v>1142</c:v>
-                </c:pt>
-                <c:pt idx="11">
-                  <c:v>994</c:v>
-                </c:pt>
-                <c:pt idx="12">
-                  <c:v>1475</c:v>
-                </c:pt>
-                <c:pt idx="13">
-                  <c:v>1232</c:v>
-                </c:pt>
-                <c:pt idx="14">
-                  <c:v>993</c:v>
-                </c:pt>
-                <c:pt idx="15">
-                  <c:v>1256</c:v>
-                </c:pt>
-              </c:numCache>
-            </c:numRef>
-          </c:val>
-          <c:extLst>
-            <c:ext xmlns:c16="http://schemas.microsoft.com/office/drawing/2014/chart" uri="{C3380CC4-5D6E-409C-BE32-E72D297353CC}">
-              <c16:uniqueId val="{00000001-FE1E-4A62-8118-707C83571F50}"/>
-            </c:ext>
-          </c:extLst>
-        </c:ser>
-        <c:ser>
-          <c:idx val="2"/>
-          <c:order val="2"/>
-          <c:tx>
-            <c:strRef>
-              <c:f>Sheet1!$D$3</c:f>
-              <c:strCache>
-                <c:ptCount val="1"/>
-                <c:pt idx="0">
-                  <c:v>Average of Score</c:v>
-                </c:pt>
-              </c:strCache>
-            </c:strRef>
-          </c:tx>
-          <c:spPr>
-            <a:ln w="28575" cap="rnd">
-              <a:solidFill>
-                <a:schemeClr val="accent3"/>
-              </a:solidFill>
-              <a:round/>
-            </a:ln>
-            <a:effectLst/>
-          </c:spPr>
-          <c:marker>
-            <c:symbol val="circle"/>
-            <c:size val="5"/>
-            <c:spPr>
-              <a:solidFill>
-                <a:schemeClr val="accent3"/>
-              </a:solidFill>
-              <a:ln w="9525">
-                <a:solidFill>
-                  <a:schemeClr val="accent3"/>
-                </a:solidFill>
-              </a:ln>
-              <a:effectLst/>
-            </c:spPr>
-          </c:marker>
-          <c:cat>
-            <c:strRef>
-              <c:f>Sheet1!$A$4:$A$20</c:f>
-              <c:strCache>
-                <c:ptCount val="16"/>
-                <c:pt idx="0">
-                  <c:v>veganism</c:v>
-                </c:pt>
-                <c:pt idx="1">
-                  <c:v>food</c:v>
-                </c:pt>
-                <c:pt idx="2">
-                  <c:v>cooking</c:v>
-                </c:pt>
-                <c:pt idx="3">
-                  <c:v>healthy eating</c:v>
-                </c:pt>
-                <c:pt idx="4">
-                  <c:v>fitness</c:v>
-                </c:pt>
-                <c:pt idx="5">
-                  <c:v>tennis</c:v>
-                </c:pt>
-                <c:pt idx="6">
-                  <c:v>soccer</c:v>
-                </c:pt>
-                <c:pt idx="7">
-                  <c:v>culture</c:v>
-                </c:pt>
-                <c:pt idx="8">
-                  <c:v>travel</c:v>
-                </c:pt>
-                <c:pt idx="9">
-                  <c:v>animals</c:v>
-                </c:pt>
-                <c:pt idx="10">
-                  <c:v>dogs</c:v>
-                </c:pt>
-                <c:pt idx="11">
-                  <c:v>public speaking</c:v>
-                </c:pt>
-                <c:pt idx="12">
-                  <c:v>science</c:v>
-                </c:pt>
-                <c:pt idx="13">
-                  <c:v>education</c:v>
-                </c:pt>
-                <c:pt idx="14">
-                  <c:v>Studying</c:v>
-                </c:pt>
-                <c:pt idx="15">
-                  <c:v>technology</c:v>
-                </c:pt>
-              </c:strCache>
-            </c:strRef>
-          </c:cat>
-          <c:val>
-            <c:numRef>
-              <c:f>Sheet1!$D$4:$D$20</c:f>
-              <c:numCache>
-                <c:formatCode>_(* #,##0.0_);_(* \(#,##0.0\);_(* "-"??_);_(@_)</c:formatCode>
-                <c:ptCount val="16"/>
-                <c:pt idx="0">
-                  <c:v>40.431201550387598</c:v>
-                </c:pt>
-                <c:pt idx="1">
-                  <c:v>39.786542923433878</c:v>
-                </c:pt>
-                <c:pt idx="2">
-                  <c:v>39.120516499282637</c:v>
-                </c:pt>
-                <c:pt idx="3">
-                  <c:v>40.829113924050631</c:v>
-                </c:pt>
-                <c:pt idx="4">
-                  <c:v>39.908851884312007</c:v>
-                </c:pt>
-                <c:pt idx="5">
-                  <c:v>37.852941176470587</c:v>
-                </c:pt>
-                <c:pt idx="6">
-                  <c:v>39.42807924203273</c:v>
-                </c:pt>
-                <c:pt idx="7">
-                  <c:v>39.524886877828052</c:v>
-                </c:pt>
-                <c:pt idx="8">
-                  <c:v>39.455153949129851</c:v>
-                </c:pt>
-                <c:pt idx="9">
-                  <c:v>39.790713790713788</c:v>
-                </c:pt>
-                <c:pt idx="10">
-                  <c:v>39.754816112084065</c:v>
-                </c:pt>
-                <c:pt idx="11">
-                  <c:v>40.736418511066397</c:v>
-                </c:pt>
-                <c:pt idx="12">
-                  <c:v>39.705762711864409</c:v>
-                </c:pt>
-                <c:pt idx="13">
-                  <c:v>39.884740259740262</c:v>
-                </c:pt>
-                <c:pt idx="14">
-                  <c:v>39.710976837865054</c:v>
-                </c:pt>
-                <c:pt idx="15">
-                  <c:v>40.58200636942675</c:v>
-                </c:pt>
-              </c:numCache>
-            </c:numRef>
-          </c:val>
-          <c:extLst>
-            <c:ext xmlns:c16="http://schemas.microsoft.com/office/drawing/2014/chart" uri="{C3380CC4-5D6E-409C-BE32-E72D297353CC}">
-              <c16:uniqueId val="{00000002-FE1E-4A62-8118-707C83571F50}"/>
-            </c:ext>
-          </c:extLst>
-        </c:ser>
         <c:dLbls>
           <c:showLegendKey val="0"/>
           <c:showVal val="0"/>
@@ -3588,12 +3307,9 @@
           <a:lstStyle/>
           <a:p>
             <a:pPr>
-              <a:defRPr sz="1400" b="0" i="0" u="none" strike="noStrike" kern="1200" baseline="0">
+              <a:defRPr sz="1800" b="0" i="0" u="none" strike="noStrike" kern="1200" baseline="0">
                 <a:solidFill>
-                  <a:schemeClr val="tx1">
-                    <a:lumMod val="65000"/>
-                    <a:lumOff val="35000"/>
-                  </a:schemeClr>
+                  <a:schemeClr val="tx1"/>
                 </a:solidFill>
                 <a:latin typeface="+mn-lt"/>
                 <a:ea typeface="+mn-ea"/>
@@ -3737,6 +3453,7 @@
   <c:externalData r:id="rId3">
     <c:autoUpdate val="0"/>
   </c:externalData>
+  <c:userShapes r:id="rId4"/>
   <c:extLst>
     <c:ext xmlns:c14="http://schemas.microsoft.com/office/drawing/2007/8/2/chart" uri="{781A3756-C4B2-4CAC-9D66-4F8BD8637D16}">
       <c14:pivotOptions>
@@ -5019,6 +4736,7 @@
         <c:axId val="2094211088"/>
         <c:scaling>
           <c:orientation val="minMax"/>
+          <c:min val="400"/>
         </c:scaling>
         <c:delete val="0"/>
         <c:axPos val="l"/>
@@ -7452,6 +7170,681 @@
 </cs:chartStyle>
 </file>
 
+<file path=ppt/drawings/drawing1.xml><?xml version="1.0" encoding="utf-8"?>
+<c:userShapes xmlns:c="http://schemas.openxmlformats.org/drawingml/2006/chart">
+  <cdr:relSizeAnchor xmlns:cdr="http://schemas.openxmlformats.org/drawingml/2006/chartDrawing">
+    <cdr:from>
+      <cdr:x>0.11917</cdr:x>
+      <cdr:y>0.91464</cdr:y>
+    </cdr:from>
+    <cdr:to>
+      <cdr:x>0.11917</cdr:x>
+      <cdr:y>0.96239</cdr:y>
+    </cdr:to>
+    <cdr:cxnSp macro="">
+      <cdr:nvCxnSpPr>
+        <cdr:cNvPr id="3" name="Straight Connector 2">
+          <a:extLst xmlns:a="http://schemas.openxmlformats.org/drawingml/2006/main">
+            <a:ext uri="{FF2B5EF4-FFF2-40B4-BE49-F238E27FC236}">
+              <a16:creationId xmlns:a16="http://schemas.microsoft.com/office/drawing/2014/main" id="{9C5D5EE7-6D39-441C-8E41-25AF7DB6BDEA}"/>
+            </a:ext>
+          </a:extLst>
+        </cdr:cNvPr>
+        <cdr:cNvCxnSpPr/>
+      </cdr:nvCxnSpPr>
+      <cdr:spPr>
+        <a:xfrm xmlns:a="http://schemas.openxmlformats.org/drawingml/2006/main">
+          <a:off x="1605337" y="5468358"/>
+          <a:ext cx="0" cy="285473"/>
+        </a:xfrm>
+        <a:prstGeom xmlns:a="http://schemas.openxmlformats.org/drawingml/2006/main" prst="line">
+          <a:avLst/>
+        </a:prstGeom>
+      </cdr:spPr>
+      <cdr:style>
+        <a:lnRef xmlns:a="http://schemas.openxmlformats.org/drawingml/2006/main" idx="3">
+          <a:schemeClr val="accent3"/>
+        </a:lnRef>
+        <a:fillRef xmlns:a="http://schemas.openxmlformats.org/drawingml/2006/main" idx="0">
+          <a:schemeClr val="accent3"/>
+        </a:fillRef>
+        <a:effectRef xmlns:a="http://schemas.openxmlformats.org/drawingml/2006/main" idx="2">
+          <a:schemeClr val="accent3"/>
+        </a:effectRef>
+        <a:fontRef xmlns:a="http://schemas.openxmlformats.org/drawingml/2006/main" idx="minor">
+          <a:schemeClr val="tx1"/>
+        </a:fontRef>
+      </cdr:style>
+    </cdr:cxnSp>
+  </cdr:relSizeAnchor>
+  <cdr:relSizeAnchor xmlns:cdr="http://schemas.openxmlformats.org/drawingml/2006/chartDrawing">
+    <cdr:from>
+      <cdr:x>0.11917</cdr:x>
+      <cdr:y>0.96239</cdr:y>
+    </cdr:from>
+    <cdr:to>
+      <cdr:x>0.26623</cdr:x>
+      <cdr:y>0.96239</cdr:y>
+    </cdr:to>
+    <cdr:cxnSp macro="">
+      <cdr:nvCxnSpPr>
+        <cdr:cNvPr id="5" name="Straight Connector 4">
+          <a:extLst xmlns:a="http://schemas.openxmlformats.org/drawingml/2006/main">
+            <a:ext uri="{FF2B5EF4-FFF2-40B4-BE49-F238E27FC236}">
+              <a16:creationId xmlns:a16="http://schemas.microsoft.com/office/drawing/2014/main" id="{E9BB9036-5C55-4FDF-A3CB-0D438852E043}"/>
+            </a:ext>
+          </a:extLst>
+        </cdr:cNvPr>
+        <cdr:cNvCxnSpPr/>
+      </cdr:nvCxnSpPr>
+      <cdr:spPr>
+        <a:xfrm xmlns:a="http://schemas.openxmlformats.org/drawingml/2006/main">
+          <a:off x="1605337" y="5753831"/>
+          <a:ext cx="1981200" cy="0"/>
+        </a:xfrm>
+        <a:prstGeom xmlns:a="http://schemas.openxmlformats.org/drawingml/2006/main" prst="line">
+          <a:avLst/>
+        </a:prstGeom>
+      </cdr:spPr>
+      <cdr:style>
+        <a:lnRef xmlns:a="http://schemas.openxmlformats.org/drawingml/2006/main" idx="1">
+          <a:schemeClr val="accent1"/>
+        </a:lnRef>
+        <a:fillRef xmlns:a="http://schemas.openxmlformats.org/drawingml/2006/main" idx="0">
+          <a:schemeClr val="accent1"/>
+        </a:fillRef>
+        <a:effectRef xmlns:a="http://schemas.openxmlformats.org/drawingml/2006/main" idx="0">
+          <a:schemeClr val="accent1"/>
+        </a:effectRef>
+        <a:fontRef xmlns:a="http://schemas.openxmlformats.org/drawingml/2006/main" idx="minor">
+          <a:schemeClr val="tx1"/>
+        </a:fontRef>
+      </cdr:style>
+    </cdr:cxnSp>
+  </cdr:relSizeAnchor>
+  <cdr:relSizeAnchor xmlns:cdr="http://schemas.openxmlformats.org/drawingml/2006/chartDrawing">
+    <cdr:from>
+      <cdr:x>0.26623</cdr:x>
+      <cdr:y>0.91464</cdr:y>
+    </cdr:from>
+    <cdr:to>
+      <cdr:x>0.26623</cdr:x>
+      <cdr:y>0.96239</cdr:y>
+    </cdr:to>
+    <cdr:cxnSp macro="">
+      <cdr:nvCxnSpPr>
+        <cdr:cNvPr id="7" name="Straight Connector 6">
+          <a:extLst xmlns:a="http://schemas.openxmlformats.org/drawingml/2006/main">
+            <a:ext uri="{FF2B5EF4-FFF2-40B4-BE49-F238E27FC236}">
+              <a16:creationId xmlns:a16="http://schemas.microsoft.com/office/drawing/2014/main" id="{208149D0-0785-4481-B9F4-E74152DAE603}"/>
+            </a:ext>
+          </a:extLst>
+        </cdr:cNvPr>
+        <cdr:cNvCxnSpPr/>
+      </cdr:nvCxnSpPr>
+      <cdr:spPr>
+        <a:xfrm xmlns:a="http://schemas.openxmlformats.org/drawingml/2006/main" flipV="1">
+          <a:off x="3586537" y="5468358"/>
+          <a:ext cx="0" cy="285474"/>
+        </a:xfrm>
+        <a:prstGeom xmlns:a="http://schemas.openxmlformats.org/drawingml/2006/main" prst="line">
+          <a:avLst/>
+        </a:prstGeom>
+      </cdr:spPr>
+      <cdr:style>
+        <a:lnRef xmlns:a="http://schemas.openxmlformats.org/drawingml/2006/main" idx="3">
+          <a:schemeClr val="accent3"/>
+        </a:lnRef>
+        <a:fillRef xmlns:a="http://schemas.openxmlformats.org/drawingml/2006/main" idx="0">
+          <a:schemeClr val="accent3"/>
+        </a:fillRef>
+        <a:effectRef xmlns:a="http://schemas.openxmlformats.org/drawingml/2006/main" idx="2">
+          <a:schemeClr val="accent3"/>
+        </a:effectRef>
+        <a:fontRef xmlns:a="http://schemas.openxmlformats.org/drawingml/2006/main" idx="minor">
+          <a:schemeClr val="tx1"/>
+        </a:fontRef>
+      </cdr:style>
+    </cdr:cxnSp>
+  </cdr:relSizeAnchor>
+  <cdr:relSizeAnchor xmlns:cdr="http://schemas.openxmlformats.org/drawingml/2006/chartDrawing">
+    <cdr:from>
+      <cdr:x>0.1191</cdr:x>
+      <cdr:y>0.96239</cdr:y>
+    </cdr:from>
+    <cdr:to>
+      <cdr:x>0.26617</cdr:x>
+      <cdr:y>0.96239</cdr:y>
+    </cdr:to>
+    <cdr:cxnSp macro="">
+      <cdr:nvCxnSpPr>
+        <cdr:cNvPr id="9" name="Straight Connector 8">
+          <a:extLst xmlns:a="http://schemas.openxmlformats.org/drawingml/2006/main">
+            <a:ext uri="{FF2B5EF4-FFF2-40B4-BE49-F238E27FC236}">
+              <a16:creationId xmlns:a16="http://schemas.microsoft.com/office/drawing/2014/main" id="{DC6BD3B8-3A0B-4897-A7B4-1C8888EE604F}"/>
+            </a:ext>
+          </a:extLst>
+        </cdr:cNvPr>
+        <cdr:cNvCxnSpPr/>
+      </cdr:nvCxnSpPr>
+      <cdr:spPr>
+        <a:xfrm xmlns:a="http://schemas.openxmlformats.org/drawingml/2006/main">
+          <a:off x="1604464" y="5753831"/>
+          <a:ext cx="1981200" cy="0"/>
+        </a:xfrm>
+        <a:prstGeom xmlns:a="http://schemas.openxmlformats.org/drawingml/2006/main" prst="line">
+          <a:avLst/>
+        </a:prstGeom>
+      </cdr:spPr>
+      <cdr:style>
+        <a:lnRef xmlns:a="http://schemas.openxmlformats.org/drawingml/2006/main" idx="3">
+          <a:schemeClr val="accent3"/>
+        </a:lnRef>
+        <a:fillRef xmlns:a="http://schemas.openxmlformats.org/drawingml/2006/main" idx="0">
+          <a:schemeClr val="accent3"/>
+        </a:fillRef>
+        <a:effectRef xmlns:a="http://schemas.openxmlformats.org/drawingml/2006/main" idx="2">
+          <a:schemeClr val="accent3"/>
+        </a:effectRef>
+        <a:fontRef xmlns:a="http://schemas.openxmlformats.org/drawingml/2006/main" idx="minor">
+          <a:schemeClr val="tx1"/>
+        </a:fontRef>
+      </cdr:style>
+    </cdr:cxnSp>
+  </cdr:relSizeAnchor>
+  <cdr:relSizeAnchor xmlns:cdr="http://schemas.openxmlformats.org/drawingml/2006/chartDrawing">
+    <cdr:from>
+      <cdr:x>0.26051</cdr:x>
+      <cdr:y>0.82542</cdr:y>
+    </cdr:from>
+    <cdr:to>
+      <cdr:x>0.26051</cdr:x>
+      <cdr:y>0.85091</cdr:y>
+    </cdr:to>
+    <cdr:cxnSp macro="">
+      <cdr:nvCxnSpPr>
+        <cdr:cNvPr id="14" name="Straight Connector 13">
+          <a:extLst xmlns:a="http://schemas.openxmlformats.org/drawingml/2006/main">
+            <a:ext uri="{FF2B5EF4-FFF2-40B4-BE49-F238E27FC236}">
+              <a16:creationId xmlns:a16="http://schemas.microsoft.com/office/drawing/2014/main" id="{14925432-52FE-4FD6-90A6-CE839B9963E1}"/>
+            </a:ext>
+          </a:extLst>
+        </cdr:cNvPr>
+        <cdr:cNvCxnSpPr/>
+      </cdr:nvCxnSpPr>
+      <cdr:spPr>
+        <a:xfrm xmlns:a="http://schemas.openxmlformats.org/drawingml/2006/main" flipV="1">
+          <a:off x="3509464" y="4934958"/>
+          <a:ext cx="0" cy="152400"/>
+        </a:xfrm>
+        <a:prstGeom xmlns:a="http://schemas.openxmlformats.org/drawingml/2006/main" prst="line">
+          <a:avLst/>
+        </a:prstGeom>
+      </cdr:spPr>
+      <cdr:style>
+        <a:lnRef xmlns:a="http://schemas.openxmlformats.org/drawingml/2006/main" idx="3">
+          <a:schemeClr val="accent2"/>
+        </a:lnRef>
+        <a:fillRef xmlns:a="http://schemas.openxmlformats.org/drawingml/2006/main" idx="0">
+          <a:schemeClr val="accent2"/>
+        </a:fillRef>
+        <a:effectRef xmlns:a="http://schemas.openxmlformats.org/drawingml/2006/main" idx="2">
+          <a:schemeClr val="accent2"/>
+        </a:effectRef>
+        <a:fontRef xmlns:a="http://schemas.openxmlformats.org/drawingml/2006/main" idx="minor">
+          <a:schemeClr val="tx1"/>
+        </a:fontRef>
+      </cdr:style>
+    </cdr:cxnSp>
+  </cdr:relSizeAnchor>
+  <cdr:relSizeAnchor xmlns:cdr="http://schemas.openxmlformats.org/drawingml/2006/chartDrawing">
+    <cdr:from>
+      <cdr:x>0.39739</cdr:x>
+      <cdr:y>0.82542</cdr:y>
+    </cdr:from>
+    <cdr:to>
+      <cdr:x>0.39739</cdr:x>
+      <cdr:y>0.85091</cdr:y>
+    </cdr:to>
+    <cdr:cxnSp macro="">
+      <cdr:nvCxnSpPr>
+        <cdr:cNvPr id="15" name="Straight Connector 14">
+          <a:extLst xmlns:a="http://schemas.openxmlformats.org/drawingml/2006/main">
+            <a:ext uri="{FF2B5EF4-FFF2-40B4-BE49-F238E27FC236}">
+              <a16:creationId xmlns:a16="http://schemas.microsoft.com/office/drawing/2014/main" id="{26A90AE4-BBAB-400C-95AF-29DB7EB2013F}"/>
+            </a:ext>
+          </a:extLst>
+        </cdr:cNvPr>
+        <cdr:cNvCxnSpPr/>
+      </cdr:nvCxnSpPr>
+      <cdr:spPr>
+        <a:xfrm xmlns:a="http://schemas.openxmlformats.org/drawingml/2006/main">
+          <a:off x="5353446" y="4934959"/>
+          <a:ext cx="0" cy="152399"/>
+        </a:xfrm>
+        <a:prstGeom xmlns:a="http://schemas.openxmlformats.org/drawingml/2006/main" prst="line">
+          <a:avLst/>
+        </a:prstGeom>
+      </cdr:spPr>
+      <cdr:style>
+        <a:lnRef xmlns:a="http://schemas.openxmlformats.org/drawingml/2006/main" idx="3">
+          <a:schemeClr val="accent2"/>
+        </a:lnRef>
+        <a:fillRef xmlns:a="http://schemas.openxmlformats.org/drawingml/2006/main" idx="0">
+          <a:schemeClr val="accent2"/>
+        </a:fillRef>
+        <a:effectRef xmlns:a="http://schemas.openxmlformats.org/drawingml/2006/main" idx="2">
+          <a:schemeClr val="accent2"/>
+        </a:effectRef>
+        <a:fontRef xmlns:a="http://schemas.openxmlformats.org/drawingml/2006/main" idx="minor">
+          <a:schemeClr val="tx1"/>
+        </a:fontRef>
+      </cdr:style>
+    </cdr:cxnSp>
+  </cdr:relSizeAnchor>
+  <cdr:relSizeAnchor xmlns:cdr="http://schemas.openxmlformats.org/drawingml/2006/chartDrawing">
+    <cdr:from>
+      <cdr:x>0.26051</cdr:x>
+      <cdr:y>0.82542</cdr:y>
+    </cdr:from>
+    <cdr:to>
+      <cdr:x>0.39733</cdr:x>
+      <cdr:y>0.82542</cdr:y>
+    </cdr:to>
+    <cdr:cxnSp macro="">
+      <cdr:nvCxnSpPr>
+        <cdr:cNvPr id="16" name="Straight Connector 15">
+          <a:extLst xmlns:a="http://schemas.openxmlformats.org/drawingml/2006/main">
+            <a:ext uri="{FF2B5EF4-FFF2-40B4-BE49-F238E27FC236}">
+              <a16:creationId xmlns:a16="http://schemas.microsoft.com/office/drawing/2014/main" id="{4F1D6C27-94BB-4892-AFE5-D664582070E6}"/>
+            </a:ext>
+          </a:extLst>
+        </cdr:cNvPr>
+        <cdr:cNvCxnSpPr/>
+      </cdr:nvCxnSpPr>
+      <cdr:spPr>
+        <a:xfrm xmlns:a="http://schemas.openxmlformats.org/drawingml/2006/main">
+          <a:off x="3509464" y="4934958"/>
+          <a:ext cx="1843109" cy="0"/>
+        </a:xfrm>
+        <a:prstGeom xmlns:a="http://schemas.openxmlformats.org/drawingml/2006/main" prst="line">
+          <a:avLst/>
+        </a:prstGeom>
+      </cdr:spPr>
+      <cdr:style>
+        <a:lnRef xmlns:a="http://schemas.openxmlformats.org/drawingml/2006/main" idx="3">
+          <a:schemeClr val="accent2"/>
+        </a:lnRef>
+        <a:fillRef xmlns:a="http://schemas.openxmlformats.org/drawingml/2006/main" idx="0">
+          <a:schemeClr val="accent2"/>
+        </a:fillRef>
+        <a:effectRef xmlns:a="http://schemas.openxmlformats.org/drawingml/2006/main" idx="2">
+          <a:schemeClr val="accent2"/>
+        </a:effectRef>
+        <a:fontRef xmlns:a="http://schemas.openxmlformats.org/drawingml/2006/main" idx="minor">
+          <a:schemeClr val="tx1"/>
+        </a:fontRef>
+      </cdr:style>
+    </cdr:cxnSp>
+  </cdr:relSizeAnchor>
+  <cdr:relSizeAnchor xmlns:cdr="http://schemas.openxmlformats.org/drawingml/2006/chartDrawing">
+    <cdr:from>
+      <cdr:x>0.41472</cdr:x>
+      <cdr:y>0.89076</cdr:y>
+    </cdr:from>
+    <cdr:to>
+      <cdr:x>0.41472</cdr:x>
+      <cdr:y>0.93851</cdr:y>
+    </cdr:to>
+    <cdr:cxnSp macro="">
+      <cdr:nvCxnSpPr>
+        <cdr:cNvPr id="24" name="Straight Connector 23">
+          <a:extLst xmlns:a="http://schemas.openxmlformats.org/drawingml/2006/main">
+            <a:ext uri="{FF2B5EF4-FFF2-40B4-BE49-F238E27FC236}">
+              <a16:creationId xmlns:a16="http://schemas.microsoft.com/office/drawing/2014/main" id="{932026E9-2BD5-4D95-B75D-7BC65B0F3293}"/>
+            </a:ext>
+          </a:extLst>
+        </cdr:cNvPr>
+        <cdr:cNvCxnSpPr/>
+      </cdr:nvCxnSpPr>
+      <cdr:spPr>
+        <a:xfrm xmlns:a="http://schemas.openxmlformats.org/drawingml/2006/main">
+          <a:off x="5586859" y="5325620"/>
+          <a:ext cx="0" cy="285473"/>
+        </a:xfrm>
+        <a:prstGeom xmlns:a="http://schemas.openxmlformats.org/drawingml/2006/main" prst="line">
+          <a:avLst/>
+        </a:prstGeom>
+      </cdr:spPr>
+      <cdr:style>
+        <a:lnRef xmlns:a="http://schemas.openxmlformats.org/drawingml/2006/main" idx="3">
+          <a:schemeClr val="accent3"/>
+        </a:lnRef>
+        <a:fillRef xmlns:a="http://schemas.openxmlformats.org/drawingml/2006/main" idx="0">
+          <a:schemeClr val="accent3"/>
+        </a:fillRef>
+        <a:effectRef xmlns:a="http://schemas.openxmlformats.org/drawingml/2006/main" idx="2">
+          <a:schemeClr val="accent3"/>
+        </a:effectRef>
+        <a:fontRef xmlns:a="http://schemas.openxmlformats.org/drawingml/2006/main" idx="minor">
+          <a:schemeClr val="tx1"/>
+        </a:fontRef>
+      </cdr:style>
+    </cdr:cxnSp>
+  </cdr:relSizeAnchor>
+  <cdr:relSizeAnchor xmlns:cdr="http://schemas.openxmlformats.org/drawingml/2006/chartDrawing">
+    <cdr:from>
+      <cdr:x>0.55464</cdr:x>
+      <cdr:y>0.89076</cdr:y>
+    </cdr:from>
+    <cdr:to>
+      <cdr:x>0.55464</cdr:x>
+      <cdr:y>0.93851</cdr:y>
+    </cdr:to>
+    <cdr:cxnSp macro="">
+      <cdr:nvCxnSpPr>
+        <cdr:cNvPr id="25" name="Straight Connector 24">
+          <a:extLst xmlns:a="http://schemas.openxmlformats.org/drawingml/2006/main">
+            <a:ext uri="{FF2B5EF4-FFF2-40B4-BE49-F238E27FC236}">
+              <a16:creationId xmlns:a16="http://schemas.microsoft.com/office/drawing/2014/main" id="{51F23651-2781-4FC1-9181-F0E17C4A4B36}"/>
+            </a:ext>
+          </a:extLst>
+        </cdr:cNvPr>
+        <cdr:cNvCxnSpPr/>
+      </cdr:nvCxnSpPr>
+      <cdr:spPr>
+        <a:xfrm xmlns:a="http://schemas.openxmlformats.org/drawingml/2006/main" flipV="1">
+          <a:off x="7471864" y="5325620"/>
+          <a:ext cx="0" cy="285474"/>
+        </a:xfrm>
+        <a:prstGeom xmlns:a="http://schemas.openxmlformats.org/drawingml/2006/main" prst="line">
+          <a:avLst/>
+        </a:prstGeom>
+      </cdr:spPr>
+      <cdr:style>
+        <a:lnRef xmlns:a="http://schemas.openxmlformats.org/drawingml/2006/main" idx="3">
+          <a:schemeClr val="accent3"/>
+        </a:lnRef>
+        <a:fillRef xmlns:a="http://schemas.openxmlformats.org/drawingml/2006/main" idx="0">
+          <a:schemeClr val="accent3"/>
+        </a:fillRef>
+        <a:effectRef xmlns:a="http://schemas.openxmlformats.org/drawingml/2006/main" idx="2">
+          <a:schemeClr val="accent3"/>
+        </a:effectRef>
+        <a:fontRef xmlns:a="http://schemas.openxmlformats.org/drawingml/2006/main" idx="minor">
+          <a:schemeClr val="tx1"/>
+        </a:fontRef>
+      </cdr:style>
+    </cdr:cxnSp>
+  </cdr:relSizeAnchor>
+  <cdr:relSizeAnchor xmlns:cdr="http://schemas.openxmlformats.org/drawingml/2006/chartDrawing">
+    <cdr:from>
+      <cdr:x>0.41465</cdr:x>
+      <cdr:y>0.93851</cdr:y>
+    </cdr:from>
+    <cdr:to>
+      <cdr:x>0.55464</cdr:x>
+      <cdr:y>0.93851</cdr:y>
+    </cdr:to>
+    <cdr:cxnSp macro="">
+      <cdr:nvCxnSpPr>
+        <cdr:cNvPr id="26" name="Straight Connector 25">
+          <a:extLst xmlns:a="http://schemas.openxmlformats.org/drawingml/2006/main">
+            <a:ext uri="{FF2B5EF4-FFF2-40B4-BE49-F238E27FC236}">
+              <a16:creationId xmlns:a16="http://schemas.microsoft.com/office/drawing/2014/main" id="{FD00E8DF-6BF4-44B4-A707-2A3E1D547355}"/>
+            </a:ext>
+          </a:extLst>
+        </cdr:cNvPr>
+        <cdr:cNvCxnSpPr/>
+      </cdr:nvCxnSpPr>
+      <cdr:spPr>
+        <a:xfrm xmlns:a="http://schemas.openxmlformats.org/drawingml/2006/main">
+          <a:off x="5585986" y="5611093"/>
+          <a:ext cx="1885878" cy="1"/>
+        </a:xfrm>
+        <a:prstGeom xmlns:a="http://schemas.openxmlformats.org/drawingml/2006/main" prst="line">
+          <a:avLst/>
+        </a:prstGeom>
+      </cdr:spPr>
+      <cdr:style>
+        <a:lnRef xmlns:a="http://schemas.openxmlformats.org/drawingml/2006/main" idx="3">
+          <a:schemeClr val="accent3"/>
+        </a:lnRef>
+        <a:fillRef xmlns:a="http://schemas.openxmlformats.org/drawingml/2006/main" idx="0">
+          <a:schemeClr val="accent3"/>
+        </a:fillRef>
+        <a:effectRef xmlns:a="http://schemas.openxmlformats.org/drawingml/2006/main" idx="2">
+          <a:schemeClr val="accent3"/>
+        </a:effectRef>
+        <a:fontRef xmlns:a="http://schemas.openxmlformats.org/drawingml/2006/main" idx="minor">
+          <a:schemeClr val="tx1"/>
+        </a:fontRef>
+      </cdr:style>
+    </cdr:cxnSp>
+  </cdr:relSizeAnchor>
+</c:userShapes>
+</file>
+
+<file path=ppt/drawings/drawing2.xml><?xml version="1.0" encoding="utf-8"?>
+<c:userShapes xmlns:c="http://schemas.openxmlformats.org/drawingml/2006/chart">
+  <cdr:relSizeAnchor xmlns:cdr="http://schemas.openxmlformats.org/drawingml/2006/chartDrawing">
+    <cdr:from>
+      <cdr:x>0.28946</cdr:x>
+      <cdr:y>0.70116</cdr:y>
+    </cdr:from>
+    <cdr:to>
+      <cdr:x>0.5541</cdr:x>
+      <cdr:y>1</cdr:y>
+    </cdr:to>
+    <cdr:sp macro="" textlink="">
+      <cdr:nvSpPr>
+        <cdr:cNvPr id="2" name="Oval 1">
+          <a:extLst xmlns:a="http://schemas.openxmlformats.org/drawingml/2006/main">
+            <a:ext uri="{FF2B5EF4-FFF2-40B4-BE49-F238E27FC236}">
+              <a16:creationId xmlns:a16="http://schemas.microsoft.com/office/drawing/2014/main" id="{A719493B-37D2-44B2-8E18-C63F30E1D6F2}"/>
+            </a:ext>
+          </a:extLst>
+        </cdr:cNvPr>
+        <cdr:cNvSpPr/>
+      </cdr:nvSpPr>
+      <cdr:spPr>
+        <a:xfrm xmlns:a="http://schemas.openxmlformats.org/drawingml/2006/main">
+          <a:off x="2667000" y="4827156"/>
+          <a:ext cx="2438400" cy="2057400"/>
+        </a:xfrm>
+        <a:prstGeom xmlns:a="http://schemas.openxmlformats.org/drawingml/2006/main" prst="ellipse">
+          <a:avLst/>
+        </a:prstGeom>
+        <a:solidFill xmlns:a="http://schemas.openxmlformats.org/drawingml/2006/main">
+          <a:schemeClr val="accent3">
+            <a:lumMod val="40000"/>
+            <a:lumOff val="60000"/>
+            <a:alpha val="50000"/>
+          </a:schemeClr>
+        </a:solidFill>
+        <a:ln xmlns:a="http://schemas.openxmlformats.org/drawingml/2006/main">
+          <a:noFill/>
+        </a:ln>
+      </cdr:spPr>
+      <cdr:style>
+        <a:lnRef xmlns:a="http://schemas.openxmlformats.org/drawingml/2006/main" idx="0">
+          <a:scrgbClr r="0" g="0" b="0"/>
+        </a:lnRef>
+        <a:fillRef xmlns:a="http://schemas.openxmlformats.org/drawingml/2006/main" idx="0">
+          <a:scrgbClr r="0" g="0" b="0"/>
+        </a:fillRef>
+        <a:effectRef xmlns:a="http://schemas.openxmlformats.org/drawingml/2006/main" idx="0">
+          <a:scrgbClr r="0" g="0" b="0"/>
+        </a:effectRef>
+        <a:fontRef xmlns:a="http://schemas.openxmlformats.org/drawingml/2006/main" idx="minor">
+          <a:schemeClr val="lt1"/>
+        </a:fontRef>
+      </cdr:style>
+      <cdr:txBody>
+        <a:bodyPr xmlns:a="http://schemas.openxmlformats.org/drawingml/2006/main" vertOverflow="clip"/>
+        <a:lstStyle xmlns:a="http://schemas.openxmlformats.org/drawingml/2006/main"/>
+        <a:p xmlns:a="http://schemas.openxmlformats.org/drawingml/2006/main">
+          <a:endParaRPr lang="de-DE"/>
+        </a:p>
+      </cdr:txBody>
+    </cdr:sp>
+  </cdr:relSizeAnchor>
+  <cdr:relSizeAnchor xmlns:cdr="http://schemas.openxmlformats.org/drawingml/2006/chartDrawing">
+    <cdr:from>
+      <cdr:x>0.48567</cdr:x>
+      <cdr:y>0.11555</cdr:y>
+    </cdr:from>
+    <cdr:to>
+      <cdr:x>0.75032</cdr:x>
+      <cdr:y>0.41439</cdr:y>
+    </cdr:to>
+    <cdr:sp macro="" textlink="">
+      <cdr:nvSpPr>
+        <cdr:cNvPr id="3" name="Oval 2">
+          <a:extLst xmlns:a="http://schemas.openxmlformats.org/drawingml/2006/main">
+            <a:ext uri="{FF2B5EF4-FFF2-40B4-BE49-F238E27FC236}">
+              <a16:creationId xmlns:a16="http://schemas.microsoft.com/office/drawing/2014/main" id="{9BBE6124-95CF-48B9-98C0-171463265865}"/>
+            </a:ext>
+          </a:extLst>
+        </cdr:cNvPr>
+        <cdr:cNvSpPr/>
+      </cdr:nvSpPr>
+      <cdr:spPr>
+        <a:xfrm xmlns:a="http://schemas.openxmlformats.org/drawingml/2006/main">
+          <a:off x="4474898" y="795507"/>
+          <a:ext cx="2438400" cy="2057400"/>
+        </a:xfrm>
+        <a:prstGeom xmlns:a="http://schemas.openxmlformats.org/drawingml/2006/main" prst="ellipse">
+          <a:avLst/>
+        </a:prstGeom>
+        <a:solidFill xmlns:a="http://schemas.openxmlformats.org/drawingml/2006/main">
+          <a:schemeClr val="accent3">
+            <a:lumMod val="40000"/>
+            <a:lumOff val="60000"/>
+            <a:alpha val="50000"/>
+          </a:schemeClr>
+        </a:solidFill>
+        <a:ln xmlns:a="http://schemas.openxmlformats.org/drawingml/2006/main">
+          <a:noFill/>
+        </a:ln>
+      </cdr:spPr>
+      <cdr:style>
+        <a:lnRef xmlns:a="http://schemas.openxmlformats.org/drawingml/2006/main" idx="0">
+          <a:scrgbClr r="0" g="0" b="0"/>
+        </a:lnRef>
+        <a:fillRef xmlns:a="http://schemas.openxmlformats.org/drawingml/2006/main" idx="0">
+          <a:scrgbClr r="0" g="0" b="0"/>
+        </a:fillRef>
+        <a:effectRef xmlns:a="http://schemas.openxmlformats.org/drawingml/2006/main" idx="0">
+          <a:scrgbClr r="0" g="0" b="0"/>
+        </a:effectRef>
+        <a:fontRef xmlns:a="http://schemas.openxmlformats.org/drawingml/2006/main" idx="minor">
+          <a:schemeClr val="lt1"/>
+        </a:fontRef>
+      </cdr:style>
+      <cdr:txBody>
+        <a:bodyPr xmlns:a="http://schemas.openxmlformats.org/drawingml/2006/main"/>
+        <a:lstStyle xmlns:a="http://schemas.openxmlformats.org/drawingml/2006/main">
+          <a:lvl1pPr marL="0" indent="0">
+            <a:defRPr sz="1100">
+              <a:solidFill>
+                <a:schemeClr val="lt1"/>
+              </a:solidFill>
+              <a:latin typeface="+mn-lt"/>
+              <a:ea typeface="+mn-ea"/>
+              <a:cs typeface="+mn-cs"/>
+            </a:defRPr>
+          </a:lvl1pPr>
+          <a:lvl2pPr marL="457200" indent="0">
+            <a:defRPr sz="1100">
+              <a:solidFill>
+                <a:schemeClr val="lt1"/>
+              </a:solidFill>
+              <a:latin typeface="+mn-lt"/>
+              <a:ea typeface="+mn-ea"/>
+              <a:cs typeface="+mn-cs"/>
+            </a:defRPr>
+          </a:lvl2pPr>
+          <a:lvl3pPr marL="914400" indent="0">
+            <a:defRPr sz="1100">
+              <a:solidFill>
+                <a:schemeClr val="lt1"/>
+              </a:solidFill>
+              <a:latin typeface="+mn-lt"/>
+              <a:ea typeface="+mn-ea"/>
+              <a:cs typeface="+mn-cs"/>
+            </a:defRPr>
+          </a:lvl3pPr>
+          <a:lvl4pPr marL="1371600" indent="0">
+            <a:defRPr sz="1100">
+              <a:solidFill>
+                <a:schemeClr val="lt1"/>
+              </a:solidFill>
+              <a:latin typeface="+mn-lt"/>
+              <a:ea typeface="+mn-ea"/>
+              <a:cs typeface="+mn-cs"/>
+            </a:defRPr>
+          </a:lvl4pPr>
+          <a:lvl5pPr marL="1828800" indent="0">
+            <a:defRPr sz="1100">
+              <a:solidFill>
+                <a:schemeClr val="lt1"/>
+              </a:solidFill>
+              <a:latin typeface="+mn-lt"/>
+              <a:ea typeface="+mn-ea"/>
+              <a:cs typeface="+mn-cs"/>
+            </a:defRPr>
+          </a:lvl5pPr>
+          <a:lvl6pPr marL="2286000" indent="0">
+            <a:defRPr sz="1100">
+              <a:solidFill>
+                <a:schemeClr val="lt1"/>
+              </a:solidFill>
+              <a:latin typeface="+mn-lt"/>
+              <a:ea typeface="+mn-ea"/>
+              <a:cs typeface="+mn-cs"/>
+            </a:defRPr>
+          </a:lvl6pPr>
+          <a:lvl7pPr marL="2743200" indent="0">
+            <a:defRPr sz="1100">
+              <a:solidFill>
+                <a:schemeClr val="lt1"/>
+              </a:solidFill>
+              <a:latin typeface="+mn-lt"/>
+              <a:ea typeface="+mn-ea"/>
+              <a:cs typeface="+mn-cs"/>
+            </a:defRPr>
+          </a:lvl7pPr>
+          <a:lvl8pPr marL="3200400" indent="0">
+            <a:defRPr sz="1100">
+              <a:solidFill>
+                <a:schemeClr val="lt1"/>
+              </a:solidFill>
+              <a:latin typeface="+mn-lt"/>
+              <a:ea typeface="+mn-ea"/>
+              <a:cs typeface="+mn-cs"/>
+            </a:defRPr>
+          </a:lvl8pPr>
+          <a:lvl9pPr marL="3657600" indent="0">
+            <a:defRPr sz="1100">
+              <a:solidFill>
+                <a:schemeClr val="lt1"/>
+              </a:solidFill>
+              <a:latin typeface="+mn-lt"/>
+              <a:ea typeface="+mn-ea"/>
+              <a:cs typeface="+mn-cs"/>
+            </a:defRPr>
+          </a:lvl9pPr>
+        </a:lstStyle>
+        <a:p xmlns:a="http://schemas.openxmlformats.org/drawingml/2006/main">
+          <a:endParaRPr lang="de-DE"/>
+        </a:p>
+      </cdr:txBody>
+    </cdr:sp>
+  </cdr:relSizeAnchor>
+</c:userShapes>
+</file>
+
 <file path=ppt/notesMasters/notesMaster1.xml><?xml version="1.0" encoding="utf-8"?>
 <p:notesMaster xmlns:a="http://schemas.openxmlformats.org/drawingml/2006/main" xmlns:r="http://schemas.openxmlformats.org/officeDocument/2006/relationships" xmlns:p="http://schemas.openxmlformats.org/presentationml/2006/main">
   <p:cSld>
@@ -7534,7 +7927,7 @@
           <a:p>
             <a:fld id="{B7268E1E-0E44-426D-905E-8AD9B19D2182}" type="datetimeFigureOut">
               <a:rPr lang="cs-CZ" smtClean="0"/>
-              <a:t>21.02.2024</a:t>
+              <a:t>22.02.2024</a:t>
             </a:fld>
             <a:endParaRPr lang="cs-CZ"/>
           </a:p>
@@ -7879,7 +8272,7 @@
           <a:p>
             <a:fld id="{B7268E1E-0E44-426D-905E-8AD9B19D2182}" type="datetimeFigureOut">
               <a:rPr lang="cs-CZ" smtClean="0"/>
-              <a:t>21.02.2024</a:t>
+              <a:t>22.02.2024</a:t>
             </a:fld>
             <a:endParaRPr lang="cs-CZ"/>
           </a:p>
@@ -8097,7 +8490,7 @@
           <a:p>
             <a:fld id="{B7268E1E-0E44-426D-905E-8AD9B19D2182}" type="datetimeFigureOut">
               <a:rPr lang="cs-CZ" smtClean="0"/>
-              <a:t>21.02.2024</a:t>
+              <a:t>22.02.2024</a:t>
             </a:fld>
             <a:endParaRPr lang="cs-CZ"/>
           </a:p>
@@ -8231,11 +8624,6 @@
         </p:txBody>
       </p:sp>
     </p:spTree>
-    <p:extLst>
-      <p:ext uri="{BB962C8B-B14F-4D97-AF65-F5344CB8AC3E}">
-        <p14:creationId xmlns:p14="http://schemas.microsoft.com/office/powerpoint/2010/main" val="544006994"/>
-      </p:ext>
-    </p:extLst>
   </p:cSld>
   <p:clrMapOvr>
     <a:masterClrMapping/>
@@ -8320,7 +8708,7 @@
           <a:p>
             <a:fld id="{B7268E1E-0E44-426D-905E-8AD9B19D2182}" type="datetimeFigureOut">
               <a:rPr lang="cs-CZ" smtClean="0"/>
-              <a:t>21.02.2024</a:t>
+              <a:t>22.02.2024</a:t>
             </a:fld>
             <a:endParaRPr lang="cs-CZ"/>
           </a:p>
@@ -8454,6 +8842,11 @@
         </p:txBody>
       </p:sp>
     </p:spTree>
+    <p:extLst>
+      <p:ext uri="{BB962C8B-B14F-4D97-AF65-F5344CB8AC3E}">
+        <p14:creationId xmlns:p14="http://schemas.microsoft.com/office/powerpoint/2010/main" val="544006994"/>
+      </p:ext>
+    </p:extLst>
   </p:cSld>
   <p:clrMapOvr>
     <a:masterClrMapping/>
@@ -8538,7 +8931,7 @@
           <a:p>
             <a:fld id="{B7268E1E-0E44-426D-905E-8AD9B19D2182}" type="datetimeFigureOut">
               <a:rPr lang="cs-CZ" smtClean="0"/>
-              <a:t>21.02.2024</a:t>
+              <a:t>22.02.2024</a:t>
             </a:fld>
             <a:endParaRPr lang="cs-CZ"/>
           </a:p>
@@ -8679,6 +9072,224 @@
 </p:notes>
 </file>
 
+<file path=ppt/notesSlides/notesSlide13.xml><?xml version="1.0" encoding="utf-8"?>
+<p:notes xmlns:a="http://schemas.openxmlformats.org/drawingml/2006/main" xmlns:r="http://schemas.openxmlformats.org/officeDocument/2006/relationships" xmlns:p="http://schemas.openxmlformats.org/presentationml/2006/main">
+  <p:cSld>
+    <p:spTree>
+      <p:nvGrpSpPr>
+        <p:cNvPr id="1" name=""/>
+        <p:cNvGrpSpPr/>
+        <p:nvPr/>
+      </p:nvGrpSpPr>
+      <p:grpSpPr>
+        <a:xfrm>
+          <a:off x="0" y="0"/>
+          <a:ext cx="0" cy="0"/>
+          <a:chOff x="0" y="0"/>
+          <a:chExt cx="0" cy="0"/>
+        </a:xfrm>
+      </p:grpSpPr>
+      <p:sp>
+        <p:nvSpPr>
+          <p:cNvPr id="2" name="Header Placeholder 1"/>
+          <p:cNvSpPr>
+            <a:spLocks noGrp="1"/>
+          </p:cNvSpPr>
+          <p:nvPr>
+            <p:ph type="hdr" sz="quarter"/>
+          </p:nvPr>
+        </p:nvSpPr>
+        <p:spPr>
+          <a:xfrm>
+            <a:off x="0" y="0"/>
+            <a:ext cx="3962400" cy="342900"/>
+          </a:xfrm>
+          <a:prstGeom prst="rect">
+            <a:avLst/>
+          </a:prstGeom>
+        </p:spPr>
+        <p:txBody>
+          <a:bodyPr vert="horz" lIns="91440" tIns="45720" rIns="91440" bIns="45720" rtlCol="0"/>
+          <a:lstStyle>
+            <a:lvl1pPr algn="l">
+              <a:defRPr sz="1200"/>
+            </a:lvl1pPr>
+          </a:lstStyle>
+          <a:p>
+            <a:endParaRPr lang="cs-CZ"/>
+          </a:p>
+        </p:txBody>
+      </p:sp>
+      <p:sp>
+        <p:nvSpPr>
+          <p:cNvPr id="3" name="Date Placeholder 2"/>
+          <p:cNvSpPr>
+            <a:spLocks noGrp="1"/>
+          </p:cNvSpPr>
+          <p:nvPr>
+            <p:ph type="dt" idx="1"/>
+          </p:nvPr>
+        </p:nvSpPr>
+        <p:spPr>
+          <a:xfrm>
+            <a:off x="5180013" y="0"/>
+            <a:ext cx="3962400" cy="342900"/>
+          </a:xfrm>
+          <a:prstGeom prst="rect">
+            <a:avLst/>
+          </a:prstGeom>
+        </p:spPr>
+        <p:txBody>
+          <a:bodyPr vert="horz" lIns="91440" tIns="45720" rIns="91440" bIns="45720" rtlCol="0"/>
+          <a:lstStyle>
+            <a:lvl1pPr algn="r">
+              <a:defRPr sz="1200"/>
+            </a:lvl1pPr>
+          </a:lstStyle>
+          <a:p>
+            <a:fld id="{B7268E1E-0E44-426D-905E-8AD9B19D2182}" type="datetimeFigureOut">
+              <a:rPr lang="cs-CZ" smtClean="0"/>
+              <a:t>22.02.2024</a:t>
+            </a:fld>
+            <a:endParaRPr lang="cs-CZ"/>
+          </a:p>
+        </p:txBody>
+      </p:sp>
+      <p:sp>
+        <p:nvSpPr>
+          <p:cNvPr id="4" name="Slide Image Placeholder 3"/>
+          <p:cNvSpPr>
+            <a:spLocks noGrp="1" noRot="1" noChangeAspect="1"/>
+          </p:cNvSpPr>
+          <p:nvPr>
+            <p:ph type="sldImg" idx="2"/>
+          </p:nvPr>
+        </p:nvSpPr>
+        <p:spPr>
+          <a:xfrm>
+            <a:off x="2290763" y="512763"/>
+            <a:ext cx="4562475" cy="2566987"/>
+          </a:xfrm>
+          <a:prstGeom prst="rect">
+            <a:avLst/>
+          </a:prstGeom>
+          <a:noFill/>
+          <a:ln w="12700">
+            <a:solidFill>
+              <a:prstClr val="black"/>
+            </a:solidFill>
+          </a:ln>
+        </p:spPr>
+        <p:txBody>
+          <a:bodyPr vert="horz" lIns="91440" tIns="45720" rIns="91440" bIns="45720" rtlCol="0" anchor="ctr"/>
+          <a:lstStyle/>
+          <a:p>
+            <a:endParaRPr lang="cs-CZ"/>
+          </a:p>
+        </p:txBody>
+      </p:sp>
+      <p:sp>
+        <p:nvSpPr>
+          <p:cNvPr id="5" name="Notes Placeholder 4"/>
+          <p:cNvSpPr>
+            <a:spLocks noGrp="1"/>
+          </p:cNvSpPr>
+          <p:nvPr>
+            <p:ph type="body" sz="quarter" idx="3"/>
+          </p:nvPr>
+        </p:nvSpPr>
+        <p:spPr>
+          <a:xfrm>
+            <a:off x="914400" y="3251200"/>
+            <a:ext cx="7315200" cy="3081338"/>
+          </a:xfrm>
+          <a:prstGeom prst="rect">
+            <a:avLst/>
+          </a:prstGeom>
+        </p:spPr>
+        <p:txBody>
+          <a:bodyPr vert="horz" lIns="91440" tIns="45720" rIns="91440" bIns="45720" rtlCol="0"/>
+          <a:lstStyle/>
+          <a:p>
+            <a:pPr lvl="0"/>
+            <a:endParaRPr lang="en-US" dirty="0"/>
+          </a:p>
+        </p:txBody>
+      </p:sp>
+      <p:sp>
+        <p:nvSpPr>
+          <p:cNvPr id="6" name="Footer Placeholder 5"/>
+          <p:cNvSpPr>
+            <a:spLocks noGrp="1"/>
+          </p:cNvSpPr>
+          <p:nvPr>
+            <p:ph type="ftr" sz="quarter" idx="4"/>
+          </p:nvPr>
+        </p:nvSpPr>
+        <p:spPr>
+          <a:xfrm>
+            <a:off x="0" y="6502400"/>
+            <a:ext cx="3962400" cy="341313"/>
+          </a:xfrm>
+          <a:prstGeom prst="rect">
+            <a:avLst/>
+          </a:prstGeom>
+        </p:spPr>
+        <p:txBody>
+          <a:bodyPr vert="horz" lIns="91440" tIns="45720" rIns="91440" bIns="45720" rtlCol="0" anchor="b"/>
+          <a:lstStyle>
+            <a:lvl1pPr algn="l">
+              <a:defRPr sz="1200"/>
+            </a:lvl1pPr>
+          </a:lstStyle>
+          <a:p>
+            <a:endParaRPr lang="cs-CZ"/>
+          </a:p>
+        </p:txBody>
+      </p:sp>
+      <p:sp>
+        <p:nvSpPr>
+          <p:cNvPr id="7" name="Slide Number Placeholder 6"/>
+          <p:cNvSpPr>
+            <a:spLocks noGrp="1"/>
+          </p:cNvSpPr>
+          <p:nvPr>
+            <p:ph type="sldNum" sz="quarter" idx="5"/>
+          </p:nvPr>
+        </p:nvSpPr>
+        <p:spPr>
+          <a:xfrm>
+            <a:off x="5180013" y="6502400"/>
+            <a:ext cx="3962400" cy="341313"/>
+          </a:xfrm>
+          <a:prstGeom prst="rect">
+            <a:avLst/>
+          </a:prstGeom>
+        </p:spPr>
+        <p:txBody>
+          <a:bodyPr vert="horz" lIns="91440" tIns="45720" rIns="91440" bIns="45720" rtlCol="0" anchor="b"/>
+          <a:lstStyle>
+            <a:lvl1pPr algn="r">
+              <a:defRPr sz="1200"/>
+            </a:lvl1pPr>
+          </a:lstStyle>
+          <a:p>
+            <a:fld id="{871B2431-D351-4C6E-A3CF-9DFAC0E3E050}" type="slidenum">
+              <a:rPr lang="cs-CZ" smtClean="0"/>
+              <a:t>13</a:t>
+            </a:fld>
+            <a:endParaRPr lang="cs-CZ"/>
+          </a:p>
+        </p:txBody>
+      </p:sp>
+    </p:spTree>
+  </p:cSld>
+  <p:clrMapOvr>
+    <a:masterClrMapping/>
+  </p:clrMapOvr>
+</p:notes>
+</file>
+
 <file path=ppt/notesSlides/notesSlide2.xml><?xml version="1.0" encoding="utf-8"?>
 <p:notes xmlns:a="http://schemas.openxmlformats.org/drawingml/2006/main" xmlns:r="http://schemas.openxmlformats.org/officeDocument/2006/relationships" xmlns:p="http://schemas.openxmlformats.org/presentationml/2006/main">
   <p:cSld>
@@ -8756,7 +9367,7 @@
           <a:p>
             <a:fld id="{B7268E1E-0E44-426D-905E-8AD9B19D2182}" type="datetimeFigureOut">
               <a:rPr lang="cs-CZ" smtClean="0"/>
-              <a:t>21.02.2024</a:t>
+              <a:t>22.02.2024</a:t>
             </a:fld>
             <a:endParaRPr lang="cs-CZ"/>
           </a:p>
@@ -8974,7 +9585,7 @@
           <a:p>
             <a:fld id="{B7268E1E-0E44-426D-905E-8AD9B19D2182}" type="datetimeFigureOut">
               <a:rPr lang="cs-CZ" smtClean="0"/>
-              <a:t>21.02.2024</a:t>
+              <a:t>22.02.2024</a:t>
             </a:fld>
             <a:endParaRPr lang="cs-CZ"/>
           </a:p>
@@ -9192,7 +9803,7 @@
           <a:p>
             <a:fld id="{B7268E1E-0E44-426D-905E-8AD9B19D2182}" type="datetimeFigureOut">
               <a:rPr lang="cs-CZ" smtClean="0"/>
-              <a:t>21.02.2024</a:t>
+              <a:t>22.02.2024</a:t>
             </a:fld>
             <a:endParaRPr lang="cs-CZ"/>
           </a:p>
@@ -9410,7 +10021,7 @@
           <a:p>
             <a:fld id="{B7268E1E-0E44-426D-905E-8AD9B19D2182}" type="datetimeFigureOut">
               <a:rPr lang="cs-CZ" smtClean="0"/>
-              <a:t>21.02.2024</a:t>
+              <a:t>22.02.2024</a:t>
             </a:fld>
             <a:endParaRPr lang="cs-CZ"/>
           </a:p>
@@ -9628,7 +10239,7 @@
           <a:p>
             <a:fld id="{B7268E1E-0E44-426D-905E-8AD9B19D2182}" type="datetimeFigureOut">
               <a:rPr lang="cs-CZ" smtClean="0"/>
-              <a:t>21.02.2024</a:t>
+              <a:t>22.02.2024</a:t>
             </a:fld>
             <a:endParaRPr lang="cs-CZ"/>
           </a:p>
@@ -9846,7 +10457,7 @@
           <a:p>
             <a:fld id="{B7268E1E-0E44-426D-905E-8AD9B19D2182}" type="datetimeFigureOut">
               <a:rPr lang="cs-CZ" smtClean="0"/>
-              <a:t>21.02.2024</a:t>
+              <a:t>22.02.2024</a:t>
             </a:fld>
             <a:endParaRPr lang="cs-CZ"/>
           </a:p>
@@ -10064,7 +10675,7 @@
           <a:p>
             <a:fld id="{B7268E1E-0E44-426D-905E-8AD9B19D2182}" type="datetimeFigureOut">
               <a:rPr lang="cs-CZ" smtClean="0"/>
-              <a:t>21.02.2024</a:t>
+              <a:t>22.02.2024</a:t>
             </a:fld>
             <a:endParaRPr lang="cs-CZ"/>
           </a:p>
@@ -10287,7 +10898,7 @@
           <a:p>
             <a:fld id="{B7268E1E-0E44-426D-905E-8AD9B19D2182}" type="datetimeFigureOut">
               <a:rPr lang="cs-CZ" smtClean="0"/>
-              <a:t>21.02.2024</a:t>
+              <a:t>22.02.2024</a:t>
             </a:fld>
             <a:endParaRPr lang="cs-CZ"/>
           </a:p>
@@ -10421,6 +11032,11 @@
         </p:txBody>
       </p:sp>
     </p:spTree>
+    <p:extLst>
+      <p:ext uri="{BB962C8B-B14F-4D97-AF65-F5344CB8AC3E}">
+        <p14:creationId xmlns:p14="http://schemas.microsoft.com/office/powerpoint/2010/main" val="751340455"/>
+      </p:ext>
+    </p:extLst>
   </p:cSld>
   <p:clrMapOvr>
     <a:masterClrMapping/>
@@ -10608,7 +11224,7 @@
             <a:fld id="{1D8BD707-D9CF-40AE-B4C6-C98DA3205C09}" type="datetimeFigureOut">
               <a:rPr lang="en-US" smtClean="0"/>
               <a:pPr/>
-              <a:t>2/21/2024</a:t>
+              <a:t>2/22/2024</a:t>
             </a:fld>
             <a:endParaRPr lang="en-US"/>
           </a:p>
@@ -10773,7 +11389,7 @@
             <a:fld id="{1D8BD707-D9CF-40AE-B4C6-C98DA3205C09}" type="datetimeFigureOut">
               <a:rPr lang="en-US" smtClean="0"/>
               <a:pPr/>
-              <a:t>2/21/2024</a:t>
+              <a:t>2/22/2024</a:t>
             </a:fld>
             <a:endParaRPr lang="en-US"/>
           </a:p>
@@ -10948,7 +11564,7 @@
             <a:fld id="{1D8BD707-D9CF-40AE-B4C6-C98DA3205C09}" type="datetimeFigureOut">
               <a:rPr lang="en-US" smtClean="0"/>
               <a:pPr/>
-              <a:t>2/21/2024</a:t>
+              <a:t>2/22/2024</a:t>
             </a:fld>
             <a:endParaRPr lang="en-US"/>
           </a:p>
@@ -11113,7 +11729,7 @@
             <a:fld id="{1D8BD707-D9CF-40AE-B4C6-C98DA3205C09}" type="datetimeFigureOut">
               <a:rPr lang="en-US" smtClean="0"/>
               <a:pPr/>
-              <a:t>2/21/2024</a:t>
+              <a:t>2/22/2024</a:t>
             </a:fld>
             <a:endParaRPr lang="en-US"/>
           </a:p>
@@ -11355,7 +11971,7 @@
             <a:fld id="{1D8BD707-D9CF-40AE-B4C6-C98DA3205C09}" type="datetimeFigureOut">
               <a:rPr lang="en-US" smtClean="0"/>
               <a:pPr/>
-              <a:t>2/21/2024</a:t>
+              <a:t>2/22/2024</a:t>
             </a:fld>
             <a:endParaRPr lang="en-US"/>
           </a:p>
@@ -11637,7 +12253,7 @@
             <a:fld id="{1D8BD707-D9CF-40AE-B4C6-C98DA3205C09}" type="datetimeFigureOut">
               <a:rPr lang="en-US" smtClean="0"/>
               <a:pPr/>
-              <a:t>2/21/2024</a:t>
+              <a:t>2/22/2024</a:t>
             </a:fld>
             <a:endParaRPr lang="en-US"/>
           </a:p>
@@ -12053,7 +12669,7 @@
             <a:fld id="{1D8BD707-D9CF-40AE-B4C6-C98DA3205C09}" type="datetimeFigureOut">
               <a:rPr lang="en-US" smtClean="0"/>
               <a:pPr/>
-              <a:t>2/21/2024</a:t>
+              <a:t>2/22/2024</a:t>
             </a:fld>
             <a:endParaRPr lang="en-US"/>
           </a:p>
@@ -12167,7 +12783,7 @@
             <a:fld id="{1D8BD707-D9CF-40AE-B4C6-C98DA3205C09}" type="datetimeFigureOut">
               <a:rPr lang="en-US" smtClean="0"/>
               <a:pPr/>
-              <a:t>2/21/2024</a:t>
+              <a:t>2/22/2024</a:t>
             </a:fld>
             <a:endParaRPr lang="en-US"/>
           </a:p>
@@ -12259,7 +12875,7 @@
             <a:fld id="{1D8BD707-D9CF-40AE-B4C6-C98DA3205C09}" type="datetimeFigureOut">
               <a:rPr lang="en-US" smtClean="0"/>
               <a:pPr/>
-              <a:t>2/21/2024</a:t>
+              <a:t>2/22/2024</a:t>
             </a:fld>
             <a:endParaRPr lang="en-US"/>
           </a:p>
@@ -12531,7 +13147,7 @@
             <a:fld id="{1D8BD707-D9CF-40AE-B4C6-C98DA3205C09}" type="datetimeFigureOut">
               <a:rPr lang="en-US" smtClean="0"/>
               <a:pPr/>
-              <a:t>2/21/2024</a:t>
+              <a:t>2/22/2024</a:t>
             </a:fld>
             <a:endParaRPr lang="en-US"/>
           </a:p>
@@ -12780,7 +13396,7 @@
             <a:fld id="{1D8BD707-D9CF-40AE-B4C6-C98DA3205C09}" type="datetimeFigureOut">
               <a:rPr lang="en-US" smtClean="0"/>
               <a:pPr/>
-              <a:t>2/21/2024</a:t>
+              <a:t>2/22/2024</a:t>
             </a:fld>
             <a:endParaRPr lang="en-US"/>
           </a:p>
@@ -12988,7 +13604,7 @@
             <a:fld id="{1D8BD707-D9CF-40AE-B4C6-C98DA3205C09}" type="datetimeFigureOut">
               <a:rPr lang="en-US" smtClean="0"/>
               <a:pPr/>
-              <a:t>2/21/2024</a:t>
+              <a:t>2/22/2024</a:t>
             </a:fld>
             <a:endParaRPr lang="en-US"/>
           </a:p>
@@ -14928,6 +15544,882 @@
       </p:grpSp>
       <p:graphicFrame>
         <p:nvGraphicFramePr>
+          <p:cNvPr id="31" name="Chart 30">
+            <a:extLst>
+              <a:ext uri="{FF2B5EF4-FFF2-40B4-BE49-F238E27FC236}">
+                <a16:creationId xmlns:a16="http://schemas.microsoft.com/office/drawing/2014/main" id="{BAAEF021-C82C-4A8C-841D-0691B405F7B9}"/>
+              </a:ext>
+            </a:extLst>
+          </p:cNvPr>
+          <p:cNvGraphicFramePr>
+            <a:graphicFrameLocks/>
+          </p:cNvGraphicFramePr>
+          <p:nvPr>
+            <p:extLst>
+              <p:ext uri="{D42A27DB-BD31-4B8C-83A1-F6EECF244321}">
+                <p14:modId xmlns:p14="http://schemas.microsoft.com/office/powerpoint/2010/main" val="2200076726"/>
+              </p:ext>
+            </p:extLst>
+          </p:nvPr>
+        </p:nvGraphicFramePr>
+        <p:xfrm>
+          <a:off x="5476604" y="2933700"/>
+          <a:ext cx="10105481" cy="5633082"/>
+        </p:xfrm>
+        <a:graphic>
+          <a:graphicData uri="http://schemas.openxmlformats.org/drawingml/2006/chart">
+            <c:chart xmlns:c="http://schemas.openxmlformats.org/drawingml/2006/chart" xmlns:r="http://schemas.openxmlformats.org/officeDocument/2006/relationships" r:id="rId7"/>
+          </a:graphicData>
+        </a:graphic>
+      </p:graphicFrame>
+      <p:sp>
+        <p:nvSpPr>
+          <p:cNvPr id="27" name="TextBox 26">
+            <a:extLst>
+              <a:ext uri="{FF2B5EF4-FFF2-40B4-BE49-F238E27FC236}">
+                <a16:creationId xmlns:a16="http://schemas.microsoft.com/office/drawing/2014/main" id="{5AB521E5-D1ED-4B99-A83B-CE4AD0E7BD5B}"/>
+              </a:ext>
+            </a:extLst>
+          </p:cNvPr>
+          <p:cNvSpPr txBox="1"/>
+          <p:nvPr/>
+        </p:nvSpPr>
+        <p:spPr>
+          <a:xfrm>
+            <a:off x="3169897" y="1782224"/>
+            <a:ext cx="10510346" cy="707886"/>
+          </a:xfrm>
+          <a:prstGeom prst="rect">
+            <a:avLst/>
+          </a:prstGeom>
+          <a:noFill/>
+        </p:spPr>
+        <p:txBody>
+          <a:bodyPr wrap="square" rtlCol="0">
+            <a:spAutoFit/>
+          </a:bodyPr>
+          <a:lstStyle/>
+          <a:p>
+            <a:r>
+              <a:rPr lang="en-US" sz="4000" dirty="0">
+                <a:solidFill>
+                  <a:schemeClr val="accent4">
+                    <a:lumMod val="75000"/>
+                  </a:schemeClr>
+                </a:solidFill>
+              </a:rPr>
+              <a:t>Watch The Leaders better</a:t>
+            </a:r>
+            <a:endParaRPr lang="de-DE" sz="4000" dirty="0">
+              <a:solidFill>
+                <a:schemeClr val="accent4">
+                  <a:lumMod val="75000"/>
+                </a:schemeClr>
+              </a:solidFill>
+            </a:endParaRPr>
+          </a:p>
+        </p:txBody>
+      </p:sp>
+    </p:spTree>
+  </p:cSld>
+  <p:clrMapOvr>
+    <a:masterClrMapping/>
+  </p:clrMapOvr>
+</p:sld>
+</file>
+
+<file path=ppt/slides/slide11.xml><?xml version="1.0" encoding="utf-8"?>
+<p:sld xmlns:a="http://schemas.openxmlformats.org/drawingml/2006/main" xmlns:r="http://schemas.openxmlformats.org/officeDocument/2006/relationships" xmlns:p="http://schemas.openxmlformats.org/presentationml/2006/main">
+  <p:cSld>
+    <p:spTree>
+      <p:nvGrpSpPr>
+        <p:cNvPr id="1" name=""/>
+        <p:cNvGrpSpPr/>
+        <p:nvPr/>
+      </p:nvGrpSpPr>
+      <p:grpSpPr>
+        <a:xfrm>
+          <a:off x="0" y="0"/>
+          <a:ext cx="0" cy="0"/>
+          <a:chOff x="0" y="0"/>
+          <a:chExt cx="0" cy="0"/>
+        </a:xfrm>
+      </p:grpSpPr>
+      <p:grpSp>
+        <p:nvGrpSpPr>
+          <p:cNvPr id="2" name="Group 2"/>
+          <p:cNvGrpSpPr/>
+          <p:nvPr/>
+        </p:nvGrpSpPr>
+        <p:grpSpPr>
+          <a:xfrm>
+            <a:off x="555213" y="9490985"/>
+            <a:ext cx="17253775" cy="2017079"/>
+            <a:chOff x="0" y="0"/>
+            <a:chExt cx="23005033" cy="2689439"/>
+          </a:xfrm>
+        </p:grpSpPr>
+        <p:pic>
+          <p:nvPicPr>
+            <p:cNvPr id="3" name="Picture 3"/>
+            <p:cNvPicPr>
+              <a:picLocks noChangeAspect="1"/>
+            </p:cNvPicPr>
+            <p:nvPr/>
+          </p:nvPicPr>
+          <p:blipFill>
+            <a:blip r:embed="rId3">
+              <a:alphaModFix amt="80000"/>
+              <a:extLst>
+                <a:ext uri="{28A0092B-C50C-407E-A947-70E740481C1C}">
+                  <a14:useLocalDpi xmlns:a14="http://schemas.microsoft.com/office/drawing/2010/main" val="0"/>
+                </a:ext>
+                <a:ext uri="{96DAC541-7B7A-43D3-8B79-37D633B846F1}">
+                  <asvg:svgBlip xmlns:asvg="http://schemas.microsoft.com/office/drawing/2016/SVG/main" r:embed="rId4"/>
+                </a:ext>
+              </a:extLst>
+            </a:blip>
+            <a:srcRect/>
+            <a:stretch>
+              <a:fillRect/>
+            </a:stretch>
+          </p:blipFill>
+          <p:spPr>
+            <a:xfrm>
+              <a:off x="16760969" y="0"/>
+              <a:ext cx="2891870" cy="2689439"/>
+            </a:xfrm>
+            <a:prstGeom prst="rect">
+              <a:avLst/>
+            </a:prstGeom>
+          </p:spPr>
+        </p:pic>
+        <p:pic>
+          <p:nvPicPr>
+            <p:cNvPr id="4" name="Picture 4"/>
+            <p:cNvPicPr>
+              <a:picLocks noChangeAspect="1"/>
+            </p:cNvPicPr>
+            <p:nvPr/>
+          </p:nvPicPr>
+          <p:blipFill>
+            <a:blip r:embed="rId3">
+              <a:alphaModFix amt="80000"/>
+              <a:extLst>
+                <a:ext uri="{28A0092B-C50C-407E-A947-70E740481C1C}">
+                  <a14:useLocalDpi xmlns:a14="http://schemas.microsoft.com/office/drawing/2010/main" val="0"/>
+                </a:ext>
+                <a:ext uri="{96DAC541-7B7A-43D3-8B79-37D633B846F1}">
+                  <asvg:svgBlip xmlns:asvg="http://schemas.microsoft.com/office/drawing/2016/SVG/main" r:embed="rId4"/>
+                </a:ext>
+              </a:extLst>
+            </a:blip>
+            <a:srcRect/>
+            <a:stretch>
+              <a:fillRect/>
+            </a:stretch>
+          </p:blipFill>
+          <p:spPr>
+            <a:xfrm>
+              <a:off x="13408776" y="0"/>
+              <a:ext cx="2891870" cy="2689439"/>
+            </a:xfrm>
+            <a:prstGeom prst="rect">
+              <a:avLst/>
+            </a:prstGeom>
+          </p:spPr>
+        </p:pic>
+        <p:pic>
+          <p:nvPicPr>
+            <p:cNvPr id="5" name="Picture 5"/>
+            <p:cNvPicPr>
+              <a:picLocks noChangeAspect="1"/>
+            </p:cNvPicPr>
+            <p:nvPr/>
+          </p:nvPicPr>
+          <p:blipFill>
+            <a:blip r:embed="rId3">
+              <a:alphaModFix amt="80000"/>
+              <a:extLst>
+                <a:ext uri="{28A0092B-C50C-407E-A947-70E740481C1C}">
+                  <a14:useLocalDpi xmlns:a14="http://schemas.microsoft.com/office/drawing/2010/main" val="0"/>
+                </a:ext>
+                <a:ext uri="{96DAC541-7B7A-43D3-8B79-37D633B846F1}">
+                  <asvg:svgBlip xmlns:asvg="http://schemas.microsoft.com/office/drawing/2016/SVG/main" r:embed="rId4"/>
+                </a:ext>
+              </a:extLst>
+            </a:blip>
+            <a:srcRect/>
+            <a:stretch>
+              <a:fillRect/>
+            </a:stretch>
+          </p:blipFill>
+          <p:spPr>
+            <a:xfrm>
+              <a:off x="10056582" y="0"/>
+              <a:ext cx="2891870" cy="2689439"/>
+            </a:xfrm>
+            <a:prstGeom prst="rect">
+              <a:avLst/>
+            </a:prstGeom>
+          </p:spPr>
+        </p:pic>
+        <p:pic>
+          <p:nvPicPr>
+            <p:cNvPr id="6" name="Picture 6"/>
+            <p:cNvPicPr>
+              <a:picLocks noChangeAspect="1"/>
+            </p:cNvPicPr>
+            <p:nvPr/>
+          </p:nvPicPr>
+          <p:blipFill>
+            <a:blip r:embed="rId3">
+              <a:alphaModFix amt="80000"/>
+              <a:extLst>
+                <a:ext uri="{28A0092B-C50C-407E-A947-70E740481C1C}">
+                  <a14:useLocalDpi xmlns:a14="http://schemas.microsoft.com/office/drawing/2010/main" val="0"/>
+                </a:ext>
+                <a:ext uri="{96DAC541-7B7A-43D3-8B79-37D633B846F1}">
+                  <asvg:svgBlip xmlns:asvg="http://schemas.microsoft.com/office/drawing/2016/SVG/main" r:embed="rId4"/>
+                </a:ext>
+              </a:extLst>
+            </a:blip>
+            <a:srcRect/>
+            <a:stretch>
+              <a:fillRect/>
+            </a:stretch>
+          </p:blipFill>
+          <p:spPr>
+            <a:xfrm>
+              <a:off x="20113163" y="0"/>
+              <a:ext cx="2891870" cy="2689439"/>
+            </a:xfrm>
+            <a:prstGeom prst="rect">
+              <a:avLst/>
+            </a:prstGeom>
+          </p:spPr>
+        </p:pic>
+        <p:pic>
+          <p:nvPicPr>
+            <p:cNvPr id="7" name="Picture 7"/>
+            <p:cNvPicPr>
+              <a:picLocks noChangeAspect="1"/>
+            </p:cNvPicPr>
+            <p:nvPr/>
+          </p:nvPicPr>
+          <p:blipFill>
+            <a:blip r:embed="rId3">
+              <a:alphaModFix amt="80000"/>
+              <a:extLst>
+                <a:ext uri="{28A0092B-C50C-407E-A947-70E740481C1C}">
+                  <a14:useLocalDpi xmlns:a14="http://schemas.microsoft.com/office/drawing/2010/main" val="0"/>
+                </a:ext>
+                <a:ext uri="{96DAC541-7B7A-43D3-8B79-37D633B846F1}">
+                  <asvg:svgBlip xmlns:asvg="http://schemas.microsoft.com/office/drawing/2016/SVG/main" r:embed="rId4"/>
+                </a:ext>
+              </a:extLst>
+            </a:blip>
+            <a:srcRect/>
+            <a:stretch>
+              <a:fillRect/>
+            </a:stretch>
+          </p:blipFill>
+          <p:spPr>
+            <a:xfrm>
+              <a:off x="6704388" y="0"/>
+              <a:ext cx="2891870" cy="2689439"/>
+            </a:xfrm>
+            <a:prstGeom prst="rect">
+              <a:avLst/>
+            </a:prstGeom>
+          </p:spPr>
+        </p:pic>
+        <p:pic>
+          <p:nvPicPr>
+            <p:cNvPr id="8" name="Picture 8"/>
+            <p:cNvPicPr>
+              <a:picLocks noChangeAspect="1"/>
+            </p:cNvPicPr>
+            <p:nvPr/>
+          </p:nvPicPr>
+          <p:blipFill>
+            <a:blip r:embed="rId3">
+              <a:alphaModFix amt="80000"/>
+              <a:extLst>
+                <a:ext uri="{28A0092B-C50C-407E-A947-70E740481C1C}">
+                  <a14:useLocalDpi xmlns:a14="http://schemas.microsoft.com/office/drawing/2010/main" val="0"/>
+                </a:ext>
+                <a:ext uri="{96DAC541-7B7A-43D3-8B79-37D633B846F1}">
+                  <asvg:svgBlip xmlns:asvg="http://schemas.microsoft.com/office/drawing/2016/SVG/main" r:embed="rId4"/>
+                </a:ext>
+              </a:extLst>
+            </a:blip>
+            <a:srcRect/>
+            <a:stretch>
+              <a:fillRect/>
+            </a:stretch>
+          </p:blipFill>
+          <p:spPr>
+            <a:xfrm>
+              <a:off x="3352194" y="0"/>
+              <a:ext cx="2891870" cy="2689439"/>
+            </a:xfrm>
+            <a:prstGeom prst="rect">
+              <a:avLst/>
+            </a:prstGeom>
+          </p:spPr>
+        </p:pic>
+        <p:pic>
+          <p:nvPicPr>
+            <p:cNvPr id="9" name="Picture 9"/>
+            <p:cNvPicPr>
+              <a:picLocks noChangeAspect="1"/>
+            </p:cNvPicPr>
+            <p:nvPr/>
+          </p:nvPicPr>
+          <p:blipFill>
+            <a:blip r:embed="rId3">
+              <a:alphaModFix amt="80000"/>
+              <a:extLst>
+                <a:ext uri="{28A0092B-C50C-407E-A947-70E740481C1C}">
+                  <a14:useLocalDpi xmlns:a14="http://schemas.microsoft.com/office/drawing/2010/main" val="0"/>
+                </a:ext>
+                <a:ext uri="{96DAC541-7B7A-43D3-8B79-37D633B846F1}">
+                  <asvg:svgBlip xmlns:asvg="http://schemas.microsoft.com/office/drawing/2016/SVG/main" r:embed="rId4"/>
+                </a:ext>
+              </a:extLst>
+            </a:blip>
+            <a:srcRect/>
+            <a:stretch>
+              <a:fillRect/>
+            </a:stretch>
+          </p:blipFill>
+          <p:spPr>
+            <a:xfrm>
+              <a:off x="0" y="0"/>
+              <a:ext cx="2891870" cy="2689439"/>
+            </a:xfrm>
+            <a:prstGeom prst="rect">
+              <a:avLst/>
+            </a:prstGeom>
+          </p:spPr>
+        </p:pic>
+      </p:grpSp>
+      <p:grpSp>
+        <p:nvGrpSpPr>
+          <p:cNvPr id="10" name="Group 10"/>
+          <p:cNvGrpSpPr/>
+          <p:nvPr/>
+        </p:nvGrpSpPr>
+        <p:grpSpPr>
+          <a:xfrm rot="1153642">
+            <a:off x="979455" y="8814373"/>
+            <a:ext cx="3545508" cy="3370302"/>
+            <a:chOff x="0" y="0"/>
+            <a:chExt cx="4727344" cy="4493736"/>
+          </a:xfrm>
+        </p:grpSpPr>
+        <p:grpSp>
+          <p:nvGrpSpPr>
+            <p:cNvPr id="11" name="Group 11"/>
+            <p:cNvGrpSpPr>
+              <a:grpSpLocks noChangeAspect="1"/>
+            </p:cNvGrpSpPr>
+            <p:nvPr/>
+          </p:nvGrpSpPr>
+          <p:grpSpPr>
+            <a:xfrm>
+              <a:off x="644072" y="410464"/>
+              <a:ext cx="4083272" cy="4083272"/>
+              <a:chOff x="0" y="0"/>
+              <a:chExt cx="6350000" cy="6350000"/>
+            </a:xfrm>
+          </p:grpSpPr>
+          <p:sp>
+            <p:nvSpPr>
+              <p:cNvPr id="12" name="Freeform 12"/>
+              <p:cNvSpPr/>
+              <p:nvPr/>
+            </p:nvSpPr>
+            <p:spPr>
+              <a:xfrm>
+                <a:off x="0" y="0"/>
+                <a:ext cx="6350000" cy="6350000"/>
+              </a:xfrm>
+              <a:custGeom>
+                <a:avLst/>
+                <a:gdLst/>
+                <a:ahLst/>
+                <a:cxnLst/>
+                <a:rect l="l" t="t" r="r" b="b"/>
+                <a:pathLst>
+                  <a:path w="6350000" h="6350000">
+                    <a:moveTo>
+                      <a:pt x="3175000" y="0"/>
+                    </a:moveTo>
+                    <a:cubicBezTo>
+                      <a:pt x="4928870" y="0"/>
+                      <a:pt x="6350000" y="1421130"/>
+                      <a:pt x="6350000" y="3175000"/>
+                    </a:cubicBezTo>
+                    <a:cubicBezTo>
+                      <a:pt x="6350000" y="4928870"/>
+                      <a:pt x="4928870" y="6350000"/>
+                      <a:pt x="3175000" y="6350000"/>
+                    </a:cubicBezTo>
+                    <a:cubicBezTo>
+                      <a:pt x="1421130" y="6350000"/>
+                      <a:pt x="0" y="4928870"/>
+                      <a:pt x="0" y="3175000"/>
+                    </a:cubicBezTo>
+                    <a:cubicBezTo>
+                      <a:pt x="0" y="1421130"/>
+                      <a:pt x="1421130" y="0"/>
+                      <a:pt x="3175000" y="0"/>
+                    </a:cubicBezTo>
+                    <a:close/>
+                  </a:path>
+                </a:pathLst>
+              </a:custGeom>
+              <a:solidFill>
+                <a:srgbClr val="A100FF"/>
+              </a:solidFill>
+            </p:spPr>
+          </p:sp>
+        </p:grpSp>
+        <p:pic>
+          <p:nvPicPr>
+            <p:cNvPr id="13" name="Picture 13"/>
+            <p:cNvPicPr>
+              <a:picLocks noChangeAspect="1"/>
+            </p:cNvPicPr>
+            <p:nvPr/>
+          </p:nvPicPr>
+          <p:blipFill>
+            <a:blip r:embed="rId5">
+              <a:extLst>
+                <a:ext uri="{28A0092B-C50C-407E-A947-70E740481C1C}">
+                  <a14:useLocalDpi xmlns:a14="http://schemas.microsoft.com/office/drawing/2010/main" val="0"/>
+                </a:ext>
+                <a:ext uri="{96DAC541-7B7A-43D3-8B79-37D633B846F1}">
+                  <asvg:svgBlip xmlns:asvg="http://schemas.microsoft.com/office/drawing/2016/SVG/main" r:embed="rId6"/>
+                </a:ext>
+              </a:extLst>
+            </a:blip>
+            <a:srcRect b="321"/>
+            <a:stretch>
+              <a:fillRect/>
+            </a:stretch>
+          </p:blipFill>
+          <p:spPr>
+            <a:xfrm>
+              <a:off x="0" y="0"/>
+              <a:ext cx="4083272" cy="4091977"/>
+            </a:xfrm>
+            <a:prstGeom prst="rect">
+              <a:avLst/>
+            </a:prstGeom>
+          </p:spPr>
+        </p:pic>
+      </p:grpSp>
+      <p:grpSp>
+        <p:nvGrpSpPr>
+          <p:cNvPr id="14" name="Group 14"/>
+          <p:cNvGrpSpPr/>
+          <p:nvPr/>
+        </p:nvGrpSpPr>
+        <p:grpSpPr>
+          <a:xfrm>
+            <a:off x="655751" y="-710238"/>
+            <a:ext cx="17253775" cy="2017079"/>
+            <a:chOff x="0" y="0"/>
+            <a:chExt cx="23005033" cy="2689439"/>
+          </a:xfrm>
+        </p:grpSpPr>
+        <p:pic>
+          <p:nvPicPr>
+            <p:cNvPr id="15" name="Picture 15"/>
+            <p:cNvPicPr>
+              <a:picLocks noChangeAspect="1"/>
+            </p:cNvPicPr>
+            <p:nvPr/>
+          </p:nvPicPr>
+          <p:blipFill>
+            <a:blip r:embed="rId3">
+              <a:alphaModFix amt="80000"/>
+              <a:extLst>
+                <a:ext uri="{28A0092B-C50C-407E-A947-70E740481C1C}">
+                  <a14:useLocalDpi xmlns:a14="http://schemas.microsoft.com/office/drawing/2010/main" val="0"/>
+                </a:ext>
+                <a:ext uri="{96DAC541-7B7A-43D3-8B79-37D633B846F1}">
+                  <asvg:svgBlip xmlns:asvg="http://schemas.microsoft.com/office/drawing/2016/SVG/main" r:embed="rId4"/>
+                </a:ext>
+              </a:extLst>
+            </a:blip>
+            <a:srcRect/>
+            <a:stretch>
+              <a:fillRect/>
+            </a:stretch>
+          </p:blipFill>
+          <p:spPr>
+            <a:xfrm>
+              <a:off x="16760969" y="0"/>
+              <a:ext cx="2891870" cy="2689439"/>
+            </a:xfrm>
+            <a:prstGeom prst="rect">
+              <a:avLst/>
+            </a:prstGeom>
+          </p:spPr>
+        </p:pic>
+        <p:pic>
+          <p:nvPicPr>
+            <p:cNvPr id="16" name="Picture 16"/>
+            <p:cNvPicPr>
+              <a:picLocks noChangeAspect="1"/>
+            </p:cNvPicPr>
+            <p:nvPr/>
+          </p:nvPicPr>
+          <p:blipFill>
+            <a:blip r:embed="rId3">
+              <a:alphaModFix amt="80000"/>
+              <a:extLst>
+                <a:ext uri="{28A0092B-C50C-407E-A947-70E740481C1C}">
+                  <a14:useLocalDpi xmlns:a14="http://schemas.microsoft.com/office/drawing/2010/main" val="0"/>
+                </a:ext>
+                <a:ext uri="{96DAC541-7B7A-43D3-8B79-37D633B846F1}">
+                  <asvg:svgBlip xmlns:asvg="http://schemas.microsoft.com/office/drawing/2016/SVG/main" r:embed="rId4"/>
+                </a:ext>
+              </a:extLst>
+            </a:blip>
+            <a:srcRect/>
+            <a:stretch>
+              <a:fillRect/>
+            </a:stretch>
+          </p:blipFill>
+          <p:spPr>
+            <a:xfrm>
+              <a:off x="13408776" y="0"/>
+              <a:ext cx="2891870" cy="2689439"/>
+            </a:xfrm>
+            <a:prstGeom prst="rect">
+              <a:avLst/>
+            </a:prstGeom>
+          </p:spPr>
+        </p:pic>
+        <p:pic>
+          <p:nvPicPr>
+            <p:cNvPr id="17" name="Picture 17"/>
+            <p:cNvPicPr>
+              <a:picLocks noChangeAspect="1"/>
+            </p:cNvPicPr>
+            <p:nvPr/>
+          </p:nvPicPr>
+          <p:blipFill>
+            <a:blip r:embed="rId3">
+              <a:alphaModFix amt="80000"/>
+              <a:extLst>
+                <a:ext uri="{28A0092B-C50C-407E-A947-70E740481C1C}">
+                  <a14:useLocalDpi xmlns:a14="http://schemas.microsoft.com/office/drawing/2010/main" val="0"/>
+                </a:ext>
+                <a:ext uri="{96DAC541-7B7A-43D3-8B79-37D633B846F1}">
+                  <asvg:svgBlip xmlns:asvg="http://schemas.microsoft.com/office/drawing/2016/SVG/main" r:embed="rId4"/>
+                </a:ext>
+              </a:extLst>
+            </a:blip>
+            <a:srcRect/>
+            <a:stretch>
+              <a:fillRect/>
+            </a:stretch>
+          </p:blipFill>
+          <p:spPr>
+            <a:xfrm>
+              <a:off x="10056582" y="0"/>
+              <a:ext cx="2891870" cy="2689439"/>
+            </a:xfrm>
+            <a:prstGeom prst="rect">
+              <a:avLst/>
+            </a:prstGeom>
+          </p:spPr>
+        </p:pic>
+        <p:pic>
+          <p:nvPicPr>
+            <p:cNvPr id="18" name="Picture 18"/>
+            <p:cNvPicPr>
+              <a:picLocks noChangeAspect="1"/>
+            </p:cNvPicPr>
+            <p:nvPr/>
+          </p:nvPicPr>
+          <p:blipFill>
+            <a:blip r:embed="rId3">
+              <a:alphaModFix amt="80000"/>
+              <a:extLst>
+                <a:ext uri="{28A0092B-C50C-407E-A947-70E740481C1C}">
+                  <a14:useLocalDpi xmlns:a14="http://schemas.microsoft.com/office/drawing/2010/main" val="0"/>
+                </a:ext>
+                <a:ext uri="{96DAC541-7B7A-43D3-8B79-37D633B846F1}">
+                  <asvg:svgBlip xmlns:asvg="http://schemas.microsoft.com/office/drawing/2016/SVG/main" r:embed="rId4"/>
+                </a:ext>
+              </a:extLst>
+            </a:blip>
+            <a:srcRect/>
+            <a:stretch>
+              <a:fillRect/>
+            </a:stretch>
+          </p:blipFill>
+          <p:spPr>
+            <a:xfrm>
+              <a:off x="20113163" y="0"/>
+              <a:ext cx="2891870" cy="2689439"/>
+            </a:xfrm>
+            <a:prstGeom prst="rect">
+              <a:avLst/>
+            </a:prstGeom>
+          </p:spPr>
+        </p:pic>
+        <p:pic>
+          <p:nvPicPr>
+            <p:cNvPr id="19" name="Picture 19"/>
+            <p:cNvPicPr>
+              <a:picLocks noChangeAspect="1"/>
+            </p:cNvPicPr>
+            <p:nvPr/>
+          </p:nvPicPr>
+          <p:blipFill>
+            <a:blip r:embed="rId3">
+              <a:alphaModFix amt="80000"/>
+              <a:extLst>
+                <a:ext uri="{28A0092B-C50C-407E-A947-70E740481C1C}">
+                  <a14:useLocalDpi xmlns:a14="http://schemas.microsoft.com/office/drawing/2010/main" val="0"/>
+                </a:ext>
+                <a:ext uri="{96DAC541-7B7A-43D3-8B79-37D633B846F1}">
+                  <asvg:svgBlip xmlns:asvg="http://schemas.microsoft.com/office/drawing/2016/SVG/main" r:embed="rId4"/>
+                </a:ext>
+              </a:extLst>
+            </a:blip>
+            <a:srcRect/>
+            <a:stretch>
+              <a:fillRect/>
+            </a:stretch>
+          </p:blipFill>
+          <p:spPr>
+            <a:xfrm>
+              <a:off x="6704388" y="0"/>
+              <a:ext cx="2891870" cy="2689439"/>
+            </a:xfrm>
+            <a:prstGeom prst="rect">
+              <a:avLst/>
+            </a:prstGeom>
+          </p:spPr>
+        </p:pic>
+        <p:pic>
+          <p:nvPicPr>
+            <p:cNvPr id="20" name="Picture 20"/>
+            <p:cNvPicPr>
+              <a:picLocks noChangeAspect="1"/>
+            </p:cNvPicPr>
+            <p:nvPr/>
+          </p:nvPicPr>
+          <p:blipFill>
+            <a:blip r:embed="rId3">
+              <a:alphaModFix amt="80000"/>
+              <a:extLst>
+                <a:ext uri="{28A0092B-C50C-407E-A947-70E740481C1C}">
+                  <a14:useLocalDpi xmlns:a14="http://schemas.microsoft.com/office/drawing/2010/main" val="0"/>
+                </a:ext>
+                <a:ext uri="{96DAC541-7B7A-43D3-8B79-37D633B846F1}">
+                  <asvg:svgBlip xmlns:asvg="http://schemas.microsoft.com/office/drawing/2016/SVG/main" r:embed="rId4"/>
+                </a:ext>
+              </a:extLst>
+            </a:blip>
+            <a:srcRect/>
+            <a:stretch>
+              <a:fillRect/>
+            </a:stretch>
+          </p:blipFill>
+          <p:spPr>
+            <a:xfrm>
+              <a:off x="3352194" y="0"/>
+              <a:ext cx="2891870" cy="2689439"/>
+            </a:xfrm>
+            <a:prstGeom prst="rect">
+              <a:avLst/>
+            </a:prstGeom>
+          </p:spPr>
+        </p:pic>
+        <p:pic>
+          <p:nvPicPr>
+            <p:cNvPr id="21" name="Picture 21"/>
+            <p:cNvPicPr>
+              <a:picLocks noChangeAspect="1"/>
+            </p:cNvPicPr>
+            <p:nvPr/>
+          </p:nvPicPr>
+          <p:blipFill>
+            <a:blip r:embed="rId3">
+              <a:alphaModFix amt="80000"/>
+              <a:extLst>
+                <a:ext uri="{28A0092B-C50C-407E-A947-70E740481C1C}">
+                  <a14:useLocalDpi xmlns:a14="http://schemas.microsoft.com/office/drawing/2010/main" val="0"/>
+                </a:ext>
+                <a:ext uri="{96DAC541-7B7A-43D3-8B79-37D633B846F1}">
+                  <asvg:svgBlip xmlns:asvg="http://schemas.microsoft.com/office/drawing/2016/SVG/main" r:embed="rId4"/>
+                </a:ext>
+              </a:extLst>
+            </a:blip>
+            <a:srcRect/>
+            <a:stretch>
+              <a:fillRect/>
+            </a:stretch>
+          </p:blipFill>
+          <p:spPr>
+            <a:xfrm>
+              <a:off x="0" y="0"/>
+              <a:ext cx="2891870" cy="2689439"/>
+            </a:xfrm>
+            <a:prstGeom prst="rect">
+              <a:avLst/>
+            </a:prstGeom>
+          </p:spPr>
+        </p:pic>
+      </p:grpSp>
+      <p:sp>
+        <p:nvSpPr>
+          <p:cNvPr id="22" name="AutoShape 22"/>
+          <p:cNvSpPr/>
+          <p:nvPr/>
+        </p:nvSpPr>
+        <p:spPr>
+          <a:xfrm>
+            <a:off x="0" y="0"/>
+            <a:ext cx="2386482" cy="10287000"/>
+          </a:xfrm>
+          <a:prstGeom prst="rect">
+            <a:avLst/>
+          </a:prstGeom>
+          <a:solidFill>
+            <a:srgbClr val="A100FF"/>
+          </a:solidFill>
+        </p:spPr>
+      </p:sp>
+      <p:grpSp>
+        <p:nvGrpSpPr>
+          <p:cNvPr id="23" name="Group 23"/>
+          <p:cNvGrpSpPr/>
+          <p:nvPr/>
+        </p:nvGrpSpPr>
+        <p:grpSpPr>
+          <a:xfrm>
+            <a:off x="16515246" y="-1685151"/>
+            <a:ext cx="3545508" cy="3370302"/>
+            <a:chOff x="0" y="0"/>
+            <a:chExt cx="4727344" cy="4493736"/>
+          </a:xfrm>
+        </p:grpSpPr>
+        <p:grpSp>
+          <p:nvGrpSpPr>
+            <p:cNvPr id="24" name="Group 24"/>
+            <p:cNvGrpSpPr>
+              <a:grpSpLocks noChangeAspect="1"/>
+            </p:cNvGrpSpPr>
+            <p:nvPr/>
+          </p:nvGrpSpPr>
+          <p:grpSpPr>
+            <a:xfrm>
+              <a:off x="644072" y="410464"/>
+              <a:ext cx="4083272" cy="4083272"/>
+              <a:chOff x="0" y="0"/>
+              <a:chExt cx="6350000" cy="6350000"/>
+            </a:xfrm>
+          </p:grpSpPr>
+          <p:sp>
+            <p:nvSpPr>
+              <p:cNvPr id="25" name="Freeform 25"/>
+              <p:cNvSpPr/>
+              <p:nvPr/>
+            </p:nvSpPr>
+            <p:spPr>
+              <a:xfrm>
+                <a:off x="0" y="0"/>
+                <a:ext cx="6350000" cy="6350000"/>
+              </a:xfrm>
+              <a:custGeom>
+                <a:avLst/>
+                <a:gdLst/>
+                <a:ahLst/>
+                <a:cxnLst/>
+                <a:rect l="l" t="t" r="r" b="b"/>
+                <a:pathLst>
+                  <a:path w="6350000" h="6350000">
+                    <a:moveTo>
+                      <a:pt x="3175000" y="0"/>
+                    </a:moveTo>
+                    <a:cubicBezTo>
+                      <a:pt x="4928870" y="0"/>
+                      <a:pt x="6350000" y="1421130"/>
+                      <a:pt x="6350000" y="3175000"/>
+                    </a:cubicBezTo>
+                    <a:cubicBezTo>
+                      <a:pt x="6350000" y="4928870"/>
+                      <a:pt x="4928870" y="6350000"/>
+                      <a:pt x="3175000" y="6350000"/>
+                    </a:cubicBezTo>
+                    <a:cubicBezTo>
+                      <a:pt x="1421130" y="6350000"/>
+                      <a:pt x="0" y="4928870"/>
+                      <a:pt x="0" y="3175000"/>
+                    </a:cubicBezTo>
+                    <a:cubicBezTo>
+                      <a:pt x="0" y="1421130"/>
+                      <a:pt x="1421130" y="0"/>
+                      <a:pt x="3175000" y="0"/>
+                    </a:cubicBezTo>
+                    <a:close/>
+                  </a:path>
+                </a:pathLst>
+              </a:custGeom>
+              <a:solidFill>
+                <a:srgbClr val="A100FF"/>
+              </a:solidFill>
+            </p:spPr>
+          </p:sp>
+        </p:grpSp>
+        <p:pic>
+          <p:nvPicPr>
+            <p:cNvPr id="26" name="Picture 26"/>
+            <p:cNvPicPr>
+              <a:picLocks noChangeAspect="1"/>
+            </p:cNvPicPr>
+            <p:nvPr/>
+          </p:nvPicPr>
+          <p:blipFill>
+            <a:blip r:embed="rId5">
+              <a:extLst>
+                <a:ext uri="{28A0092B-C50C-407E-A947-70E740481C1C}">
+                  <a14:useLocalDpi xmlns:a14="http://schemas.microsoft.com/office/drawing/2010/main" val="0"/>
+                </a:ext>
+                <a:ext uri="{96DAC541-7B7A-43D3-8B79-37D633B846F1}">
+                  <asvg:svgBlip xmlns:asvg="http://schemas.microsoft.com/office/drawing/2016/SVG/main" r:embed="rId6"/>
+                </a:ext>
+              </a:extLst>
+            </a:blip>
+            <a:srcRect b="321"/>
+            <a:stretch>
+              <a:fillRect/>
+            </a:stretch>
+          </p:blipFill>
+          <p:spPr>
+            <a:xfrm>
+              <a:off x="0" y="0"/>
+              <a:ext cx="4083272" cy="4091977"/>
+            </a:xfrm>
+            <a:prstGeom prst="rect">
+              <a:avLst/>
+            </a:prstGeom>
+          </p:spPr>
+        </p:pic>
+      </p:grpSp>
+      <p:graphicFrame>
+        <p:nvGraphicFramePr>
           <p:cNvPr id="30" name="Chart 29">
             <a:extLst>
               <a:ext uri="{FF2B5EF4-FFF2-40B4-BE49-F238E27FC236}">
@@ -14941,14 +16433,14 @@
           <p:nvPr>
             <p:extLst>
               <p:ext uri="{D42A27DB-BD31-4B8C-83A1-F6EECF244321}">
-                <p14:modId xmlns:p14="http://schemas.microsoft.com/office/powerpoint/2010/main" val="3074051786"/>
+                <p14:modId xmlns:p14="http://schemas.microsoft.com/office/powerpoint/2010/main" val="722249514"/>
               </p:ext>
             </p:extLst>
           </p:nvPr>
         </p:nvGraphicFramePr>
         <p:xfrm>
-          <a:off x="3558103" y="2281755"/>
-          <a:ext cx="13815497" cy="6335176"/>
+          <a:off x="3912375" y="2970473"/>
+          <a:ext cx="13599916" cy="6076922"/>
         </p:xfrm>
         <a:graphic>
           <a:graphicData uri="http://schemas.openxmlformats.org/drawingml/2006/chart">
@@ -14956,6 +16448,54 @@
           </a:graphicData>
         </a:graphic>
       </p:graphicFrame>
+      <p:sp>
+        <p:nvSpPr>
+          <p:cNvPr id="27" name="TextBox 26">
+            <a:extLst>
+              <a:ext uri="{FF2B5EF4-FFF2-40B4-BE49-F238E27FC236}">
+                <a16:creationId xmlns:a16="http://schemas.microsoft.com/office/drawing/2014/main" id="{B88F9451-F607-4902-8481-A57B0DFA5764}"/>
+              </a:ext>
+            </a:extLst>
+          </p:cNvPr>
+          <p:cNvSpPr txBox="1"/>
+          <p:nvPr/>
+        </p:nvSpPr>
+        <p:spPr>
+          <a:xfrm>
+            <a:off x="3924301" y="1665925"/>
+            <a:ext cx="10515600" cy="715149"/>
+          </a:xfrm>
+          <a:prstGeom prst="rect">
+            <a:avLst/>
+          </a:prstGeom>
+          <a:noFill/>
+        </p:spPr>
+        <p:txBody>
+          <a:bodyPr wrap="square" rtlCol="0">
+            <a:spAutoFit/>
+          </a:bodyPr>
+          <a:lstStyle/>
+          <a:p>
+            <a:r>
+              <a:rPr lang="en-US" sz="4000" dirty="0">
+                <a:solidFill>
+                  <a:schemeClr val="accent4">
+                    <a:lumMod val="50000"/>
+                  </a:schemeClr>
+                </a:solidFill>
+              </a:rPr>
+              <a:t>A Good Trend After February</a:t>
+            </a:r>
+            <a:endParaRPr lang="de-DE" sz="4000" dirty="0">
+              <a:solidFill>
+                <a:schemeClr val="accent4">
+                  <a:lumMod val="50000"/>
+                </a:schemeClr>
+              </a:solidFill>
+            </a:endParaRPr>
+          </a:p>
+        </p:txBody>
+      </p:sp>
     </p:spTree>
     <p:extLst>
       <p:ext uri="{BB962C8B-B14F-4D97-AF65-F5344CB8AC3E}">
@@ -14969,7 +16509,7 @@
 </p:sld>
 </file>
 
-<file path=ppt/slides/slide11.xml><?xml version="1.0" encoding="utf-8"?>
+<file path=ppt/slides/slide12.xml><?xml version="1.0" encoding="utf-8"?>
 <p:sld xmlns:a="http://schemas.openxmlformats.org/drawingml/2006/main" xmlns:r="http://schemas.openxmlformats.org/officeDocument/2006/relationships" xmlns:p="http://schemas.openxmlformats.org/presentationml/2006/main">
   <p:cSld>
     <p:spTree>
@@ -15968,7 +17508,7 @@
 </p:sld>
 </file>
 
-<file path=ppt/slides/slide12.xml><?xml version="1.0" encoding="utf-8"?>
+<file path=ppt/slides/slide13.xml><?xml version="1.0" encoding="utf-8"?>
 <p:sld xmlns:a="http://schemas.openxmlformats.org/drawingml/2006/main" xmlns:r="http://schemas.openxmlformats.org/officeDocument/2006/relationships" xmlns:p="http://schemas.openxmlformats.org/presentationml/2006/main">
   <p:cSld>
     <p:bg>
@@ -20342,7 +21882,7 @@
             </a:r>
             <a:r>
               <a:rPr lang="en-US" sz="3600" dirty="0"/>
-              <a:t> (Junior Data Analyst</a:t>
+              <a:t> (Junior Data Analyst)</a:t>
             </a:r>
             <a:endParaRPr lang="de-DE" sz="3600" dirty="0"/>
           </a:p>
@@ -22292,7 +23832,7 @@
               </a:rPr>
             </a:br>
             <a:r>
-              <a:rPr lang="en-US" sz="4400" dirty="0">
+              <a:rPr lang="en-US" sz="4400">
                 <a:solidFill>
                   <a:schemeClr val="tx1">
                     <a:lumMod val="65000"/>
@@ -22300,7 +23840,7 @@
                   </a:schemeClr>
                 </a:solidFill>
               </a:rPr>
-              <a:t>UNIQUE CATEGORIS</a:t>
+              <a:t>UNIQUE CATEGORIES</a:t>
             </a:r>
             <a:endParaRPr lang="de-DE" sz="4400" dirty="0">
               <a:solidFill>
@@ -23286,14 +24826,14 @@
           <p:nvPr>
             <p:extLst>
               <p:ext uri="{D42A27DB-BD31-4B8C-83A1-F6EECF244321}">
-                <p14:modId xmlns:p14="http://schemas.microsoft.com/office/powerpoint/2010/main" val="3457711968"/>
+                <p14:modId xmlns:p14="http://schemas.microsoft.com/office/powerpoint/2010/main" val="2175335625"/>
               </p:ext>
             </p:extLst>
           </p:nvPr>
         </p:nvGraphicFramePr>
         <p:xfrm>
-          <a:off x="2939406" y="2097782"/>
-          <a:ext cx="9072668" cy="5360459"/>
+          <a:off x="3043736" y="2570742"/>
+          <a:ext cx="13471509" cy="5978707"/>
         </p:xfrm>
         <a:graphic>
           <a:graphicData uri="http://schemas.openxmlformats.org/drawingml/2006/chart">
@@ -23301,36 +24841,160 @@
           </a:graphicData>
         </a:graphic>
       </p:graphicFrame>
-      <p:graphicFrame>
-        <p:nvGraphicFramePr>
-          <p:cNvPr id="36" name="Chart 35">
+      <p:sp>
+        <p:nvSpPr>
+          <p:cNvPr id="27" name="TextBox 26">
             <a:extLst>
               <a:ext uri="{FF2B5EF4-FFF2-40B4-BE49-F238E27FC236}">
-                <a16:creationId xmlns:a16="http://schemas.microsoft.com/office/drawing/2014/main" id="{645ACE65-2D02-479F-BD2A-A727AF127AFF}"/>
+                <a16:creationId xmlns:a16="http://schemas.microsoft.com/office/drawing/2014/main" id="{49B65275-B7AD-49D4-A38E-35B118556323}"/>
               </a:ext>
             </a:extLst>
           </p:cNvPr>
-          <p:cNvGraphicFramePr>
-            <a:graphicFrameLocks/>
-          </p:cNvGraphicFramePr>
-          <p:nvPr>
-            <p:extLst>
-              <p:ext uri="{D42A27DB-BD31-4B8C-83A1-F6EECF244321}">
-                <p14:modId xmlns:p14="http://schemas.microsoft.com/office/powerpoint/2010/main" val="1175998417"/>
-              </p:ext>
-            </p:extLst>
-          </p:nvPr>
-        </p:nvGraphicFramePr>
-        <p:xfrm>
-          <a:off x="12297648" y="2476500"/>
-          <a:ext cx="5955939" cy="4981741"/>
-        </p:xfrm>
-        <a:graphic>
-          <a:graphicData uri="http://schemas.openxmlformats.org/drawingml/2006/chart">
-            <c:chart xmlns:c="http://schemas.openxmlformats.org/drawingml/2006/chart" xmlns:r="http://schemas.openxmlformats.org/officeDocument/2006/relationships" r:id="rId8"/>
-          </a:graphicData>
-        </a:graphic>
-      </p:graphicFrame>
+          <p:cNvSpPr txBox="1"/>
+          <p:nvPr/>
+        </p:nvSpPr>
+        <p:spPr>
+          <a:xfrm>
+            <a:off x="2965678" y="1383832"/>
+            <a:ext cx="13453426" cy="584775"/>
+          </a:xfrm>
+          <a:prstGeom prst="rect">
+            <a:avLst/>
+          </a:prstGeom>
+          <a:noFill/>
+        </p:spPr>
+        <p:txBody>
+          <a:bodyPr wrap="square" rtlCol="0">
+            <a:spAutoFit/>
+          </a:bodyPr>
+          <a:lstStyle/>
+          <a:p>
+            <a:r>
+              <a:rPr lang="en-US" sz="3200" dirty="0">
+                <a:solidFill>
+                  <a:srgbClr val="2831A2"/>
+                </a:solidFill>
+              </a:rPr>
+              <a:t>More about Healthy-Eating and Travel, Less about Sports; Science Always Hot</a:t>
+            </a:r>
+            <a:endParaRPr lang="de-DE" sz="3200" dirty="0">
+              <a:solidFill>
+                <a:srgbClr val="2831A2"/>
+              </a:solidFill>
+            </a:endParaRPr>
+          </a:p>
+        </p:txBody>
+      </p:sp>
+      <p:cxnSp>
+        <p:nvCxnSpPr>
+          <p:cNvPr id="32" name="Straight Connector 31">
+            <a:extLst>
+              <a:ext uri="{FF2B5EF4-FFF2-40B4-BE49-F238E27FC236}">
+                <a16:creationId xmlns:a16="http://schemas.microsoft.com/office/drawing/2014/main" id="{54B1DCD2-8A5C-4C1C-9B75-6B95CF36EBDF}"/>
+              </a:ext>
+            </a:extLst>
+          </p:cNvPr>
+          <p:cNvCxnSpPr/>
+          <p:nvPr/>
+        </p:nvCxnSpPr>
+        <p:spPr>
+          <a:xfrm>
+            <a:off x="11941778" y="8039100"/>
+            <a:ext cx="0" cy="285473"/>
+          </a:xfrm>
+          <a:prstGeom prst="line">
+            <a:avLst/>
+          </a:prstGeom>
+        </p:spPr>
+        <p:style>
+          <a:lnRef idx="2">
+            <a:schemeClr val="accent1"/>
+          </a:lnRef>
+          <a:fillRef idx="0">
+            <a:schemeClr val="accent1"/>
+          </a:fillRef>
+          <a:effectRef idx="1">
+            <a:schemeClr val="accent1"/>
+          </a:effectRef>
+          <a:fontRef idx="minor">
+            <a:schemeClr val="tx1"/>
+          </a:fontRef>
+        </p:style>
+      </p:cxnSp>
+      <p:cxnSp>
+        <p:nvCxnSpPr>
+          <p:cNvPr id="34" name="Straight Connector 33">
+            <a:extLst>
+              <a:ext uri="{FF2B5EF4-FFF2-40B4-BE49-F238E27FC236}">
+                <a16:creationId xmlns:a16="http://schemas.microsoft.com/office/drawing/2014/main" id="{E63F05FC-A4A9-4D3D-9DE8-9AF6EFBF2952}"/>
+              </a:ext>
+            </a:extLst>
+          </p:cNvPr>
+          <p:cNvCxnSpPr/>
+          <p:nvPr/>
+        </p:nvCxnSpPr>
+        <p:spPr>
+          <a:xfrm flipV="1">
+            <a:off x="14554200" y="8039099"/>
+            <a:ext cx="0" cy="285474"/>
+          </a:xfrm>
+          <a:prstGeom prst="line">
+            <a:avLst/>
+          </a:prstGeom>
+        </p:spPr>
+        <p:style>
+          <a:lnRef idx="2">
+            <a:schemeClr val="accent1"/>
+          </a:lnRef>
+          <a:fillRef idx="0">
+            <a:schemeClr val="accent1"/>
+          </a:fillRef>
+          <a:effectRef idx="1">
+            <a:schemeClr val="accent1"/>
+          </a:effectRef>
+          <a:fontRef idx="minor">
+            <a:schemeClr val="tx1"/>
+          </a:fontRef>
+        </p:style>
+      </p:cxnSp>
+      <p:cxnSp>
+        <p:nvCxnSpPr>
+          <p:cNvPr id="35" name="Straight Connector 34">
+            <a:extLst>
+              <a:ext uri="{FF2B5EF4-FFF2-40B4-BE49-F238E27FC236}">
+                <a16:creationId xmlns:a16="http://schemas.microsoft.com/office/drawing/2014/main" id="{08A5D1B6-A3D3-4D3E-B37C-F32FE82267B1}"/>
+              </a:ext>
+            </a:extLst>
+          </p:cNvPr>
+          <p:cNvCxnSpPr>
+            <a:cxnSpLocks/>
+          </p:cNvCxnSpPr>
+          <p:nvPr/>
+        </p:nvCxnSpPr>
+        <p:spPr>
+          <a:xfrm>
+            <a:off x="11941778" y="8324573"/>
+            <a:ext cx="2612422" cy="0"/>
+          </a:xfrm>
+          <a:prstGeom prst="line">
+            <a:avLst/>
+          </a:prstGeom>
+        </p:spPr>
+        <p:style>
+          <a:lnRef idx="2">
+            <a:schemeClr val="accent1"/>
+          </a:lnRef>
+          <a:fillRef idx="0">
+            <a:schemeClr val="accent1"/>
+          </a:fillRef>
+          <a:effectRef idx="1">
+            <a:schemeClr val="accent1"/>
+          </a:effectRef>
+          <a:fontRef idx="minor">
+            <a:schemeClr val="tx1"/>
+          </a:fontRef>
+        </p:style>
+      </p:cxnSp>
     </p:spTree>
     <p:extLst>
       <p:ext uri="{BB962C8B-B14F-4D97-AF65-F5344CB8AC3E}">
@@ -23746,7 +25410,7 @@
         </p:nvGrpSpPr>
         <p:grpSpPr>
           <a:xfrm>
-            <a:off x="655751" y="-710238"/>
+            <a:off x="655752" y="-1235382"/>
             <a:ext cx="17253775" cy="2017079"/>
             <a:chOff x="0" y="0"/>
             <a:chExt cx="23005033" cy="2689439"/>
@@ -24134,12 +25798,60 @@
           </p:spPr>
         </p:pic>
       </p:grpSp>
+      <p:sp>
+        <p:nvSpPr>
+          <p:cNvPr id="27" name="TextBox 26">
+            <a:extLst>
+              <a:ext uri="{FF2B5EF4-FFF2-40B4-BE49-F238E27FC236}">
+                <a16:creationId xmlns:a16="http://schemas.microsoft.com/office/drawing/2014/main" id="{49B65275-B7AD-49D4-A38E-35B118556323}"/>
+              </a:ext>
+            </a:extLst>
+          </p:cNvPr>
+          <p:cNvSpPr txBox="1"/>
+          <p:nvPr/>
+        </p:nvSpPr>
+        <p:spPr>
+          <a:xfrm>
+            <a:off x="2724116" y="1177598"/>
+            <a:ext cx="13453426" cy="646331"/>
+          </a:xfrm>
+          <a:prstGeom prst="rect">
+            <a:avLst/>
+          </a:prstGeom>
+          <a:noFill/>
+        </p:spPr>
+        <p:txBody>
+          <a:bodyPr wrap="square" rtlCol="0">
+            <a:spAutoFit/>
+          </a:bodyPr>
+          <a:lstStyle/>
+          <a:p>
+            <a:r>
+              <a:rPr lang="en-US" sz="3600" dirty="0">
+                <a:solidFill>
+                  <a:schemeClr val="accent4">
+                    <a:lumMod val="75000"/>
+                  </a:schemeClr>
+                </a:solidFill>
+              </a:rPr>
+              <a:t>Free-Time, Cultural, and Healthy-Food Issues Gave Positive Signals </a:t>
+            </a:r>
+            <a:endParaRPr lang="de-DE" sz="3600" dirty="0">
+              <a:solidFill>
+                <a:schemeClr val="accent4">
+                  <a:lumMod val="75000"/>
+                </a:schemeClr>
+              </a:solidFill>
+            </a:endParaRPr>
+          </a:p>
+        </p:txBody>
+      </p:sp>
       <p:graphicFrame>
         <p:nvGraphicFramePr>
-          <p:cNvPr id="31" name="Chart 30">
+          <p:cNvPr id="36" name="Chart 35">
             <a:extLst>
               <a:ext uri="{FF2B5EF4-FFF2-40B4-BE49-F238E27FC236}">
-                <a16:creationId xmlns:a16="http://schemas.microsoft.com/office/drawing/2014/main" id="{BAAEF021-C82C-4A8C-841D-0691B405F7B9}"/>
+                <a16:creationId xmlns:a16="http://schemas.microsoft.com/office/drawing/2014/main" id="{645ACE65-2D02-479F-BD2A-A727AF127AFF}"/>
               </a:ext>
             </a:extLst>
           </p:cNvPr>
@@ -24149,14 +25861,14 @@
           <p:nvPr>
             <p:extLst>
               <p:ext uri="{D42A27DB-BD31-4B8C-83A1-F6EECF244321}">
-                <p14:modId xmlns:p14="http://schemas.microsoft.com/office/powerpoint/2010/main" val="2581686654"/>
+                <p14:modId xmlns:p14="http://schemas.microsoft.com/office/powerpoint/2010/main" val="3755611713"/>
               </p:ext>
             </p:extLst>
           </p:nvPr>
         </p:nvGraphicFramePr>
         <p:xfrm>
-          <a:off x="5199194" y="2582372"/>
-          <a:ext cx="10105481" cy="5633082"/>
+          <a:off x="5867400" y="2221344"/>
+          <a:ext cx="9213821" cy="6884556"/>
         </p:xfrm>
         <a:graphic>
           <a:graphicData uri="http://schemas.openxmlformats.org/drawingml/2006/chart">
@@ -24164,7 +25876,156 @@
           </a:graphicData>
         </a:graphic>
       </p:graphicFrame>
+      <p:sp>
+        <p:nvSpPr>
+          <p:cNvPr id="30" name="Oval 29">
+            <a:extLst>
+              <a:ext uri="{FF2B5EF4-FFF2-40B4-BE49-F238E27FC236}">
+                <a16:creationId xmlns:a16="http://schemas.microsoft.com/office/drawing/2014/main" id="{9BBE6124-95CF-48B9-98C0-171463265865}"/>
+              </a:ext>
+            </a:extLst>
+          </p:cNvPr>
+          <p:cNvSpPr/>
+          <p:nvPr/>
+        </p:nvSpPr>
+        <p:spPr>
+          <a:xfrm>
+            <a:off x="10238844" y="5143500"/>
+            <a:ext cx="1960145" cy="1981200"/>
+          </a:xfrm>
+          <a:prstGeom prst="ellipse">
+            <a:avLst/>
+          </a:prstGeom>
+          <a:solidFill>
+            <a:schemeClr val="accent2">
+              <a:lumMod val="40000"/>
+              <a:lumOff val="60000"/>
+              <a:alpha val="50000"/>
+            </a:schemeClr>
+          </a:solidFill>
+          <a:ln>
+            <a:noFill/>
+          </a:ln>
+        </p:spPr>
+        <p:style>
+          <a:lnRef idx="0">
+            <a:scrgbClr r="0" g="0" b="0"/>
+          </a:lnRef>
+          <a:fillRef idx="0">
+            <a:scrgbClr r="0" g="0" b="0"/>
+          </a:fillRef>
+          <a:effectRef idx="0">
+            <a:scrgbClr r="0" g="0" b="0"/>
+          </a:effectRef>
+          <a:fontRef idx="minor">
+            <a:schemeClr val="lt1"/>
+          </a:fontRef>
+        </p:style>
+        <p:txBody>
+          <a:bodyPr/>
+          <a:lstStyle>
+            <a:lvl1pPr marL="0" indent="0">
+              <a:defRPr sz="1100">
+                <a:solidFill>
+                  <a:schemeClr val="lt1"/>
+                </a:solidFill>
+                <a:latin typeface="+mn-lt"/>
+                <a:ea typeface="+mn-ea"/>
+                <a:cs typeface="+mn-cs"/>
+              </a:defRPr>
+            </a:lvl1pPr>
+            <a:lvl2pPr marL="457200" indent="0">
+              <a:defRPr sz="1100">
+                <a:solidFill>
+                  <a:schemeClr val="lt1"/>
+                </a:solidFill>
+                <a:latin typeface="+mn-lt"/>
+                <a:ea typeface="+mn-ea"/>
+                <a:cs typeface="+mn-cs"/>
+              </a:defRPr>
+            </a:lvl2pPr>
+            <a:lvl3pPr marL="914400" indent="0">
+              <a:defRPr sz="1100">
+                <a:solidFill>
+                  <a:schemeClr val="lt1"/>
+                </a:solidFill>
+                <a:latin typeface="+mn-lt"/>
+                <a:ea typeface="+mn-ea"/>
+                <a:cs typeface="+mn-cs"/>
+              </a:defRPr>
+            </a:lvl3pPr>
+            <a:lvl4pPr marL="1371600" indent="0">
+              <a:defRPr sz="1100">
+                <a:solidFill>
+                  <a:schemeClr val="lt1"/>
+                </a:solidFill>
+                <a:latin typeface="+mn-lt"/>
+                <a:ea typeface="+mn-ea"/>
+                <a:cs typeface="+mn-cs"/>
+              </a:defRPr>
+            </a:lvl4pPr>
+            <a:lvl5pPr marL="1828800" indent="0">
+              <a:defRPr sz="1100">
+                <a:solidFill>
+                  <a:schemeClr val="lt1"/>
+                </a:solidFill>
+                <a:latin typeface="+mn-lt"/>
+                <a:ea typeface="+mn-ea"/>
+                <a:cs typeface="+mn-cs"/>
+              </a:defRPr>
+            </a:lvl5pPr>
+            <a:lvl6pPr marL="2286000" indent="0">
+              <a:defRPr sz="1100">
+                <a:solidFill>
+                  <a:schemeClr val="lt1"/>
+                </a:solidFill>
+                <a:latin typeface="+mn-lt"/>
+                <a:ea typeface="+mn-ea"/>
+                <a:cs typeface="+mn-cs"/>
+              </a:defRPr>
+            </a:lvl6pPr>
+            <a:lvl7pPr marL="2743200" indent="0">
+              <a:defRPr sz="1100">
+                <a:solidFill>
+                  <a:schemeClr val="lt1"/>
+                </a:solidFill>
+                <a:latin typeface="+mn-lt"/>
+                <a:ea typeface="+mn-ea"/>
+                <a:cs typeface="+mn-cs"/>
+              </a:defRPr>
+            </a:lvl7pPr>
+            <a:lvl8pPr marL="3200400" indent="0">
+              <a:defRPr sz="1100">
+                <a:solidFill>
+                  <a:schemeClr val="lt1"/>
+                </a:solidFill>
+                <a:latin typeface="+mn-lt"/>
+                <a:ea typeface="+mn-ea"/>
+                <a:cs typeface="+mn-cs"/>
+              </a:defRPr>
+            </a:lvl8pPr>
+            <a:lvl9pPr marL="3657600" indent="0">
+              <a:defRPr sz="1100">
+                <a:solidFill>
+                  <a:schemeClr val="lt1"/>
+                </a:solidFill>
+                <a:latin typeface="+mn-lt"/>
+                <a:ea typeface="+mn-ea"/>
+                <a:cs typeface="+mn-cs"/>
+              </a:defRPr>
+            </a:lvl9pPr>
+          </a:lstStyle>
+          <a:p>
+            <a:endParaRPr lang="de-DE"/>
+          </a:p>
+        </p:txBody>
+      </p:sp>
     </p:spTree>
+    <p:extLst>
+      <p:ext uri="{BB962C8B-B14F-4D97-AF65-F5344CB8AC3E}">
+        <p14:creationId xmlns:p14="http://schemas.microsoft.com/office/powerpoint/2010/main" val="505958749"/>
+      </p:ext>
+    </p:extLst>
   </p:cSld>
   <p:clrMapOvr>
     <a:masterClrMapping/>

--- a/Data Analytics template - Task 3_final.pptx
+++ b/Data Analytics template - Task 3_final.pptx
@@ -5,7 +5,7 @@
     <p:sldMasterId id="2147483648" r:id="rId1"/>
   </p:sldMasterIdLst>
   <p:notesMasterIdLst>
-    <p:notesMasterId r:id="rId15"/>
+    <p:notesMasterId r:id="rId16"/>
   </p:notesMasterIdLst>
   <p:sldIdLst>
     <p:sldId id="256" r:id="rId2"/>
@@ -16,21 +16,22 @@
     <p:sldId id="261" r:id="rId7"/>
     <p:sldId id="262" r:id="rId8"/>
     <p:sldId id="267" r:id="rId9"/>
-    <p:sldId id="269" r:id="rId10"/>
-    <p:sldId id="263" r:id="rId11"/>
-    <p:sldId id="268" r:id="rId12"/>
-    <p:sldId id="265" r:id="rId13"/>
-    <p:sldId id="266" r:id="rId14"/>
+    <p:sldId id="270" r:id="rId10"/>
+    <p:sldId id="269" r:id="rId11"/>
+    <p:sldId id="263" r:id="rId12"/>
+    <p:sldId id="268" r:id="rId13"/>
+    <p:sldId id="265" r:id="rId14"/>
+    <p:sldId id="266" r:id="rId15"/>
   </p:sldIdLst>
   <p:sldSz cx="18288000" cy="10287000"/>
   <p:notesSz cx="6858000" cy="9144000"/>
   <p:embeddedFontLst>
     <p:embeddedFont>
       <p:font typeface="Calibri" panose="020F0502020204030204" pitchFamily="34" charset="0"/>
-      <p:regular r:id="rId16"/>
-      <p:bold r:id="rId17"/>
-      <p:italic r:id="rId18"/>
-      <p:boldItalic r:id="rId19"/>
+      <p:regular r:id="rId17"/>
+      <p:bold r:id="rId18"/>
+      <p:italic r:id="rId19"/>
+      <p:boldItalic r:id="rId20"/>
     </p:embeddedFont>
   </p:embeddedFontLst>
   <p:defaultTextStyle>
@@ -141,6 +142,7 @@
             <p14:sldId id="261"/>
             <p14:sldId id="262"/>
             <p14:sldId id="267"/>
+            <p14:sldId id="270"/>
             <p14:sldId id="269"/>
           </p14:sldIdLst>
         </p14:section>
@@ -1412,6 +1414,114 @@
             </a:sp3d>
           </c:spPr>
           <c:invertIfNegative val="0"/>
+          <c:dPt>
+            <c:idx val="3"/>
+            <c:invertIfNegative val="0"/>
+            <c:bubble3D val="0"/>
+            <c:spPr>
+              <a:solidFill>
+                <a:srgbClr val="00B050"/>
+              </a:solidFill>
+              <a:ln>
+                <a:noFill/>
+              </a:ln>
+              <a:effectLst>
+                <a:outerShdw blurRad="57150" dist="19050" dir="5400000" algn="ctr" rotWithShape="0">
+                  <a:srgbClr val="000000">
+                    <a:alpha val="63000"/>
+                  </a:srgbClr>
+                </a:outerShdw>
+              </a:effectLst>
+              <a:scene3d>
+                <a:camera prst="orthographicFront">
+                  <a:rot lat="0" lon="0" rev="0"/>
+                </a:camera>
+                <a:lightRig rig="threePt" dir="t">
+                  <a:rot lat="0" lon="0" rev="1200000"/>
+                </a:lightRig>
+              </a:scene3d>
+              <a:sp3d>
+                <a:bevelT w="63500" h="25400"/>
+              </a:sp3d>
+            </c:spPr>
+            <c:extLst>
+              <c:ext xmlns:c16="http://schemas.microsoft.com/office/drawing/2014/chart" uri="{C3380CC4-5D6E-409C-BE32-E72D297353CC}">
+                <c16:uniqueId val="{00000002-D11D-43C9-AEEC-AF26D8EA99B5}"/>
+              </c:ext>
+            </c:extLst>
+          </c:dPt>
+          <c:dPt>
+            <c:idx val="8"/>
+            <c:invertIfNegative val="0"/>
+            <c:bubble3D val="0"/>
+            <c:spPr>
+              <a:solidFill>
+                <a:srgbClr val="00B050"/>
+              </a:solidFill>
+              <a:ln>
+                <a:noFill/>
+              </a:ln>
+              <a:effectLst>
+                <a:outerShdw blurRad="57150" dist="19050" dir="5400000" algn="ctr" rotWithShape="0">
+                  <a:srgbClr val="000000">
+                    <a:alpha val="63000"/>
+                  </a:srgbClr>
+                </a:outerShdw>
+              </a:effectLst>
+              <a:scene3d>
+                <a:camera prst="orthographicFront">
+                  <a:rot lat="0" lon="0" rev="0"/>
+                </a:camera>
+                <a:lightRig rig="threePt" dir="t">
+                  <a:rot lat="0" lon="0" rev="1200000"/>
+                </a:lightRig>
+              </a:scene3d>
+              <a:sp3d>
+                <a:bevelT w="63500" h="25400"/>
+              </a:sp3d>
+            </c:spPr>
+            <c:extLst>
+              <c:ext xmlns:c16="http://schemas.microsoft.com/office/drawing/2014/chart" uri="{C3380CC4-5D6E-409C-BE32-E72D297353CC}">
+                <c16:uniqueId val="{00000003-D11D-43C9-AEEC-AF26D8EA99B5}"/>
+              </c:ext>
+            </c:extLst>
+          </c:dPt>
+          <c:dPt>
+            <c:idx val="12"/>
+            <c:invertIfNegative val="0"/>
+            <c:bubble3D val="0"/>
+            <c:spPr>
+              <a:solidFill>
+                <a:srgbClr val="00B050"/>
+              </a:solidFill>
+              <a:ln>
+                <a:noFill/>
+              </a:ln>
+              <a:effectLst>
+                <a:outerShdw blurRad="57150" dist="19050" dir="5400000" algn="ctr" rotWithShape="0">
+                  <a:srgbClr val="000000">
+                    <a:alpha val="63000"/>
+                  </a:srgbClr>
+                </a:outerShdw>
+              </a:effectLst>
+              <a:scene3d>
+                <a:camera prst="orthographicFront">
+                  <a:rot lat="0" lon="0" rev="0"/>
+                </a:camera>
+                <a:lightRig rig="threePt" dir="t">
+                  <a:rot lat="0" lon="0" rev="1200000"/>
+                </a:lightRig>
+              </a:scene3d>
+              <a:sp3d>
+                <a:bevelT w="63500" h="25400"/>
+              </a:sp3d>
+            </c:spPr>
+            <c:extLst>
+              <c:ext xmlns:c16="http://schemas.microsoft.com/office/drawing/2014/chart" uri="{C3380CC4-5D6E-409C-BE32-E72D297353CC}">
+                <c16:uniqueId val="{00000004-D11D-43C9-AEEC-AF26D8EA99B5}"/>
+              </c:ext>
+            </c:extLst>
+          </c:dPt>
           <c:cat>
             <c:strRef>
               <c:f>Sheet1!$A$4:$A$20</c:f>
@@ -1727,6 +1837,2073 @@
         <c:axId val="155743232"/>
         <c:axId val="155749888"/>
       </c:barChart>
+      <c:catAx>
+        <c:axId val="155743232"/>
+        <c:scaling>
+          <c:orientation val="minMax"/>
+        </c:scaling>
+        <c:delete val="0"/>
+        <c:axPos val="b"/>
+        <c:title>
+          <c:tx>
+            <c:rich>
+              <a:bodyPr rot="0" spcFirstLastPara="1" vertOverflow="ellipsis" vert="horz" wrap="square" anchor="ctr" anchorCtr="1"/>
+              <a:lstStyle/>
+              <a:p>
+                <a:pPr>
+                  <a:defRPr sz="2400" b="1" i="0" u="none" strike="noStrike" kern="1200" cap="all" baseline="0">
+                    <a:solidFill>
+                      <a:schemeClr val="lt1">
+                        <a:lumMod val="85000"/>
+                      </a:schemeClr>
+                    </a:solidFill>
+                    <a:latin typeface="+mn-lt"/>
+                    <a:ea typeface="+mn-ea"/>
+                    <a:cs typeface="+mn-cs"/>
+                  </a:defRPr>
+                </a:pPr>
+                <a:r>
+                  <a:rPr lang="de-DE" sz="2400"/>
+                  <a:t>Categories</a:t>
+                </a:r>
+              </a:p>
+            </c:rich>
+          </c:tx>
+          <c:overlay val="0"/>
+          <c:spPr>
+            <a:noFill/>
+            <a:ln>
+              <a:noFill/>
+            </a:ln>
+            <a:effectLst/>
+          </c:spPr>
+          <c:txPr>
+            <a:bodyPr rot="0" spcFirstLastPara="1" vertOverflow="ellipsis" vert="horz" wrap="square" anchor="ctr" anchorCtr="1"/>
+            <a:lstStyle/>
+            <a:p>
+              <a:pPr>
+                <a:defRPr sz="2400" b="1" i="0" u="none" strike="noStrike" kern="1200" cap="all" baseline="0">
+                  <a:solidFill>
+                    <a:schemeClr val="lt1">
+                      <a:lumMod val="85000"/>
+                    </a:schemeClr>
+                  </a:solidFill>
+                  <a:latin typeface="+mn-lt"/>
+                  <a:ea typeface="+mn-ea"/>
+                  <a:cs typeface="+mn-cs"/>
+                </a:defRPr>
+              </a:pPr>
+              <a:endParaRPr lang="de-DE"/>
+            </a:p>
+          </c:txPr>
+        </c:title>
+        <c:numFmt formatCode="General" sourceLinked="1"/>
+        <c:majorTickMark val="none"/>
+        <c:minorTickMark val="none"/>
+        <c:tickLblPos val="nextTo"/>
+        <c:spPr>
+          <a:noFill/>
+          <a:ln w="12700" cap="flat" cmpd="sng" algn="ctr">
+            <a:solidFill>
+              <a:schemeClr val="lt1">
+                <a:lumMod val="95000"/>
+                <a:alpha val="54000"/>
+              </a:schemeClr>
+            </a:solidFill>
+            <a:round/>
+          </a:ln>
+          <a:effectLst/>
+        </c:spPr>
+        <c:txPr>
+          <a:bodyPr rot="-60000000" spcFirstLastPara="1" vertOverflow="ellipsis" vert="horz" wrap="square" anchor="ctr" anchorCtr="1"/>
+          <a:lstStyle/>
+          <a:p>
+            <a:pPr>
+              <a:defRPr sz="1400" b="0" i="0" u="none" strike="noStrike" kern="1200" baseline="0">
+                <a:solidFill>
+                  <a:schemeClr val="lt1">
+                    <a:lumMod val="85000"/>
+                  </a:schemeClr>
+                </a:solidFill>
+                <a:latin typeface="+mn-lt"/>
+                <a:ea typeface="+mn-ea"/>
+                <a:cs typeface="+mn-cs"/>
+              </a:defRPr>
+            </a:pPr>
+            <a:endParaRPr lang="de-DE"/>
+          </a:p>
+        </c:txPr>
+        <c:crossAx val="155749888"/>
+        <c:crosses val="autoZero"/>
+        <c:auto val="1"/>
+        <c:lblAlgn val="ctr"/>
+        <c:lblOffset val="100"/>
+        <c:noMultiLvlLbl val="0"/>
+      </c:catAx>
+      <c:valAx>
+        <c:axId val="155749888"/>
+        <c:scaling>
+          <c:orientation val="minMax"/>
+          <c:min val="30000"/>
+        </c:scaling>
+        <c:delete val="0"/>
+        <c:axPos val="l"/>
+        <c:majorGridlines>
+          <c:spPr>
+            <a:ln w="9525" cap="flat" cmpd="sng" algn="ctr">
+              <a:solidFill>
+                <a:schemeClr val="lt1">
+                  <a:lumMod val="95000"/>
+                  <a:alpha val="10000"/>
+                </a:schemeClr>
+              </a:solidFill>
+              <a:round/>
+            </a:ln>
+            <a:effectLst/>
+          </c:spPr>
+        </c:majorGridlines>
+        <c:title>
+          <c:tx>
+            <c:rich>
+              <a:bodyPr rot="-5400000" spcFirstLastPara="1" vertOverflow="ellipsis" vert="horz" wrap="square" anchor="ctr" anchorCtr="1"/>
+              <a:lstStyle/>
+              <a:p>
+                <a:pPr>
+                  <a:defRPr sz="1400" b="1" i="0" u="none" strike="noStrike" kern="1200" cap="all" baseline="0">
+                    <a:solidFill>
+                      <a:schemeClr val="lt1">
+                        <a:lumMod val="85000"/>
+                      </a:schemeClr>
+                    </a:solidFill>
+                    <a:latin typeface="+mn-lt"/>
+                    <a:ea typeface="+mn-ea"/>
+                    <a:cs typeface="+mn-cs"/>
+                  </a:defRPr>
+                </a:pPr>
+                <a:r>
+                  <a:rPr lang="de-DE" sz="1400"/>
+                  <a:t>Total Scores</a:t>
+                </a:r>
+              </a:p>
+            </c:rich>
+          </c:tx>
+          <c:overlay val="0"/>
+          <c:spPr>
+            <a:noFill/>
+            <a:ln>
+              <a:noFill/>
+            </a:ln>
+            <a:effectLst/>
+          </c:spPr>
+          <c:txPr>
+            <a:bodyPr rot="-5400000" spcFirstLastPara="1" vertOverflow="ellipsis" vert="horz" wrap="square" anchor="ctr" anchorCtr="1"/>
+            <a:lstStyle/>
+            <a:p>
+              <a:pPr>
+                <a:defRPr sz="1400" b="1" i="0" u="none" strike="noStrike" kern="1200" cap="all" baseline="0">
+                  <a:solidFill>
+                    <a:schemeClr val="lt1">
+                      <a:lumMod val="85000"/>
+                    </a:schemeClr>
+                  </a:solidFill>
+                  <a:latin typeface="+mn-lt"/>
+                  <a:ea typeface="+mn-ea"/>
+                  <a:cs typeface="+mn-cs"/>
+                </a:defRPr>
+              </a:pPr>
+              <a:endParaRPr lang="de-DE"/>
+            </a:p>
+          </c:txPr>
+        </c:title>
+        <c:numFmt formatCode="_(* #,##0_);_(* \(#,##0\);_(* &quot;-&quot;??_);_(@_)" sourceLinked="1"/>
+        <c:majorTickMark val="none"/>
+        <c:minorTickMark val="none"/>
+        <c:tickLblPos val="nextTo"/>
+        <c:spPr>
+          <a:noFill/>
+          <a:ln>
+            <a:noFill/>
+          </a:ln>
+          <a:effectLst/>
+        </c:spPr>
+        <c:txPr>
+          <a:bodyPr rot="-60000000" spcFirstLastPara="1" vertOverflow="ellipsis" vert="horz" wrap="square" anchor="ctr" anchorCtr="1"/>
+          <a:lstStyle/>
+          <a:p>
+            <a:pPr>
+              <a:defRPr sz="900" b="0" i="0" u="none" strike="noStrike" kern="1200" baseline="0">
+                <a:solidFill>
+                  <a:schemeClr val="lt1">
+                    <a:lumMod val="85000"/>
+                  </a:schemeClr>
+                </a:solidFill>
+                <a:latin typeface="+mn-lt"/>
+                <a:ea typeface="+mn-ea"/>
+                <a:cs typeface="+mn-cs"/>
+              </a:defRPr>
+            </a:pPr>
+            <a:endParaRPr lang="de-DE"/>
+          </a:p>
+        </c:txPr>
+        <c:crossAx val="155743232"/>
+        <c:crosses val="autoZero"/>
+        <c:crossBetween val="between"/>
+      </c:valAx>
+      <c:spPr>
+        <a:noFill/>
+        <a:ln>
+          <a:noFill/>
+        </a:ln>
+        <a:effectLst/>
+      </c:spPr>
+    </c:plotArea>
+    <c:legend>
+      <c:legendPos val="r"/>
+      <c:legendEntry>
+        <c:idx val="1"/>
+        <c:delete val="1"/>
+      </c:legendEntry>
+      <c:overlay val="0"/>
+      <c:spPr>
+        <a:noFill/>
+        <a:ln>
+          <a:noFill/>
+        </a:ln>
+        <a:effectLst/>
+      </c:spPr>
+      <c:txPr>
+        <a:bodyPr rot="0" spcFirstLastPara="1" vertOverflow="ellipsis" vert="horz" wrap="square" anchor="ctr" anchorCtr="1"/>
+        <a:lstStyle/>
+        <a:p>
+          <a:pPr>
+            <a:defRPr sz="1200" b="0" i="0" u="none" strike="noStrike" kern="1200" baseline="0">
+              <a:solidFill>
+                <a:schemeClr val="lt1">
+                  <a:lumMod val="85000"/>
+                </a:schemeClr>
+              </a:solidFill>
+              <a:latin typeface="+mn-lt"/>
+              <a:ea typeface="+mn-ea"/>
+              <a:cs typeface="+mn-cs"/>
+            </a:defRPr>
+          </a:pPr>
+          <a:endParaRPr lang="de-DE"/>
+        </a:p>
+      </c:txPr>
+    </c:legend>
+    <c:plotVisOnly val="1"/>
+    <c:dispBlanksAs val="gap"/>
+    <c:extLst>
+      <c:ext xmlns:c16r3="http://schemas.microsoft.com/office/drawing/2017/03/chart" uri="{56B9EC1D-385E-4148-901F-78D8002777C0}">
+        <c16r3:dataDisplayOptions16>
+          <c16r3:dispNaAsBlank val="1"/>
+        </c16r3:dataDisplayOptions16>
+      </c:ext>
+    </c:extLst>
+    <c:showDLblsOverMax val="0"/>
+  </c:chart>
+  <c:spPr>
+    <a:gradFill flip="none" rotWithShape="1">
+      <a:gsLst>
+        <a:gs pos="0">
+          <a:schemeClr val="dk1">
+            <a:lumMod val="65000"/>
+            <a:lumOff val="35000"/>
+          </a:schemeClr>
+        </a:gs>
+        <a:gs pos="100000">
+          <a:schemeClr val="dk1">
+            <a:lumMod val="85000"/>
+            <a:lumOff val="15000"/>
+          </a:schemeClr>
+        </a:gs>
+      </a:gsLst>
+      <a:path path="circle">
+        <a:fillToRect l="50000" t="50000" r="50000" b="50000"/>
+      </a:path>
+      <a:tileRect/>
+    </a:gradFill>
+    <a:ln>
+      <a:noFill/>
+    </a:ln>
+    <a:effectLst/>
+  </c:spPr>
+  <c:txPr>
+    <a:bodyPr/>
+    <a:lstStyle/>
+    <a:p>
+      <a:pPr>
+        <a:defRPr/>
+      </a:pPr>
+      <a:endParaRPr lang="de-DE"/>
+    </a:p>
+  </c:txPr>
+  <c:externalData r:id="rId3">
+    <c:autoUpdate val="0"/>
+  </c:externalData>
+  <c:userShapes r:id="rId4"/>
+  <c:extLst>
+    <c:ext xmlns:c14="http://schemas.microsoft.com/office/drawing/2007/8/2/chart" uri="{781A3756-C4B2-4CAC-9D66-4F8BD8637D16}">
+      <c14:pivotOptions>
+        <c14:dropZoneFilter val="1"/>
+        <c14:dropZoneCategories val="1"/>
+        <c14:dropZoneData val="1"/>
+        <c14:dropZoneSeries val="1"/>
+        <c14:dropZonesVisible val="1"/>
+      </c14:pivotOptions>
+    </c:ext>
+    <c:ext xmlns:c16="http://schemas.microsoft.com/office/drawing/2014/chart" uri="{E28EC0CA-F0BB-4C9C-879D-F8772B89E7AC}">
+      <c16:pivotOptions16>
+        <c16:showExpandCollapseFieldButtons val="1"/>
+      </c16:pivotOptions16>
+    </c:ext>
+  </c:extLst>
+</c:chartSpace>
+</file>
+
+<file path=ppt/charts/chart2.xml><?xml version="1.0" encoding="utf-8"?>
+<c:chartSpace xmlns:c="http://schemas.openxmlformats.org/drawingml/2006/chart" xmlns:a="http://schemas.openxmlformats.org/drawingml/2006/main" xmlns:r="http://schemas.openxmlformats.org/officeDocument/2006/relationships" xmlns:c16r2="http://schemas.microsoft.com/office/drawing/2015/06/chart">
+  <c:date1904 val="0"/>
+  <c:lang val="en-US"/>
+  <c:roundedCorners val="0"/>
+  <mc:AlternateContent xmlns:mc="http://schemas.openxmlformats.org/markup-compatibility/2006">
+    <mc:Choice xmlns:c14="http://schemas.microsoft.com/office/drawing/2007/8/2/chart" Requires="c14">
+      <c14:style val="102"/>
+    </mc:Choice>
+    <mc:Fallback>
+      <c:style val="2"/>
+    </mc:Fallback>
+  </mc:AlternateContent>
+  <c:pivotSource>
+    <c:name>[Reactions.xlsx]Sheet1!PivotTable1</c:name>
+    <c:fmtId val="19"/>
+  </c:pivotSource>
+  <c:chart>
+    <c:autoTitleDeleted val="0"/>
+    <c:pivotFmts>
+      <c:pivotFmt>
+        <c:idx val="0"/>
+        <c:spPr>
+          <a:gradFill rotWithShape="1">
+            <a:gsLst>
+              <a:gs pos="0">
+                <a:schemeClr val="accent1">
+                  <a:shade val="51000"/>
+                  <a:satMod val="130000"/>
+                </a:schemeClr>
+              </a:gs>
+              <a:gs pos="80000">
+                <a:schemeClr val="accent1">
+                  <a:shade val="93000"/>
+                  <a:satMod val="130000"/>
+                </a:schemeClr>
+              </a:gs>
+              <a:gs pos="100000">
+                <a:schemeClr val="accent1">
+                  <a:shade val="94000"/>
+                  <a:satMod val="135000"/>
+                </a:schemeClr>
+              </a:gs>
+            </a:gsLst>
+            <a:lin ang="16200000" scaled="0"/>
+          </a:gradFill>
+          <a:ln>
+            <a:noFill/>
+          </a:ln>
+          <a:effectLst>
+            <a:outerShdw blurRad="57150" dist="19050" dir="5400000" algn="ctr" rotWithShape="0">
+              <a:srgbClr val="000000">
+                <a:alpha val="63000"/>
+              </a:srgbClr>
+            </a:outerShdw>
+          </a:effectLst>
+          <a:scene3d>
+            <a:camera prst="orthographicFront">
+              <a:rot lat="0" lon="0" rev="0"/>
+            </a:camera>
+            <a:lightRig rig="threePt" dir="t">
+              <a:rot lat="0" lon="0" rev="1200000"/>
+            </a:lightRig>
+          </a:scene3d>
+          <a:sp3d>
+            <a:bevelT w="63500" h="25400"/>
+          </a:sp3d>
+        </c:spPr>
+        <c:marker>
+          <c:symbol val="circle"/>
+          <c:size val="6"/>
+          <c:spPr>
+            <a:gradFill rotWithShape="1">
+              <a:gsLst>
+                <a:gs pos="0">
+                  <a:schemeClr val="accent1">
+                    <a:shade val="51000"/>
+                    <a:satMod val="130000"/>
+                  </a:schemeClr>
+                </a:gs>
+                <a:gs pos="80000">
+                  <a:schemeClr val="accent1">
+                    <a:shade val="93000"/>
+                    <a:satMod val="130000"/>
+                  </a:schemeClr>
+                </a:gs>
+                <a:gs pos="100000">
+                  <a:schemeClr val="accent1">
+                    <a:shade val="94000"/>
+                    <a:satMod val="135000"/>
+                  </a:schemeClr>
+                </a:gs>
+              </a:gsLst>
+              <a:lin ang="16200000" scaled="0"/>
+            </a:gradFill>
+            <a:ln w="9525">
+              <a:solidFill>
+                <a:schemeClr val="accent1"/>
+              </a:solidFill>
+              <a:round/>
+            </a:ln>
+            <a:effectLst>
+              <a:outerShdw blurRad="57150" dist="19050" dir="5400000" algn="ctr" rotWithShape="0">
+                <a:srgbClr val="000000">
+                  <a:alpha val="63000"/>
+                </a:srgbClr>
+              </a:outerShdw>
+            </a:effectLst>
+            <a:scene3d>
+              <a:camera prst="orthographicFront">
+                <a:rot lat="0" lon="0" rev="0"/>
+              </a:camera>
+              <a:lightRig rig="threePt" dir="t">
+                <a:rot lat="0" lon="0" rev="1200000"/>
+              </a:lightRig>
+            </a:scene3d>
+            <a:sp3d>
+              <a:bevelT w="63500" h="25400"/>
+            </a:sp3d>
+          </c:spPr>
+        </c:marker>
+        <c:dLbl>
+          <c:idx val="0"/>
+          <c:spPr>
+            <a:noFill/>
+            <a:ln>
+              <a:noFill/>
+            </a:ln>
+            <a:effectLst/>
+          </c:spPr>
+          <c:txPr>
+            <a:bodyPr rot="0" spcFirstLastPara="1" vertOverflow="ellipsis" vert="horz" wrap="square" lIns="38100" tIns="19050" rIns="38100" bIns="19050" anchor="ctr" anchorCtr="1">
+              <a:spAutoFit/>
+            </a:bodyPr>
+            <a:lstStyle/>
+            <a:p>
+              <a:pPr>
+                <a:defRPr sz="900" b="0" i="0" u="none" strike="noStrike" kern="1200" baseline="0">
+                  <a:solidFill>
+                    <a:schemeClr val="lt1">
+                      <a:lumMod val="85000"/>
+                    </a:schemeClr>
+                  </a:solidFill>
+                  <a:latin typeface="+mn-lt"/>
+                  <a:ea typeface="+mn-ea"/>
+                  <a:cs typeface="+mn-cs"/>
+                </a:defRPr>
+              </a:pPr>
+              <a:endParaRPr lang="de-DE"/>
+            </a:p>
+          </c:txPr>
+          <c:showLegendKey val="0"/>
+          <c:showVal val="0"/>
+          <c:showCatName val="0"/>
+          <c:showSerName val="0"/>
+          <c:showPercent val="0"/>
+          <c:showBubbleSize val="0"/>
+          <c:extLst>
+            <c:ext xmlns:c15="http://schemas.microsoft.com/office/drawing/2012/chart" uri="{CE6537A1-D6FC-4f65-9D91-7224C49458BB}"/>
+          </c:extLst>
+        </c:dLbl>
+      </c:pivotFmt>
+      <c:pivotFmt>
+        <c:idx val="1"/>
+        <c:spPr>
+          <a:gradFill rotWithShape="1">
+            <a:gsLst>
+              <a:gs pos="0">
+                <a:schemeClr val="accent1">
+                  <a:shade val="51000"/>
+                  <a:satMod val="130000"/>
+                </a:schemeClr>
+              </a:gs>
+              <a:gs pos="80000">
+                <a:schemeClr val="accent1">
+                  <a:shade val="93000"/>
+                  <a:satMod val="130000"/>
+                </a:schemeClr>
+              </a:gs>
+              <a:gs pos="100000">
+                <a:schemeClr val="accent1">
+                  <a:shade val="94000"/>
+                  <a:satMod val="135000"/>
+                </a:schemeClr>
+              </a:gs>
+            </a:gsLst>
+            <a:lin ang="16200000" scaled="0"/>
+          </a:gradFill>
+          <a:ln>
+            <a:noFill/>
+          </a:ln>
+          <a:effectLst>
+            <a:outerShdw blurRad="57150" dist="19050" dir="5400000" algn="ctr" rotWithShape="0">
+              <a:srgbClr val="000000">
+                <a:alpha val="63000"/>
+              </a:srgbClr>
+            </a:outerShdw>
+          </a:effectLst>
+          <a:scene3d>
+            <a:camera prst="orthographicFront">
+              <a:rot lat="0" lon="0" rev="0"/>
+            </a:camera>
+            <a:lightRig rig="threePt" dir="t">
+              <a:rot lat="0" lon="0" rev="1200000"/>
+            </a:lightRig>
+          </a:scene3d>
+          <a:sp3d>
+            <a:bevelT w="63500" h="25400"/>
+          </a:sp3d>
+        </c:spPr>
+        <c:marker>
+          <c:symbol val="circle"/>
+          <c:size val="6"/>
+          <c:spPr>
+            <a:gradFill rotWithShape="1">
+              <a:gsLst>
+                <a:gs pos="0">
+                  <a:schemeClr val="accent1">
+                    <a:shade val="51000"/>
+                    <a:satMod val="130000"/>
+                  </a:schemeClr>
+                </a:gs>
+                <a:gs pos="80000">
+                  <a:schemeClr val="accent1">
+                    <a:shade val="93000"/>
+                    <a:satMod val="130000"/>
+                  </a:schemeClr>
+                </a:gs>
+                <a:gs pos="100000">
+                  <a:schemeClr val="accent1">
+                    <a:shade val="94000"/>
+                    <a:satMod val="135000"/>
+                  </a:schemeClr>
+                </a:gs>
+              </a:gsLst>
+              <a:lin ang="16200000" scaled="0"/>
+            </a:gradFill>
+            <a:ln w="9525">
+              <a:solidFill>
+                <a:schemeClr val="accent1"/>
+              </a:solidFill>
+              <a:round/>
+            </a:ln>
+            <a:effectLst>
+              <a:outerShdw blurRad="57150" dist="19050" dir="5400000" algn="ctr" rotWithShape="0">
+                <a:srgbClr val="000000">
+                  <a:alpha val="63000"/>
+                </a:srgbClr>
+              </a:outerShdw>
+            </a:effectLst>
+            <a:scene3d>
+              <a:camera prst="orthographicFront">
+                <a:rot lat="0" lon="0" rev="0"/>
+              </a:camera>
+              <a:lightRig rig="threePt" dir="t">
+                <a:rot lat="0" lon="0" rev="1200000"/>
+              </a:lightRig>
+            </a:scene3d>
+            <a:sp3d>
+              <a:bevelT w="63500" h="25400"/>
+            </a:sp3d>
+          </c:spPr>
+        </c:marker>
+        <c:dLbl>
+          <c:idx val="0"/>
+          <c:spPr>
+            <a:noFill/>
+            <a:ln>
+              <a:noFill/>
+            </a:ln>
+            <a:effectLst/>
+          </c:spPr>
+          <c:txPr>
+            <a:bodyPr rot="0" spcFirstLastPara="1" vertOverflow="ellipsis" vert="horz" wrap="square" lIns="38100" tIns="19050" rIns="38100" bIns="19050" anchor="ctr" anchorCtr="1">
+              <a:spAutoFit/>
+            </a:bodyPr>
+            <a:lstStyle/>
+            <a:p>
+              <a:pPr>
+                <a:defRPr sz="900" b="0" i="0" u="none" strike="noStrike" kern="1200" baseline="0">
+                  <a:solidFill>
+                    <a:schemeClr val="lt1">
+                      <a:lumMod val="85000"/>
+                    </a:schemeClr>
+                  </a:solidFill>
+                  <a:latin typeface="+mn-lt"/>
+                  <a:ea typeface="+mn-ea"/>
+                  <a:cs typeface="+mn-cs"/>
+                </a:defRPr>
+              </a:pPr>
+              <a:endParaRPr lang="de-DE"/>
+            </a:p>
+          </c:txPr>
+          <c:showLegendKey val="0"/>
+          <c:showVal val="0"/>
+          <c:showCatName val="0"/>
+          <c:showSerName val="0"/>
+          <c:showPercent val="0"/>
+          <c:showBubbleSize val="0"/>
+          <c:extLst>
+            <c:ext xmlns:c15="http://schemas.microsoft.com/office/drawing/2012/chart" uri="{CE6537A1-D6FC-4f65-9D91-7224C49458BB}"/>
+          </c:extLst>
+        </c:dLbl>
+      </c:pivotFmt>
+      <c:pivotFmt>
+        <c:idx val="2"/>
+        <c:spPr>
+          <a:gradFill rotWithShape="1">
+            <a:gsLst>
+              <a:gs pos="0">
+                <a:schemeClr val="accent1">
+                  <a:shade val="51000"/>
+                  <a:satMod val="130000"/>
+                </a:schemeClr>
+              </a:gs>
+              <a:gs pos="80000">
+                <a:schemeClr val="accent1">
+                  <a:shade val="93000"/>
+                  <a:satMod val="130000"/>
+                </a:schemeClr>
+              </a:gs>
+              <a:gs pos="100000">
+                <a:schemeClr val="accent1">
+                  <a:shade val="94000"/>
+                  <a:satMod val="135000"/>
+                </a:schemeClr>
+              </a:gs>
+            </a:gsLst>
+            <a:lin ang="16200000" scaled="0"/>
+          </a:gradFill>
+          <a:ln>
+            <a:noFill/>
+          </a:ln>
+          <a:effectLst>
+            <a:outerShdw blurRad="57150" dist="19050" dir="5400000" algn="ctr" rotWithShape="0">
+              <a:srgbClr val="000000">
+                <a:alpha val="63000"/>
+              </a:srgbClr>
+            </a:outerShdw>
+          </a:effectLst>
+          <a:scene3d>
+            <a:camera prst="orthographicFront">
+              <a:rot lat="0" lon="0" rev="0"/>
+            </a:camera>
+            <a:lightRig rig="threePt" dir="t">
+              <a:rot lat="0" lon="0" rev="1200000"/>
+            </a:lightRig>
+          </a:scene3d>
+          <a:sp3d>
+            <a:bevelT w="63500" h="25400"/>
+          </a:sp3d>
+        </c:spPr>
+        <c:marker>
+          <c:symbol val="circle"/>
+          <c:size val="6"/>
+          <c:spPr>
+            <a:gradFill rotWithShape="1">
+              <a:gsLst>
+                <a:gs pos="0">
+                  <a:schemeClr val="accent1">
+                    <a:shade val="51000"/>
+                    <a:satMod val="130000"/>
+                  </a:schemeClr>
+                </a:gs>
+                <a:gs pos="80000">
+                  <a:schemeClr val="accent1">
+                    <a:shade val="93000"/>
+                    <a:satMod val="130000"/>
+                  </a:schemeClr>
+                </a:gs>
+                <a:gs pos="100000">
+                  <a:schemeClr val="accent1">
+                    <a:shade val="94000"/>
+                    <a:satMod val="135000"/>
+                  </a:schemeClr>
+                </a:gs>
+              </a:gsLst>
+              <a:lin ang="16200000" scaled="0"/>
+            </a:gradFill>
+            <a:ln w="9525">
+              <a:solidFill>
+                <a:schemeClr val="accent1"/>
+              </a:solidFill>
+              <a:round/>
+            </a:ln>
+            <a:effectLst>
+              <a:outerShdw blurRad="57150" dist="19050" dir="5400000" algn="ctr" rotWithShape="0">
+                <a:srgbClr val="000000">
+                  <a:alpha val="63000"/>
+                </a:srgbClr>
+              </a:outerShdw>
+            </a:effectLst>
+            <a:scene3d>
+              <a:camera prst="orthographicFront">
+                <a:rot lat="0" lon="0" rev="0"/>
+              </a:camera>
+              <a:lightRig rig="threePt" dir="t">
+                <a:rot lat="0" lon="0" rev="1200000"/>
+              </a:lightRig>
+            </a:scene3d>
+            <a:sp3d>
+              <a:bevelT w="63500" h="25400"/>
+            </a:sp3d>
+          </c:spPr>
+        </c:marker>
+        <c:dLbl>
+          <c:idx val="0"/>
+          <c:spPr>
+            <a:noFill/>
+            <a:ln>
+              <a:noFill/>
+            </a:ln>
+            <a:effectLst/>
+          </c:spPr>
+          <c:txPr>
+            <a:bodyPr rot="0" spcFirstLastPara="1" vertOverflow="ellipsis" vert="horz" wrap="square" lIns="38100" tIns="19050" rIns="38100" bIns="19050" anchor="ctr" anchorCtr="1">
+              <a:spAutoFit/>
+            </a:bodyPr>
+            <a:lstStyle/>
+            <a:p>
+              <a:pPr>
+                <a:defRPr sz="900" b="0" i="0" u="none" strike="noStrike" kern="1200" baseline="0">
+                  <a:solidFill>
+                    <a:schemeClr val="lt1">
+                      <a:lumMod val="85000"/>
+                    </a:schemeClr>
+                  </a:solidFill>
+                  <a:latin typeface="+mn-lt"/>
+                  <a:ea typeface="+mn-ea"/>
+                  <a:cs typeface="+mn-cs"/>
+                </a:defRPr>
+              </a:pPr>
+              <a:endParaRPr lang="de-DE"/>
+            </a:p>
+          </c:txPr>
+          <c:showLegendKey val="0"/>
+          <c:showVal val="0"/>
+          <c:showCatName val="0"/>
+          <c:showSerName val="0"/>
+          <c:showPercent val="0"/>
+          <c:showBubbleSize val="0"/>
+          <c:extLst>
+            <c:ext xmlns:c15="http://schemas.microsoft.com/office/drawing/2012/chart" uri="{CE6537A1-D6FC-4f65-9D91-7224C49458BB}"/>
+          </c:extLst>
+        </c:dLbl>
+      </c:pivotFmt>
+      <c:pivotFmt>
+        <c:idx val="3"/>
+        <c:spPr>
+          <a:gradFill rotWithShape="1">
+            <a:gsLst>
+              <a:gs pos="0">
+                <a:schemeClr val="accent1">
+                  <a:shade val="51000"/>
+                  <a:satMod val="130000"/>
+                </a:schemeClr>
+              </a:gs>
+              <a:gs pos="80000">
+                <a:schemeClr val="accent1">
+                  <a:shade val="93000"/>
+                  <a:satMod val="130000"/>
+                </a:schemeClr>
+              </a:gs>
+              <a:gs pos="100000">
+                <a:schemeClr val="accent1">
+                  <a:shade val="94000"/>
+                  <a:satMod val="135000"/>
+                </a:schemeClr>
+              </a:gs>
+            </a:gsLst>
+            <a:lin ang="16200000" scaled="0"/>
+          </a:gradFill>
+          <a:ln>
+            <a:noFill/>
+          </a:ln>
+          <a:effectLst>
+            <a:outerShdw blurRad="57150" dist="19050" dir="5400000" algn="ctr" rotWithShape="0">
+              <a:srgbClr val="000000">
+                <a:alpha val="63000"/>
+              </a:srgbClr>
+            </a:outerShdw>
+          </a:effectLst>
+          <a:scene3d>
+            <a:camera prst="orthographicFront">
+              <a:rot lat="0" lon="0" rev="0"/>
+            </a:camera>
+            <a:lightRig rig="threePt" dir="t">
+              <a:rot lat="0" lon="0" rev="1200000"/>
+            </a:lightRig>
+          </a:scene3d>
+          <a:sp3d>
+            <a:bevelT w="63500" h="25400"/>
+          </a:sp3d>
+        </c:spPr>
+        <c:marker>
+          <c:symbol val="none"/>
+        </c:marker>
+        <c:dLbl>
+          <c:idx val="0"/>
+          <c:spPr>
+            <a:noFill/>
+            <a:ln>
+              <a:noFill/>
+            </a:ln>
+            <a:effectLst/>
+          </c:spPr>
+          <c:txPr>
+            <a:bodyPr rot="0" spcFirstLastPara="1" vertOverflow="ellipsis" vert="horz" wrap="square" lIns="38100" tIns="19050" rIns="38100" bIns="19050" anchor="ctr" anchorCtr="1">
+              <a:spAutoFit/>
+            </a:bodyPr>
+            <a:lstStyle/>
+            <a:p>
+              <a:pPr>
+                <a:defRPr sz="900" b="0" i="0" u="none" strike="noStrike" kern="1200" baseline="0">
+                  <a:solidFill>
+                    <a:schemeClr val="lt1">
+                      <a:lumMod val="85000"/>
+                    </a:schemeClr>
+                  </a:solidFill>
+                  <a:latin typeface="+mn-lt"/>
+                  <a:ea typeface="+mn-ea"/>
+                  <a:cs typeface="+mn-cs"/>
+                </a:defRPr>
+              </a:pPr>
+              <a:endParaRPr lang="de-DE"/>
+            </a:p>
+          </c:txPr>
+          <c:showLegendKey val="0"/>
+          <c:showVal val="0"/>
+          <c:showCatName val="0"/>
+          <c:showSerName val="0"/>
+          <c:showPercent val="0"/>
+          <c:showBubbleSize val="0"/>
+          <c:extLst>
+            <c:ext xmlns:c15="http://schemas.microsoft.com/office/drawing/2012/chart" uri="{CE6537A1-D6FC-4f65-9D91-7224C49458BB}"/>
+          </c:extLst>
+        </c:dLbl>
+      </c:pivotFmt>
+      <c:pivotFmt>
+        <c:idx val="4"/>
+        <c:spPr>
+          <a:gradFill rotWithShape="1">
+            <a:gsLst>
+              <a:gs pos="0">
+                <a:schemeClr val="accent1">
+                  <a:shade val="51000"/>
+                  <a:satMod val="130000"/>
+                </a:schemeClr>
+              </a:gs>
+              <a:gs pos="80000">
+                <a:schemeClr val="accent1">
+                  <a:shade val="93000"/>
+                  <a:satMod val="130000"/>
+                </a:schemeClr>
+              </a:gs>
+              <a:gs pos="100000">
+                <a:schemeClr val="accent1">
+                  <a:shade val="94000"/>
+                  <a:satMod val="135000"/>
+                </a:schemeClr>
+              </a:gs>
+            </a:gsLst>
+            <a:lin ang="16200000" scaled="0"/>
+          </a:gradFill>
+          <a:ln>
+            <a:noFill/>
+          </a:ln>
+          <a:effectLst>
+            <a:outerShdw blurRad="57150" dist="19050" dir="5400000" algn="ctr" rotWithShape="0">
+              <a:srgbClr val="000000">
+                <a:alpha val="63000"/>
+              </a:srgbClr>
+            </a:outerShdw>
+          </a:effectLst>
+          <a:scene3d>
+            <a:camera prst="orthographicFront">
+              <a:rot lat="0" lon="0" rev="0"/>
+            </a:camera>
+            <a:lightRig rig="threePt" dir="t">
+              <a:rot lat="0" lon="0" rev="1200000"/>
+            </a:lightRig>
+          </a:scene3d>
+          <a:sp3d>
+            <a:bevelT w="63500" h="25400"/>
+          </a:sp3d>
+        </c:spPr>
+        <c:marker>
+          <c:symbol val="none"/>
+        </c:marker>
+        <c:dLbl>
+          <c:idx val="0"/>
+          <c:spPr>
+            <a:noFill/>
+            <a:ln>
+              <a:noFill/>
+            </a:ln>
+            <a:effectLst/>
+          </c:spPr>
+          <c:txPr>
+            <a:bodyPr rot="0" spcFirstLastPara="1" vertOverflow="ellipsis" vert="horz" wrap="square" lIns="38100" tIns="19050" rIns="38100" bIns="19050" anchor="ctr" anchorCtr="1">
+              <a:spAutoFit/>
+            </a:bodyPr>
+            <a:lstStyle/>
+            <a:p>
+              <a:pPr>
+                <a:defRPr sz="900" b="0" i="0" u="none" strike="noStrike" kern="1200" baseline="0">
+                  <a:solidFill>
+                    <a:schemeClr val="lt1">
+                      <a:lumMod val="85000"/>
+                    </a:schemeClr>
+                  </a:solidFill>
+                  <a:latin typeface="+mn-lt"/>
+                  <a:ea typeface="+mn-ea"/>
+                  <a:cs typeface="+mn-cs"/>
+                </a:defRPr>
+              </a:pPr>
+              <a:endParaRPr lang="de-DE"/>
+            </a:p>
+          </c:txPr>
+          <c:showLegendKey val="0"/>
+          <c:showVal val="0"/>
+          <c:showCatName val="0"/>
+          <c:showSerName val="0"/>
+          <c:showPercent val="0"/>
+          <c:showBubbleSize val="0"/>
+          <c:extLst>
+            <c:ext xmlns:c15="http://schemas.microsoft.com/office/drawing/2012/chart" uri="{CE6537A1-D6FC-4f65-9D91-7224C49458BB}"/>
+          </c:extLst>
+        </c:dLbl>
+      </c:pivotFmt>
+      <c:pivotFmt>
+        <c:idx val="5"/>
+        <c:spPr>
+          <a:gradFill rotWithShape="1">
+            <a:gsLst>
+              <a:gs pos="0">
+                <a:schemeClr val="accent1">
+                  <a:shade val="51000"/>
+                  <a:satMod val="130000"/>
+                </a:schemeClr>
+              </a:gs>
+              <a:gs pos="80000">
+                <a:schemeClr val="accent1">
+                  <a:shade val="93000"/>
+                  <a:satMod val="130000"/>
+                </a:schemeClr>
+              </a:gs>
+              <a:gs pos="100000">
+                <a:schemeClr val="accent1">
+                  <a:shade val="94000"/>
+                  <a:satMod val="135000"/>
+                </a:schemeClr>
+              </a:gs>
+            </a:gsLst>
+            <a:lin ang="16200000" scaled="0"/>
+          </a:gradFill>
+          <a:ln>
+            <a:noFill/>
+          </a:ln>
+          <a:effectLst>
+            <a:outerShdw blurRad="57150" dist="19050" dir="5400000" algn="ctr" rotWithShape="0">
+              <a:srgbClr val="000000">
+                <a:alpha val="63000"/>
+              </a:srgbClr>
+            </a:outerShdw>
+          </a:effectLst>
+          <a:scene3d>
+            <a:camera prst="orthographicFront">
+              <a:rot lat="0" lon="0" rev="0"/>
+            </a:camera>
+            <a:lightRig rig="threePt" dir="t">
+              <a:rot lat="0" lon="0" rev="1200000"/>
+            </a:lightRig>
+          </a:scene3d>
+          <a:sp3d>
+            <a:bevelT w="63500" h="25400"/>
+          </a:sp3d>
+        </c:spPr>
+        <c:marker>
+          <c:symbol val="circle"/>
+          <c:size val="6"/>
+          <c:spPr>
+            <a:gradFill rotWithShape="1">
+              <a:gsLst>
+                <a:gs pos="0">
+                  <a:schemeClr val="accent1">
+                    <a:shade val="51000"/>
+                    <a:satMod val="130000"/>
+                  </a:schemeClr>
+                </a:gs>
+                <a:gs pos="80000">
+                  <a:schemeClr val="accent1">
+                    <a:shade val="93000"/>
+                    <a:satMod val="130000"/>
+                  </a:schemeClr>
+                </a:gs>
+                <a:gs pos="100000">
+                  <a:schemeClr val="accent1">
+                    <a:shade val="94000"/>
+                    <a:satMod val="135000"/>
+                  </a:schemeClr>
+                </a:gs>
+              </a:gsLst>
+              <a:lin ang="16200000" scaled="0"/>
+            </a:gradFill>
+            <a:ln w="9525">
+              <a:solidFill>
+                <a:schemeClr val="accent1"/>
+              </a:solidFill>
+              <a:round/>
+            </a:ln>
+            <a:effectLst>
+              <a:outerShdw blurRad="57150" dist="19050" dir="5400000" algn="ctr" rotWithShape="0">
+                <a:srgbClr val="000000">
+                  <a:alpha val="63000"/>
+                </a:srgbClr>
+              </a:outerShdw>
+            </a:effectLst>
+            <a:scene3d>
+              <a:camera prst="orthographicFront">
+                <a:rot lat="0" lon="0" rev="0"/>
+              </a:camera>
+              <a:lightRig rig="threePt" dir="t">
+                <a:rot lat="0" lon="0" rev="1200000"/>
+              </a:lightRig>
+            </a:scene3d>
+            <a:sp3d>
+              <a:bevelT w="63500" h="25400"/>
+            </a:sp3d>
+          </c:spPr>
+        </c:marker>
+        <c:dLbl>
+          <c:idx val="0"/>
+          <c:spPr>
+            <a:noFill/>
+            <a:ln>
+              <a:noFill/>
+            </a:ln>
+            <a:effectLst/>
+          </c:spPr>
+          <c:txPr>
+            <a:bodyPr rot="0" spcFirstLastPara="1" vertOverflow="ellipsis" vert="horz" wrap="square" lIns="38100" tIns="19050" rIns="38100" bIns="19050" anchor="ctr" anchorCtr="1">
+              <a:spAutoFit/>
+            </a:bodyPr>
+            <a:lstStyle/>
+            <a:p>
+              <a:pPr>
+                <a:defRPr sz="900" b="0" i="0" u="none" strike="noStrike" kern="1200" baseline="0">
+                  <a:solidFill>
+                    <a:schemeClr val="lt1">
+                      <a:lumMod val="85000"/>
+                    </a:schemeClr>
+                  </a:solidFill>
+                  <a:latin typeface="+mn-lt"/>
+                  <a:ea typeface="+mn-ea"/>
+                  <a:cs typeface="+mn-cs"/>
+                </a:defRPr>
+              </a:pPr>
+              <a:endParaRPr lang="de-DE"/>
+            </a:p>
+          </c:txPr>
+          <c:showLegendKey val="0"/>
+          <c:showVal val="0"/>
+          <c:showCatName val="0"/>
+          <c:showSerName val="0"/>
+          <c:showPercent val="0"/>
+          <c:showBubbleSize val="0"/>
+          <c:extLst>
+            <c:ext xmlns:c15="http://schemas.microsoft.com/office/drawing/2012/chart" uri="{CE6537A1-D6FC-4f65-9D91-7224C49458BB}"/>
+          </c:extLst>
+        </c:dLbl>
+      </c:pivotFmt>
+      <c:pivotFmt>
+        <c:idx val="6"/>
+        <c:spPr>
+          <a:gradFill rotWithShape="1">
+            <a:gsLst>
+              <a:gs pos="0">
+                <a:schemeClr val="accent1">
+                  <a:shade val="51000"/>
+                  <a:satMod val="130000"/>
+                </a:schemeClr>
+              </a:gs>
+              <a:gs pos="80000">
+                <a:schemeClr val="accent1">
+                  <a:shade val="93000"/>
+                  <a:satMod val="130000"/>
+                </a:schemeClr>
+              </a:gs>
+              <a:gs pos="100000">
+                <a:schemeClr val="accent1">
+                  <a:shade val="94000"/>
+                  <a:satMod val="135000"/>
+                </a:schemeClr>
+              </a:gs>
+            </a:gsLst>
+            <a:lin ang="16200000" scaled="0"/>
+          </a:gradFill>
+          <a:ln>
+            <a:noFill/>
+          </a:ln>
+          <a:effectLst>
+            <a:outerShdw blurRad="57150" dist="19050" dir="5400000" algn="ctr" rotWithShape="0">
+              <a:srgbClr val="000000">
+                <a:alpha val="63000"/>
+              </a:srgbClr>
+            </a:outerShdw>
+          </a:effectLst>
+          <a:scene3d>
+            <a:camera prst="orthographicFront">
+              <a:rot lat="0" lon="0" rev="0"/>
+            </a:camera>
+            <a:lightRig rig="threePt" dir="t">
+              <a:rot lat="0" lon="0" rev="1200000"/>
+            </a:lightRig>
+          </a:scene3d>
+          <a:sp3d>
+            <a:bevelT w="63500" h="25400"/>
+          </a:sp3d>
+        </c:spPr>
+        <c:marker>
+          <c:symbol val="none"/>
+        </c:marker>
+        <c:dLbl>
+          <c:idx val="0"/>
+          <c:spPr>
+            <a:noFill/>
+            <a:ln>
+              <a:noFill/>
+            </a:ln>
+            <a:effectLst/>
+          </c:spPr>
+          <c:txPr>
+            <a:bodyPr rot="0" spcFirstLastPara="1" vertOverflow="ellipsis" vert="horz" wrap="square" lIns="38100" tIns="19050" rIns="38100" bIns="19050" anchor="ctr" anchorCtr="1">
+              <a:spAutoFit/>
+            </a:bodyPr>
+            <a:lstStyle/>
+            <a:p>
+              <a:pPr>
+                <a:defRPr sz="900" b="0" i="0" u="none" strike="noStrike" kern="1200" baseline="0">
+                  <a:solidFill>
+                    <a:schemeClr val="lt1">
+                      <a:lumMod val="85000"/>
+                    </a:schemeClr>
+                  </a:solidFill>
+                  <a:latin typeface="+mn-lt"/>
+                  <a:ea typeface="+mn-ea"/>
+                  <a:cs typeface="+mn-cs"/>
+                </a:defRPr>
+              </a:pPr>
+              <a:endParaRPr lang="de-DE"/>
+            </a:p>
+          </c:txPr>
+          <c:showLegendKey val="0"/>
+          <c:showVal val="0"/>
+          <c:showCatName val="0"/>
+          <c:showSerName val="0"/>
+          <c:showPercent val="0"/>
+          <c:showBubbleSize val="0"/>
+          <c:extLst>
+            <c:ext xmlns:c15="http://schemas.microsoft.com/office/drawing/2012/chart" uri="{CE6537A1-D6FC-4f65-9D91-7224C49458BB}"/>
+          </c:extLst>
+        </c:dLbl>
+      </c:pivotFmt>
+      <c:pivotFmt>
+        <c:idx val="7"/>
+        <c:spPr>
+          <a:gradFill rotWithShape="1">
+            <a:gsLst>
+              <a:gs pos="0">
+                <a:schemeClr val="accent1">
+                  <a:shade val="51000"/>
+                  <a:satMod val="130000"/>
+                </a:schemeClr>
+              </a:gs>
+              <a:gs pos="80000">
+                <a:schemeClr val="accent1">
+                  <a:shade val="93000"/>
+                  <a:satMod val="130000"/>
+                </a:schemeClr>
+              </a:gs>
+              <a:gs pos="100000">
+                <a:schemeClr val="accent1">
+                  <a:shade val="94000"/>
+                  <a:satMod val="135000"/>
+                </a:schemeClr>
+              </a:gs>
+            </a:gsLst>
+            <a:lin ang="16200000" scaled="0"/>
+          </a:gradFill>
+          <a:ln>
+            <a:noFill/>
+          </a:ln>
+          <a:effectLst>
+            <a:outerShdw blurRad="57150" dist="19050" dir="5400000" algn="ctr" rotWithShape="0">
+              <a:srgbClr val="000000">
+                <a:alpha val="63000"/>
+              </a:srgbClr>
+            </a:outerShdw>
+          </a:effectLst>
+          <a:scene3d>
+            <a:camera prst="orthographicFront">
+              <a:rot lat="0" lon="0" rev="0"/>
+            </a:camera>
+            <a:lightRig rig="threePt" dir="t">
+              <a:rot lat="0" lon="0" rev="1200000"/>
+            </a:lightRig>
+          </a:scene3d>
+          <a:sp3d>
+            <a:bevelT w="63500" h="25400"/>
+          </a:sp3d>
+        </c:spPr>
+        <c:marker>
+          <c:symbol val="none"/>
+        </c:marker>
+        <c:dLbl>
+          <c:idx val="0"/>
+          <c:spPr>
+            <a:noFill/>
+            <a:ln>
+              <a:noFill/>
+            </a:ln>
+            <a:effectLst/>
+          </c:spPr>
+          <c:txPr>
+            <a:bodyPr rot="0" spcFirstLastPara="1" vertOverflow="ellipsis" vert="horz" wrap="square" lIns="38100" tIns="19050" rIns="38100" bIns="19050" anchor="ctr" anchorCtr="1">
+              <a:spAutoFit/>
+            </a:bodyPr>
+            <a:lstStyle/>
+            <a:p>
+              <a:pPr>
+                <a:defRPr sz="900" b="0" i="0" u="none" strike="noStrike" kern="1200" baseline="0">
+                  <a:solidFill>
+                    <a:schemeClr val="lt1">
+                      <a:lumMod val="85000"/>
+                    </a:schemeClr>
+                  </a:solidFill>
+                  <a:latin typeface="+mn-lt"/>
+                  <a:ea typeface="+mn-ea"/>
+                  <a:cs typeface="+mn-cs"/>
+                </a:defRPr>
+              </a:pPr>
+              <a:endParaRPr lang="de-DE"/>
+            </a:p>
+          </c:txPr>
+          <c:showLegendKey val="0"/>
+          <c:showVal val="0"/>
+          <c:showCatName val="0"/>
+          <c:showSerName val="0"/>
+          <c:showPercent val="0"/>
+          <c:showBubbleSize val="0"/>
+          <c:extLst>
+            <c:ext xmlns:c15="http://schemas.microsoft.com/office/drawing/2012/chart" uri="{CE6537A1-D6FC-4f65-9D91-7224C49458BB}"/>
+          </c:extLst>
+        </c:dLbl>
+      </c:pivotFmt>
+      <c:pivotFmt>
+        <c:idx val="8"/>
+        <c:spPr>
+          <a:gradFill rotWithShape="1">
+            <a:gsLst>
+              <a:gs pos="0">
+                <a:schemeClr val="accent1">
+                  <a:shade val="51000"/>
+                  <a:satMod val="130000"/>
+                </a:schemeClr>
+              </a:gs>
+              <a:gs pos="80000">
+                <a:schemeClr val="accent1">
+                  <a:shade val="93000"/>
+                  <a:satMod val="130000"/>
+                </a:schemeClr>
+              </a:gs>
+              <a:gs pos="100000">
+                <a:schemeClr val="accent1">
+                  <a:shade val="94000"/>
+                  <a:satMod val="135000"/>
+                </a:schemeClr>
+              </a:gs>
+            </a:gsLst>
+            <a:lin ang="16200000" scaled="0"/>
+          </a:gradFill>
+          <a:ln>
+            <a:noFill/>
+          </a:ln>
+          <a:effectLst>
+            <a:outerShdw blurRad="57150" dist="19050" dir="5400000" algn="ctr" rotWithShape="0">
+              <a:srgbClr val="000000">
+                <a:alpha val="63000"/>
+              </a:srgbClr>
+            </a:outerShdw>
+          </a:effectLst>
+          <a:scene3d>
+            <a:camera prst="orthographicFront">
+              <a:rot lat="0" lon="0" rev="0"/>
+            </a:camera>
+            <a:lightRig rig="threePt" dir="t">
+              <a:rot lat="0" lon="0" rev="1200000"/>
+            </a:lightRig>
+          </a:scene3d>
+          <a:sp3d>
+            <a:bevelT w="63500" h="25400"/>
+          </a:sp3d>
+        </c:spPr>
+        <c:marker>
+          <c:symbol val="circle"/>
+          <c:size val="6"/>
+          <c:spPr>
+            <a:gradFill rotWithShape="1">
+              <a:gsLst>
+                <a:gs pos="0">
+                  <a:schemeClr val="accent1">
+                    <a:shade val="51000"/>
+                    <a:satMod val="130000"/>
+                  </a:schemeClr>
+                </a:gs>
+                <a:gs pos="80000">
+                  <a:schemeClr val="accent1">
+                    <a:shade val="93000"/>
+                    <a:satMod val="130000"/>
+                  </a:schemeClr>
+                </a:gs>
+                <a:gs pos="100000">
+                  <a:schemeClr val="accent1">
+                    <a:shade val="94000"/>
+                    <a:satMod val="135000"/>
+                  </a:schemeClr>
+                </a:gs>
+              </a:gsLst>
+              <a:lin ang="16200000" scaled="0"/>
+            </a:gradFill>
+            <a:ln w="9525">
+              <a:solidFill>
+                <a:schemeClr val="accent1"/>
+              </a:solidFill>
+              <a:round/>
+            </a:ln>
+            <a:effectLst>
+              <a:outerShdw blurRad="57150" dist="19050" dir="5400000" algn="ctr" rotWithShape="0">
+                <a:srgbClr val="000000">
+                  <a:alpha val="63000"/>
+                </a:srgbClr>
+              </a:outerShdw>
+            </a:effectLst>
+            <a:scene3d>
+              <a:camera prst="orthographicFront">
+                <a:rot lat="0" lon="0" rev="0"/>
+              </a:camera>
+              <a:lightRig rig="threePt" dir="t">
+                <a:rot lat="0" lon="0" rev="1200000"/>
+              </a:lightRig>
+            </a:scene3d>
+            <a:sp3d>
+              <a:bevelT w="63500" h="25400"/>
+            </a:sp3d>
+          </c:spPr>
+        </c:marker>
+        <c:dLbl>
+          <c:idx val="0"/>
+          <c:spPr>
+            <a:noFill/>
+            <a:ln>
+              <a:noFill/>
+            </a:ln>
+            <a:effectLst/>
+          </c:spPr>
+          <c:txPr>
+            <a:bodyPr rot="0" spcFirstLastPara="1" vertOverflow="ellipsis" vert="horz" wrap="square" lIns="38100" tIns="19050" rIns="38100" bIns="19050" anchor="ctr" anchorCtr="1">
+              <a:spAutoFit/>
+            </a:bodyPr>
+            <a:lstStyle/>
+            <a:p>
+              <a:pPr>
+                <a:defRPr sz="900" b="0" i="0" u="none" strike="noStrike" kern="1200" baseline="0">
+                  <a:solidFill>
+                    <a:schemeClr val="lt1">
+                      <a:lumMod val="85000"/>
+                    </a:schemeClr>
+                  </a:solidFill>
+                  <a:latin typeface="+mn-lt"/>
+                  <a:ea typeface="+mn-ea"/>
+                  <a:cs typeface="+mn-cs"/>
+                </a:defRPr>
+              </a:pPr>
+              <a:endParaRPr lang="de-DE"/>
+            </a:p>
+          </c:txPr>
+          <c:showLegendKey val="0"/>
+          <c:showVal val="0"/>
+          <c:showCatName val="0"/>
+          <c:showSerName val="0"/>
+          <c:showPercent val="0"/>
+          <c:showBubbleSize val="0"/>
+          <c:extLst>
+            <c:ext xmlns:c15="http://schemas.microsoft.com/office/drawing/2012/chart" uri="{CE6537A1-D6FC-4f65-9D91-7224C49458BB}"/>
+          </c:extLst>
+        </c:dLbl>
+      </c:pivotFmt>
+    </c:pivotFmts>
+    <c:plotArea>
+      <c:layout/>
+      <c:barChart>
+        <c:barDir val="col"/>
+        <c:grouping val="clustered"/>
+        <c:varyColors val="0"/>
+        <c:ser>
+          <c:idx val="0"/>
+          <c:order val="0"/>
+          <c:tx>
+            <c:strRef>
+              <c:f>Sheet1!$B$3</c:f>
+              <c:strCache>
+                <c:ptCount val="1"/>
+                <c:pt idx="0">
+                  <c:v>Sum of Score</c:v>
+                </c:pt>
+              </c:strCache>
+            </c:strRef>
+          </c:tx>
+          <c:spPr>
+            <a:gradFill rotWithShape="1">
+              <a:gsLst>
+                <a:gs pos="0">
+                  <a:schemeClr val="accent1">
+                    <a:shade val="51000"/>
+                    <a:satMod val="130000"/>
+                  </a:schemeClr>
+                </a:gs>
+                <a:gs pos="80000">
+                  <a:schemeClr val="accent1">
+                    <a:shade val="93000"/>
+                    <a:satMod val="130000"/>
+                  </a:schemeClr>
+                </a:gs>
+                <a:gs pos="100000">
+                  <a:schemeClr val="accent1">
+                    <a:shade val="94000"/>
+                    <a:satMod val="135000"/>
+                  </a:schemeClr>
+                </a:gs>
+              </a:gsLst>
+              <a:lin ang="16200000" scaled="0"/>
+            </a:gradFill>
+            <a:ln>
+              <a:noFill/>
+            </a:ln>
+            <a:effectLst>
+              <a:outerShdw blurRad="57150" dist="19050" dir="5400000" algn="ctr" rotWithShape="0">
+                <a:srgbClr val="000000">
+                  <a:alpha val="63000"/>
+                </a:srgbClr>
+              </a:outerShdw>
+            </a:effectLst>
+            <a:scene3d>
+              <a:camera prst="orthographicFront">
+                <a:rot lat="0" lon="0" rev="0"/>
+              </a:camera>
+              <a:lightRig rig="threePt" dir="t">
+                <a:rot lat="0" lon="0" rev="1200000"/>
+              </a:lightRig>
+            </a:scene3d>
+            <a:sp3d>
+              <a:bevelT w="63500" h="25400"/>
+            </a:sp3d>
+          </c:spPr>
+          <c:invertIfNegative val="0"/>
+          <c:dPt>
+            <c:idx val="0"/>
+            <c:invertIfNegative val="0"/>
+            <c:bubble3D val="0"/>
+            <c:spPr>
+              <a:solidFill>
+                <a:schemeClr val="bg1">
+                  <a:lumMod val="75000"/>
+                </a:schemeClr>
+              </a:solidFill>
+              <a:ln>
+                <a:noFill/>
+              </a:ln>
+              <a:effectLst>
+                <a:outerShdw blurRad="57150" dist="19050" dir="5400000" algn="ctr" rotWithShape="0">
+                  <a:srgbClr val="000000">
+                    <a:alpha val="63000"/>
+                  </a:srgbClr>
+                </a:outerShdw>
+              </a:effectLst>
+              <a:scene3d>
+                <a:camera prst="orthographicFront">
+                  <a:rot lat="0" lon="0" rev="0"/>
+                </a:camera>
+                <a:lightRig rig="threePt" dir="t">
+                  <a:rot lat="0" lon="0" rev="1200000"/>
+                </a:lightRig>
+              </a:scene3d>
+              <a:sp3d>
+                <a:bevelT w="63500" h="25400"/>
+              </a:sp3d>
+            </c:spPr>
+            <c:extLst>
+              <c:ext xmlns:c16="http://schemas.microsoft.com/office/drawing/2014/chart" uri="{C3380CC4-5D6E-409C-BE32-E72D297353CC}">
+                <c16:uniqueId val="{00000006-6BE4-4EDB-A1CC-CCBBC308EA2B}"/>
+              </c:ext>
+            </c:extLst>
+          </c:dPt>
+          <c:dPt>
+            <c:idx val="3"/>
+            <c:invertIfNegative val="0"/>
+            <c:bubble3D val="0"/>
+            <c:spPr>
+              <a:solidFill>
+                <a:schemeClr val="accent1">
+                  <a:lumMod val="60000"/>
+                  <a:lumOff val="40000"/>
+                </a:schemeClr>
+              </a:solidFill>
+              <a:ln>
+                <a:noFill/>
+              </a:ln>
+              <a:effectLst>
+                <a:outerShdw blurRad="57150" dist="19050" dir="5400000" algn="ctr" rotWithShape="0">
+                  <a:srgbClr val="000000">
+                    <a:alpha val="63000"/>
+                  </a:srgbClr>
+                </a:outerShdw>
+              </a:effectLst>
+              <a:scene3d>
+                <a:camera prst="orthographicFront">
+                  <a:rot lat="0" lon="0" rev="0"/>
+                </a:camera>
+                <a:lightRig rig="threePt" dir="t">
+                  <a:rot lat="0" lon="0" rev="1200000"/>
+                </a:lightRig>
+              </a:scene3d>
+              <a:sp3d>
+                <a:bevelT w="63500" h="25400"/>
+              </a:sp3d>
+            </c:spPr>
+            <c:extLst>
+              <c:ext xmlns:c16="http://schemas.microsoft.com/office/drawing/2014/chart" uri="{C3380CC4-5D6E-409C-BE32-E72D297353CC}">
+                <c16:uniqueId val="{00000002-D11D-43C9-AEEC-AF26D8EA99B5}"/>
+              </c:ext>
+            </c:extLst>
+          </c:dPt>
+          <c:dPt>
+            <c:idx val="8"/>
+            <c:invertIfNegative val="0"/>
+            <c:bubble3D val="0"/>
+            <c:spPr>
+              <a:gradFill rotWithShape="1">
+                <a:gsLst>
+                  <a:gs pos="0">
+                    <a:schemeClr val="accent1">
+                      <a:shade val="51000"/>
+                      <a:satMod val="130000"/>
+                    </a:schemeClr>
+                  </a:gs>
+                  <a:gs pos="80000">
+                    <a:schemeClr val="accent1">
+                      <a:shade val="93000"/>
+                      <a:satMod val="130000"/>
+                    </a:schemeClr>
+                  </a:gs>
+                  <a:gs pos="100000">
+                    <a:schemeClr val="accent1">
+                      <a:shade val="94000"/>
+                      <a:satMod val="135000"/>
+                    </a:schemeClr>
+                  </a:gs>
+                </a:gsLst>
+                <a:lin ang="16200000" scaled="0"/>
+              </a:gradFill>
+              <a:ln>
+                <a:noFill/>
+              </a:ln>
+              <a:effectLst>
+                <a:outerShdw blurRad="57150" dist="19050" dir="5400000" algn="ctr" rotWithShape="0">
+                  <a:srgbClr val="000000">
+                    <a:alpha val="63000"/>
+                  </a:srgbClr>
+                </a:outerShdw>
+              </a:effectLst>
+              <a:scene3d>
+                <a:camera prst="orthographicFront">
+                  <a:rot lat="0" lon="0" rev="0"/>
+                </a:camera>
+                <a:lightRig rig="threePt" dir="t">
+                  <a:rot lat="0" lon="0" rev="1200000"/>
+                </a:lightRig>
+              </a:scene3d>
+              <a:sp3d>
+                <a:bevelT w="63500" h="25400"/>
+              </a:sp3d>
+            </c:spPr>
+            <c:extLst>
+              <c:ext xmlns:c16="http://schemas.microsoft.com/office/drawing/2014/chart" uri="{C3380CC4-5D6E-409C-BE32-E72D297353CC}">
+                <c16:uniqueId val="{00000003-D11D-43C9-AEEC-AF26D8EA99B5}"/>
+              </c:ext>
+            </c:extLst>
+          </c:dPt>
+          <c:dPt>
+            <c:idx val="11"/>
+            <c:invertIfNegative val="0"/>
+            <c:bubble3D val="0"/>
+            <c:spPr>
+              <a:solidFill>
+                <a:schemeClr val="bg1">
+                  <a:lumMod val="75000"/>
+                </a:schemeClr>
+              </a:solidFill>
+              <a:ln>
+                <a:noFill/>
+              </a:ln>
+              <a:effectLst>
+                <a:outerShdw blurRad="57150" dist="19050" dir="5400000" algn="ctr" rotWithShape="0">
+                  <a:srgbClr val="000000">
+                    <a:alpha val="63000"/>
+                  </a:srgbClr>
+                </a:outerShdw>
+              </a:effectLst>
+              <a:scene3d>
+                <a:camera prst="orthographicFront">
+                  <a:rot lat="0" lon="0" rev="0"/>
+                </a:camera>
+                <a:lightRig rig="threePt" dir="t">
+                  <a:rot lat="0" lon="0" rev="1200000"/>
+                </a:lightRig>
+              </a:scene3d>
+              <a:sp3d>
+                <a:bevelT w="63500" h="25400"/>
+              </a:sp3d>
+            </c:spPr>
+            <c:extLst>
+              <c:ext xmlns:c16="http://schemas.microsoft.com/office/drawing/2014/chart" uri="{C3380CC4-5D6E-409C-BE32-E72D297353CC}">
+                <c16:uniqueId val="{00000007-6BE4-4EDB-A1CC-CCBBC308EA2B}"/>
+              </c:ext>
+            </c:extLst>
+          </c:dPt>
+          <c:dPt>
+            <c:idx val="12"/>
+            <c:invertIfNegative val="0"/>
+            <c:bubble3D val="0"/>
+            <c:spPr>
+              <a:gradFill rotWithShape="1">
+                <a:gsLst>
+                  <a:gs pos="0">
+                    <a:schemeClr val="accent1">
+                      <a:shade val="51000"/>
+                      <a:satMod val="130000"/>
+                    </a:schemeClr>
+                  </a:gs>
+                  <a:gs pos="80000">
+                    <a:schemeClr val="accent1">
+                      <a:shade val="93000"/>
+                      <a:satMod val="130000"/>
+                    </a:schemeClr>
+                  </a:gs>
+                  <a:gs pos="100000">
+                    <a:schemeClr val="accent1">
+                      <a:shade val="94000"/>
+                      <a:satMod val="135000"/>
+                    </a:schemeClr>
+                  </a:gs>
+                </a:gsLst>
+                <a:lin ang="16200000" scaled="0"/>
+              </a:gradFill>
+              <a:ln>
+                <a:noFill/>
+              </a:ln>
+              <a:effectLst>
+                <a:outerShdw blurRad="57150" dist="19050" dir="5400000" algn="ctr" rotWithShape="0">
+                  <a:srgbClr val="000000">
+                    <a:alpha val="63000"/>
+                  </a:srgbClr>
+                </a:outerShdw>
+              </a:effectLst>
+              <a:scene3d>
+                <a:camera prst="orthographicFront">
+                  <a:rot lat="0" lon="0" rev="0"/>
+                </a:camera>
+                <a:lightRig rig="threePt" dir="t">
+                  <a:rot lat="0" lon="0" rev="1200000"/>
+                </a:lightRig>
+              </a:scene3d>
+              <a:sp3d>
+                <a:bevelT w="63500" h="25400"/>
+              </a:sp3d>
+            </c:spPr>
+            <c:extLst>
+              <c:ext xmlns:c16="http://schemas.microsoft.com/office/drawing/2014/chart" uri="{C3380CC4-5D6E-409C-BE32-E72D297353CC}">
+                <c16:uniqueId val="{00000004-D11D-43C9-AEEC-AF26D8EA99B5}"/>
+              </c:ext>
+            </c:extLst>
+          </c:dPt>
+          <c:dPt>
+            <c:idx val="15"/>
+            <c:invertIfNegative val="0"/>
+            <c:bubble3D val="0"/>
+            <c:spPr>
+              <a:solidFill>
+                <a:schemeClr val="bg1">
+                  <a:lumMod val="75000"/>
+                </a:schemeClr>
+              </a:solidFill>
+              <a:ln>
+                <a:noFill/>
+              </a:ln>
+              <a:effectLst>
+                <a:outerShdw blurRad="57150" dist="19050" dir="5400000" algn="ctr" rotWithShape="0">
+                  <a:srgbClr val="000000">
+                    <a:alpha val="63000"/>
+                  </a:srgbClr>
+                </a:outerShdw>
+              </a:effectLst>
+              <a:scene3d>
+                <a:camera prst="orthographicFront">
+                  <a:rot lat="0" lon="0" rev="0"/>
+                </a:camera>
+                <a:lightRig rig="threePt" dir="t">
+                  <a:rot lat="0" lon="0" rev="1200000"/>
+                </a:lightRig>
+              </a:scene3d>
+              <a:sp3d>
+                <a:bevelT w="63500" h="25400"/>
+              </a:sp3d>
+            </c:spPr>
+            <c:extLst>
+              <c:ext xmlns:c16="http://schemas.microsoft.com/office/drawing/2014/chart" uri="{C3380CC4-5D6E-409C-BE32-E72D297353CC}">
+                <c16:uniqueId val="{00000008-6BE4-4EDB-A1CC-CCBBC308EA2B}"/>
+              </c:ext>
+            </c:extLst>
+          </c:dPt>
+          <c:cat>
+            <c:strRef>
+              <c:f>Sheet1!$A$4:$A$20</c:f>
+              <c:strCache>
+                <c:ptCount val="16"/>
+                <c:pt idx="0">
+                  <c:v>veganism</c:v>
+                </c:pt>
+                <c:pt idx="1">
+                  <c:v>food</c:v>
+                </c:pt>
+                <c:pt idx="2">
+                  <c:v>cooking</c:v>
+                </c:pt>
+                <c:pt idx="3">
+                  <c:v>healthy eating</c:v>
+                </c:pt>
+                <c:pt idx="4">
+                  <c:v>fitness</c:v>
+                </c:pt>
+                <c:pt idx="5">
+                  <c:v>tennis</c:v>
+                </c:pt>
+                <c:pt idx="6">
+                  <c:v>soccer</c:v>
+                </c:pt>
+                <c:pt idx="7">
+                  <c:v>culture</c:v>
+                </c:pt>
+                <c:pt idx="8">
+                  <c:v>travel</c:v>
+                </c:pt>
+                <c:pt idx="9">
+                  <c:v>animals</c:v>
+                </c:pt>
+                <c:pt idx="10">
+                  <c:v>dogs</c:v>
+                </c:pt>
+                <c:pt idx="11">
+                  <c:v>public speaking</c:v>
+                </c:pt>
+                <c:pt idx="12">
+                  <c:v>science</c:v>
+                </c:pt>
+                <c:pt idx="13">
+                  <c:v>education</c:v>
+                </c:pt>
+                <c:pt idx="14">
+                  <c:v>Studying</c:v>
+                </c:pt>
+                <c:pt idx="15">
+                  <c:v>technology</c:v>
+                </c:pt>
+              </c:strCache>
+            </c:strRef>
+          </c:cat>
+          <c:val>
+            <c:numRef>
+              <c:f>Sheet1!$B$4:$B$20</c:f>
+              <c:numCache>
+                <c:formatCode>_(* #,##0_);_(* \(#,##0\);_(* "-"??_);_(@_)</c:formatCode>
+                <c:ptCount val="16"/>
+                <c:pt idx="0">
+                  <c:v>41725</c:v>
+                </c:pt>
+                <c:pt idx="1">
+                  <c:v>51444</c:v>
+                </c:pt>
+                <c:pt idx="2">
+                  <c:v>54534</c:v>
+                </c:pt>
+                <c:pt idx="3">
+                  <c:v>58059</c:v>
+                </c:pt>
+                <c:pt idx="4">
+                  <c:v>45536</c:v>
+                </c:pt>
+                <c:pt idx="5">
+                  <c:v>47619</c:v>
+                </c:pt>
+                <c:pt idx="6">
+                  <c:v>45776</c:v>
+                </c:pt>
+                <c:pt idx="7">
+                  <c:v>52410</c:v>
+                </c:pt>
+                <c:pt idx="8">
+                  <c:v>58946</c:v>
+                </c:pt>
+                <c:pt idx="9">
+                  <c:v>57418</c:v>
+                </c:pt>
+                <c:pt idx="10">
+                  <c:v>45400</c:v>
+                </c:pt>
+                <c:pt idx="11">
+                  <c:v>40492</c:v>
+                </c:pt>
+                <c:pt idx="12">
+                  <c:v>58566</c:v>
+                </c:pt>
+                <c:pt idx="13">
+                  <c:v>49138</c:v>
+                </c:pt>
+                <c:pt idx="14">
+                  <c:v>39433</c:v>
+                </c:pt>
+                <c:pt idx="15">
+                  <c:v>50971</c:v>
+                </c:pt>
+              </c:numCache>
+            </c:numRef>
+          </c:val>
+          <c:extLst>
+            <c:ext xmlns:c16="http://schemas.microsoft.com/office/drawing/2014/chart" uri="{C3380CC4-5D6E-409C-BE32-E72D297353CC}">
+              <c16:uniqueId val="{00000000-FBF1-40A6-BA9B-FD6D57B035A9}"/>
+            </c:ext>
+          </c:extLst>
+        </c:ser>
+        <c:ser>
+          <c:idx val="1"/>
+          <c:order val="1"/>
+          <c:tx>
+            <c:strRef>
+              <c:f>Sheet1!$C$3</c:f>
+              <c:strCache>
+                <c:ptCount val="1"/>
+                <c:pt idx="0">
+                  <c:v>Count of Score</c:v>
+                </c:pt>
+              </c:strCache>
+            </c:strRef>
+          </c:tx>
+          <c:spPr>
+            <a:gradFill rotWithShape="1">
+              <a:gsLst>
+                <a:gs pos="0">
+                  <a:schemeClr val="accent2">
+                    <a:shade val="51000"/>
+                    <a:satMod val="130000"/>
+                  </a:schemeClr>
+                </a:gs>
+                <a:gs pos="80000">
+                  <a:schemeClr val="accent2">
+                    <a:shade val="93000"/>
+                    <a:satMod val="130000"/>
+                  </a:schemeClr>
+                </a:gs>
+                <a:gs pos="100000">
+                  <a:schemeClr val="accent2">
+                    <a:shade val="94000"/>
+                    <a:satMod val="135000"/>
+                  </a:schemeClr>
+                </a:gs>
+              </a:gsLst>
+              <a:lin ang="16200000" scaled="0"/>
+            </a:gradFill>
+            <a:ln>
+              <a:noFill/>
+            </a:ln>
+            <a:effectLst>
+              <a:outerShdw blurRad="57150" dist="19050" dir="5400000" algn="ctr" rotWithShape="0">
+                <a:srgbClr val="000000">
+                  <a:alpha val="63000"/>
+                </a:srgbClr>
+              </a:outerShdw>
+            </a:effectLst>
+            <a:scene3d>
+              <a:camera prst="orthographicFront">
+                <a:rot lat="0" lon="0" rev="0"/>
+              </a:camera>
+              <a:lightRig rig="threePt" dir="t">
+                <a:rot lat="0" lon="0" rev="1200000"/>
+              </a:lightRig>
+            </a:scene3d>
+            <a:sp3d>
+              <a:bevelT w="63500" h="25400"/>
+            </a:sp3d>
+          </c:spPr>
+          <c:invertIfNegative val="0"/>
+          <c:cat>
+            <c:strRef>
+              <c:f>Sheet1!$A$4:$A$20</c:f>
+              <c:strCache>
+                <c:ptCount val="16"/>
+                <c:pt idx="0">
+                  <c:v>veganism</c:v>
+                </c:pt>
+                <c:pt idx="1">
+                  <c:v>food</c:v>
+                </c:pt>
+                <c:pt idx="2">
+                  <c:v>cooking</c:v>
+                </c:pt>
+                <c:pt idx="3">
+                  <c:v>healthy eating</c:v>
+                </c:pt>
+                <c:pt idx="4">
+                  <c:v>fitness</c:v>
+                </c:pt>
+                <c:pt idx="5">
+                  <c:v>tennis</c:v>
+                </c:pt>
+                <c:pt idx="6">
+                  <c:v>soccer</c:v>
+                </c:pt>
+                <c:pt idx="7">
+                  <c:v>culture</c:v>
+                </c:pt>
+                <c:pt idx="8">
+                  <c:v>travel</c:v>
+                </c:pt>
+                <c:pt idx="9">
+                  <c:v>animals</c:v>
+                </c:pt>
+                <c:pt idx="10">
+                  <c:v>dogs</c:v>
+                </c:pt>
+                <c:pt idx="11">
+                  <c:v>public speaking</c:v>
+                </c:pt>
+                <c:pt idx="12">
+                  <c:v>science</c:v>
+                </c:pt>
+                <c:pt idx="13">
+                  <c:v>education</c:v>
+                </c:pt>
+                <c:pt idx="14">
+                  <c:v>Studying</c:v>
+                </c:pt>
+                <c:pt idx="15">
+                  <c:v>technology</c:v>
+                </c:pt>
+              </c:strCache>
+            </c:strRef>
+          </c:cat>
+          <c:val>
+            <c:numRef>
+              <c:f>Sheet1!$C$4:$C$20</c:f>
+              <c:numCache>
+                <c:formatCode>_(* #,##0_);_(* \(#,##0\);_(* "-"??_);_(@_)</c:formatCode>
+                <c:ptCount val="16"/>
+                <c:pt idx="0">
+                  <c:v>1032</c:v>
+                </c:pt>
+                <c:pt idx="1">
+                  <c:v>1293</c:v>
+                </c:pt>
+                <c:pt idx="2">
+                  <c:v>1394</c:v>
+                </c:pt>
+                <c:pt idx="3">
+                  <c:v>1422</c:v>
+                </c:pt>
+                <c:pt idx="4">
+                  <c:v>1141</c:v>
+                </c:pt>
+                <c:pt idx="5">
+                  <c:v>1258</c:v>
+                </c:pt>
+                <c:pt idx="6">
+                  <c:v>1161</c:v>
+                </c:pt>
+                <c:pt idx="7">
+                  <c:v>1326</c:v>
+                </c:pt>
+                <c:pt idx="8">
+                  <c:v>1494</c:v>
+                </c:pt>
+                <c:pt idx="9">
+                  <c:v>1443</c:v>
+                </c:pt>
+                <c:pt idx="10">
+                  <c:v>1142</c:v>
+                </c:pt>
+                <c:pt idx="11">
+                  <c:v>994</c:v>
+                </c:pt>
+                <c:pt idx="12">
+                  <c:v>1475</c:v>
+                </c:pt>
+                <c:pt idx="13">
+                  <c:v>1232</c:v>
+                </c:pt>
+                <c:pt idx="14">
+                  <c:v>993</c:v>
+                </c:pt>
+                <c:pt idx="15">
+                  <c:v>1256</c:v>
+                </c:pt>
+              </c:numCache>
+            </c:numRef>
+          </c:val>
+          <c:extLst>
+            <c:ext xmlns:c16="http://schemas.microsoft.com/office/drawing/2014/chart" uri="{C3380CC4-5D6E-409C-BE32-E72D297353CC}">
+              <c16:uniqueId val="{00000001-FBF1-40A6-BA9B-FD6D57B035A9}"/>
+            </c:ext>
+          </c:extLst>
+        </c:ser>
+        <c:dLbls>
+          <c:showLegendKey val="0"/>
+          <c:showVal val="0"/>
+          <c:showCatName val="0"/>
+          <c:showSerName val="0"/>
+          <c:showPercent val="0"/>
+          <c:showBubbleSize val="0"/>
+        </c:dLbls>
+        <c:gapWidth val="219"/>
+        <c:overlap val="-27"/>
+        <c:axId val="155743232"/>
+        <c:axId val="155749888"/>
+      </c:barChart>
       <c:lineChart>
         <c:grouping val="standard"/>
         <c:varyColors val="0"/>
@@ -1747,9 +3924,7 @@
           <c:spPr>
             <a:ln w="34925" cap="rnd">
               <a:solidFill>
-                <a:schemeClr val="accent1">
-                  <a:tint val="65000"/>
-                </a:schemeClr>
+                <a:schemeClr val="accent3"/>
               </a:solidFill>
               <a:round/>
             </a:ln>
@@ -1768,37 +3943,29 @@
               <a:gradFill rotWithShape="1">
                 <a:gsLst>
                   <a:gs pos="0">
-                    <a:schemeClr val="accent1">
-                      <a:tint val="65000"/>
-                      <a:satMod val="103000"/>
-                      <a:lumMod val="102000"/>
-                      <a:tint val="94000"/>
+                    <a:schemeClr val="accent3">
+                      <a:shade val="51000"/>
+                      <a:satMod val="130000"/>
                     </a:schemeClr>
                   </a:gs>
-                  <a:gs pos="50000">
-                    <a:schemeClr val="accent1">
-                      <a:tint val="65000"/>
-                      <a:satMod val="110000"/>
-                      <a:lumMod val="100000"/>
-                      <a:shade val="100000"/>
+                  <a:gs pos="80000">
+                    <a:schemeClr val="accent3">
+                      <a:shade val="93000"/>
+                      <a:satMod val="130000"/>
                     </a:schemeClr>
                   </a:gs>
                   <a:gs pos="100000">
-                    <a:schemeClr val="accent1">
-                      <a:tint val="65000"/>
-                      <a:lumMod val="99000"/>
-                      <a:satMod val="120000"/>
-                      <a:shade val="78000"/>
+                    <a:schemeClr val="accent3">
+                      <a:shade val="94000"/>
+                      <a:satMod val="135000"/>
                     </a:schemeClr>
                   </a:gs>
                 </a:gsLst>
-                <a:lin ang="5400000" scaled="0"/>
+                <a:lin ang="16200000" scaled="0"/>
               </a:gradFill>
               <a:ln w="9525">
                 <a:solidFill>
-                  <a:schemeClr val="accent1">
-                    <a:tint val="65000"/>
-                  </a:schemeClr>
+                  <a:schemeClr val="accent3"/>
                 </a:solidFill>
                 <a:round/>
               </a:ln>
@@ -1969,7 +4136,7 @@
               <a:lstStyle/>
               <a:p>
                 <a:pPr>
-                  <a:defRPr sz="900" b="1" i="0" u="none" strike="noStrike" kern="1200" cap="all" baseline="0">
+                  <a:defRPr sz="2400" b="1" i="0" u="none" strike="noStrike" kern="1200" cap="all" baseline="0">
                     <a:solidFill>
                       <a:schemeClr val="lt1">
                         <a:lumMod val="85000"/>
@@ -1981,7 +4148,7 @@
                   </a:defRPr>
                 </a:pPr>
                 <a:r>
-                  <a:rPr lang="de-DE"/>
+                  <a:rPr lang="de-DE" sz="2400"/>
                   <a:t>Categories</a:t>
                 </a:r>
               </a:p>
@@ -2000,7 +4167,7 @@
             <a:lstStyle/>
             <a:p>
               <a:pPr>
-                <a:defRPr sz="900" b="1" i="0" u="none" strike="noStrike" kern="1200" cap="all" baseline="0">
+                <a:defRPr sz="2400" b="1" i="0" u="none" strike="noStrike" kern="1200" cap="all" baseline="0">
                   <a:solidFill>
                     <a:schemeClr val="lt1">
                       <a:lumMod val="85000"/>
@@ -2037,7 +4204,7 @@
           <a:lstStyle/>
           <a:p>
             <a:pPr>
-              <a:defRPr sz="900" b="0" i="0" u="none" strike="noStrike" kern="1200" baseline="0">
+              <a:defRPr sz="1400" b="0" i="0" u="none" strike="noStrike" kern="1200" baseline="0">
                 <a:solidFill>
                   <a:schemeClr val="lt1">
                     <a:lumMod val="85000"/>
@@ -2087,7 +4254,7 @@
               <a:lstStyle/>
               <a:p>
                 <a:pPr>
-                  <a:defRPr sz="1200" b="1" i="0" u="none" strike="noStrike" kern="1200" cap="all" baseline="0">
+                  <a:defRPr sz="1400" b="1" i="0" u="none" strike="noStrike" kern="1200" cap="all" baseline="0">
                     <a:solidFill>
                       <a:schemeClr val="lt1">
                         <a:lumMod val="85000"/>
@@ -2099,7 +4266,7 @@
                   </a:defRPr>
                 </a:pPr>
                 <a:r>
-                  <a:rPr lang="de-DE" sz="1200"/>
+                  <a:rPr lang="de-DE" sz="1400"/>
                   <a:t>Total Scores</a:t>
                 </a:r>
               </a:p>
@@ -2118,7 +4285,7 @@
             <a:lstStyle/>
             <a:p>
               <a:pPr>
-                <a:defRPr sz="1200" b="1" i="0" u="none" strike="noStrike" kern="1200" cap="all" baseline="0">
+                <a:defRPr sz="1400" b="1" i="0" u="none" strike="noStrike" kern="1200" cap="all" baseline="0">
                   <a:solidFill>
                     <a:schemeClr val="lt1">
                       <a:lumMod val="85000"/>
@@ -2181,7 +4348,7 @@
               <a:lstStyle/>
               <a:p>
                 <a:pPr>
-                  <a:defRPr sz="1100" b="1" i="0" u="none" strike="noStrike" kern="1200" cap="all" baseline="0">
+                  <a:defRPr sz="1400" b="1" i="0" u="none" strike="noStrike" kern="1200" cap="all" baseline="0">
                     <a:solidFill>
                       <a:schemeClr val="lt1">
                         <a:lumMod val="85000"/>
@@ -2193,7 +4360,7 @@
                   </a:defRPr>
                 </a:pPr>
                 <a:r>
-                  <a:rPr lang="de-DE" sz="1100"/>
+                  <a:rPr lang="de-DE" sz="1400"/>
                   <a:t>Average Scores</a:t>
                 </a:r>
               </a:p>
@@ -2212,7 +4379,7 @@
             <a:lstStyle/>
             <a:p>
               <a:pPr>
-                <a:defRPr sz="1100" b="1" i="0" u="none" strike="noStrike" kern="1200" cap="all" baseline="0">
+                <a:defRPr sz="1400" b="1" i="0" u="none" strike="noStrike" kern="1200" cap="all" baseline="0">
                   <a:solidFill>
                     <a:schemeClr val="lt1">
                       <a:lumMod val="85000"/>
@@ -2371,7 +4538,6 @@
   <c:externalData r:id="rId3">
     <c:autoUpdate val="0"/>
   </c:externalData>
-  <c:userShapes r:id="rId4"/>
   <c:extLst>
     <c:ext xmlns:c14="http://schemas.microsoft.com/office/drawing/2007/8/2/chart" uri="{781A3756-C4B2-4CAC-9D66-4F8BD8637D16}">
       <c14:pivotOptions>
@@ -2391,7 +4557,7 @@
 </c:chartSpace>
 </file>
 
-<file path=ppt/charts/chart2.xml><?xml version="1.0" encoding="utf-8"?>
+<file path=ppt/charts/chart3.xml><?xml version="1.0" encoding="utf-8"?>
 <c:chartSpace xmlns:c="http://schemas.openxmlformats.org/drawingml/2006/chart" xmlns:a="http://schemas.openxmlformats.org/drawingml/2006/main" xmlns:r="http://schemas.openxmlformats.org/officeDocument/2006/relationships" xmlns:c16r2="http://schemas.microsoft.com/office/drawing/2015/06/chart">
   <c:date1904 val="0"/>
   <c:lang val="en-US"/>
@@ -2410,6 +4576,14 @@
   </c:pivotSource>
   <c:chart>
     <c:title>
+      <c:layout>
+        <c:manualLayout>
+          <c:xMode val="edge"/>
+          <c:yMode val="edge"/>
+          <c:x val="0.7643219897586464"/>
+          <c:y val="2.5825921090626616E-2"/>
+        </c:manualLayout>
+      </c:layout>
       <c:overlay val="0"/>
       <c:spPr>
         <a:noFill/>
@@ -2423,7 +4597,7 @@
         <a:lstStyle/>
         <a:p>
           <a:pPr>
-            <a:defRPr sz="1400" b="0" i="0" u="none" strike="noStrike" kern="1200" spc="0" baseline="0">
+            <a:defRPr sz="2800" b="0" i="0" u="none" strike="noStrike" kern="1200" spc="0" baseline="0">
               <a:solidFill>
                 <a:schemeClr val="tx1">
                   <a:lumMod val="65000"/>
@@ -3391,37 +5565,6 @@
         <a:effectLst/>
       </c:spPr>
     </c:plotArea>
-    <c:legend>
-      <c:legendPos val="r"/>
-      <c:overlay val="0"/>
-      <c:spPr>
-        <a:noFill/>
-        <a:ln>
-          <a:noFill/>
-        </a:ln>
-        <a:effectLst/>
-      </c:spPr>
-      <c:txPr>
-        <a:bodyPr rot="0" spcFirstLastPara="1" vertOverflow="ellipsis" vert="horz" wrap="square" anchor="ctr" anchorCtr="1"/>
-        <a:lstStyle/>
-        <a:p>
-          <a:pPr>
-            <a:defRPr sz="900" b="0" i="0" u="none" strike="noStrike" kern="1200" baseline="0">
-              <a:solidFill>
-                <a:schemeClr val="tx1">
-                  <a:lumMod val="65000"/>
-                  <a:lumOff val="35000"/>
-                </a:schemeClr>
-              </a:solidFill>
-              <a:latin typeface="+mn-lt"/>
-              <a:ea typeface="+mn-ea"/>
-              <a:cs typeface="+mn-cs"/>
-            </a:defRPr>
-          </a:pPr>
-          <a:endParaRPr lang="de-DE"/>
-        </a:p>
-      </c:txPr>
-    </c:legend>
     <c:plotVisOnly val="1"/>
     <c:dispBlanksAs val="gap"/>
     <c:extLst>
@@ -3460,7 +5603,6 @@
         <c14:dropZoneFilter val="1"/>
         <c14:dropZoneCategories val="1"/>
         <c14:dropZoneData val="1"/>
-        <c14:dropZoneSeries val="1"/>
         <c14:dropZonesVisible val="1"/>
       </c14:pivotOptions>
     </c:ext>
@@ -3473,7 +5615,7 @@
 </c:chartSpace>
 </file>
 
-<file path=ppt/charts/chart3.xml><?xml version="1.0" encoding="utf-8"?>
+<file path=ppt/charts/chart4.xml><?xml version="1.0" encoding="utf-8"?>
 <c:chartSpace xmlns:c="http://schemas.openxmlformats.org/drawingml/2006/chart" xmlns:a="http://schemas.openxmlformats.org/drawingml/2006/main" xmlns:r="http://schemas.openxmlformats.org/officeDocument/2006/relationships" xmlns:c16r2="http://schemas.microsoft.com/office/drawing/2015/06/chart">
   <c:date1904 val="0"/>
   <c:lang val="en-US"/>
@@ -3807,6 +5949,61 @@
             </a:effectLst>
           </c:spPr>
           <c:invertIfNegative val="0"/>
+          <c:dPt>
+            <c:idx val="1"/>
+            <c:invertIfNegative val="0"/>
+            <c:bubble3D val="0"/>
+            <c:spPr>
+              <a:solidFill>
+                <a:schemeClr val="tx2">
+                  <a:lumMod val="40000"/>
+                  <a:lumOff val="60000"/>
+                </a:schemeClr>
+              </a:solidFill>
+              <a:ln>
+                <a:noFill/>
+              </a:ln>
+              <a:effectLst>
+                <a:outerShdw blurRad="76200" dir="18900000" sy="23000" kx="-1200000" algn="bl" rotWithShape="0">
+                  <a:prstClr val="black">
+                    <a:alpha val="20000"/>
+                  </a:prstClr>
+                </a:outerShdw>
+              </a:effectLst>
+            </c:spPr>
+            <c:extLst>
+              <c:ext xmlns:c16="http://schemas.microsoft.com/office/drawing/2014/chart" uri="{C3380CC4-5D6E-409C-BE32-E72D297353CC}">
+                <c16:uniqueId val="{00000000-23CE-44D8-AC9A-7407CAF7B516}"/>
+              </c:ext>
+            </c:extLst>
+          </c:dPt>
+          <c:dPt>
+            <c:idx val="4"/>
+            <c:invertIfNegative val="0"/>
+            <c:bubble3D val="0"/>
+            <c:spPr>
+              <a:solidFill>
+                <a:schemeClr val="accent1">
+                  <a:lumMod val="50000"/>
+                </a:schemeClr>
+              </a:solidFill>
+              <a:ln>
+                <a:noFill/>
+              </a:ln>
+              <a:effectLst>
+                <a:outerShdw blurRad="76200" dir="18900000" sy="23000" kx="-1200000" algn="bl" rotWithShape="0">
+                  <a:prstClr val="black">
+                    <a:alpha val="20000"/>
+                  </a:prstClr>
+                </a:outerShdw>
+              </a:effectLst>
+            </c:spPr>
+            <c:extLst>
+              <c:ext xmlns:c16="http://schemas.microsoft.com/office/drawing/2014/chart" uri="{C3380CC4-5D6E-409C-BE32-E72D297353CC}">
+                <c16:uniqueId val="{00000002-23CE-44D8-AC9A-7407CAF7B516}"/>
+              </c:ext>
+            </c:extLst>
+          </c:dPt>
           <c:dLbls>
             <c:spPr>
               <a:noFill/>
@@ -4100,7 +6297,7 @@
 </c:chartSpace>
 </file>
 
-<file path=ppt/charts/chart4.xml><?xml version="1.0" encoding="utf-8"?>
+<file path=ppt/charts/chart5.xml><?xml version="1.0" encoding="utf-8"?>
 <c:chartSpace xmlns:c="http://schemas.openxmlformats.org/drawingml/2006/chart" xmlns:a="http://schemas.openxmlformats.org/drawingml/2006/main" xmlns:r="http://schemas.openxmlformats.org/officeDocument/2006/relationships" xmlns:c16r2="http://schemas.microsoft.com/office/drawing/2015/06/chart">
   <c:date1904 val="0"/>
   <c:lang val="en-US"/>
@@ -4481,6 +6678,182 @@
               <a:effectLst/>
             </c:spPr>
           </c:marker>
+          <c:dPt>
+            <c:idx val="8"/>
+            <c:marker>
+              <c:symbol val="circle"/>
+              <c:size val="5"/>
+              <c:spPr>
+                <a:solidFill>
+                  <a:schemeClr val="accent1"/>
+                </a:solidFill>
+                <a:ln w="22225">
+                  <a:solidFill>
+                    <a:schemeClr val="accent2">
+                      <a:lumMod val="60000"/>
+                      <a:lumOff val="40000"/>
+                    </a:schemeClr>
+                  </a:solidFill>
+                  <a:round/>
+                </a:ln>
+                <a:effectLst/>
+              </c:spPr>
+            </c:marker>
+            <c:bubble3D val="0"/>
+            <c:spPr>
+              <a:ln w="34925" cap="rnd">
+                <a:solidFill>
+                  <a:schemeClr val="accent2">
+                    <a:lumMod val="60000"/>
+                    <a:lumOff val="40000"/>
+                  </a:schemeClr>
+                </a:solidFill>
+                <a:round/>
+              </a:ln>
+              <a:effectLst>
+                <a:outerShdw dist="25400" dir="2700000" algn="tl" rotWithShape="0">
+                  <a:schemeClr val="accent1"/>
+                </a:outerShdw>
+              </a:effectLst>
+            </c:spPr>
+            <c:extLst>
+              <c:ext xmlns:c16="http://schemas.microsoft.com/office/drawing/2014/chart" uri="{C3380CC4-5D6E-409C-BE32-E72D297353CC}">
+                <c16:uniqueId val="{00000000-FE88-4EB3-9ACC-3C6394A1A5D5}"/>
+              </c:ext>
+            </c:extLst>
+          </c:dPt>
+          <c:dPt>
+            <c:idx val="9"/>
+            <c:marker>
+              <c:symbol val="circle"/>
+              <c:size val="5"/>
+              <c:spPr>
+                <a:solidFill>
+                  <a:schemeClr val="accent1"/>
+                </a:solidFill>
+                <a:ln w="22225">
+                  <a:solidFill>
+                    <a:schemeClr val="accent3">
+                      <a:lumMod val="60000"/>
+                      <a:lumOff val="40000"/>
+                    </a:schemeClr>
+                  </a:solidFill>
+                  <a:round/>
+                </a:ln>
+                <a:effectLst/>
+              </c:spPr>
+            </c:marker>
+            <c:bubble3D val="0"/>
+            <c:spPr>
+              <a:ln w="34925" cap="rnd">
+                <a:solidFill>
+                  <a:schemeClr val="accent3">
+                    <a:lumMod val="60000"/>
+                    <a:lumOff val="40000"/>
+                  </a:schemeClr>
+                </a:solidFill>
+                <a:round/>
+              </a:ln>
+              <a:effectLst>
+                <a:outerShdw dist="25400" dir="2700000" algn="tl" rotWithShape="0">
+                  <a:schemeClr val="accent1"/>
+                </a:outerShdw>
+              </a:effectLst>
+            </c:spPr>
+            <c:extLst>
+              <c:ext xmlns:c16="http://schemas.microsoft.com/office/drawing/2014/chart" uri="{C3380CC4-5D6E-409C-BE32-E72D297353CC}">
+                <c16:uniqueId val="{00000001-FE88-4EB3-9ACC-3C6394A1A5D5}"/>
+              </c:ext>
+            </c:extLst>
+          </c:dPt>
+          <c:dPt>
+            <c:idx val="10"/>
+            <c:marker>
+              <c:symbol val="circle"/>
+              <c:size val="5"/>
+              <c:spPr>
+                <a:solidFill>
+                  <a:schemeClr val="accent1"/>
+                </a:solidFill>
+                <a:ln w="22225">
+                  <a:solidFill>
+                    <a:schemeClr val="accent3">
+                      <a:lumMod val="60000"/>
+                      <a:lumOff val="40000"/>
+                    </a:schemeClr>
+                  </a:solidFill>
+                  <a:round/>
+                </a:ln>
+                <a:effectLst/>
+              </c:spPr>
+            </c:marker>
+            <c:bubble3D val="0"/>
+            <c:spPr>
+              <a:ln w="34925" cap="rnd">
+                <a:solidFill>
+                  <a:schemeClr val="accent3">
+                    <a:lumMod val="60000"/>
+                    <a:lumOff val="40000"/>
+                  </a:schemeClr>
+                </a:solidFill>
+                <a:round/>
+              </a:ln>
+              <a:effectLst>
+                <a:outerShdw dist="25400" dir="2700000" algn="tl" rotWithShape="0">
+                  <a:schemeClr val="accent1"/>
+                </a:outerShdw>
+              </a:effectLst>
+            </c:spPr>
+            <c:extLst>
+              <c:ext xmlns:c16="http://schemas.microsoft.com/office/drawing/2014/chart" uri="{C3380CC4-5D6E-409C-BE32-E72D297353CC}">
+                <c16:uniqueId val="{00000002-FE88-4EB3-9ACC-3C6394A1A5D5}"/>
+              </c:ext>
+            </c:extLst>
+          </c:dPt>
+          <c:dPt>
+            <c:idx val="11"/>
+            <c:marker>
+              <c:symbol val="circle"/>
+              <c:size val="5"/>
+              <c:spPr>
+                <a:solidFill>
+                  <a:schemeClr val="accent1"/>
+                </a:solidFill>
+                <a:ln w="22225">
+                  <a:solidFill>
+                    <a:schemeClr val="accent3">
+                      <a:lumMod val="60000"/>
+                      <a:lumOff val="40000"/>
+                    </a:schemeClr>
+                  </a:solidFill>
+                  <a:round/>
+                </a:ln>
+                <a:effectLst/>
+              </c:spPr>
+            </c:marker>
+            <c:bubble3D val="0"/>
+            <c:spPr>
+              <a:ln w="34925" cap="rnd">
+                <a:solidFill>
+                  <a:schemeClr val="accent3">
+                    <a:lumMod val="60000"/>
+                    <a:lumOff val="40000"/>
+                  </a:schemeClr>
+                </a:solidFill>
+                <a:round/>
+              </a:ln>
+              <a:effectLst>
+                <a:outerShdw dist="25400" dir="2700000" algn="tl" rotWithShape="0">
+                  <a:schemeClr val="accent1"/>
+                </a:outerShdw>
+              </a:effectLst>
+            </c:spPr>
+            <c:extLst>
+              <c:ext xmlns:c16="http://schemas.microsoft.com/office/drawing/2014/chart" uri="{C3380CC4-5D6E-409C-BE32-E72D297353CC}">
+                <c16:uniqueId val="{00000003-FE88-4EB3-9ACC-3C6394A1A5D5}"/>
+              </c:ext>
+            </c:extLst>
+          </c:dPt>
           <c:cat>
             <c:multiLvlStrRef>
               <c:f>Sheet1!$F$13:$F$32</c:f>
@@ -4760,7 +7133,7 @@
               <a:lstStyle/>
               <a:p>
                 <a:pPr>
-                  <a:defRPr sz="1200" b="1" i="0" u="none" strike="noStrike" kern="1200" baseline="0">
+                  <a:defRPr sz="2000" b="1" i="0" u="none" strike="noStrike" kern="1200" baseline="0">
                     <a:solidFill>
                       <a:schemeClr val="lt1"/>
                     </a:solidFill>
@@ -4770,14 +7143,14 @@
                   </a:defRPr>
                 </a:pPr>
                 <a:r>
-                  <a:rPr lang="de-DE" sz="1200"/>
+                  <a:rPr lang="de-DE" sz="2000"/>
                   <a:t>Number</a:t>
                 </a:r>
                 <a:r>
-                  <a:rPr lang="de-DE" sz="1200" baseline="0"/>
+                  <a:rPr lang="de-DE" sz="2000" baseline="0"/>
                   <a:t> of Posts</a:t>
                 </a:r>
-                <a:endParaRPr lang="de-DE" sz="1200"/>
+                <a:endParaRPr lang="de-DE" sz="2000"/>
               </a:p>
             </c:rich>
           </c:tx>
@@ -4794,7 +7167,7 @@
             <a:lstStyle/>
             <a:p>
               <a:pPr>
-                <a:defRPr sz="1200" b="1" i="0" u="none" strike="noStrike" kern="1200" baseline="0">
+                <a:defRPr sz="2000" b="1" i="0" u="none" strike="noStrike" kern="1200" baseline="0">
                   <a:solidFill>
                     <a:schemeClr val="lt1"/>
                   </a:solidFill>
@@ -4847,34 +7220,6 @@
         <a:effectLst/>
       </c:spPr>
     </c:plotArea>
-    <c:legend>
-      <c:legendPos val="r"/>
-      <c:overlay val="0"/>
-      <c:spPr>
-        <a:noFill/>
-        <a:ln>
-          <a:noFill/>
-        </a:ln>
-        <a:effectLst/>
-      </c:spPr>
-      <c:txPr>
-        <a:bodyPr rot="0" spcFirstLastPara="1" vertOverflow="ellipsis" vert="horz" wrap="square" anchor="ctr" anchorCtr="1"/>
-        <a:lstStyle/>
-        <a:p>
-          <a:pPr>
-            <a:defRPr sz="1050" b="0" i="0" u="none" strike="noStrike" kern="1200" baseline="0">
-              <a:solidFill>
-                <a:schemeClr val="lt1"/>
-              </a:solidFill>
-              <a:latin typeface="+mn-lt"/>
-              <a:ea typeface="+mn-ea"/>
-              <a:cs typeface="+mn-cs"/>
-            </a:defRPr>
-          </a:pPr>
-          <a:endParaRPr lang="de-DE"/>
-        </a:p>
-      </c:txPr>
-    </c:legend>
     <c:plotVisOnly val="1"/>
     <c:dispBlanksAs val="gap"/>
     <c:extLst>
@@ -4917,7 +7262,6 @@
         <c14:dropZoneFilter val="1"/>
         <c14:dropZoneCategories val="1"/>
         <c14:dropZoneData val="1"/>
-        <c14:dropZoneSeries val="1"/>
         <c14:dropZonesVisible val="1"/>
       </c14:pivotOptions>
     </c:ext>
@@ -5017,6 +7361,46 @@
 </file>
 
 <file path=ppt/charts/colors4.xml><?xml version="1.0" encoding="utf-8"?>
+<cs:colorStyle xmlns:cs="http://schemas.microsoft.com/office/drawing/2012/chartStyle" xmlns:a="http://schemas.openxmlformats.org/drawingml/2006/main" meth="cycle" id="10">
+  <a:schemeClr val="accent1"/>
+  <a:schemeClr val="accent2"/>
+  <a:schemeClr val="accent3"/>
+  <a:schemeClr val="accent4"/>
+  <a:schemeClr val="accent5"/>
+  <a:schemeClr val="accent6"/>
+  <cs:variation/>
+  <cs:variation>
+    <a:lumMod val="60000"/>
+  </cs:variation>
+  <cs:variation>
+    <a:lumMod val="80000"/>
+    <a:lumOff val="20000"/>
+  </cs:variation>
+  <cs:variation>
+    <a:lumMod val="80000"/>
+  </cs:variation>
+  <cs:variation>
+    <a:lumMod val="60000"/>
+    <a:lumOff val="40000"/>
+  </cs:variation>
+  <cs:variation>
+    <a:lumMod val="50000"/>
+  </cs:variation>
+  <cs:variation>
+    <a:lumMod val="70000"/>
+    <a:lumOff val="30000"/>
+  </cs:variation>
+  <cs:variation>
+    <a:lumMod val="70000"/>
+  </cs:variation>
+  <cs:variation>
+    <a:lumMod val="50000"/>
+    <a:lumOff val="50000"/>
+  </cs:variation>
+</cs:colorStyle>
+</file>
+
+<file path=ppt/charts/colors5.xml><?xml version="1.0" encoding="utf-8"?>
 <cs:colorStyle xmlns:cs="http://schemas.microsoft.com/office/drawing/2012/chartStyle" xmlns:a="http://schemas.openxmlformats.org/drawingml/2006/main" meth="cycle" id="10">
   <a:schemeClr val="accent1"/>
   <a:schemeClr val="accent2"/>
@@ -5570,6 +7954,519 @@
 </file>
 
 <file path=ppt/charts/style2.xml><?xml version="1.0" encoding="utf-8"?>
+<cs:chartStyle xmlns:cs="http://schemas.microsoft.com/office/drawing/2012/chartStyle" xmlns:a="http://schemas.openxmlformats.org/drawingml/2006/main" id="328">
+  <cs:axisTitle>
+    <cs:lnRef idx="0"/>
+    <cs:fillRef idx="0"/>
+    <cs:effectRef idx="0"/>
+    <cs:fontRef idx="minor">
+      <a:schemeClr val="lt1">
+        <a:lumMod val="85000"/>
+      </a:schemeClr>
+    </cs:fontRef>
+    <cs:defRPr sz="900" b="1" kern="1200" cap="all"/>
+  </cs:axisTitle>
+  <cs:categoryAxis>
+    <cs:lnRef idx="0"/>
+    <cs:fillRef idx="0"/>
+    <cs:effectRef idx="0"/>
+    <cs:fontRef idx="minor">
+      <a:schemeClr val="lt1">
+        <a:lumMod val="85000"/>
+      </a:schemeClr>
+    </cs:fontRef>
+    <cs:spPr>
+      <a:ln w="12700" cap="flat" cmpd="sng" algn="ctr">
+        <a:solidFill>
+          <a:schemeClr val="lt1">
+            <a:lumMod val="95000"/>
+            <a:alpha val="54000"/>
+          </a:schemeClr>
+        </a:solidFill>
+        <a:round/>
+      </a:ln>
+    </cs:spPr>
+    <cs:defRPr sz="900" kern="1200"/>
+  </cs:categoryAxis>
+  <cs:chartArea>
+    <cs:lnRef idx="0"/>
+    <cs:fillRef idx="0"/>
+    <cs:effectRef idx="0"/>
+    <cs:fontRef idx="minor">
+      <a:schemeClr val="dk1"/>
+    </cs:fontRef>
+    <cs:spPr>
+      <a:gradFill flip="none" rotWithShape="1">
+        <a:gsLst>
+          <a:gs pos="0">
+            <a:schemeClr val="dk1">
+              <a:lumMod val="65000"/>
+              <a:lumOff val="35000"/>
+            </a:schemeClr>
+          </a:gs>
+          <a:gs pos="100000">
+            <a:schemeClr val="dk1">
+              <a:lumMod val="85000"/>
+              <a:lumOff val="15000"/>
+            </a:schemeClr>
+          </a:gs>
+        </a:gsLst>
+        <a:path path="circle">
+          <a:fillToRect l="50000" t="50000" r="50000" b="50000"/>
+        </a:path>
+        <a:tileRect/>
+      </a:gradFill>
+    </cs:spPr>
+    <cs:defRPr sz="1000" kern="1200"/>
+  </cs:chartArea>
+  <cs:dataLabel>
+    <cs:lnRef idx="0"/>
+    <cs:fillRef idx="0"/>
+    <cs:effectRef idx="0"/>
+    <cs:fontRef idx="minor">
+      <a:schemeClr val="lt1">
+        <a:lumMod val="85000"/>
+      </a:schemeClr>
+    </cs:fontRef>
+    <cs:defRPr sz="900" kern="1200"/>
+  </cs:dataLabel>
+  <cs:dataLabelCallout>
+    <cs:lnRef idx="0"/>
+    <cs:fillRef idx="0"/>
+    <cs:effectRef idx="0"/>
+    <cs:fontRef idx="minor">
+      <a:schemeClr val="dk1">
+        <a:lumMod val="65000"/>
+        <a:lumOff val="35000"/>
+      </a:schemeClr>
+    </cs:fontRef>
+    <cs:spPr>
+      <a:solidFill>
+        <a:schemeClr val="lt1"/>
+      </a:solidFill>
+    </cs:spPr>
+    <cs:defRPr sz="900" kern="1200"/>
+    <cs:bodyPr rot="0" spcFirstLastPara="1" vertOverflow="clip" horzOverflow="clip" vert="horz" wrap="square" lIns="36576" tIns="18288" rIns="36576" bIns="18288" anchor="ctr" anchorCtr="1">
+      <a:spAutoFit/>
+    </cs:bodyPr>
+  </cs:dataLabelCallout>
+  <cs:dataPoint>
+    <cs:lnRef idx="0"/>
+    <cs:fillRef idx="3">
+      <cs:styleClr val="auto"/>
+    </cs:fillRef>
+    <cs:effectRef idx="3"/>
+    <cs:fontRef idx="minor">
+      <a:schemeClr val="tx1"/>
+    </cs:fontRef>
+  </cs:dataPoint>
+  <cs:dataPoint3D>
+    <cs:lnRef idx="0"/>
+    <cs:fillRef idx="3">
+      <cs:styleClr val="auto"/>
+    </cs:fillRef>
+    <cs:effectRef idx="3"/>
+    <cs:fontRef idx="minor">
+      <a:schemeClr val="tx1"/>
+    </cs:fontRef>
+  </cs:dataPoint3D>
+  <cs:dataPointLine>
+    <cs:lnRef idx="0">
+      <cs:styleClr val="auto"/>
+    </cs:lnRef>
+    <cs:fillRef idx="3"/>
+    <cs:effectRef idx="3"/>
+    <cs:fontRef idx="minor">
+      <a:schemeClr val="tx1"/>
+    </cs:fontRef>
+    <cs:spPr>
+      <a:ln w="34925" cap="rnd">
+        <a:solidFill>
+          <a:schemeClr val="phClr"/>
+        </a:solidFill>
+        <a:round/>
+      </a:ln>
+    </cs:spPr>
+  </cs:dataPointLine>
+  <cs:dataPointMarker>
+    <cs:lnRef idx="0">
+      <cs:styleClr val="auto"/>
+    </cs:lnRef>
+    <cs:fillRef idx="3">
+      <cs:styleClr val="auto"/>
+    </cs:fillRef>
+    <cs:effectRef idx="3"/>
+    <cs:fontRef idx="minor">
+      <a:schemeClr val="tx1"/>
+    </cs:fontRef>
+    <cs:spPr>
+      <a:ln w="9525">
+        <a:solidFill>
+          <a:schemeClr val="phClr"/>
+        </a:solidFill>
+        <a:round/>
+      </a:ln>
+    </cs:spPr>
+  </cs:dataPointMarker>
+  <cs:dataPointMarkerLayout symbol="circle" size="6"/>
+  <cs:dataPointWireframe>
+    <cs:lnRef idx="0">
+      <cs:styleClr val="auto"/>
+    </cs:lnRef>
+    <cs:fillRef idx="3"/>
+    <cs:effectRef idx="3"/>
+    <cs:fontRef idx="minor">
+      <a:schemeClr val="tx1"/>
+    </cs:fontRef>
+    <cs:spPr>
+      <a:ln w="9525" cap="rnd">
+        <a:solidFill>
+          <a:schemeClr val="phClr"/>
+        </a:solidFill>
+        <a:round/>
+      </a:ln>
+    </cs:spPr>
+  </cs:dataPointWireframe>
+  <cs:dataTable>
+    <cs:lnRef idx="0"/>
+    <cs:fillRef idx="0"/>
+    <cs:effectRef idx="0"/>
+    <cs:fontRef idx="minor">
+      <a:schemeClr val="lt1">
+        <a:lumMod val="85000"/>
+      </a:schemeClr>
+    </cs:fontRef>
+    <cs:spPr>
+      <a:ln w="9525">
+        <a:solidFill>
+          <a:schemeClr val="lt1">
+            <a:lumMod val="95000"/>
+            <a:alpha val="54000"/>
+          </a:schemeClr>
+        </a:solidFill>
+      </a:ln>
+    </cs:spPr>
+    <cs:defRPr sz="900" kern="1200"/>
+  </cs:dataTable>
+  <cs:downBar>
+    <cs:lnRef idx="0"/>
+    <cs:fillRef idx="0"/>
+    <cs:effectRef idx="0"/>
+    <cs:fontRef idx="minor">
+      <a:schemeClr val="tx1"/>
+    </cs:fontRef>
+    <cs:spPr>
+      <a:gradFill>
+        <a:gsLst>
+          <a:gs pos="100000">
+            <a:schemeClr val="dk1">
+              <a:lumMod val="95000"/>
+              <a:lumOff val="5000"/>
+            </a:schemeClr>
+          </a:gs>
+          <a:gs pos="0">
+            <a:schemeClr val="dk1">
+              <a:lumMod val="75000"/>
+              <a:lumOff val="25000"/>
+            </a:schemeClr>
+          </a:gs>
+        </a:gsLst>
+        <a:path path="circle">
+          <a:fillToRect l="50000" t="50000" r="50000" b="50000"/>
+        </a:path>
+      </a:gradFill>
+      <a:ln w="9525">
+        <a:solidFill>
+          <a:schemeClr val="dk1">
+            <a:lumMod val="75000"/>
+            <a:lumOff val="25000"/>
+          </a:schemeClr>
+        </a:solidFill>
+      </a:ln>
+    </cs:spPr>
+  </cs:downBar>
+  <cs:dropLine>
+    <cs:lnRef idx="0"/>
+    <cs:fillRef idx="0"/>
+    <cs:effectRef idx="0"/>
+    <cs:fontRef idx="minor">
+      <a:schemeClr val="tx1"/>
+    </cs:fontRef>
+    <cs:spPr>
+      <a:ln w="9525" cap="flat" cmpd="sng" algn="ctr">
+        <a:solidFill>
+          <a:schemeClr val="lt1"/>
+        </a:solidFill>
+        <a:round/>
+      </a:ln>
+    </cs:spPr>
+  </cs:dropLine>
+  <cs:errorBar>
+    <cs:lnRef idx="0"/>
+    <cs:fillRef idx="0"/>
+    <cs:effectRef idx="0"/>
+    <cs:fontRef idx="minor">
+      <a:schemeClr val="tx1"/>
+    </cs:fontRef>
+    <cs:spPr>
+      <a:ln w="9525" cap="flat" cmpd="sng" algn="ctr">
+        <a:solidFill>
+          <a:schemeClr val="lt1">
+            <a:lumMod val="95000"/>
+          </a:schemeClr>
+        </a:solidFill>
+        <a:round/>
+      </a:ln>
+    </cs:spPr>
+  </cs:errorBar>
+  <cs:floor>
+    <cs:lnRef idx="0"/>
+    <cs:fillRef idx="0"/>
+    <cs:effectRef idx="0"/>
+    <cs:fontRef idx="minor">
+      <a:schemeClr val="tx1"/>
+    </cs:fontRef>
+  </cs:floor>
+  <cs:gridlineMajor>
+    <cs:lnRef idx="0"/>
+    <cs:fillRef idx="0"/>
+    <cs:effectRef idx="0"/>
+    <cs:fontRef idx="minor">
+      <a:schemeClr val="tx1"/>
+    </cs:fontRef>
+    <cs:spPr>
+      <a:ln w="9525" cap="flat" cmpd="sng" algn="ctr">
+        <a:solidFill>
+          <a:schemeClr val="lt1">
+            <a:lumMod val="95000"/>
+            <a:alpha val="10000"/>
+          </a:schemeClr>
+        </a:solidFill>
+        <a:round/>
+      </a:ln>
+    </cs:spPr>
+  </cs:gridlineMajor>
+  <cs:gridlineMinor>
+    <cs:lnRef idx="0"/>
+    <cs:fillRef idx="0"/>
+    <cs:effectRef idx="0"/>
+    <cs:fontRef idx="minor">
+      <a:schemeClr val="tx1"/>
+    </cs:fontRef>
+    <cs:spPr>
+      <a:ln>
+        <a:solidFill>
+          <a:schemeClr val="lt1">
+            <a:lumMod val="95000"/>
+            <a:alpha val="5000"/>
+          </a:schemeClr>
+        </a:solidFill>
+      </a:ln>
+    </cs:spPr>
+  </cs:gridlineMinor>
+  <cs:hiLoLine>
+    <cs:lnRef idx="0"/>
+    <cs:fillRef idx="0"/>
+    <cs:effectRef idx="0"/>
+    <cs:fontRef idx="minor">
+      <a:schemeClr val="tx1"/>
+    </cs:fontRef>
+    <cs:spPr>
+      <a:ln w="9525" cap="flat" cmpd="sng" algn="ctr">
+        <a:solidFill>
+          <a:schemeClr val="lt1"/>
+        </a:solidFill>
+        <a:round/>
+      </a:ln>
+    </cs:spPr>
+  </cs:hiLoLine>
+  <cs:leaderLine>
+    <cs:lnRef idx="0"/>
+    <cs:fillRef idx="0"/>
+    <cs:effectRef idx="0"/>
+    <cs:fontRef idx="minor">
+      <a:schemeClr val="tx1"/>
+    </cs:fontRef>
+    <cs:spPr>
+      <a:ln w="9525">
+        <a:solidFill>
+          <a:schemeClr val="lt1">
+            <a:lumMod val="95000"/>
+            <a:alpha val="54000"/>
+          </a:schemeClr>
+        </a:solidFill>
+      </a:ln>
+    </cs:spPr>
+  </cs:leaderLine>
+  <cs:legend>
+    <cs:lnRef idx="0"/>
+    <cs:fillRef idx="0"/>
+    <cs:effectRef idx="0"/>
+    <cs:fontRef idx="minor">
+      <a:schemeClr val="lt1">
+        <a:lumMod val="85000"/>
+      </a:schemeClr>
+    </cs:fontRef>
+    <cs:defRPr sz="900" kern="1200"/>
+  </cs:legend>
+  <cs:plotArea>
+    <cs:lnRef idx="0"/>
+    <cs:fillRef idx="0"/>
+    <cs:effectRef idx="0"/>
+    <cs:fontRef idx="minor">
+      <a:schemeClr val="tx1"/>
+    </cs:fontRef>
+  </cs:plotArea>
+  <cs:plotArea3D>
+    <cs:lnRef idx="0"/>
+    <cs:fillRef idx="0"/>
+    <cs:effectRef idx="0"/>
+    <cs:fontRef idx="minor">
+      <a:schemeClr val="tx1"/>
+    </cs:fontRef>
+  </cs:plotArea3D>
+  <cs:seriesAxis>
+    <cs:lnRef idx="0"/>
+    <cs:fillRef idx="0"/>
+    <cs:effectRef idx="0"/>
+    <cs:fontRef idx="minor">
+      <a:schemeClr val="lt1">
+        <a:lumMod val="85000"/>
+      </a:schemeClr>
+    </cs:fontRef>
+    <cs:spPr>
+      <a:ln w="12700" cap="flat" cmpd="sng" algn="ctr">
+        <a:solidFill>
+          <a:schemeClr val="lt1">
+            <a:lumMod val="95000"/>
+            <a:alpha val="54000"/>
+          </a:schemeClr>
+        </a:solidFill>
+        <a:round/>
+      </a:ln>
+    </cs:spPr>
+    <cs:defRPr sz="900" kern="1200"/>
+  </cs:seriesAxis>
+  <cs:seriesLine>
+    <cs:lnRef idx="0"/>
+    <cs:fillRef idx="0"/>
+    <cs:effectRef idx="0"/>
+    <cs:fontRef idx="minor">
+      <a:schemeClr val="lt1"/>
+    </cs:fontRef>
+    <cs:spPr>
+      <a:ln w="9525" cap="flat" cmpd="sng" algn="ctr">
+        <a:solidFill>
+          <a:schemeClr val="lt1">
+            <a:lumMod val="95000"/>
+            <a:alpha val="54000"/>
+          </a:schemeClr>
+        </a:solidFill>
+        <a:round/>
+      </a:ln>
+    </cs:spPr>
+  </cs:seriesLine>
+  <cs:title>
+    <cs:lnRef idx="0"/>
+    <cs:fillRef idx="0"/>
+    <cs:effectRef idx="0"/>
+    <cs:fontRef idx="minor">
+      <a:schemeClr val="lt1">
+        <a:lumMod val="95000"/>
+      </a:schemeClr>
+    </cs:fontRef>
+    <cs:defRPr sz="1600" b="1" kern="1200" spc="100" baseline="0">
+      <a:effectLst>
+        <a:outerShdw blurRad="50800" dist="38100" dir="5400000" algn="t" rotWithShape="0">
+          <a:prstClr val="black">
+            <a:alpha val="40000"/>
+          </a:prstClr>
+        </a:outerShdw>
+      </a:effectLst>
+    </cs:defRPr>
+  </cs:title>
+  <cs:trendline>
+    <cs:lnRef idx="0">
+      <cs:styleClr val="auto"/>
+    </cs:lnRef>
+    <cs:fillRef idx="0"/>
+    <cs:effectRef idx="0"/>
+    <cs:fontRef idx="minor">
+      <a:schemeClr val="tx1"/>
+    </cs:fontRef>
+    <cs:spPr>
+      <a:ln w="19050" cap="rnd">
+        <a:solidFill>
+          <a:schemeClr val="phClr"/>
+        </a:solidFill>
+      </a:ln>
+    </cs:spPr>
+  </cs:trendline>
+  <cs:trendlineLabel>
+    <cs:lnRef idx="0"/>
+    <cs:fillRef idx="0"/>
+    <cs:effectRef idx="0"/>
+    <cs:fontRef idx="minor">
+      <a:schemeClr val="lt1">
+        <a:lumMod val="85000"/>
+      </a:schemeClr>
+    </cs:fontRef>
+    <cs:defRPr sz="900" kern="1200"/>
+  </cs:trendlineLabel>
+  <cs:upBar>
+    <cs:lnRef idx="0"/>
+    <cs:fillRef idx="0"/>
+    <cs:effectRef idx="0"/>
+    <cs:fontRef idx="minor">
+      <a:schemeClr val="tx1"/>
+    </cs:fontRef>
+    <cs:spPr>
+      <a:gradFill>
+        <a:gsLst>
+          <a:gs pos="100000">
+            <a:schemeClr val="lt1">
+              <a:lumMod val="85000"/>
+            </a:schemeClr>
+          </a:gs>
+          <a:gs pos="0">
+            <a:schemeClr val="lt1"/>
+          </a:gs>
+        </a:gsLst>
+        <a:path path="circle">
+          <a:fillToRect l="50000" t="50000" r="50000" b="50000"/>
+        </a:path>
+      </a:gradFill>
+      <a:ln w="9525" cap="flat" cmpd="sng" algn="ctr">
+        <a:solidFill>
+          <a:schemeClr val="lt1"/>
+        </a:solidFill>
+        <a:round/>
+      </a:ln>
+    </cs:spPr>
+  </cs:upBar>
+  <cs:valueAxis>
+    <cs:lnRef idx="0"/>
+    <cs:fillRef idx="0"/>
+    <cs:effectRef idx="0"/>
+    <cs:fontRef idx="minor">
+      <a:schemeClr val="lt1">
+        <a:lumMod val="85000"/>
+      </a:schemeClr>
+    </cs:fontRef>
+    <cs:defRPr sz="900" kern="1200"/>
+  </cs:valueAxis>
+  <cs:wall>
+    <cs:lnRef idx="0"/>
+    <cs:fillRef idx="0"/>
+    <cs:effectRef idx="0"/>
+    <cs:fontRef idx="minor">
+      <a:schemeClr val="tx1"/>
+    </cs:fontRef>
+  </cs:wall>
+</cs:chartStyle>
+</file>
+
+<file path=ppt/charts/style3.xml><?xml version="1.0" encoding="utf-8"?>
 <cs:chartStyle xmlns:cs="http://schemas.microsoft.com/office/drawing/2012/chartStyle" xmlns:a="http://schemas.openxmlformats.org/drawingml/2006/main" id="317">
   <cs:axisTitle>
     <cs:lnRef idx="0"/>
@@ -6074,7 +8971,7 @@
 </cs:chartStyle>
 </file>
 
-<file path=ppt/charts/style3.xml><?xml version="1.0" encoding="utf-8"?>
+<file path=ppt/charts/style4.xml><?xml version="1.0" encoding="utf-8"?>
 <cs:chartStyle xmlns:cs="http://schemas.microsoft.com/office/drawing/2012/chartStyle" xmlns:a="http://schemas.openxmlformats.org/drawingml/2006/main" id="204">
   <cs:axisTitle>
     <cs:lnRef idx="0"/>
@@ -6641,7 +9538,7 @@
 </cs:chartStyle>
 </file>
 
-<file path=ppt/charts/style4.xml><?xml version="1.0" encoding="utf-8"?>
+<file path=ppt/charts/style5.xml><?xml version="1.0" encoding="utf-8"?>
 <cs:chartStyle xmlns:cs="http://schemas.microsoft.com/office/drawing/2012/chartStyle" xmlns:a="http://schemas.openxmlformats.org/drawingml/2006/main" id="229">
   <cs:axisTitle>
     <cs:lnRef idx="0"/>
@@ -7174,12 +10071,12 @@
 <c:userShapes xmlns:c="http://schemas.openxmlformats.org/drawingml/2006/chart">
   <cdr:relSizeAnchor xmlns:cdr="http://schemas.openxmlformats.org/drawingml/2006/chartDrawing">
     <cdr:from>
-      <cdr:x>0.11917</cdr:x>
-      <cdr:y>0.91464</cdr:y>
+      <cdr:x>0.10363</cdr:x>
+      <cdr:y>0.88656</cdr:y>
     </cdr:from>
     <cdr:to>
-      <cdr:x>0.11917</cdr:x>
-      <cdr:y>0.96239</cdr:y>
+      <cdr:x>0.10363</cdr:x>
+      <cdr:y>0.93431</cdr:y>
     </cdr:to>
     <cdr:cxnSp macro="">
       <cdr:nvCxnSpPr>
@@ -7194,8 +10091,8 @@
       </cdr:nvCxnSpPr>
       <cdr:spPr>
         <a:xfrm xmlns:a="http://schemas.openxmlformats.org/drawingml/2006/main">
-          <a:off x="1605337" y="5468358"/>
-          <a:ext cx="0" cy="285473"/>
+          <a:off x="1396001" y="5993479"/>
+          <a:ext cx="0" cy="322809"/>
         </a:xfrm>
         <a:prstGeom xmlns:a="http://schemas.openxmlformats.org/drawingml/2006/main" prst="line">
           <a:avLst/>
@@ -7219,57 +10116,12 @@
   </cdr:relSizeAnchor>
   <cdr:relSizeAnchor xmlns:cdr="http://schemas.openxmlformats.org/drawingml/2006/chartDrawing">
     <cdr:from>
-      <cdr:x>0.11917</cdr:x>
-      <cdr:y>0.96239</cdr:y>
+      <cdr:x>0.25069</cdr:x>
+      <cdr:y>0.88656</cdr:y>
     </cdr:from>
     <cdr:to>
-      <cdr:x>0.26623</cdr:x>
-      <cdr:y>0.96239</cdr:y>
-    </cdr:to>
-    <cdr:cxnSp macro="">
-      <cdr:nvCxnSpPr>
-        <cdr:cNvPr id="5" name="Straight Connector 4">
-          <a:extLst xmlns:a="http://schemas.openxmlformats.org/drawingml/2006/main">
-            <a:ext uri="{FF2B5EF4-FFF2-40B4-BE49-F238E27FC236}">
-              <a16:creationId xmlns:a16="http://schemas.microsoft.com/office/drawing/2014/main" id="{E9BB9036-5C55-4FDF-A3CB-0D438852E043}"/>
-            </a:ext>
-          </a:extLst>
-        </cdr:cNvPr>
-        <cdr:cNvCxnSpPr/>
-      </cdr:nvCxnSpPr>
-      <cdr:spPr>
-        <a:xfrm xmlns:a="http://schemas.openxmlformats.org/drawingml/2006/main">
-          <a:off x="1605337" y="5753831"/>
-          <a:ext cx="1981200" cy="0"/>
-        </a:xfrm>
-        <a:prstGeom xmlns:a="http://schemas.openxmlformats.org/drawingml/2006/main" prst="line">
-          <a:avLst/>
-        </a:prstGeom>
-      </cdr:spPr>
-      <cdr:style>
-        <a:lnRef xmlns:a="http://schemas.openxmlformats.org/drawingml/2006/main" idx="1">
-          <a:schemeClr val="accent1"/>
-        </a:lnRef>
-        <a:fillRef xmlns:a="http://schemas.openxmlformats.org/drawingml/2006/main" idx="0">
-          <a:schemeClr val="accent1"/>
-        </a:fillRef>
-        <a:effectRef xmlns:a="http://schemas.openxmlformats.org/drawingml/2006/main" idx="0">
-          <a:schemeClr val="accent1"/>
-        </a:effectRef>
-        <a:fontRef xmlns:a="http://schemas.openxmlformats.org/drawingml/2006/main" idx="minor">
-          <a:schemeClr val="tx1"/>
-        </a:fontRef>
-      </cdr:style>
-    </cdr:cxnSp>
-  </cdr:relSizeAnchor>
-  <cdr:relSizeAnchor xmlns:cdr="http://schemas.openxmlformats.org/drawingml/2006/chartDrawing">
-    <cdr:from>
-      <cdr:x>0.26623</cdr:x>
-      <cdr:y>0.91464</cdr:y>
-    </cdr:from>
-    <cdr:to>
-      <cdr:x>0.26623</cdr:x>
-      <cdr:y>0.96239</cdr:y>
+      <cdr:x>0.25069</cdr:x>
+      <cdr:y>0.93431</cdr:y>
     </cdr:to>
     <cdr:cxnSp macro="">
       <cdr:nvCxnSpPr>
@@ -7284,8 +10136,8 @@
       </cdr:nvCxnSpPr>
       <cdr:spPr>
         <a:xfrm xmlns:a="http://schemas.openxmlformats.org/drawingml/2006/main" flipV="1">
-          <a:off x="3586537" y="5468358"/>
-          <a:ext cx="0" cy="285474"/>
+          <a:off x="3377121" y="5993479"/>
+          <a:ext cx="0" cy="322809"/>
         </a:xfrm>
         <a:prstGeom xmlns:a="http://schemas.openxmlformats.org/drawingml/2006/main" prst="line">
           <a:avLst/>
@@ -7309,19 +10161,64 @@
   </cdr:relSizeAnchor>
   <cdr:relSizeAnchor xmlns:cdr="http://schemas.openxmlformats.org/drawingml/2006/chartDrawing">
     <cdr:from>
-      <cdr:x>0.1191</cdr:x>
-      <cdr:y>0.96239</cdr:y>
+      <cdr:x>0.27992</cdr:x>
+      <cdr:y>0.69883</cdr:y>
     </cdr:from>
     <cdr:to>
-      <cdr:x>0.26617</cdr:x>
-      <cdr:y>0.96239</cdr:y>
+      <cdr:x>0.27992</cdr:x>
+      <cdr:y>0.72432</cdr:y>
     </cdr:to>
     <cdr:cxnSp macro="">
       <cdr:nvCxnSpPr>
-        <cdr:cNvPr id="9" name="Straight Connector 8">
+        <cdr:cNvPr id="14" name="Straight Connector 13">
           <a:extLst xmlns:a="http://schemas.openxmlformats.org/drawingml/2006/main">
             <a:ext uri="{FF2B5EF4-FFF2-40B4-BE49-F238E27FC236}">
-              <a16:creationId xmlns:a16="http://schemas.microsoft.com/office/drawing/2014/main" id="{DC6BD3B8-3A0B-4897-A7B4-1C8888EE604F}"/>
+              <a16:creationId xmlns:a16="http://schemas.microsoft.com/office/drawing/2014/main" id="{14925432-52FE-4FD6-90A6-CE839B9963E1}"/>
+            </a:ext>
+          </a:extLst>
+        </cdr:cNvPr>
+        <cdr:cNvCxnSpPr/>
+      </cdr:nvCxnSpPr>
+      <cdr:spPr>
+        <a:xfrm xmlns:a="http://schemas.openxmlformats.org/drawingml/2006/main" flipV="1">
+          <a:off x="3814344" y="4724400"/>
+          <a:ext cx="0" cy="172323"/>
+        </a:xfrm>
+        <a:prstGeom xmlns:a="http://schemas.openxmlformats.org/drawingml/2006/main" prst="line">
+          <a:avLst/>
+        </a:prstGeom>
+      </cdr:spPr>
+      <cdr:style>
+        <a:lnRef xmlns:a="http://schemas.openxmlformats.org/drawingml/2006/main" idx="3">
+          <a:schemeClr val="accent2"/>
+        </a:lnRef>
+        <a:fillRef xmlns:a="http://schemas.openxmlformats.org/drawingml/2006/main" idx="0">
+          <a:schemeClr val="accent2"/>
+        </a:fillRef>
+        <a:effectRef xmlns:a="http://schemas.openxmlformats.org/drawingml/2006/main" idx="2">
+          <a:schemeClr val="accent2"/>
+        </a:effectRef>
+        <a:fontRef xmlns:a="http://schemas.openxmlformats.org/drawingml/2006/main" idx="minor">
+          <a:schemeClr val="tx1"/>
+        </a:fontRef>
+      </cdr:style>
+    </cdr:cxnSp>
+  </cdr:relSizeAnchor>
+  <cdr:relSizeAnchor xmlns:cdr="http://schemas.openxmlformats.org/drawingml/2006/chartDrawing">
+    <cdr:from>
+      <cdr:x>0.4138</cdr:x>
+      <cdr:y>0.69883</cdr:y>
+    </cdr:from>
+    <cdr:to>
+      <cdr:x>0.4138</cdr:x>
+      <cdr:y>0.72432</cdr:y>
+    </cdr:to>
+    <cdr:cxnSp macro="">
+      <cdr:nvCxnSpPr>
+        <cdr:cNvPr id="15" name="Straight Connector 14">
+          <a:extLst xmlns:a="http://schemas.openxmlformats.org/drawingml/2006/main">
+            <a:ext uri="{FF2B5EF4-FFF2-40B4-BE49-F238E27FC236}">
+              <a16:creationId xmlns:a16="http://schemas.microsoft.com/office/drawing/2014/main" id="{26A90AE4-BBAB-400C-95AF-29DB7EB2013F}"/>
             </a:ext>
           </a:extLst>
         </cdr:cNvPr>
@@ -7329,8 +10226,98 @@
       </cdr:nvCxnSpPr>
       <cdr:spPr>
         <a:xfrm xmlns:a="http://schemas.openxmlformats.org/drawingml/2006/main">
-          <a:off x="1604464" y="5753831"/>
-          <a:ext cx="1981200" cy="0"/>
+          <a:off x="5638798" y="4724400"/>
+          <a:ext cx="0" cy="172323"/>
+        </a:xfrm>
+        <a:prstGeom xmlns:a="http://schemas.openxmlformats.org/drawingml/2006/main" prst="line">
+          <a:avLst/>
+        </a:prstGeom>
+      </cdr:spPr>
+      <cdr:style>
+        <a:lnRef xmlns:a="http://schemas.openxmlformats.org/drawingml/2006/main" idx="3">
+          <a:schemeClr val="accent2"/>
+        </a:lnRef>
+        <a:fillRef xmlns:a="http://schemas.openxmlformats.org/drawingml/2006/main" idx="0">
+          <a:schemeClr val="accent2"/>
+        </a:fillRef>
+        <a:effectRef xmlns:a="http://schemas.openxmlformats.org/drawingml/2006/main" idx="2">
+          <a:schemeClr val="accent2"/>
+        </a:effectRef>
+        <a:fontRef xmlns:a="http://schemas.openxmlformats.org/drawingml/2006/main" idx="minor">
+          <a:schemeClr val="tx1"/>
+        </a:fontRef>
+      </cdr:style>
+    </cdr:cxnSp>
+  </cdr:relSizeAnchor>
+  <cdr:relSizeAnchor xmlns:cdr="http://schemas.openxmlformats.org/drawingml/2006/chartDrawing">
+    <cdr:from>
+      <cdr:x>0.27992</cdr:x>
+      <cdr:y>0.69883</cdr:y>
+    </cdr:from>
+    <cdr:to>
+      <cdr:x>0.4138</cdr:x>
+      <cdr:y>0.69883</cdr:y>
+    </cdr:to>
+    <cdr:cxnSp macro="">
+      <cdr:nvCxnSpPr>
+        <cdr:cNvPr id="16" name="Straight Connector 15">
+          <a:extLst xmlns:a="http://schemas.openxmlformats.org/drawingml/2006/main">
+            <a:ext uri="{FF2B5EF4-FFF2-40B4-BE49-F238E27FC236}">
+              <a16:creationId xmlns:a16="http://schemas.microsoft.com/office/drawing/2014/main" id="{4F1D6C27-94BB-4892-AFE5-D664582070E6}"/>
+            </a:ext>
+          </a:extLst>
+        </cdr:cNvPr>
+        <cdr:cNvCxnSpPr/>
+      </cdr:nvCxnSpPr>
+      <cdr:spPr>
+        <a:xfrm xmlns:a="http://schemas.openxmlformats.org/drawingml/2006/main">
+          <a:off x="3814344" y="4724400"/>
+          <a:ext cx="1824454" cy="0"/>
+        </a:xfrm>
+        <a:prstGeom xmlns:a="http://schemas.openxmlformats.org/drawingml/2006/main" prst="line">
+          <a:avLst/>
+        </a:prstGeom>
+      </cdr:spPr>
+      <cdr:style>
+        <a:lnRef xmlns:a="http://schemas.openxmlformats.org/drawingml/2006/main" idx="3">
+          <a:schemeClr val="accent2"/>
+        </a:lnRef>
+        <a:fillRef xmlns:a="http://schemas.openxmlformats.org/drawingml/2006/main" idx="0">
+          <a:schemeClr val="accent2"/>
+        </a:fillRef>
+        <a:effectRef xmlns:a="http://schemas.openxmlformats.org/drawingml/2006/main" idx="2">
+          <a:schemeClr val="accent2"/>
+        </a:effectRef>
+        <a:fontRef xmlns:a="http://schemas.openxmlformats.org/drawingml/2006/main" idx="minor">
+          <a:schemeClr val="tx1"/>
+        </a:fontRef>
+      </cdr:style>
+    </cdr:cxnSp>
+  </cdr:relSizeAnchor>
+  <cdr:relSizeAnchor xmlns:cdr="http://schemas.openxmlformats.org/drawingml/2006/chartDrawing">
+    <cdr:from>
+      <cdr:x>0.42499</cdr:x>
+      <cdr:y>0.83091</cdr:y>
+    </cdr:from>
+    <cdr:to>
+      <cdr:x>0.42499</cdr:x>
+      <cdr:y>0.87866</cdr:y>
+    </cdr:to>
+    <cdr:cxnSp macro="">
+      <cdr:nvCxnSpPr>
+        <cdr:cNvPr id="24" name="Straight Connector 23">
+          <a:extLst xmlns:a="http://schemas.openxmlformats.org/drawingml/2006/main">
+            <a:ext uri="{FF2B5EF4-FFF2-40B4-BE49-F238E27FC236}">
+              <a16:creationId xmlns:a16="http://schemas.microsoft.com/office/drawing/2014/main" id="{932026E9-2BD5-4D95-B75D-7BC65B0F3293}"/>
+            </a:ext>
+          </a:extLst>
+        </cdr:cNvPr>
+        <cdr:cNvCxnSpPr/>
+      </cdr:nvCxnSpPr>
+      <cdr:spPr>
+        <a:xfrm xmlns:a="http://schemas.openxmlformats.org/drawingml/2006/main">
+          <a:off x="5791198" y="5617289"/>
+          <a:ext cx="0" cy="322809"/>
         </a:xfrm>
         <a:prstGeom xmlns:a="http://schemas.openxmlformats.org/drawingml/2006/main" prst="line">
           <a:avLst/>
@@ -7354,19 +10341,19 @@
   </cdr:relSizeAnchor>
   <cdr:relSizeAnchor xmlns:cdr="http://schemas.openxmlformats.org/drawingml/2006/chartDrawing">
     <cdr:from>
-      <cdr:x>0.26051</cdr:x>
-      <cdr:y>0.82542</cdr:y>
+      <cdr:x>0.56478</cdr:x>
+      <cdr:y>0.82857</cdr:y>
     </cdr:from>
     <cdr:to>
-      <cdr:x>0.26051</cdr:x>
-      <cdr:y>0.85091</cdr:y>
+      <cdr:x>0.56478</cdr:x>
+      <cdr:y>0.87632</cdr:y>
     </cdr:to>
     <cdr:cxnSp macro="">
       <cdr:nvCxnSpPr>
-        <cdr:cNvPr id="14" name="Straight Connector 13">
+        <cdr:cNvPr id="25" name="Straight Connector 24">
           <a:extLst xmlns:a="http://schemas.openxmlformats.org/drawingml/2006/main">
             <a:ext uri="{FF2B5EF4-FFF2-40B4-BE49-F238E27FC236}">
-              <a16:creationId xmlns:a16="http://schemas.microsoft.com/office/drawing/2014/main" id="{14925432-52FE-4FD6-90A6-CE839B9963E1}"/>
+              <a16:creationId xmlns:a16="http://schemas.microsoft.com/office/drawing/2014/main" id="{51F23651-2781-4FC1-9181-F0E17C4A4B36}"/>
             </a:ext>
           </a:extLst>
         </cdr:cNvPr>
@@ -7374,143 +10361,8 @@
       </cdr:nvCxnSpPr>
       <cdr:spPr>
         <a:xfrm xmlns:a="http://schemas.openxmlformats.org/drawingml/2006/main" flipV="1">
-          <a:off x="3509464" y="4934958"/>
-          <a:ext cx="0" cy="152400"/>
-        </a:xfrm>
-        <a:prstGeom xmlns:a="http://schemas.openxmlformats.org/drawingml/2006/main" prst="line">
-          <a:avLst/>
-        </a:prstGeom>
-      </cdr:spPr>
-      <cdr:style>
-        <a:lnRef xmlns:a="http://schemas.openxmlformats.org/drawingml/2006/main" idx="3">
-          <a:schemeClr val="accent2"/>
-        </a:lnRef>
-        <a:fillRef xmlns:a="http://schemas.openxmlformats.org/drawingml/2006/main" idx="0">
-          <a:schemeClr val="accent2"/>
-        </a:fillRef>
-        <a:effectRef xmlns:a="http://schemas.openxmlformats.org/drawingml/2006/main" idx="2">
-          <a:schemeClr val="accent2"/>
-        </a:effectRef>
-        <a:fontRef xmlns:a="http://schemas.openxmlformats.org/drawingml/2006/main" idx="minor">
-          <a:schemeClr val="tx1"/>
-        </a:fontRef>
-      </cdr:style>
-    </cdr:cxnSp>
-  </cdr:relSizeAnchor>
-  <cdr:relSizeAnchor xmlns:cdr="http://schemas.openxmlformats.org/drawingml/2006/chartDrawing">
-    <cdr:from>
-      <cdr:x>0.39739</cdr:x>
-      <cdr:y>0.82542</cdr:y>
-    </cdr:from>
-    <cdr:to>
-      <cdr:x>0.39739</cdr:x>
-      <cdr:y>0.85091</cdr:y>
-    </cdr:to>
-    <cdr:cxnSp macro="">
-      <cdr:nvCxnSpPr>
-        <cdr:cNvPr id="15" name="Straight Connector 14">
-          <a:extLst xmlns:a="http://schemas.openxmlformats.org/drawingml/2006/main">
-            <a:ext uri="{FF2B5EF4-FFF2-40B4-BE49-F238E27FC236}">
-              <a16:creationId xmlns:a16="http://schemas.microsoft.com/office/drawing/2014/main" id="{26A90AE4-BBAB-400C-95AF-29DB7EB2013F}"/>
-            </a:ext>
-          </a:extLst>
-        </cdr:cNvPr>
-        <cdr:cNvCxnSpPr/>
-      </cdr:nvCxnSpPr>
-      <cdr:spPr>
-        <a:xfrm xmlns:a="http://schemas.openxmlformats.org/drawingml/2006/main">
-          <a:off x="5353446" y="4934959"/>
-          <a:ext cx="0" cy="152399"/>
-        </a:xfrm>
-        <a:prstGeom xmlns:a="http://schemas.openxmlformats.org/drawingml/2006/main" prst="line">
-          <a:avLst/>
-        </a:prstGeom>
-      </cdr:spPr>
-      <cdr:style>
-        <a:lnRef xmlns:a="http://schemas.openxmlformats.org/drawingml/2006/main" idx="3">
-          <a:schemeClr val="accent2"/>
-        </a:lnRef>
-        <a:fillRef xmlns:a="http://schemas.openxmlformats.org/drawingml/2006/main" idx="0">
-          <a:schemeClr val="accent2"/>
-        </a:fillRef>
-        <a:effectRef xmlns:a="http://schemas.openxmlformats.org/drawingml/2006/main" idx="2">
-          <a:schemeClr val="accent2"/>
-        </a:effectRef>
-        <a:fontRef xmlns:a="http://schemas.openxmlformats.org/drawingml/2006/main" idx="minor">
-          <a:schemeClr val="tx1"/>
-        </a:fontRef>
-      </cdr:style>
-    </cdr:cxnSp>
-  </cdr:relSizeAnchor>
-  <cdr:relSizeAnchor xmlns:cdr="http://schemas.openxmlformats.org/drawingml/2006/chartDrawing">
-    <cdr:from>
-      <cdr:x>0.26051</cdr:x>
-      <cdr:y>0.82542</cdr:y>
-    </cdr:from>
-    <cdr:to>
-      <cdr:x>0.39733</cdr:x>
-      <cdr:y>0.82542</cdr:y>
-    </cdr:to>
-    <cdr:cxnSp macro="">
-      <cdr:nvCxnSpPr>
-        <cdr:cNvPr id="16" name="Straight Connector 15">
-          <a:extLst xmlns:a="http://schemas.openxmlformats.org/drawingml/2006/main">
-            <a:ext uri="{FF2B5EF4-FFF2-40B4-BE49-F238E27FC236}">
-              <a16:creationId xmlns:a16="http://schemas.microsoft.com/office/drawing/2014/main" id="{4F1D6C27-94BB-4892-AFE5-D664582070E6}"/>
-            </a:ext>
-          </a:extLst>
-        </cdr:cNvPr>
-        <cdr:cNvCxnSpPr/>
-      </cdr:nvCxnSpPr>
-      <cdr:spPr>
-        <a:xfrm xmlns:a="http://schemas.openxmlformats.org/drawingml/2006/main">
-          <a:off x="3509464" y="4934958"/>
-          <a:ext cx="1843109" cy="0"/>
-        </a:xfrm>
-        <a:prstGeom xmlns:a="http://schemas.openxmlformats.org/drawingml/2006/main" prst="line">
-          <a:avLst/>
-        </a:prstGeom>
-      </cdr:spPr>
-      <cdr:style>
-        <a:lnRef xmlns:a="http://schemas.openxmlformats.org/drawingml/2006/main" idx="3">
-          <a:schemeClr val="accent2"/>
-        </a:lnRef>
-        <a:fillRef xmlns:a="http://schemas.openxmlformats.org/drawingml/2006/main" idx="0">
-          <a:schemeClr val="accent2"/>
-        </a:fillRef>
-        <a:effectRef xmlns:a="http://schemas.openxmlformats.org/drawingml/2006/main" idx="2">
-          <a:schemeClr val="accent2"/>
-        </a:effectRef>
-        <a:fontRef xmlns:a="http://schemas.openxmlformats.org/drawingml/2006/main" idx="minor">
-          <a:schemeClr val="tx1"/>
-        </a:fontRef>
-      </cdr:style>
-    </cdr:cxnSp>
-  </cdr:relSizeAnchor>
-  <cdr:relSizeAnchor xmlns:cdr="http://schemas.openxmlformats.org/drawingml/2006/chartDrawing">
-    <cdr:from>
-      <cdr:x>0.41472</cdr:x>
-      <cdr:y>0.89076</cdr:y>
-    </cdr:from>
-    <cdr:to>
-      <cdr:x>0.41472</cdr:x>
-      <cdr:y>0.93851</cdr:y>
-    </cdr:to>
-    <cdr:cxnSp macro="">
-      <cdr:nvCxnSpPr>
-        <cdr:cNvPr id="24" name="Straight Connector 23">
-          <a:extLst xmlns:a="http://schemas.openxmlformats.org/drawingml/2006/main">
-            <a:ext uri="{FF2B5EF4-FFF2-40B4-BE49-F238E27FC236}">
-              <a16:creationId xmlns:a16="http://schemas.microsoft.com/office/drawing/2014/main" id="{932026E9-2BD5-4D95-B75D-7BC65B0F3293}"/>
-            </a:ext>
-          </a:extLst>
-        </cdr:cNvPr>
-        <cdr:cNvCxnSpPr/>
-      </cdr:nvCxnSpPr>
-      <cdr:spPr>
-        <a:xfrm xmlns:a="http://schemas.openxmlformats.org/drawingml/2006/main">
-          <a:off x="5586859" y="5325620"/>
-          <a:ext cx="0" cy="285473"/>
+          <a:off x="7696198" y="5601464"/>
+          <a:ext cx="0" cy="322809"/>
         </a:xfrm>
         <a:prstGeom xmlns:a="http://schemas.openxmlformats.org/drawingml/2006/main" prst="line">
           <a:avLst/>
@@ -7534,28 +10386,28 @@
   </cdr:relSizeAnchor>
   <cdr:relSizeAnchor xmlns:cdr="http://schemas.openxmlformats.org/drawingml/2006/chartDrawing">
     <cdr:from>
-      <cdr:x>0.55464</cdr:x>
-      <cdr:y>0.89076</cdr:y>
+      <cdr:x>0.42499</cdr:x>
+      <cdr:y>0.87632</cdr:y>
     </cdr:from>
     <cdr:to>
-      <cdr:x>0.55464</cdr:x>
-      <cdr:y>0.93851</cdr:y>
+      <cdr:x>0.5664</cdr:x>
+      <cdr:y>0.87632</cdr:y>
     </cdr:to>
     <cdr:cxnSp macro="">
       <cdr:nvCxnSpPr>
-        <cdr:cNvPr id="25" name="Straight Connector 24">
+        <cdr:cNvPr id="26" name="Straight Connector 25">
           <a:extLst xmlns:a="http://schemas.openxmlformats.org/drawingml/2006/main">
             <a:ext uri="{FF2B5EF4-FFF2-40B4-BE49-F238E27FC236}">
-              <a16:creationId xmlns:a16="http://schemas.microsoft.com/office/drawing/2014/main" id="{51F23651-2781-4FC1-9181-F0E17C4A4B36}"/>
+              <a16:creationId xmlns:a16="http://schemas.microsoft.com/office/drawing/2014/main" id="{FD00E8DF-6BF4-44B4-A707-2A3E1D547355}"/>
             </a:ext>
           </a:extLst>
         </cdr:cNvPr>
         <cdr:cNvCxnSpPr/>
       </cdr:nvCxnSpPr>
       <cdr:spPr>
-        <a:xfrm xmlns:a="http://schemas.openxmlformats.org/drawingml/2006/main" flipV="1">
-          <a:off x="7471864" y="5325620"/>
-          <a:ext cx="0" cy="285474"/>
+        <a:xfrm xmlns:a="http://schemas.openxmlformats.org/drawingml/2006/main">
+          <a:off x="5791198" y="5924273"/>
+          <a:ext cx="1926963" cy="0"/>
         </a:xfrm>
         <a:prstGeom xmlns:a="http://schemas.openxmlformats.org/drawingml/2006/main" prst="line">
           <a:avLst/>
@@ -7579,19 +10431,19 @@
   </cdr:relSizeAnchor>
   <cdr:relSizeAnchor xmlns:cdr="http://schemas.openxmlformats.org/drawingml/2006/chartDrawing">
     <cdr:from>
-      <cdr:x>0.41465</cdr:x>
-      <cdr:y>0.93851</cdr:y>
+      <cdr:x>0.10356</cdr:x>
+      <cdr:y>0.93232</cdr:y>
     </cdr:from>
     <cdr:to>
-      <cdr:x>0.55464</cdr:x>
-      <cdr:y>0.93851</cdr:y>
+      <cdr:x>0.25063</cdr:x>
+      <cdr:y>0.93232</cdr:y>
     </cdr:to>
     <cdr:cxnSp macro="">
       <cdr:nvCxnSpPr>
-        <cdr:cNvPr id="26" name="Straight Connector 25">
+        <cdr:cNvPr id="12" name="Straight Connector 11">
           <a:extLst xmlns:a="http://schemas.openxmlformats.org/drawingml/2006/main">
             <a:ext uri="{FF2B5EF4-FFF2-40B4-BE49-F238E27FC236}">
-              <a16:creationId xmlns:a16="http://schemas.microsoft.com/office/drawing/2014/main" id="{FD00E8DF-6BF4-44B4-A707-2A3E1D547355}"/>
+              <a16:creationId xmlns:a16="http://schemas.microsoft.com/office/drawing/2014/main" id="{4A026338-A678-452C-A9F1-F3942698492F}"/>
             </a:ext>
           </a:extLst>
         </cdr:cNvPr>
@@ -7599,8 +10451,8 @@
       </cdr:nvCxnSpPr>
       <cdr:spPr>
         <a:xfrm xmlns:a="http://schemas.openxmlformats.org/drawingml/2006/main">
-          <a:off x="5585986" y="5611093"/>
-          <a:ext cx="1885878" cy="1"/>
+          <a:off x="1395058" y="6302834"/>
+          <a:ext cx="1981255" cy="0"/>
         </a:xfrm>
         <a:prstGeom xmlns:a="http://schemas.openxmlformats.org/drawingml/2006/main" prst="line">
           <a:avLst/>
@@ -8624,6 +11476,11 @@
         </p:txBody>
       </p:sp>
     </p:spTree>
+    <p:extLst>
+      <p:ext uri="{BB962C8B-B14F-4D97-AF65-F5344CB8AC3E}">
+        <p14:creationId xmlns:p14="http://schemas.microsoft.com/office/powerpoint/2010/main" val="751340455"/>
+      </p:ext>
+    </p:extLst>
   </p:cSld>
   <p:clrMapOvr>
     <a:masterClrMapping/>
@@ -8842,11 +11699,6 @@
         </p:txBody>
       </p:sp>
     </p:spTree>
-    <p:extLst>
-      <p:ext uri="{BB962C8B-B14F-4D97-AF65-F5344CB8AC3E}">
-        <p14:creationId xmlns:p14="http://schemas.microsoft.com/office/powerpoint/2010/main" val="544006994"/>
-      </p:ext>
-    </p:extLst>
   </p:cSld>
   <p:clrMapOvr>
     <a:masterClrMapping/>
@@ -9065,6 +11917,11 @@
         </p:txBody>
       </p:sp>
     </p:spTree>
+    <p:extLst>
+      <p:ext uri="{BB962C8B-B14F-4D97-AF65-F5344CB8AC3E}">
+        <p14:creationId xmlns:p14="http://schemas.microsoft.com/office/powerpoint/2010/main" val="544006994"/>
+      </p:ext>
+    </p:extLst>
   </p:cSld>
   <p:clrMapOvr>
     <a:masterClrMapping/>
@@ -9277,6 +12134,224 @@
             <a:fld id="{871B2431-D351-4C6E-A3CF-9DFAC0E3E050}" type="slidenum">
               <a:rPr lang="cs-CZ" smtClean="0"/>
               <a:t>13</a:t>
+            </a:fld>
+            <a:endParaRPr lang="cs-CZ"/>
+          </a:p>
+        </p:txBody>
+      </p:sp>
+    </p:spTree>
+  </p:cSld>
+  <p:clrMapOvr>
+    <a:masterClrMapping/>
+  </p:clrMapOvr>
+</p:notes>
+</file>
+
+<file path=ppt/notesSlides/notesSlide14.xml><?xml version="1.0" encoding="utf-8"?>
+<p:notes xmlns:a="http://schemas.openxmlformats.org/drawingml/2006/main" xmlns:r="http://schemas.openxmlformats.org/officeDocument/2006/relationships" xmlns:p="http://schemas.openxmlformats.org/presentationml/2006/main">
+  <p:cSld>
+    <p:spTree>
+      <p:nvGrpSpPr>
+        <p:cNvPr id="1" name=""/>
+        <p:cNvGrpSpPr/>
+        <p:nvPr/>
+      </p:nvGrpSpPr>
+      <p:grpSpPr>
+        <a:xfrm>
+          <a:off x="0" y="0"/>
+          <a:ext cx="0" cy="0"/>
+          <a:chOff x="0" y="0"/>
+          <a:chExt cx="0" cy="0"/>
+        </a:xfrm>
+      </p:grpSpPr>
+      <p:sp>
+        <p:nvSpPr>
+          <p:cNvPr id="2" name="Header Placeholder 1"/>
+          <p:cNvSpPr>
+            <a:spLocks noGrp="1"/>
+          </p:cNvSpPr>
+          <p:nvPr>
+            <p:ph type="hdr" sz="quarter"/>
+          </p:nvPr>
+        </p:nvSpPr>
+        <p:spPr>
+          <a:xfrm>
+            <a:off x="0" y="0"/>
+            <a:ext cx="3962400" cy="342900"/>
+          </a:xfrm>
+          <a:prstGeom prst="rect">
+            <a:avLst/>
+          </a:prstGeom>
+        </p:spPr>
+        <p:txBody>
+          <a:bodyPr vert="horz" lIns="91440" tIns="45720" rIns="91440" bIns="45720" rtlCol="0"/>
+          <a:lstStyle>
+            <a:lvl1pPr algn="l">
+              <a:defRPr sz="1200"/>
+            </a:lvl1pPr>
+          </a:lstStyle>
+          <a:p>
+            <a:endParaRPr lang="cs-CZ"/>
+          </a:p>
+        </p:txBody>
+      </p:sp>
+      <p:sp>
+        <p:nvSpPr>
+          <p:cNvPr id="3" name="Date Placeholder 2"/>
+          <p:cNvSpPr>
+            <a:spLocks noGrp="1"/>
+          </p:cNvSpPr>
+          <p:nvPr>
+            <p:ph type="dt" idx="1"/>
+          </p:nvPr>
+        </p:nvSpPr>
+        <p:spPr>
+          <a:xfrm>
+            <a:off x="5180013" y="0"/>
+            <a:ext cx="3962400" cy="342900"/>
+          </a:xfrm>
+          <a:prstGeom prst="rect">
+            <a:avLst/>
+          </a:prstGeom>
+        </p:spPr>
+        <p:txBody>
+          <a:bodyPr vert="horz" lIns="91440" tIns="45720" rIns="91440" bIns="45720" rtlCol="0"/>
+          <a:lstStyle>
+            <a:lvl1pPr algn="r">
+              <a:defRPr sz="1200"/>
+            </a:lvl1pPr>
+          </a:lstStyle>
+          <a:p>
+            <a:fld id="{B7268E1E-0E44-426D-905E-8AD9B19D2182}" type="datetimeFigureOut">
+              <a:rPr lang="cs-CZ" smtClean="0"/>
+              <a:t>22.02.2024</a:t>
+            </a:fld>
+            <a:endParaRPr lang="cs-CZ"/>
+          </a:p>
+        </p:txBody>
+      </p:sp>
+      <p:sp>
+        <p:nvSpPr>
+          <p:cNvPr id="4" name="Slide Image Placeholder 3"/>
+          <p:cNvSpPr>
+            <a:spLocks noGrp="1" noRot="1" noChangeAspect="1"/>
+          </p:cNvSpPr>
+          <p:nvPr>
+            <p:ph type="sldImg" idx="2"/>
+          </p:nvPr>
+        </p:nvSpPr>
+        <p:spPr>
+          <a:xfrm>
+            <a:off x="2290763" y="512763"/>
+            <a:ext cx="4562475" cy="2566987"/>
+          </a:xfrm>
+          <a:prstGeom prst="rect">
+            <a:avLst/>
+          </a:prstGeom>
+          <a:noFill/>
+          <a:ln w="12700">
+            <a:solidFill>
+              <a:prstClr val="black"/>
+            </a:solidFill>
+          </a:ln>
+        </p:spPr>
+        <p:txBody>
+          <a:bodyPr vert="horz" lIns="91440" tIns="45720" rIns="91440" bIns="45720" rtlCol="0" anchor="ctr"/>
+          <a:lstStyle/>
+          <a:p>
+            <a:endParaRPr lang="cs-CZ"/>
+          </a:p>
+        </p:txBody>
+      </p:sp>
+      <p:sp>
+        <p:nvSpPr>
+          <p:cNvPr id="5" name="Notes Placeholder 4"/>
+          <p:cNvSpPr>
+            <a:spLocks noGrp="1"/>
+          </p:cNvSpPr>
+          <p:nvPr>
+            <p:ph type="body" sz="quarter" idx="3"/>
+          </p:nvPr>
+        </p:nvSpPr>
+        <p:spPr>
+          <a:xfrm>
+            <a:off x="914400" y="3251200"/>
+            <a:ext cx="7315200" cy="3081338"/>
+          </a:xfrm>
+          <a:prstGeom prst="rect">
+            <a:avLst/>
+          </a:prstGeom>
+        </p:spPr>
+        <p:txBody>
+          <a:bodyPr vert="horz" lIns="91440" tIns="45720" rIns="91440" bIns="45720" rtlCol="0"/>
+          <a:lstStyle/>
+          <a:p>
+            <a:pPr lvl="0"/>
+            <a:endParaRPr lang="en-US" dirty="0"/>
+          </a:p>
+        </p:txBody>
+      </p:sp>
+      <p:sp>
+        <p:nvSpPr>
+          <p:cNvPr id="6" name="Footer Placeholder 5"/>
+          <p:cNvSpPr>
+            <a:spLocks noGrp="1"/>
+          </p:cNvSpPr>
+          <p:nvPr>
+            <p:ph type="ftr" sz="quarter" idx="4"/>
+          </p:nvPr>
+        </p:nvSpPr>
+        <p:spPr>
+          <a:xfrm>
+            <a:off x="0" y="6502400"/>
+            <a:ext cx="3962400" cy="341313"/>
+          </a:xfrm>
+          <a:prstGeom prst="rect">
+            <a:avLst/>
+          </a:prstGeom>
+        </p:spPr>
+        <p:txBody>
+          <a:bodyPr vert="horz" lIns="91440" tIns="45720" rIns="91440" bIns="45720" rtlCol="0" anchor="b"/>
+          <a:lstStyle>
+            <a:lvl1pPr algn="l">
+              <a:defRPr sz="1200"/>
+            </a:lvl1pPr>
+          </a:lstStyle>
+          <a:p>
+            <a:endParaRPr lang="cs-CZ"/>
+          </a:p>
+        </p:txBody>
+      </p:sp>
+      <p:sp>
+        <p:nvSpPr>
+          <p:cNvPr id="7" name="Slide Number Placeholder 6"/>
+          <p:cNvSpPr>
+            <a:spLocks noGrp="1"/>
+          </p:cNvSpPr>
+          <p:nvPr>
+            <p:ph type="sldNum" sz="quarter" idx="5"/>
+          </p:nvPr>
+        </p:nvSpPr>
+        <p:spPr>
+          <a:xfrm>
+            <a:off x="5180013" y="6502400"/>
+            <a:ext cx="3962400" cy="341313"/>
+          </a:xfrm>
+          <a:prstGeom prst="rect">
+            <a:avLst/>
+          </a:prstGeom>
+        </p:spPr>
+        <p:txBody>
+          <a:bodyPr vert="horz" lIns="91440" tIns="45720" rIns="91440" bIns="45720" rtlCol="0" anchor="b"/>
+          <a:lstStyle>
+            <a:lvl1pPr algn="r">
+              <a:defRPr sz="1200"/>
+            </a:lvl1pPr>
+          </a:lstStyle>
+          <a:p>
+            <a:fld id="{871B2431-D351-4C6E-A3CF-9DFAC0E3E050}" type="slidenum">
+              <a:rPr lang="cs-CZ" smtClean="0"/>
+              <a:t>14</a:t>
             </a:fld>
             <a:endParaRPr lang="cs-CZ"/>
           </a:p>
@@ -11034,7 +14109,7 @@
     </p:spTree>
     <p:extLst>
       <p:ext uri="{BB962C8B-B14F-4D97-AF65-F5344CB8AC3E}">
-        <p14:creationId xmlns:p14="http://schemas.microsoft.com/office/powerpoint/2010/main" val="751340455"/>
+        <p14:creationId xmlns:p14="http://schemas.microsoft.com/office/powerpoint/2010/main" val="258727781"/>
       </p:ext>
     </p:extLst>
   </p:cSld>
@@ -13991,7 +17066,7 @@
         </p:nvSpPr>
         <p:spPr>
           <a:xfrm>
-            <a:off x="16394731" y="0"/>
+            <a:off x="16450150" y="-207817"/>
             <a:ext cx="1893269" cy="10287000"/>
           </a:xfrm>
           <a:prstGeom prst="rect">
@@ -14585,7 +17660,7 @@
         </p:nvGrpSpPr>
         <p:grpSpPr>
           <a:xfrm>
-            <a:off x="524732" y="395470"/>
+            <a:off x="151424" y="952500"/>
             <a:ext cx="10143268" cy="9485377"/>
             <a:chOff x="0" y="0"/>
             <a:chExt cx="11667791" cy="11090922"/>
@@ -14741,6 +17816,61 @@
                 <a:schemeClr val="bg2"/>
               </a:solidFill>
             </a:endParaRPr>
+          </a:p>
+        </p:txBody>
+      </p:sp>
+      <p:sp>
+        <p:nvSpPr>
+          <p:cNvPr id="25" name="TextBox 24">
+            <a:extLst>
+              <a:ext uri="{FF2B5EF4-FFF2-40B4-BE49-F238E27FC236}">
+                <a16:creationId xmlns:a16="http://schemas.microsoft.com/office/drawing/2014/main" id="{0C3E5B4D-42E4-4FF4-9470-B69C880611D5}"/>
+              </a:ext>
+            </a:extLst>
+          </p:cNvPr>
+          <p:cNvSpPr txBox="1"/>
+          <p:nvPr/>
+        </p:nvSpPr>
+        <p:spPr>
+          <a:xfrm>
+            <a:off x="1552925" y="7646531"/>
+            <a:ext cx="5381275" cy="646331"/>
+          </a:xfrm>
+          <a:prstGeom prst="rect">
+            <a:avLst/>
+          </a:prstGeom>
+          <a:noFill/>
+        </p:spPr>
+        <p:txBody>
+          <a:bodyPr wrap="square" rtlCol="0">
+            <a:spAutoFit/>
+          </a:bodyPr>
+          <a:lstStyle/>
+          <a:p>
+            <a:r>
+              <a:rPr lang="en-US" dirty="0"/>
+              <a:t>Presented by: </a:t>
+            </a:r>
+            <a:r>
+              <a:rPr lang="en-US" dirty="0" err="1"/>
+              <a:t>Mohammadhossein</a:t>
+            </a:r>
+            <a:r>
+              <a:rPr lang="en-US" dirty="0"/>
+              <a:t> </a:t>
+            </a:r>
+            <a:r>
+              <a:rPr lang="en-US" dirty="0" err="1"/>
+              <a:t>Yousefi</a:t>
+            </a:r>
+            <a:br>
+              <a:rPr lang="en-US" dirty="0"/>
+            </a:br>
+            <a:r>
+              <a:rPr lang="en-US" dirty="0"/>
+              <a:t>Last updated: 2/22/2024</a:t>
+            </a:r>
+            <a:endParaRPr lang="de-DE" dirty="0"/>
           </a:p>
         </p:txBody>
       </p:sp>
@@ -15154,7 +18284,7 @@
         </p:nvGrpSpPr>
         <p:grpSpPr>
           <a:xfrm>
-            <a:off x="655751" y="-710238"/>
+            <a:off x="655752" y="-1235382"/>
             <a:ext cx="17253775" cy="2017079"/>
             <a:chOff x="0" y="0"/>
             <a:chExt cx="23005033" cy="2689439"/>
@@ -15542,42 +18672,12 @@
           </p:spPr>
         </p:pic>
       </p:grpSp>
-      <p:graphicFrame>
-        <p:nvGraphicFramePr>
-          <p:cNvPr id="31" name="Chart 30">
-            <a:extLst>
-              <a:ext uri="{FF2B5EF4-FFF2-40B4-BE49-F238E27FC236}">
-                <a16:creationId xmlns:a16="http://schemas.microsoft.com/office/drawing/2014/main" id="{BAAEF021-C82C-4A8C-841D-0691B405F7B9}"/>
-              </a:ext>
-            </a:extLst>
-          </p:cNvPr>
-          <p:cNvGraphicFramePr>
-            <a:graphicFrameLocks/>
-          </p:cNvGraphicFramePr>
-          <p:nvPr>
-            <p:extLst>
-              <p:ext uri="{D42A27DB-BD31-4B8C-83A1-F6EECF244321}">
-                <p14:modId xmlns:p14="http://schemas.microsoft.com/office/powerpoint/2010/main" val="2200076726"/>
-              </p:ext>
-            </p:extLst>
-          </p:nvPr>
-        </p:nvGraphicFramePr>
-        <p:xfrm>
-          <a:off x="5476604" y="2933700"/>
-          <a:ext cx="10105481" cy="5633082"/>
-        </p:xfrm>
-        <a:graphic>
-          <a:graphicData uri="http://schemas.openxmlformats.org/drawingml/2006/chart">
-            <c:chart xmlns:c="http://schemas.openxmlformats.org/drawingml/2006/chart" xmlns:r="http://schemas.openxmlformats.org/officeDocument/2006/relationships" r:id="rId7"/>
-          </a:graphicData>
-        </a:graphic>
-      </p:graphicFrame>
       <p:sp>
         <p:nvSpPr>
           <p:cNvPr id="27" name="TextBox 26">
             <a:extLst>
               <a:ext uri="{FF2B5EF4-FFF2-40B4-BE49-F238E27FC236}">
-                <a16:creationId xmlns:a16="http://schemas.microsoft.com/office/drawing/2014/main" id="{5AB521E5-D1ED-4B99-A83B-CE4AD0E7BD5B}"/>
+                <a16:creationId xmlns:a16="http://schemas.microsoft.com/office/drawing/2014/main" id="{49B65275-B7AD-49D4-A38E-35B118556323}"/>
               </a:ext>
             </a:extLst>
           </p:cNvPr>
@@ -15586,8 +18686,8 @@
         </p:nvSpPr>
         <p:spPr>
           <a:xfrm>
-            <a:off x="3169897" y="1782224"/>
-            <a:ext cx="10510346" cy="707886"/>
+            <a:off x="2724116" y="1177598"/>
+            <a:ext cx="13453426" cy="646331"/>
           </a:xfrm>
           <a:prstGeom prst="rect">
             <a:avLst/>
@@ -15601,16 +18701,16 @@
           <a:lstStyle/>
           <a:p>
             <a:r>
-              <a:rPr lang="en-US" sz="4000" dirty="0">
+              <a:rPr lang="en-US" sz="3600" dirty="0">
                 <a:solidFill>
                   <a:schemeClr val="accent4">
                     <a:lumMod val="75000"/>
                   </a:schemeClr>
                 </a:solidFill>
               </a:rPr>
-              <a:t>Watch The Leaders better</a:t>
+              <a:t>Free-Time, Cultural, and Healthy-Food Issues Gave Positive Signals </a:t>
             </a:r>
-            <a:endParaRPr lang="de-DE" sz="4000" dirty="0">
+            <a:endParaRPr lang="de-DE" sz="3600" dirty="0">
               <a:solidFill>
                 <a:schemeClr val="accent4">
                   <a:lumMod val="75000"/>
@@ -15620,7 +18720,186 @@
           </a:p>
         </p:txBody>
       </p:sp>
+      <p:graphicFrame>
+        <p:nvGraphicFramePr>
+          <p:cNvPr id="36" name="Chart 35">
+            <a:extLst>
+              <a:ext uri="{FF2B5EF4-FFF2-40B4-BE49-F238E27FC236}">
+                <a16:creationId xmlns:a16="http://schemas.microsoft.com/office/drawing/2014/main" id="{645ACE65-2D02-479F-BD2A-A727AF127AFF}"/>
+              </a:ext>
+            </a:extLst>
+          </p:cNvPr>
+          <p:cNvGraphicFramePr>
+            <a:graphicFrameLocks/>
+          </p:cNvGraphicFramePr>
+          <p:nvPr>
+            <p:extLst>
+              <p:ext uri="{D42A27DB-BD31-4B8C-83A1-F6EECF244321}">
+                <p14:modId xmlns:p14="http://schemas.microsoft.com/office/powerpoint/2010/main" val="3012955177"/>
+              </p:ext>
+            </p:extLst>
+          </p:nvPr>
+        </p:nvGraphicFramePr>
+        <p:xfrm>
+          <a:off x="5867400" y="2221344"/>
+          <a:ext cx="9213821" cy="6884556"/>
+        </p:xfrm>
+        <a:graphic>
+          <a:graphicData uri="http://schemas.openxmlformats.org/drawingml/2006/chart">
+            <c:chart xmlns:c="http://schemas.openxmlformats.org/drawingml/2006/chart" xmlns:r="http://schemas.openxmlformats.org/officeDocument/2006/relationships" r:id="rId7"/>
+          </a:graphicData>
+        </a:graphic>
+      </p:graphicFrame>
+      <p:sp>
+        <p:nvSpPr>
+          <p:cNvPr id="30" name="Oval 29">
+            <a:extLst>
+              <a:ext uri="{FF2B5EF4-FFF2-40B4-BE49-F238E27FC236}">
+                <a16:creationId xmlns:a16="http://schemas.microsoft.com/office/drawing/2014/main" id="{9BBE6124-95CF-48B9-98C0-171463265865}"/>
+              </a:ext>
+            </a:extLst>
+          </p:cNvPr>
+          <p:cNvSpPr/>
+          <p:nvPr/>
+        </p:nvSpPr>
+        <p:spPr>
+          <a:xfrm>
+            <a:off x="10238844" y="5143500"/>
+            <a:ext cx="1960145" cy="1981200"/>
+          </a:xfrm>
+          <a:prstGeom prst="ellipse">
+            <a:avLst/>
+          </a:prstGeom>
+          <a:solidFill>
+            <a:schemeClr val="accent2">
+              <a:lumMod val="40000"/>
+              <a:lumOff val="60000"/>
+              <a:alpha val="50000"/>
+            </a:schemeClr>
+          </a:solidFill>
+          <a:ln>
+            <a:noFill/>
+          </a:ln>
+        </p:spPr>
+        <p:style>
+          <a:lnRef idx="0">
+            <a:scrgbClr r="0" g="0" b="0"/>
+          </a:lnRef>
+          <a:fillRef idx="0">
+            <a:scrgbClr r="0" g="0" b="0"/>
+          </a:fillRef>
+          <a:effectRef idx="0">
+            <a:scrgbClr r="0" g="0" b="0"/>
+          </a:effectRef>
+          <a:fontRef idx="minor">
+            <a:schemeClr val="lt1"/>
+          </a:fontRef>
+        </p:style>
+        <p:txBody>
+          <a:bodyPr/>
+          <a:lstStyle>
+            <a:lvl1pPr marL="0" indent="0">
+              <a:defRPr sz="1100">
+                <a:solidFill>
+                  <a:schemeClr val="lt1"/>
+                </a:solidFill>
+                <a:latin typeface="+mn-lt"/>
+                <a:ea typeface="+mn-ea"/>
+                <a:cs typeface="+mn-cs"/>
+              </a:defRPr>
+            </a:lvl1pPr>
+            <a:lvl2pPr marL="457200" indent="0">
+              <a:defRPr sz="1100">
+                <a:solidFill>
+                  <a:schemeClr val="lt1"/>
+                </a:solidFill>
+                <a:latin typeface="+mn-lt"/>
+                <a:ea typeface="+mn-ea"/>
+                <a:cs typeface="+mn-cs"/>
+              </a:defRPr>
+            </a:lvl2pPr>
+            <a:lvl3pPr marL="914400" indent="0">
+              <a:defRPr sz="1100">
+                <a:solidFill>
+                  <a:schemeClr val="lt1"/>
+                </a:solidFill>
+                <a:latin typeface="+mn-lt"/>
+                <a:ea typeface="+mn-ea"/>
+                <a:cs typeface="+mn-cs"/>
+              </a:defRPr>
+            </a:lvl3pPr>
+            <a:lvl4pPr marL="1371600" indent="0">
+              <a:defRPr sz="1100">
+                <a:solidFill>
+                  <a:schemeClr val="lt1"/>
+                </a:solidFill>
+                <a:latin typeface="+mn-lt"/>
+                <a:ea typeface="+mn-ea"/>
+                <a:cs typeface="+mn-cs"/>
+              </a:defRPr>
+            </a:lvl4pPr>
+            <a:lvl5pPr marL="1828800" indent="0">
+              <a:defRPr sz="1100">
+                <a:solidFill>
+                  <a:schemeClr val="lt1"/>
+                </a:solidFill>
+                <a:latin typeface="+mn-lt"/>
+                <a:ea typeface="+mn-ea"/>
+                <a:cs typeface="+mn-cs"/>
+              </a:defRPr>
+            </a:lvl5pPr>
+            <a:lvl6pPr marL="2286000" indent="0">
+              <a:defRPr sz="1100">
+                <a:solidFill>
+                  <a:schemeClr val="lt1"/>
+                </a:solidFill>
+                <a:latin typeface="+mn-lt"/>
+                <a:ea typeface="+mn-ea"/>
+                <a:cs typeface="+mn-cs"/>
+              </a:defRPr>
+            </a:lvl6pPr>
+            <a:lvl7pPr marL="2743200" indent="0">
+              <a:defRPr sz="1100">
+                <a:solidFill>
+                  <a:schemeClr val="lt1"/>
+                </a:solidFill>
+                <a:latin typeface="+mn-lt"/>
+                <a:ea typeface="+mn-ea"/>
+                <a:cs typeface="+mn-cs"/>
+              </a:defRPr>
+            </a:lvl7pPr>
+            <a:lvl8pPr marL="3200400" indent="0">
+              <a:defRPr sz="1100">
+                <a:solidFill>
+                  <a:schemeClr val="lt1"/>
+                </a:solidFill>
+                <a:latin typeface="+mn-lt"/>
+                <a:ea typeface="+mn-ea"/>
+                <a:cs typeface="+mn-cs"/>
+              </a:defRPr>
+            </a:lvl8pPr>
+            <a:lvl9pPr marL="3657600" indent="0">
+              <a:defRPr sz="1100">
+                <a:solidFill>
+                  <a:schemeClr val="lt1"/>
+                </a:solidFill>
+                <a:latin typeface="+mn-lt"/>
+                <a:ea typeface="+mn-ea"/>
+                <a:cs typeface="+mn-cs"/>
+              </a:defRPr>
+            </a:lvl9pPr>
+          </a:lstStyle>
+          <a:p>
+            <a:endParaRPr lang="de-DE"/>
+          </a:p>
+        </p:txBody>
+      </p:sp>
     </p:spTree>
+    <p:extLst>
+      <p:ext uri="{BB962C8B-B14F-4D97-AF65-F5344CB8AC3E}">
+        <p14:creationId xmlns:p14="http://schemas.microsoft.com/office/powerpoint/2010/main" val="505958749"/>
+      </p:ext>
+    </p:extLst>
   </p:cSld>
   <p:clrMapOvr>
     <a:masterClrMapping/>
@@ -16420,6 +19699,972 @@
       </p:grpSp>
       <p:graphicFrame>
         <p:nvGraphicFramePr>
+          <p:cNvPr id="31" name="Chart 30">
+            <a:extLst>
+              <a:ext uri="{FF2B5EF4-FFF2-40B4-BE49-F238E27FC236}">
+                <a16:creationId xmlns:a16="http://schemas.microsoft.com/office/drawing/2014/main" id="{BAAEF021-C82C-4A8C-841D-0691B405F7B9}"/>
+              </a:ext>
+            </a:extLst>
+          </p:cNvPr>
+          <p:cNvGraphicFramePr>
+            <a:graphicFrameLocks/>
+          </p:cNvGraphicFramePr>
+          <p:nvPr>
+            <p:extLst>
+              <p:ext uri="{D42A27DB-BD31-4B8C-83A1-F6EECF244321}">
+                <p14:modId xmlns:p14="http://schemas.microsoft.com/office/powerpoint/2010/main" val="2560052504"/>
+              </p:ext>
+            </p:extLst>
+          </p:nvPr>
+        </p:nvGraphicFramePr>
+        <p:xfrm>
+          <a:off x="5476604" y="2933700"/>
+          <a:ext cx="10105481" cy="5633082"/>
+        </p:xfrm>
+        <a:graphic>
+          <a:graphicData uri="http://schemas.openxmlformats.org/drawingml/2006/chart">
+            <c:chart xmlns:c="http://schemas.openxmlformats.org/drawingml/2006/chart" xmlns:r="http://schemas.openxmlformats.org/officeDocument/2006/relationships" r:id="rId7"/>
+          </a:graphicData>
+        </a:graphic>
+      </p:graphicFrame>
+      <p:sp>
+        <p:nvSpPr>
+          <p:cNvPr id="27" name="TextBox 26">
+            <a:extLst>
+              <a:ext uri="{FF2B5EF4-FFF2-40B4-BE49-F238E27FC236}">
+                <a16:creationId xmlns:a16="http://schemas.microsoft.com/office/drawing/2014/main" id="{5AB521E5-D1ED-4B99-A83B-CE4AD0E7BD5B}"/>
+              </a:ext>
+            </a:extLst>
+          </p:cNvPr>
+          <p:cNvSpPr txBox="1"/>
+          <p:nvPr/>
+        </p:nvSpPr>
+        <p:spPr>
+          <a:xfrm>
+            <a:off x="3169897" y="1782224"/>
+            <a:ext cx="10510346" cy="707886"/>
+          </a:xfrm>
+          <a:prstGeom prst="rect">
+            <a:avLst/>
+          </a:prstGeom>
+          <a:noFill/>
+        </p:spPr>
+        <p:txBody>
+          <a:bodyPr wrap="square" rtlCol="0">
+            <a:spAutoFit/>
+          </a:bodyPr>
+          <a:lstStyle/>
+          <a:p>
+            <a:r>
+              <a:rPr lang="en-US" sz="4000" dirty="0">
+                <a:solidFill>
+                  <a:schemeClr val="accent4">
+                    <a:lumMod val="75000"/>
+                  </a:schemeClr>
+                </a:solidFill>
+              </a:rPr>
+              <a:t>Watch The Leaders Better</a:t>
+            </a:r>
+            <a:endParaRPr lang="de-DE" sz="4000" dirty="0">
+              <a:solidFill>
+                <a:schemeClr val="accent4">
+                  <a:lumMod val="75000"/>
+                </a:schemeClr>
+              </a:solidFill>
+            </a:endParaRPr>
+          </a:p>
+        </p:txBody>
+      </p:sp>
+      <p:cxnSp>
+        <p:nvCxnSpPr>
+          <p:cNvPr id="29" name="Straight Arrow Connector 28">
+            <a:extLst>
+              <a:ext uri="{FF2B5EF4-FFF2-40B4-BE49-F238E27FC236}">
+                <a16:creationId xmlns:a16="http://schemas.microsoft.com/office/drawing/2014/main" id="{3FCAB845-BE15-487F-B630-E1DBD2D96D5D}"/>
+              </a:ext>
+            </a:extLst>
+          </p:cNvPr>
+          <p:cNvCxnSpPr>
+            <a:cxnSpLocks/>
+          </p:cNvCxnSpPr>
+          <p:nvPr/>
+        </p:nvCxnSpPr>
+        <p:spPr>
+          <a:xfrm flipV="1">
+            <a:off x="4824503" y="6232969"/>
+            <a:ext cx="0" cy="2271807"/>
+          </a:xfrm>
+          <a:prstGeom prst="straightConnector1">
+            <a:avLst/>
+          </a:prstGeom>
+          <a:ln>
+            <a:headEnd type="none" w="med" len="med"/>
+            <a:tailEnd type="arrow" w="med" len="med"/>
+          </a:ln>
+        </p:spPr>
+        <p:style>
+          <a:lnRef idx="3">
+            <a:schemeClr val="accent5"/>
+          </a:lnRef>
+          <a:fillRef idx="0">
+            <a:schemeClr val="accent5"/>
+          </a:fillRef>
+          <a:effectRef idx="2">
+            <a:schemeClr val="accent5"/>
+          </a:effectRef>
+          <a:fontRef idx="minor">
+            <a:schemeClr val="tx1"/>
+          </a:fontRef>
+        </p:style>
+      </p:cxnSp>
+      <p:sp>
+        <p:nvSpPr>
+          <p:cNvPr id="30" name="TextBox 29">
+            <a:extLst>
+              <a:ext uri="{FF2B5EF4-FFF2-40B4-BE49-F238E27FC236}">
+                <a16:creationId xmlns:a16="http://schemas.microsoft.com/office/drawing/2014/main" id="{9639567C-7AF9-4ECA-9C65-0F88B2509A11}"/>
+              </a:ext>
+            </a:extLst>
+          </p:cNvPr>
+          <p:cNvSpPr txBox="1"/>
+          <p:nvPr/>
+        </p:nvSpPr>
+        <p:spPr>
+          <a:xfrm>
+            <a:off x="4485949" y="3337369"/>
+            <a:ext cx="615553" cy="2670724"/>
+          </a:xfrm>
+          <a:prstGeom prst="rect">
+            <a:avLst/>
+          </a:prstGeom>
+          <a:noFill/>
+        </p:spPr>
+        <p:txBody>
+          <a:bodyPr vert="vert270" wrap="square" rtlCol="0">
+            <a:spAutoFit/>
+          </a:bodyPr>
+          <a:lstStyle/>
+          <a:p>
+            <a:r>
+              <a:rPr lang="en-US" sz="2800" dirty="0">
+                <a:solidFill>
+                  <a:schemeClr val="accent5">
+                    <a:lumMod val="75000"/>
+                  </a:schemeClr>
+                </a:solidFill>
+              </a:rPr>
+              <a:t>More Popular</a:t>
+            </a:r>
+            <a:endParaRPr lang="de-DE" sz="2800" dirty="0">
+              <a:solidFill>
+                <a:schemeClr val="accent5">
+                  <a:lumMod val="75000"/>
+                </a:schemeClr>
+              </a:solidFill>
+            </a:endParaRPr>
+          </a:p>
+        </p:txBody>
+      </p:sp>
+    </p:spTree>
+  </p:cSld>
+  <p:clrMapOvr>
+    <a:masterClrMapping/>
+  </p:clrMapOvr>
+</p:sld>
+</file>
+
+<file path=ppt/slides/slide12.xml><?xml version="1.0" encoding="utf-8"?>
+<p:sld xmlns:a="http://schemas.openxmlformats.org/drawingml/2006/main" xmlns:r="http://schemas.openxmlformats.org/officeDocument/2006/relationships" xmlns:p="http://schemas.openxmlformats.org/presentationml/2006/main">
+  <p:cSld>
+    <p:spTree>
+      <p:nvGrpSpPr>
+        <p:cNvPr id="1" name=""/>
+        <p:cNvGrpSpPr/>
+        <p:nvPr/>
+      </p:nvGrpSpPr>
+      <p:grpSpPr>
+        <a:xfrm>
+          <a:off x="0" y="0"/>
+          <a:ext cx="0" cy="0"/>
+          <a:chOff x="0" y="0"/>
+          <a:chExt cx="0" cy="0"/>
+        </a:xfrm>
+      </p:grpSpPr>
+      <p:grpSp>
+        <p:nvGrpSpPr>
+          <p:cNvPr id="2" name="Group 2"/>
+          <p:cNvGrpSpPr/>
+          <p:nvPr/>
+        </p:nvGrpSpPr>
+        <p:grpSpPr>
+          <a:xfrm>
+            <a:off x="555213" y="9490985"/>
+            <a:ext cx="17253775" cy="2017079"/>
+            <a:chOff x="0" y="0"/>
+            <a:chExt cx="23005033" cy="2689439"/>
+          </a:xfrm>
+        </p:grpSpPr>
+        <p:pic>
+          <p:nvPicPr>
+            <p:cNvPr id="3" name="Picture 3"/>
+            <p:cNvPicPr>
+              <a:picLocks noChangeAspect="1"/>
+            </p:cNvPicPr>
+            <p:nvPr/>
+          </p:nvPicPr>
+          <p:blipFill>
+            <a:blip r:embed="rId3">
+              <a:alphaModFix amt="80000"/>
+              <a:extLst>
+                <a:ext uri="{28A0092B-C50C-407E-A947-70E740481C1C}">
+                  <a14:useLocalDpi xmlns:a14="http://schemas.microsoft.com/office/drawing/2010/main" val="0"/>
+                </a:ext>
+                <a:ext uri="{96DAC541-7B7A-43D3-8B79-37D633B846F1}">
+                  <asvg:svgBlip xmlns:asvg="http://schemas.microsoft.com/office/drawing/2016/SVG/main" r:embed="rId4"/>
+                </a:ext>
+              </a:extLst>
+            </a:blip>
+            <a:srcRect/>
+            <a:stretch>
+              <a:fillRect/>
+            </a:stretch>
+          </p:blipFill>
+          <p:spPr>
+            <a:xfrm>
+              <a:off x="16760969" y="0"/>
+              <a:ext cx="2891870" cy="2689439"/>
+            </a:xfrm>
+            <a:prstGeom prst="rect">
+              <a:avLst/>
+            </a:prstGeom>
+          </p:spPr>
+        </p:pic>
+        <p:pic>
+          <p:nvPicPr>
+            <p:cNvPr id="4" name="Picture 4"/>
+            <p:cNvPicPr>
+              <a:picLocks noChangeAspect="1"/>
+            </p:cNvPicPr>
+            <p:nvPr/>
+          </p:nvPicPr>
+          <p:blipFill>
+            <a:blip r:embed="rId3">
+              <a:alphaModFix amt="80000"/>
+              <a:extLst>
+                <a:ext uri="{28A0092B-C50C-407E-A947-70E740481C1C}">
+                  <a14:useLocalDpi xmlns:a14="http://schemas.microsoft.com/office/drawing/2010/main" val="0"/>
+                </a:ext>
+                <a:ext uri="{96DAC541-7B7A-43D3-8B79-37D633B846F1}">
+                  <asvg:svgBlip xmlns:asvg="http://schemas.microsoft.com/office/drawing/2016/SVG/main" r:embed="rId4"/>
+                </a:ext>
+              </a:extLst>
+            </a:blip>
+            <a:srcRect/>
+            <a:stretch>
+              <a:fillRect/>
+            </a:stretch>
+          </p:blipFill>
+          <p:spPr>
+            <a:xfrm>
+              <a:off x="13408776" y="0"/>
+              <a:ext cx="2891870" cy="2689439"/>
+            </a:xfrm>
+            <a:prstGeom prst="rect">
+              <a:avLst/>
+            </a:prstGeom>
+          </p:spPr>
+        </p:pic>
+        <p:pic>
+          <p:nvPicPr>
+            <p:cNvPr id="5" name="Picture 5"/>
+            <p:cNvPicPr>
+              <a:picLocks noChangeAspect="1"/>
+            </p:cNvPicPr>
+            <p:nvPr/>
+          </p:nvPicPr>
+          <p:blipFill>
+            <a:blip r:embed="rId3">
+              <a:alphaModFix amt="80000"/>
+              <a:extLst>
+                <a:ext uri="{28A0092B-C50C-407E-A947-70E740481C1C}">
+                  <a14:useLocalDpi xmlns:a14="http://schemas.microsoft.com/office/drawing/2010/main" val="0"/>
+                </a:ext>
+                <a:ext uri="{96DAC541-7B7A-43D3-8B79-37D633B846F1}">
+                  <asvg:svgBlip xmlns:asvg="http://schemas.microsoft.com/office/drawing/2016/SVG/main" r:embed="rId4"/>
+                </a:ext>
+              </a:extLst>
+            </a:blip>
+            <a:srcRect/>
+            <a:stretch>
+              <a:fillRect/>
+            </a:stretch>
+          </p:blipFill>
+          <p:spPr>
+            <a:xfrm>
+              <a:off x="10056582" y="0"/>
+              <a:ext cx="2891870" cy="2689439"/>
+            </a:xfrm>
+            <a:prstGeom prst="rect">
+              <a:avLst/>
+            </a:prstGeom>
+          </p:spPr>
+        </p:pic>
+        <p:pic>
+          <p:nvPicPr>
+            <p:cNvPr id="6" name="Picture 6"/>
+            <p:cNvPicPr>
+              <a:picLocks noChangeAspect="1"/>
+            </p:cNvPicPr>
+            <p:nvPr/>
+          </p:nvPicPr>
+          <p:blipFill>
+            <a:blip r:embed="rId3">
+              <a:alphaModFix amt="80000"/>
+              <a:extLst>
+                <a:ext uri="{28A0092B-C50C-407E-A947-70E740481C1C}">
+                  <a14:useLocalDpi xmlns:a14="http://schemas.microsoft.com/office/drawing/2010/main" val="0"/>
+                </a:ext>
+                <a:ext uri="{96DAC541-7B7A-43D3-8B79-37D633B846F1}">
+                  <asvg:svgBlip xmlns:asvg="http://schemas.microsoft.com/office/drawing/2016/SVG/main" r:embed="rId4"/>
+                </a:ext>
+              </a:extLst>
+            </a:blip>
+            <a:srcRect/>
+            <a:stretch>
+              <a:fillRect/>
+            </a:stretch>
+          </p:blipFill>
+          <p:spPr>
+            <a:xfrm>
+              <a:off x="20113163" y="0"/>
+              <a:ext cx="2891870" cy="2689439"/>
+            </a:xfrm>
+            <a:prstGeom prst="rect">
+              <a:avLst/>
+            </a:prstGeom>
+          </p:spPr>
+        </p:pic>
+        <p:pic>
+          <p:nvPicPr>
+            <p:cNvPr id="7" name="Picture 7"/>
+            <p:cNvPicPr>
+              <a:picLocks noChangeAspect="1"/>
+            </p:cNvPicPr>
+            <p:nvPr/>
+          </p:nvPicPr>
+          <p:blipFill>
+            <a:blip r:embed="rId3">
+              <a:alphaModFix amt="80000"/>
+              <a:extLst>
+                <a:ext uri="{28A0092B-C50C-407E-A947-70E740481C1C}">
+                  <a14:useLocalDpi xmlns:a14="http://schemas.microsoft.com/office/drawing/2010/main" val="0"/>
+                </a:ext>
+                <a:ext uri="{96DAC541-7B7A-43D3-8B79-37D633B846F1}">
+                  <asvg:svgBlip xmlns:asvg="http://schemas.microsoft.com/office/drawing/2016/SVG/main" r:embed="rId4"/>
+                </a:ext>
+              </a:extLst>
+            </a:blip>
+            <a:srcRect/>
+            <a:stretch>
+              <a:fillRect/>
+            </a:stretch>
+          </p:blipFill>
+          <p:spPr>
+            <a:xfrm>
+              <a:off x="6704388" y="0"/>
+              <a:ext cx="2891870" cy="2689439"/>
+            </a:xfrm>
+            <a:prstGeom prst="rect">
+              <a:avLst/>
+            </a:prstGeom>
+          </p:spPr>
+        </p:pic>
+        <p:pic>
+          <p:nvPicPr>
+            <p:cNvPr id="8" name="Picture 8"/>
+            <p:cNvPicPr>
+              <a:picLocks noChangeAspect="1"/>
+            </p:cNvPicPr>
+            <p:nvPr/>
+          </p:nvPicPr>
+          <p:blipFill>
+            <a:blip r:embed="rId3">
+              <a:alphaModFix amt="80000"/>
+              <a:extLst>
+                <a:ext uri="{28A0092B-C50C-407E-A947-70E740481C1C}">
+                  <a14:useLocalDpi xmlns:a14="http://schemas.microsoft.com/office/drawing/2010/main" val="0"/>
+                </a:ext>
+                <a:ext uri="{96DAC541-7B7A-43D3-8B79-37D633B846F1}">
+                  <asvg:svgBlip xmlns:asvg="http://schemas.microsoft.com/office/drawing/2016/SVG/main" r:embed="rId4"/>
+                </a:ext>
+              </a:extLst>
+            </a:blip>
+            <a:srcRect/>
+            <a:stretch>
+              <a:fillRect/>
+            </a:stretch>
+          </p:blipFill>
+          <p:spPr>
+            <a:xfrm>
+              <a:off x="3352194" y="0"/>
+              <a:ext cx="2891870" cy="2689439"/>
+            </a:xfrm>
+            <a:prstGeom prst="rect">
+              <a:avLst/>
+            </a:prstGeom>
+          </p:spPr>
+        </p:pic>
+        <p:pic>
+          <p:nvPicPr>
+            <p:cNvPr id="9" name="Picture 9"/>
+            <p:cNvPicPr>
+              <a:picLocks noChangeAspect="1"/>
+            </p:cNvPicPr>
+            <p:nvPr/>
+          </p:nvPicPr>
+          <p:blipFill>
+            <a:blip r:embed="rId3">
+              <a:alphaModFix amt="80000"/>
+              <a:extLst>
+                <a:ext uri="{28A0092B-C50C-407E-A947-70E740481C1C}">
+                  <a14:useLocalDpi xmlns:a14="http://schemas.microsoft.com/office/drawing/2010/main" val="0"/>
+                </a:ext>
+                <a:ext uri="{96DAC541-7B7A-43D3-8B79-37D633B846F1}">
+                  <asvg:svgBlip xmlns:asvg="http://schemas.microsoft.com/office/drawing/2016/SVG/main" r:embed="rId4"/>
+                </a:ext>
+              </a:extLst>
+            </a:blip>
+            <a:srcRect/>
+            <a:stretch>
+              <a:fillRect/>
+            </a:stretch>
+          </p:blipFill>
+          <p:spPr>
+            <a:xfrm>
+              <a:off x="0" y="0"/>
+              <a:ext cx="2891870" cy="2689439"/>
+            </a:xfrm>
+            <a:prstGeom prst="rect">
+              <a:avLst/>
+            </a:prstGeom>
+          </p:spPr>
+        </p:pic>
+      </p:grpSp>
+      <p:grpSp>
+        <p:nvGrpSpPr>
+          <p:cNvPr id="10" name="Group 10"/>
+          <p:cNvGrpSpPr/>
+          <p:nvPr/>
+        </p:nvGrpSpPr>
+        <p:grpSpPr>
+          <a:xfrm rot="1153642">
+            <a:off x="979455" y="8814373"/>
+            <a:ext cx="3545508" cy="3370302"/>
+            <a:chOff x="0" y="0"/>
+            <a:chExt cx="4727344" cy="4493736"/>
+          </a:xfrm>
+        </p:grpSpPr>
+        <p:grpSp>
+          <p:nvGrpSpPr>
+            <p:cNvPr id="11" name="Group 11"/>
+            <p:cNvGrpSpPr>
+              <a:grpSpLocks noChangeAspect="1"/>
+            </p:cNvGrpSpPr>
+            <p:nvPr/>
+          </p:nvGrpSpPr>
+          <p:grpSpPr>
+            <a:xfrm>
+              <a:off x="644072" y="410464"/>
+              <a:ext cx="4083272" cy="4083272"/>
+              <a:chOff x="0" y="0"/>
+              <a:chExt cx="6350000" cy="6350000"/>
+            </a:xfrm>
+          </p:grpSpPr>
+          <p:sp>
+            <p:nvSpPr>
+              <p:cNvPr id="12" name="Freeform 12"/>
+              <p:cNvSpPr/>
+              <p:nvPr/>
+            </p:nvSpPr>
+            <p:spPr>
+              <a:xfrm>
+                <a:off x="0" y="0"/>
+                <a:ext cx="6350000" cy="6350000"/>
+              </a:xfrm>
+              <a:custGeom>
+                <a:avLst/>
+                <a:gdLst/>
+                <a:ahLst/>
+                <a:cxnLst/>
+                <a:rect l="l" t="t" r="r" b="b"/>
+                <a:pathLst>
+                  <a:path w="6350000" h="6350000">
+                    <a:moveTo>
+                      <a:pt x="3175000" y="0"/>
+                    </a:moveTo>
+                    <a:cubicBezTo>
+                      <a:pt x="4928870" y="0"/>
+                      <a:pt x="6350000" y="1421130"/>
+                      <a:pt x="6350000" y="3175000"/>
+                    </a:cubicBezTo>
+                    <a:cubicBezTo>
+                      <a:pt x="6350000" y="4928870"/>
+                      <a:pt x="4928870" y="6350000"/>
+                      <a:pt x="3175000" y="6350000"/>
+                    </a:cubicBezTo>
+                    <a:cubicBezTo>
+                      <a:pt x="1421130" y="6350000"/>
+                      <a:pt x="0" y="4928870"/>
+                      <a:pt x="0" y="3175000"/>
+                    </a:cubicBezTo>
+                    <a:cubicBezTo>
+                      <a:pt x="0" y="1421130"/>
+                      <a:pt x="1421130" y="0"/>
+                      <a:pt x="3175000" y="0"/>
+                    </a:cubicBezTo>
+                    <a:close/>
+                  </a:path>
+                </a:pathLst>
+              </a:custGeom>
+              <a:solidFill>
+                <a:srgbClr val="A100FF"/>
+              </a:solidFill>
+            </p:spPr>
+          </p:sp>
+        </p:grpSp>
+        <p:pic>
+          <p:nvPicPr>
+            <p:cNvPr id="13" name="Picture 13"/>
+            <p:cNvPicPr>
+              <a:picLocks noChangeAspect="1"/>
+            </p:cNvPicPr>
+            <p:nvPr/>
+          </p:nvPicPr>
+          <p:blipFill>
+            <a:blip r:embed="rId5">
+              <a:extLst>
+                <a:ext uri="{28A0092B-C50C-407E-A947-70E740481C1C}">
+                  <a14:useLocalDpi xmlns:a14="http://schemas.microsoft.com/office/drawing/2010/main" val="0"/>
+                </a:ext>
+                <a:ext uri="{96DAC541-7B7A-43D3-8B79-37D633B846F1}">
+                  <asvg:svgBlip xmlns:asvg="http://schemas.microsoft.com/office/drawing/2016/SVG/main" r:embed="rId6"/>
+                </a:ext>
+              </a:extLst>
+            </a:blip>
+            <a:srcRect b="321"/>
+            <a:stretch>
+              <a:fillRect/>
+            </a:stretch>
+          </p:blipFill>
+          <p:spPr>
+            <a:xfrm>
+              <a:off x="0" y="0"/>
+              <a:ext cx="4083272" cy="4091977"/>
+            </a:xfrm>
+            <a:prstGeom prst="rect">
+              <a:avLst/>
+            </a:prstGeom>
+          </p:spPr>
+        </p:pic>
+      </p:grpSp>
+      <p:grpSp>
+        <p:nvGrpSpPr>
+          <p:cNvPr id="14" name="Group 14"/>
+          <p:cNvGrpSpPr/>
+          <p:nvPr/>
+        </p:nvGrpSpPr>
+        <p:grpSpPr>
+          <a:xfrm>
+            <a:off x="655751" y="-710238"/>
+            <a:ext cx="17253775" cy="2017079"/>
+            <a:chOff x="0" y="0"/>
+            <a:chExt cx="23005033" cy="2689439"/>
+          </a:xfrm>
+        </p:grpSpPr>
+        <p:pic>
+          <p:nvPicPr>
+            <p:cNvPr id="15" name="Picture 15"/>
+            <p:cNvPicPr>
+              <a:picLocks noChangeAspect="1"/>
+            </p:cNvPicPr>
+            <p:nvPr/>
+          </p:nvPicPr>
+          <p:blipFill>
+            <a:blip r:embed="rId3">
+              <a:alphaModFix amt="80000"/>
+              <a:extLst>
+                <a:ext uri="{28A0092B-C50C-407E-A947-70E740481C1C}">
+                  <a14:useLocalDpi xmlns:a14="http://schemas.microsoft.com/office/drawing/2010/main" val="0"/>
+                </a:ext>
+                <a:ext uri="{96DAC541-7B7A-43D3-8B79-37D633B846F1}">
+                  <asvg:svgBlip xmlns:asvg="http://schemas.microsoft.com/office/drawing/2016/SVG/main" r:embed="rId4"/>
+                </a:ext>
+              </a:extLst>
+            </a:blip>
+            <a:srcRect/>
+            <a:stretch>
+              <a:fillRect/>
+            </a:stretch>
+          </p:blipFill>
+          <p:spPr>
+            <a:xfrm>
+              <a:off x="16760969" y="0"/>
+              <a:ext cx="2891870" cy="2689439"/>
+            </a:xfrm>
+            <a:prstGeom prst="rect">
+              <a:avLst/>
+            </a:prstGeom>
+          </p:spPr>
+        </p:pic>
+        <p:pic>
+          <p:nvPicPr>
+            <p:cNvPr id="16" name="Picture 16"/>
+            <p:cNvPicPr>
+              <a:picLocks noChangeAspect="1"/>
+            </p:cNvPicPr>
+            <p:nvPr/>
+          </p:nvPicPr>
+          <p:blipFill>
+            <a:blip r:embed="rId3">
+              <a:alphaModFix amt="80000"/>
+              <a:extLst>
+                <a:ext uri="{28A0092B-C50C-407E-A947-70E740481C1C}">
+                  <a14:useLocalDpi xmlns:a14="http://schemas.microsoft.com/office/drawing/2010/main" val="0"/>
+                </a:ext>
+                <a:ext uri="{96DAC541-7B7A-43D3-8B79-37D633B846F1}">
+                  <asvg:svgBlip xmlns:asvg="http://schemas.microsoft.com/office/drawing/2016/SVG/main" r:embed="rId4"/>
+                </a:ext>
+              </a:extLst>
+            </a:blip>
+            <a:srcRect/>
+            <a:stretch>
+              <a:fillRect/>
+            </a:stretch>
+          </p:blipFill>
+          <p:spPr>
+            <a:xfrm>
+              <a:off x="13408776" y="0"/>
+              <a:ext cx="2891870" cy="2689439"/>
+            </a:xfrm>
+            <a:prstGeom prst="rect">
+              <a:avLst/>
+            </a:prstGeom>
+          </p:spPr>
+        </p:pic>
+        <p:pic>
+          <p:nvPicPr>
+            <p:cNvPr id="17" name="Picture 17"/>
+            <p:cNvPicPr>
+              <a:picLocks noChangeAspect="1"/>
+            </p:cNvPicPr>
+            <p:nvPr/>
+          </p:nvPicPr>
+          <p:blipFill>
+            <a:blip r:embed="rId3">
+              <a:alphaModFix amt="80000"/>
+              <a:extLst>
+                <a:ext uri="{28A0092B-C50C-407E-A947-70E740481C1C}">
+                  <a14:useLocalDpi xmlns:a14="http://schemas.microsoft.com/office/drawing/2010/main" val="0"/>
+                </a:ext>
+                <a:ext uri="{96DAC541-7B7A-43D3-8B79-37D633B846F1}">
+                  <asvg:svgBlip xmlns:asvg="http://schemas.microsoft.com/office/drawing/2016/SVG/main" r:embed="rId4"/>
+                </a:ext>
+              </a:extLst>
+            </a:blip>
+            <a:srcRect/>
+            <a:stretch>
+              <a:fillRect/>
+            </a:stretch>
+          </p:blipFill>
+          <p:spPr>
+            <a:xfrm>
+              <a:off x="10056582" y="0"/>
+              <a:ext cx="2891870" cy="2689439"/>
+            </a:xfrm>
+            <a:prstGeom prst="rect">
+              <a:avLst/>
+            </a:prstGeom>
+          </p:spPr>
+        </p:pic>
+        <p:pic>
+          <p:nvPicPr>
+            <p:cNvPr id="18" name="Picture 18"/>
+            <p:cNvPicPr>
+              <a:picLocks noChangeAspect="1"/>
+            </p:cNvPicPr>
+            <p:nvPr/>
+          </p:nvPicPr>
+          <p:blipFill>
+            <a:blip r:embed="rId3">
+              <a:alphaModFix amt="80000"/>
+              <a:extLst>
+                <a:ext uri="{28A0092B-C50C-407E-A947-70E740481C1C}">
+                  <a14:useLocalDpi xmlns:a14="http://schemas.microsoft.com/office/drawing/2010/main" val="0"/>
+                </a:ext>
+                <a:ext uri="{96DAC541-7B7A-43D3-8B79-37D633B846F1}">
+                  <asvg:svgBlip xmlns:asvg="http://schemas.microsoft.com/office/drawing/2016/SVG/main" r:embed="rId4"/>
+                </a:ext>
+              </a:extLst>
+            </a:blip>
+            <a:srcRect/>
+            <a:stretch>
+              <a:fillRect/>
+            </a:stretch>
+          </p:blipFill>
+          <p:spPr>
+            <a:xfrm>
+              <a:off x="20113163" y="0"/>
+              <a:ext cx="2891870" cy="2689439"/>
+            </a:xfrm>
+            <a:prstGeom prst="rect">
+              <a:avLst/>
+            </a:prstGeom>
+          </p:spPr>
+        </p:pic>
+        <p:pic>
+          <p:nvPicPr>
+            <p:cNvPr id="19" name="Picture 19"/>
+            <p:cNvPicPr>
+              <a:picLocks noChangeAspect="1"/>
+            </p:cNvPicPr>
+            <p:nvPr/>
+          </p:nvPicPr>
+          <p:blipFill>
+            <a:blip r:embed="rId3">
+              <a:alphaModFix amt="80000"/>
+              <a:extLst>
+                <a:ext uri="{28A0092B-C50C-407E-A947-70E740481C1C}">
+                  <a14:useLocalDpi xmlns:a14="http://schemas.microsoft.com/office/drawing/2010/main" val="0"/>
+                </a:ext>
+                <a:ext uri="{96DAC541-7B7A-43D3-8B79-37D633B846F1}">
+                  <asvg:svgBlip xmlns:asvg="http://schemas.microsoft.com/office/drawing/2016/SVG/main" r:embed="rId4"/>
+                </a:ext>
+              </a:extLst>
+            </a:blip>
+            <a:srcRect/>
+            <a:stretch>
+              <a:fillRect/>
+            </a:stretch>
+          </p:blipFill>
+          <p:spPr>
+            <a:xfrm>
+              <a:off x="6704388" y="0"/>
+              <a:ext cx="2891870" cy="2689439"/>
+            </a:xfrm>
+            <a:prstGeom prst="rect">
+              <a:avLst/>
+            </a:prstGeom>
+          </p:spPr>
+        </p:pic>
+        <p:pic>
+          <p:nvPicPr>
+            <p:cNvPr id="20" name="Picture 20"/>
+            <p:cNvPicPr>
+              <a:picLocks noChangeAspect="1"/>
+            </p:cNvPicPr>
+            <p:nvPr/>
+          </p:nvPicPr>
+          <p:blipFill>
+            <a:blip r:embed="rId3">
+              <a:alphaModFix amt="80000"/>
+              <a:extLst>
+                <a:ext uri="{28A0092B-C50C-407E-A947-70E740481C1C}">
+                  <a14:useLocalDpi xmlns:a14="http://schemas.microsoft.com/office/drawing/2010/main" val="0"/>
+                </a:ext>
+                <a:ext uri="{96DAC541-7B7A-43D3-8B79-37D633B846F1}">
+                  <asvg:svgBlip xmlns:asvg="http://schemas.microsoft.com/office/drawing/2016/SVG/main" r:embed="rId4"/>
+                </a:ext>
+              </a:extLst>
+            </a:blip>
+            <a:srcRect/>
+            <a:stretch>
+              <a:fillRect/>
+            </a:stretch>
+          </p:blipFill>
+          <p:spPr>
+            <a:xfrm>
+              <a:off x="3352194" y="0"/>
+              <a:ext cx="2891870" cy="2689439"/>
+            </a:xfrm>
+            <a:prstGeom prst="rect">
+              <a:avLst/>
+            </a:prstGeom>
+          </p:spPr>
+        </p:pic>
+        <p:pic>
+          <p:nvPicPr>
+            <p:cNvPr id="21" name="Picture 21"/>
+            <p:cNvPicPr>
+              <a:picLocks noChangeAspect="1"/>
+            </p:cNvPicPr>
+            <p:nvPr/>
+          </p:nvPicPr>
+          <p:blipFill>
+            <a:blip r:embed="rId3">
+              <a:alphaModFix amt="80000"/>
+              <a:extLst>
+                <a:ext uri="{28A0092B-C50C-407E-A947-70E740481C1C}">
+                  <a14:useLocalDpi xmlns:a14="http://schemas.microsoft.com/office/drawing/2010/main" val="0"/>
+                </a:ext>
+                <a:ext uri="{96DAC541-7B7A-43D3-8B79-37D633B846F1}">
+                  <asvg:svgBlip xmlns:asvg="http://schemas.microsoft.com/office/drawing/2016/SVG/main" r:embed="rId4"/>
+                </a:ext>
+              </a:extLst>
+            </a:blip>
+            <a:srcRect/>
+            <a:stretch>
+              <a:fillRect/>
+            </a:stretch>
+          </p:blipFill>
+          <p:spPr>
+            <a:xfrm>
+              <a:off x="0" y="0"/>
+              <a:ext cx="2891870" cy="2689439"/>
+            </a:xfrm>
+            <a:prstGeom prst="rect">
+              <a:avLst/>
+            </a:prstGeom>
+          </p:spPr>
+        </p:pic>
+      </p:grpSp>
+      <p:sp>
+        <p:nvSpPr>
+          <p:cNvPr id="22" name="AutoShape 22"/>
+          <p:cNvSpPr/>
+          <p:nvPr/>
+        </p:nvSpPr>
+        <p:spPr>
+          <a:xfrm>
+            <a:off x="0" y="0"/>
+            <a:ext cx="2386482" cy="10287000"/>
+          </a:xfrm>
+          <a:prstGeom prst="rect">
+            <a:avLst/>
+          </a:prstGeom>
+          <a:solidFill>
+            <a:srgbClr val="A100FF"/>
+          </a:solidFill>
+        </p:spPr>
+      </p:sp>
+      <p:grpSp>
+        <p:nvGrpSpPr>
+          <p:cNvPr id="23" name="Group 23"/>
+          <p:cNvGrpSpPr/>
+          <p:nvPr/>
+        </p:nvGrpSpPr>
+        <p:grpSpPr>
+          <a:xfrm>
+            <a:off x="16515246" y="-1685151"/>
+            <a:ext cx="3545508" cy="3370302"/>
+            <a:chOff x="0" y="0"/>
+            <a:chExt cx="4727344" cy="4493736"/>
+          </a:xfrm>
+        </p:grpSpPr>
+        <p:grpSp>
+          <p:nvGrpSpPr>
+            <p:cNvPr id="24" name="Group 24"/>
+            <p:cNvGrpSpPr>
+              <a:grpSpLocks noChangeAspect="1"/>
+            </p:cNvGrpSpPr>
+            <p:nvPr/>
+          </p:nvGrpSpPr>
+          <p:grpSpPr>
+            <a:xfrm>
+              <a:off x="644072" y="410464"/>
+              <a:ext cx="4083272" cy="4083272"/>
+              <a:chOff x="0" y="0"/>
+              <a:chExt cx="6350000" cy="6350000"/>
+            </a:xfrm>
+          </p:grpSpPr>
+          <p:sp>
+            <p:nvSpPr>
+              <p:cNvPr id="25" name="Freeform 25"/>
+              <p:cNvSpPr/>
+              <p:nvPr/>
+            </p:nvSpPr>
+            <p:spPr>
+              <a:xfrm>
+                <a:off x="0" y="0"/>
+                <a:ext cx="6350000" cy="6350000"/>
+              </a:xfrm>
+              <a:custGeom>
+                <a:avLst/>
+                <a:gdLst/>
+                <a:ahLst/>
+                <a:cxnLst/>
+                <a:rect l="l" t="t" r="r" b="b"/>
+                <a:pathLst>
+                  <a:path w="6350000" h="6350000">
+                    <a:moveTo>
+                      <a:pt x="3175000" y="0"/>
+                    </a:moveTo>
+                    <a:cubicBezTo>
+                      <a:pt x="4928870" y="0"/>
+                      <a:pt x="6350000" y="1421130"/>
+                      <a:pt x="6350000" y="3175000"/>
+                    </a:cubicBezTo>
+                    <a:cubicBezTo>
+                      <a:pt x="6350000" y="4928870"/>
+                      <a:pt x="4928870" y="6350000"/>
+                      <a:pt x="3175000" y="6350000"/>
+                    </a:cubicBezTo>
+                    <a:cubicBezTo>
+                      <a:pt x="1421130" y="6350000"/>
+                      <a:pt x="0" y="4928870"/>
+                      <a:pt x="0" y="3175000"/>
+                    </a:cubicBezTo>
+                    <a:cubicBezTo>
+                      <a:pt x="0" y="1421130"/>
+                      <a:pt x="1421130" y="0"/>
+                      <a:pt x="3175000" y="0"/>
+                    </a:cubicBezTo>
+                    <a:close/>
+                  </a:path>
+                </a:pathLst>
+              </a:custGeom>
+              <a:solidFill>
+                <a:srgbClr val="A100FF"/>
+              </a:solidFill>
+            </p:spPr>
+          </p:sp>
+        </p:grpSp>
+        <p:pic>
+          <p:nvPicPr>
+            <p:cNvPr id="26" name="Picture 26"/>
+            <p:cNvPicPr>
+              <a:picLocks noChangeAspect="1"/>
+            </p:cNvPicPr>
+            <p:nvPr/>
+          </p:nvPicPr>
+          <p:blipFill>
+            <a:blip r:embed="rId5">
+              <a:extLst>
+                <a:ext uri="{28A0092B-C50C-407E-A947-70E740481C1C}">
+                  <a14:useLocalDpi xmlns:a14="http://schemas.microsoft.com/office/drawing/2010/main" val="0"/>
+                </a:ext>
+                <a:ext uri="{96DAC541-7B7A-43D3-8B79-37D633B846F1}">
+                  <asvg:svgBlip xmlns:asvg="http://schemas.microsoft.com/office/drawing/2016/SVG/main" r:embed="rId6"/>
+                </a:ext>
+              </a:extLst>
+            </a:blip>
+            <a:srcRect b="321"/>
+            <a:stretch>
+              <a:fillRect/>
+            </a:stretch>
+          </p:blipFill>
+          <p:spPr>
+            <a:xfrm>
+              <a:off x="0" y="0"/>
+              <a:ext cx="4083272" cy="4091977"/>
+            </a:xfrm>
+            <a:prstGeom prst="rect">
+              <a:avLst/>
+            </a:prstGeom>
+          </p:spPr>
+        </p:pic>
+      </p:grpSp>
+      <p:graphicFrame>
+        <p:nvGraphicFramePr>
           <p:cNvPr id="30" name="Chart 29">
             <a:extLst>
               <a:ext uri="{FF2B5EF4-FFF2-40B4-BE49-F238E27FC236}">
@@ -16433,13 +20678,13 @@
           <p:nvPr>
             <p:extLst>
               <p:ext uri="{D42A27DB-BD31-4B8C-83A1-F6EECF244321}">
-                <p14:modId xmlns:p14="http://schemas.microsoft.com/office/powerpoint/2010/main" val="722249514"/>
+                <p14:modId xmlns:p14="http://schemas.microsoft.com/office/powerpoint/2010/main" val="1776256800"/>
               </p:ext>
             </p:extLst>
           </p:nvPr>
         </p:nvGraphicFramePr>
         <p:xfrm>
-          <a:off x="3912375" y="2970473"/>
+          <a:off x="3662979" y="2970473"/>
           <a:ext cx="13599916" cy="6076922"/>
         </p:xfrm>
         <a:graphic>
@@ -16496,6 +20741,95 @@
           </a:p>
         </p:txBody>
       </p:sp>
+      <p:cxnSp>
+        <p:nvCxnSpPr>
+          <p:cNvPr id="29" name="Straight Arrow Connector 28">
+            <a:extLst>
+              <a:ext uri="{FF2B5EF4-FFF2-40B4-BE49-F238E27FC236}">
+                <a16:creationId xmlns:a16="http://schemas.microsoft.com/office/drawing/2014/main" id="{2E90A517-A047-4793-8CF3-2DAFB301B21C}"/>
+              </a:ext>
+            </a:extLst>
+          </p:cNvPr>
+          <p:cNvCxnSpPr>
+            <a:cxnSpLocks/>
+          </p:cNvCxnSpPr>
+          <p:nvPr/>
+        </p:nvCxnSpPr>
+        <p:spPr>
+          <a:xfrm flipV="1">
+            <a:off x="3169897" y="5745385"/>
+            <a:ext cx="0" cy="2895600"/>
+          </a:xfrm>
+          <a:prstGeom prst="straightConnector1">
+            <a:avLst/>
+          </a:prstGeom>
+          <a:ln>
+            <a:solidFill>
+              <a:srgbClr val="00B050"/>
+            </a:solidFill>
+            <a:headEnd type="none" w="med" len="med"/>
+            <a:tailEnd type="arrow" w="med" len="med"/>
+          </a:ln>
+        </p:spPr>
+        <p:style>
+          <a:lnRef idx="3">
+            <a:schemeClr val="accent5"/>
+          </a:lnRef>
+          <a:fillRef idx="0">
+            <a:schemeClr val="accent5"/>
+          </a:fillRef>
+          <a:effectRef idx="2">
+            <a:schemeClr val="accent5"/>
+          </a:effectRef>
+          <a:fontRef idx="minor">
+            <a:schemeClr val="tx1"/>
+          </a:fontRef>
+        </p:style>
+      </p:cxnSp>
+      <p:sp>
+        <p:nvSpPr>
+          <p:cNvPr id="31" name="TextBox 30">
+            <a:extLst>
+              <a:ext uri="{FF2B5EF4-FFF2-40B4-BE49-F238E27FC236}">
+                <a16:creationId xmlns:a16="http://schemas.microsoft.com/office/drawing/2014/main" id="{B0600EAE-9B0F-4B11-A560-79A1C8A766A6}"/>
+              </a:ext>
+            </a:extLst>
+          </p:cNvPr>
+          <p:cNvSpPr txBox="1"/>
+          <p:nvPr/>
+        </p:nvSpPr>
+        <p:spPr>
+          <a:xfrm>
+            <a:off x="2824654" y="2731714"/>
+            <a:ext cx="738664" cy="2670724"/>
+          </a:xfrm>
+          <a:prstGeom prst="rect">
+            <a:avLst/>
+          </a:prstGeom>
+          <a:noFill/>
+        </p:spPr>
+        <p:txBody>
+          <a:bodyPr vert="vert270" wrap="square" rtlCol="0">
+            <a:spAutoFit/>
+          </a:bodyPr>
+          <a:lstStyle/>
+          <a:p>
+            <a:r>
+              <a:rPr lang="en-US" sz="3600" dirty="0">
+                <a:solidFill>
+                  <a:srgbClr val="00B050"/>
+                </a:solidFill>
+              </a:rPr>
+              <a:t>More Posts</a:t>
+            </a:r>
+            <a:endParaRPr lang="de-DE" sz="3600" dirty="0">
+              <a:solidFill>
+                <a:srgbClr val="00B050"/>
+              </a:solidFill>
+            </a:endParaRPr>
+          </a:p>
+        </p:txBody>
+      </p:sp>
     </p:spTree>
     <p:extLst>
       <p:ext uri="{BB962C8B-B14F-4D97-AF65-F5344CB8AC3E}">
@@ -16509,7 +20843,7 @@
 </p:sld>
 </file>
 
-<file path=ppt/slides/slide12.xml><?xml version="1.0" encoding="utf-8"?>
+<file path=ppt/slides/slide13.xml><?xml version="1.0" encoding="utf-8"?>
 <p:sld xmlns:a="http://schemas.openxmlformats.org/drawingml/2006/main" xmlns:r="http://schemas.openxmlformats.org/officeDocument/2006/relationships" xmlns:p="http://schemas.openxmlformats.org/presentationml/2006/main">
   <p:cSld>
     <p:spTree>
@@ -17508,7 +21842,7 @@
 </p:sld>
 </file>
 
-<file path=ppt/slides/slide13.xml><?xml version="1.0" encoding="utf-8"?>
+<file path=ppt/slides/slide14.xml><?xml version="1.0" encoding="utf-8"?>
 <p:sld xmlns:a="http://schemas.openxmlformats.org/drawingml/2006/main" xmlns:r="http://schemas.openxmlformats.org/officeDocument/2006/relationships" xmlns:p="http://schemas.openxmlformats.org/presentationml/2006/main">
   <p:cSld>
     <p:bg>
@@ -24826,14 +29160,14 @@
           <p:nvPr>
             <p:extLst>
               <p:ext uri="{D42A27DB-BD31-4B8C-83A1-F6EECF244321}">
-                <p14:modId xmlns:p14="http://schemas.microsoft.com/office/powerpoint/2010/main" val="2175335625"/>
+                <p14:modId xmlns:p14="http://schemas.microsoft.com/office/powerpoint/2010/main" val="2439566715"/>
               </p:ext>
             </p:extLst>
           </p:nvPr>
         </p:nvGraphicFramePr>
         <p:xfrm>
-          <a:off x="3043736" y="2570742"/>
-          <a:ext cx="13471509" cy="5978707"/>
+          <a:off x="4038602" y="2400300"/>
+          <a:ext cx="13626780" cy="6760404"/>
         </p:xfrm>
         <a:graphic>
           <a:graphicData uri="http://schemas.openxmlformats.org/drawingml/2006/chart">
@@ -24855,8 +29189,8 @@
         </p:nvSpPr>
         <p:spPr>
           <a:xfrm>
-            <a:off x="2965678" y="1383832"/>
-            <a:ext cx="13453426" cy="584775"/>
+            <a:off x="2547920" y="1125680"/>
+            <a:ext cx="14520226" cy="646331"/>
           </a:xfrm>
           <a:prstGeom prst="rect">
             <a:avLst/>
@@ -24870,14 +29204,14 @@
           <a:lstStyle/>
           <a:p>
             <a:r>
-              <a:rPr lang="en-US" sz="3200" dirty="0">
+              <a:rPr lang="en-US" sz="3600" dirty="0">
                 <a:solidFill>
                   <a:srgbClr val="2831A2"/>
                 </a:solidFill>
               </a:rPr>
               <a:t>More about Healthy-Eating and Travel, Less about Sports; Science Always Hot</a:t>
             </a:r>
-            <a:endParaRPr lang="de-DE" sz="3200" dirty="0">
+            <a:endParaRPr lang="de-DE" sz="3600" dirty="0">
               <a:solidFill>
                 <a:srgbClr val="2831A2"/>
               </a:solidFill>
@@ -24887,82 +29221,10 @@
       </p:sp>
       <p:cxnSp>
         <p:nvCxnSpPr>
-          <p:cNvPr id="32" name="Straight Connector 31">
+          <p:cNvPr id="29" name="Straight Arrow Connector 28">
             <a:extLst>
               <a:ext uri="{FF2B5EF4-FFF2-40B4-BE49-F238E27FC236}">
-                <a16:creationId xmlns:a16="http://schemas.microsoft.com/office/drawing/2014/main" id="{54B1DCD2-8A5C-4C1C-9B75-6B95CF36EBDF}"/>
-              </a:ext>
-            </a:extLst>
-          </p:cNvPr>
-          <p:cNvCxnSpPr/>
-          <p:nvPr/>
-        </p:nvCxnSpPr>
-        <p:spPr>
-          <a:xfrm>
-            <a:off x="11941778" y="8039100"/>
-            <a:ext cx="0" cy="285473"/>
-          </a:xfrm>
-          <a:prstGeom prst="line">
-            <a:avLst/>
-          </a:prstGeom>
-        </p:spPr>
-        <p:style>
-          <a:lnRef idx="2">
-            <a:schemeClr val="accent1"/>
-          </a:lnRef>
-          <a:fillRef idx="0">
-            <a:schemeClr val="accent1"/>
-          </a:fillRef>
-          <a:effectRef idx="1">
-            <a:schemeClr val="accent1"/>
-          </a:effectRef>
-          <a:fontRef idx="minor">
-            <a:schemeClr val="tx1"/>
-          </a:fontRef>
-        </p:style>
-      </p:cxnSp>
-      <p:cxnSp>
-        <p:nvCxnSpPr>
-          <p:cNvPr id="34" name="Straight Connector 33">
-            <a:extLst>
-              <a:ext uri="{FF2B5EF4-FFF2-40B4-BE49-F238E27FC236}">
-                <a16:creationId xmlns:a16="http://schemas.microsoft.com/office/drawing/2014/main" id="{E63F05FC-A4A9-4D3D-9DE8-9AF6EFBF2952}"/>
-              </a:ext>
-            </a:extLst>
-          </p:cNvPr>
-          <p:cNvCxnSpPr/>
-          <p:nvPr/>
-        </p:nvCxnSpPr>
-        <p:spPr>
-          <a:xfrm flipV="1">
-            <a:off x="14554200" y="8039099"/>
-            <a:ext cx="0" cy="285474"/>
-          </a:xfrm>
-          <a:prstGeom prst="line">
-            <a:avLst/>
-          </a:prstGeom>
-        </p:spPr>
-        <p:style>
-          <a:lnRef idx="2">
-            <a:schemeClr val="accent1"/>
-          </a:lnRef>
-          <a:fillRef idx="0">
-            <a:schemeClr val="accent1"/>
-          </a:fillRef>
-          <a:effectRef idx="1">
-            <a:schemeClr val="accent1"/>
-          </a:effectRef>
-          <a:fontRef idx="minor">
-            <a:schemeClr val="tx1"/>
-          </a:fontRef>
-        </p:style>
-      </p:cxnSp>
-      <p:cxnSp>
-        <p:nvCxnSpPr>
-          <p:cNvPr id="35" name="Straight Connector 34">
-            <a:extLst>
-              <a:ext uri="{FF2B5EF4-FFF2-40B4-BE49-F238E27FC236}">
-                <a16:creationId xmlns:a16="http://schemas.microsoft.com/office/drawing/2014/main" id="{08A5D1B6-A3D3-4D3E-B37C-F32FE82267B1}"/>
+                <a16:creationId xmlns:a16="http://schemas.microsoft.com/office/drawing/2014/main" id="{4D2F4945-5967-49FF-973E-75A46190A934}"/>
               </a:ext>
             </a:extLst>
           </p:cNvPr>
@@ -24972,29 +29234,81 @@
           <p:nvPr/>
         </p:nvCxnSpPr>
         <p:spPr>
-          <a:xfrm>
-            <a:off x="11941778" y="8324573"/>
-            <a:ext cx="2612422" cy="0"/>
+          <a:xfrm flipV="1">
+            <a:off x="3515379" y="5183082"/>
+            <a:ext cx="0" cy="2895600"/>
           </a:xfrm>
-          <a:prstGeom prst="line">
+          <a:prstGeom prst="straightConnector1">
             <a:avLst/>
           </a:prstGeom>
+          <a:ln>
+            <a:headEnd type="none" w="med" len="med"/>
+            <a:tailEnd type="arrow" w="med" len="med"/>
+          </a:ln>
         </p:spPr>
         <p:style>
-          <a:lnRef idx="2">
-            <a:schemeClr val="accent1"/>
+          <a:lnRef idx="3">
+            <a:schemeClr val="accent5"/>
           </a:lnRef>
           <a:fillRef idx="0">
-            <a:schemeClr val="accent1"/>
+            <a:schemeClr val="accent5"/>
           </a:fillRef>
-          <a:effectRef idx="1">
-            <a:schemeClr val="accent1"/>
+          <a:effectRef idx="2">
+            <a:schemeClr val="accent5"/>
           </a:effectRef>
           <a:fontRef idx="minor">
             <a:schemeClr val="tx1"/>
           </a:fontRef>
         </p:style>
       </p:cxnSp>
+      <p:sp>
+        <p:nvSpPr>
+          <p:cNvPr id="43" name="TextBox 42">
+            <a:extLst>
+              <a:ext uri="{FF2B5EF4-FFF2-40B4-BE49-F238E27FC236}">
+                <a16:creationId xmlns:a16="http://schemas.microsoft.com/office/drawing/2014/main" id="{1CBC1265-57A0-4869-B418-82BF447C0216}"/>
+              </a:ext>
+            </a:extLst>
+          </p:cNvPr>
+          <p:cNvSpPr txBox="1"/>
+          <p:nvPr/>
+        </p:nvSpPr>
+        <p:spPr>
+          <a:xfrm>
+            <a:off x="3176825" y="2287482"/>
+            <a:ext cx="677108" cy="2670724"/>
+          </a:xfrm>
+          <a:prstGeom prst="rect">
+            <a:avLst/>
+          </a:prstGeom>
+          <a:noFill/>
+        </p:spPr>
+        <p:txBody>
+          <a:bodyPr vert="vert270" wrap="square" rtlCol="0">
+            <a:spAutoFit/>
+          </a:bodyPr>
+          <a:lstStyle/>
+          <a:p>
+            <a:r>
+              <a:rPr lang="en-US" sz="3200" dirty="0">
+                <a:solidFill>
+                  <a:schemeClr val="accent5">
+                    <a:lumMod val="75000"/>
+                  </a:schemeClr>
+                </a:solidFill>
+              </a:rPr>
+              <a:t>More Popular</a:t>
+            </a:r>
+            <a:endParaRPr lang="de-DE" sz="3200" dirty="0">
+              <a:solidFill>
+                <a:schemeClr val="accent5">
+                  <a:lumMod val="75000"/>
+                </a:schemeClr>
+              </a:solidFill>
+            </a:endParaRPr>
+          </a:p>
+        </p:txBody>
+      </p:sp>
     </p:spTree>
     <p:extLst>
       <p:ext uri="{BB962C8B-B14F-4D97-AF65-F5344CB8AC3E}">
@@ -25798,6 +30112,36 @@
           </p:spPr>
         </p:pic>
       </p:grpSp>
+      <p:graphicFrame>
+        <p:nvGraphicFramePr>
+          <p:cNvPr id="33" name="Chart 32">
+            <a:extLst>
+              <a:ext uri="{FF2B5EF4-FFF2-40B4-BE49-F238E27FC236}">
+                <a16:creationId xmlns:a16="http://schemas.microsoft.com/office/drawing/2014/main" id="{2F639335-AC39-4CA5-BD09-0D7B795E275C}"/>
+              </a:ext>
+            </a:extLst>
+          </p:cNvPr>
+          <p:cNvGraphicFramePr>
+            <a:graphicFrameLocks/>
+          </p:cNvGraphicFramePr>
+          <p:nvPr>
+            <p:extLst>
+              <p:ext uri="{D42A27DB-BD31-4B8C-83A1-F6EECF244321}">
+                <p14:modId xmlns:p14="http://schemas.microsoft.com/office/powerpoint/2010/main" val="2780119113"/>
+              </p:ext>
+            </p:extLst>
+          </p:nvPr>
+        </p:nvGraphicFramePr>
+        <p:xfrm>
+          <a:off x="4188447" y="2345866"/>
+          <a:ext cx="13476934" cy="6760404"/>
+        </p:xfrm>
+        <a:graphic>
+          <a:graphicData uri="http://schemas.openxmlformats.org/drawingml/2006/chart">
+            <c:chart xmlns:c="http://schemas.openxmlformats.org/drawingml/2006/chart" xmlns:r="http://schemas.openxmlformats.org/officeDocument/2006/relationships" r:id="rId7"/>
+          </a:graphicData>
+        </a:graphic>
+      </p:graphicFrame>
       <p:sp>
         <p:nvSpPr>
           <p:cNvPr id="27" name="TextBox 26">
@@ -25812,7 +30156,7 @@
         </p:nvSpPr>
         <p:spPr>
           <a:xfrm>
-            <a:off x="2724116" y="1177598"/>
+            <a:off x="2943238" y="1274900"/>
             <a:ext cx="13453426" cy="646331"/>
           </a:xfrm>
           <a:prstGeom prst="rect">
@@ -25829,16 +30173,102 @@
             <a:r>
               <a:rPr lang="en-US" sz="3600" dirty="0">
                 <a:solidFill>
-                  <a:schemeClr val="accent4">
+                  <a:srgbClr val="2831A2"/>
+                </a:solidFill>
+              </a:rPr>
+              <a:t>Average Score, Popularity among Specific Viewers</a:t>
+            </a:r>
+            <a:endParaRPr lang="de-DE" sz="3600" dirty="0">
+              <a:solidFill>
+                <a:srgbClr val="2831A2"/>
+              </a:solidFill>
+            </a:endParaRPr>
+          </a:p>
+        </p:txBody>
+      </p:sp>
+      <p:cxnSp>
+        <p:nvCxnSpPr>
+          <p:cNvPr id="29" name="Straight Arrow Connector 28">
+            <a:extLst>
+              <a:ext uri="{FF2B5EF4-FFF2-40B4-BE49-F238E27FC236}">
+                <a16:creationId xmlns:a16="http://schemas.microsoft.com/office/drawing/2014/main" id="{4D2F4945-5967-49FF-973E-75A46190A934}"/>
+              </a:ext>
+            </a:extLst>
+          </p:cNvPr>
+          <p:cNvCxnSpPr>
+            <a:cxnSpLocks/>
+          </p:cNvCxnSpPr>
+          <p:nvPr/>
+        </p:nvCxnSpPr>
+        <p:spPr>
+          <a:xfrm flipV="1">
+            <a:off x="3515379" y="5183082"/>
+            <a:ext cx="0" cy="2895600"/>
+          </a:xfrm>
+          <a:prstGeom prst="straightConnector1">
+            <a:avLst/>
+          </a:prstGeom>
+          <a:ln>
+            <a:headEnd type="none" w="med" len="med"/>
+            <a:tailEnd type="arrow" w="med" len="med"/>
+          </a:ln>
+        </p:spPr>
+        <p:style>
+          <a:lnRef idx="3">
+            <a:schemeClr val="accent5"/>
+          </a:lnRef>
+          <a:fillRef idx="0">
+            <a:schemeClr val="accent5"/>
+          </a:fillRef>
+          <a:effectRef idx="2">
+            <a:schemeClr val="accent5"/>
+          </a:effectRef>
+          <a:fontRef idx="minor">
+            <a:schemeClr val="tx1"/>
+          </a:fontRef>
+        </p:style>
+      </p:cxnSp>
+      <p:sp>
+        <p:nvSpPr>
+          <p:cNvPr id="43" name="TextBox 42">
+            <a:extLst>
+              <a:ext uri="{FF2B5EF4-FFF2-40B4-BE49-F238E27FC236}">
+                <a16:creationId xmlns:a16="http://schemas.microsoft.com/office/drawing/2014/main" id="{1CBC1265-57A0-4869-B418-82BF447C0216}"/>
+              </a:ext>
+            </a:extLst>
+          </p:cNvPr>
+          <p:cNvSpPr txBox="1"/>
+          <p:nvPr/>
+        </p:nvSpPr>
+        <p:spPr>
+          <a:xfrm>
+            <a:off x="3176825" y="2287482"/>
+            <a:ext cx="677108" cy="2670724"/>
+          </a:xfrm>
+          <a:prstGeom prst="rect">
+            <a:avLst/>
+          </a:prstGeom>
+          <a:noFill/>
+        </p:spPr>
+        <p:txBody>
+          <a:bodyPr vert="vert270" wrap="square" rtlCol="0">
+            <a:spAutoFit/>
+          </a:bodyPr>
+          <a:lstStyle/>
+          <a:p>
+            <a:r>
+              <a:rPr lang="en-US" sz="3200" dirty="0">
+                <a:solidFill>
+                  <a:schemeClr val="accent5">
                     <a:lumMod val="75000"/>
                   </a:schemeClr>
                 </a:solidFill>
               </a:rPr>
-              <a:t>Free-Time, Cultural, and Healthy-Food Issues Gave Positive Signals </a:t>
+              <a:t>More Popular</a:t>
             </a:r>
-            <a:endParaRPr lang="de-DE" sz="3600" dirty="0">
+            <a:endParaRPr lang="de-DE" sz="3200" dirty="0">
               <a:solidFill>
-                <a:schemeClr val="accent4">
+                <a:schemeClr val="accent5">
                   <a:lumMod val="75000"/>
                 </a:schemeClr>
               </a:solidFill>
@@ -25846,184 +30276,10 @@
           </a:p>
         </p:txBody>
       </p:sp>
-      <p:graphicFrame>
-        <p:nvGraphicFramePr>
-          <p:cNvPr id="36" name="Chart 35">
-            <a:extLst>
-              <a:ext uri="{FF2B5EF4-FFF2-40B4-BE49-F238E27FC236}">
-                <a16:creationId xmlns:a16="http://schemas.microsoft.com/office/drawing/2014/main" id="{645ACE65-2D02-479F-BD2A-A727AF127AFF}"/>
-              </a:ext>
-            </a:extLst>
-          </p:cNvPr>
-          <p:cNvGraphicFramePr>
-            <a:graphicFrameLocks/>
-          </p:cNvGraphicFramePr>
-          <p:nvPr>
-            <p:extLst>
-              <p:ext uri="{D42A27DB-BD31-4B8C-83A1-F6EECF244321}">
-                <p14:modId xmlns:p14="http://schemas.microsoft.com/office/powerpoint/2010/main" val="3755611713"/>
-              </p:ext>
-            </p:extLst>
-          </p:nvPr>
-        </p:nvGraphicFramePr>
-        <p:xfrm>
-          <a:off x="5867400" y="2221344"/>
-          <a:ext cx="9213821" cy="6884556"/>
-        </p:xfrm>
-        <a:graphic>
-          <a:graphicData uri="http://schemas.openxmlformats.org/drawingml/2006/chart">
-            <c:chart xmlns:c="http://schemas.openxmlformats.org/drawingml/2006/chart" xmlns:r="http://schemas.openxmlformats.org/officeDocument/2006/relationships" r:id="rId7"/>
-          </a:graphicData>
-        </a:graphic>
-      </p:graphicFrame>
-      <p:sp>
-        <p:nvSpPr>
-          <p:cNvPr id="30" name="Oval 29">
-            <a:extLst>
-              <a:ext uri="{FF2B5EF4-FFF2-40B4-BE49-F238E27FC236}">
-                <a16:creationId xmlns:a16="http://schemas.microsoft.com/office/drawing/2014/main" id="{9BBE6124-95CF-48B9-98C0-171463265865}"/>
-              </a:ext>
-            </a:extLst>
-          </p:cNvPr>
-          <p:cNvSpPr/>
-          <p:nvPr/>
-        </p:nvSpPr>
-        <p:spPr>
-          <a:xfrm>
-            <a:off x="10238844" y="5143500"/>
-            <a:ext cx="1960145" cy="1981200"/>
-          </a:xfrm>
-          <a:prstGeom prst="ellipse">
-            <a:avLst/>
-          </a:prstGeom>
-          <a:solidFill>
-            <a:schemeClr val="accent2">
-              <a:lumMod val="40000"/>
-              <a:lumOff val="60000"/>
-              <a:alpha val="50000"/>
-            </a:schemeClr>
-          </a:solidFill>
-          <a:ln>
-            <a:noFill/>
-          </a:ln>
-        </p:spPr>
-        <p:style>
-          <a:lnRef idx="0">
-            <a:scrgbClr r="0" g="0" b="0"/>
-          </a:lnRef>
-          <a:fillRef idx="0">
-            <a:scrgbClr r="0" g="0" b="0"/>
-          </a:fillRef>
-          <a:effectRef idx="0">
-            <a:scrgbClr r="0" g="0" b="0"/>
-          </a:effectRef>
-          <a:fontRef idx="minor">
-            <a:schemeClr val="lt1"/>
-          </a:fontRef>
-        </p:style>
-        <p:txBody>
-          <a:bodyPr/>
-          <a:lstStyle>
-            <a:lvl1pPr marL="0" indent="0">
-              <a:defRPr sz="1100">
-                <a:solidFill>
-                  <a:schemeClr val="lt1"/>
-                </a:solidFill>
-                <a:latin typeface="+mn-lt"/>
-                <a:ea typeface="+mn-ea"/>
-                <a:cs typeface="+mn-cs"/>
-              </a:defRPr>
-            </a:lvl1pPr>
-            <a:lvl2pPr marL="457200" indent="0">
-              <a:defRPr sz="1100">
-                <a:solidFill>
-                  <a:schemeClr val="lt1"/>
-                </a:solidFill>
-                <a:latin typeface="+mn-lt"/>
-                <a:ea typeface="+mn-ea"/>
-                <a:cs typeface="+mn-cs"/>
-              </a:defRPr>
-            </a:lvl2pPr>
-            <a:lvl3pPr marL="914400" indent="0">
-              <a:defRPr sz="1100">
-                <a:solidFill>
-                  <a:schemeClr val="lt1"/>
-                </a:solidFill>
-                <a:latin typeface="+mn-lt"/>
-                <a:ea typeface="+mn-ea"/>
-                <a:cs typeface="+mn-cs"/>
-              </a:defRPr>
-            </a:lvl3pPr>
-            <a:lvl4pPr marL="1371600" indent="0">
-              <a:defRPr sz="1100">
-                <a:solidFill>
-                  <a:schemeClr val="lt1"/>
-                </a:solidFill>
-                <a:latin typeface="+mn-lt"/>
-                <a:ea typeface="+mn-ea"/>
-                <a:cs typeface="+mn-cs"/>
-              </a:defRPr>
-            </a:lvl4pPr>
-            <a:lvl5pPr marL="1828800" indent="0">
-              <a:defRPr sz="1100">
-                <a:solidFill>
-                  <a:schemeClr val="lt1"/>
-                </a:solidFill>
-                <a:latin typeface="+mn-lt"/>
-                <a:ea typeface="+mn-ea"/>
-                <a:cs typeface="+mn-cs"/>
-              </a:defRPr>
-            </a:lvl5pPr>
-            <a:lvl6pPr marL="2286000" indent="0">
-              <a:defRPr sz="1100">
-                <a:solidFill>
-                  <a:schemeClr val="lt1"/>
-                </a:solidFill>
-                <a:latin typeface="+mn-lt"/>
-                <a:ea typeface="+mn-ea"/>
-                <a:cs typeface="+mn-cs"/>
-              </a:defRPr>
-            </a:lvl6pPr>
-            <a:lvl7pPr marL="2743200" indent="0">
-              <a:defRPr sz="1100">
-                <a:solidFill>
-                  <a:schemeClr val="lt1"/>
-                </a:solidFill>
-                <a:latin typeface="+mn-lt"/>
-                <a:ea typeface="+mn-ea"/>
-                <a:cs typeface="+mn-cs"/>
-              </a:defRPr>
-            </a:lvl7pPr>
-            <a:lvl8pPr marL="3200400" indent="0">
-              <a:defRPr sz="1100">
-                <a:solidFill>
-                  <a:schemeClr val="lt1"/>
-                </a:solidFill>
-                <a:latin typeface="+mn-lt"/>
-                <a:ea typeface="+mn-ea"/>
-                <a:cs typeface="+mn-cs"/>
-              </a:defRPr>
-            </a:lvl8pPr>
-            <a:lvl9pPr marL="3657600" indent="0">
-              <a:defRPr sz="1100">
-                <a:solidFill>
-                  <a:schemeClr val="lt1"/>
-                </a:solidFill>
-                <a:latin typeface="+mn-lt"/>
-                <a:ea typeface="+mn-ea"/>
-                <a:cs typeface="+mn-cs"/>
-              </a:defRPr>
-            </a:lvl9pPr>
-          </a:lstStyle>
-          <a:p>
-            <a:endParaRPr lang="de-DE"/>
-          </a:p>
-        </p:txBody>
-      </p:sp>
     </p:spTree>
     <p:extLst>
       <p:ext uri="{BB962C8B-B14F-4D97-AF65-F5344CB8AC3E}">
-        <p14:creationId xmlns:p14="http://schemas.microsoft.com/office/powerpoint/2010/main" val="505958749"/>
+        <p14:creationId xmlns:p14="http://schemas.microsoft.com/office/powerpoint/2010/main" val="2153969069"/>
       </p:ext>
     </p:extLst>
   </p:cSld>
